--- a/345/345.pptx
+++ b/345/345.pptx
@@ -5,28 +5,27 @@
     <p:sldMasterId id="2147483801" r:id="rId1"/>
   </p:sldMasterIdLst>
   <p:notesMasterIdLst>
-    <p:notesMasterId r:id="rId18"/>
+    <p:notesMasterId r:id="rId17"/>
   </p:notesMasterIdLst>
   <p:handoutMasterIdLst>
-    <p:handoutMasterId r:id="rId19"/>
+    <p:handoutMasterId r:id="rId18"/>
   </p:handoutMasterIdLst>
   <p:sldIdLst>
     <p:sldId id="256" r:id="rId2"/>
-    <p:sldId id="301" r:id="rId3"/>
-    <p:sldId id="317" r:id="rId4"/>
-    <p:sldId id="318" r:id="rId5"/>
-    <p:sldId id="319" r:id="rId6"/>
-    <p:sldId id="320" r:id="rId7"/>
-    <p:sldId id="321" r:id="rId8"/>
-    <p:sldId id="323" r:id="rId9"/>
-    <p:sldId id="324" r:id="rId10"/>
-    <p:sldId id="322" r:id="rId11"/>
-    <p:sldId id="325" r:id="rId12"/>
-    <p:sldId id="326" r:id="rId13"/>
-    <p:sldId id="327" r:id="rId14"/>
-    <p:sldId id="305" r:id="rId15"/>
-    <p:sldId id="328" r:id="rId16"/>
-    <p:sldId id="329" r:id="rId17"/>
+    <p:sldId id="317" r:id="rId3"/>
+    <p:sldId id="318" r:id="rId4"/>
+    <p:sldId id="319" r:id="rId5"/>
+    <p:sldId id="320" r:id="rId6"/>
+    <p:sldId id="321" r:id="rId7"/>
+    <p:sldId id="323" r:id="rId8"/>
+    <p:sldId id="324" r:id="rId9"/>
+    <p:sldId id="322" r:id="rId10"/>
+    <p:sldId id="325" r:id="rId11"/>
+    <p:sldId id="326" r:id="rId12"/>
+    <p:sldId id="327" r:id="rId13"/>
+    <p:sldId id="305" r:id="rId14"/>
+    <p:sldId id="328" r:id="rId15"/>
+    <p:sldId id="329" r:id="rId16"/>
   </p:sldIdLst>
   <p:sldSz cx="9144000" cy="6858000" type="screen4x3"/>
   <p:notesSz cx="6858000" cy="9144000"/>
@@ -1187,7 +1186,7 @@
             <a:fld id="{596506FA-97EC-5B44-B9D0-7A92857243D4}" type="slidenum">
               <a:rPr lang="en-US"/>
               <a:pPr/>
-              <a:t>3</a:t>
+              <a:t>2</a:t>
             </a:fld>
             <a:endParaRPr lang="en-US"/>
           </a:p>
@@ -1197,7 +1196,7 @@
         <p:nvSpPr>
           <p:cNvPr id="40961" name="Text Box 1"/>
           <p:cNvSpPr txBox="1">
-            <a:spLocks noChangeArrowheads="1"/>
+            <a:spLocks noGrp="1" noRot="1" noChangeAspect="1" noChangeArrowheads="1"/>
           </p:cNvSpPr>
           <p:nvPr>
             <p:ph type="sldImg"/>
@@ -1241,7 +1240,7 @@
         <p:nvSpPr>
           <p:cNvPr id="40962" name="Text Box 2"/>
           <p:cNvSpPr txBox="1">
-            <a:spLocks noChangeArrowheads="1"/>
+            <a:spLocks noGrp="1" noChangeArrowheads="1"/>
           </p:cNvSpPr>
           <p:nvPr>
             <p:ph type="body" idx="1"/>
@@ -2050,7 +2049,7 @@
                 <a:buFontTx/>
                 <a:buNone/>
               </a:pPr>
-              <a:t>3</a:t>
+              <a:t>2</a:t>
             </a:fld>
             <a:endParaRPr lang="en-US" sz="1200"/>
           </a:p>
@@ -2161,7 +2160,7 @@
               <a:pPr>
                 <a:defRPr/>
               </a:pPr>
-              <a:t>15</a:t>
+              <a:t>14</a:t>
             </a:fld>
             <a:endParaRPr lang="en-US"/>
           </a:p>
@@ -6020,309 +6019,6 @@
           <a:lstStyle/>
           <a:p>
             <a:r>
-              <a:rPr lang="en-US" dirty="0" err="1" smtClean="0"/>
-              <a:t>TableViewRow</a:t>
-            </a:r>
-            <a:endParaRPr lang="en-US" dirty="0"/>
-          </a:p>
-        </p:txBody>
-      </p:sp>
-      <p:sp>
-        <p:nvSpPr>
-          <p:cNvPr id="3" name="Content Placeholder 2"/>
-          <p:cNvSpPr>
-            <a:spLocks noGrp="1"/>
-          </p:cNvSpPr>
-          <p:nvPr>
-            <p:ph idx="1"/>
-          </p:nvPr>
-        </p:nvSpPr>
-        <p:spPr/>
-        <p:txBody>
-          <a:bodyPr/>
-          <a:lstStyle/>
-          <a:p>
-            <a:pPr>
-              <a:spcBef>
-                <a:spcPts val="600"/>
-              </a:spcBef>
-              <a:buClrTx/>
-              <a:buFontTx/>
-              <a:buNone/>
-            </a:pPr>
-            <a:r>
-              <a:rPr lang="en-US" sz="2000" dirty="0" err="1">
-                <a:latin typeface="Monaco" charset="0"/>
-              </a:rPr>
-              <a:t>var</a:t>
-            </a:r>
-            <a:r>
-              <a:rPr lang="en-US" sz="2000" dirty="0">
-                <a:latin typeface="Monaco" charset="0"/>
-              </a:rPr>
-              <a:t> row = new </a:t>
-            </a:r>
-            <a:r>
-              <a:rPr lang="en-US" sz="2000" dirty="0" err="1">
-                <a:latin typeface="Monaco" charset="0"/>
-              </a:rPr>
-              <a:t>Titanium.UI.createTableViewRow</a:t>
-            </a:r>
-            <a:r>
-              <a:rPr lang="en-US" sz="2000" dirty="0">
-                <a:latin typeface="Monaco" charset="0"/>
-              </a:rPr>
-              <a:t>({</a:t>
-            </a:r>
-          </a:p>
-          <a:p>
-            <a:pPr>
-              <a:spcBef>
-                <a:spcPts val="600"/>
-              </a:spcBef>
-              <a:buClrTx/>
-              <a:buFontTx/>
-              <a:buNone/>
-            </a:pPr>
-            <a:r>
-              <a:rPr lang="en-US" sz="2000" dirty="0">
-                <a:latin typeface="Monaco" charset="0"/>
-              </a:rPr>
-              <a:t>	</a:t>
-            </a:r>
-            <a:r>
-              <a:rPr lang="en-US" sz="2000" i="1" dirty="0">
-                <a:latin typeface="Monaco" charset="0"/>
-              </a:rPr>
-              <a:t>properties</a:t>
-            </a:r>
-          </a:p>
-          <a:p>
-            <a:pPr>
-              <a:spcBef>
-                <a:spcPts val="600"/>
-              </a:spcBef>
-              <a:buClrTx/>
-              <a:buFontTx/>
-              <a:buNone/>
-            </a:pPr>
-            <a:r>
-              <a:rPr lang="en-US" sz="2000" dirty="0">
-                <a:latin typeface="Monaco" charset="0"/>
-              </a:rPr>
-              <a:t>});</a:t>
-            </a:r>
-          </a:p>
-          <a:p>
-            <a:pPr>
-              <a:spcBef>
-                <a:spcPts val="600"/>
-              </a:spcBef>
-              <a:buClrTx/>
-              <a:buFontTx/>
-              <a:buNone/>
-            </a:pPr>
-            <a:r>
-              <a:rPr lang="en-US" sz="2000" dirty="0" err="1">
-                <a:latin typeface="Monaco" charset="0"/>
-              </a:rPr>
-              <a:t>table.appendRow</a:t>
-            </a:r>
-            <a:r>
-              <a:rPr lang="en-US" sz="2000" dirty="0">
-                <a:latin typeface="Monaco" charset="0"/>
-              </a:rPr>
-              <a:t>(row);</a:t>
-            </a:r>
-          </a:p>
-          <a:p>
-            <a:endParaRPr lang="en-US" dirty="0" smtClean="0"/>
-          </a:p>
-          <a:p>
-            <a:r>
-              <a:rPr lang="en-US" dirty="0" smtClean="0"/>
-              <a:t>Key properties:</a:t>
-            </a:r>
-          </a:p>
-          <a:p>
-            <a:r>
-              <a:rPr lang="en-US" dirty="0" smtClean="0"/>
-              <a:t>title</a:t>
-            </a:r>
-          </a:p>
-          <a:p>
-            <a:r>
-              <a:rPr lang="en-US" dirty="0" smtClean="0"/>
-              <a:t>height / width / top / left</a:t>
-            </a:r>
-          </a:p>
-          <a:p>
-            <a:r>
-              <a:rPr lang="en-US" dirty="0" smtClean="0"/>
-              <a:t>color / </a:t>
-            </a:r>
-            <a:r>
-              <a:rPr lang="en-US" dirty="0" err="1" smtClean="0"/>
-              <a:t>backgroundColor</a:t>
-            </a:r>
-            <a:endParaRPr lang="en-US" dirty="0" smtClean="0"/>
-          </a:p>
-          <a:p>
-            <a:r>
-              <a:rPr lang="en-US" dirty="0" err="1" smtClean="0"/>
-              <a:t>hasChild</a:t>
-            </a:r>
-            <a:r>
-              <a:rPr lang="en-US" dirty="0" smtClean="0"/>
-              <a:t> / </a:t>
-            </a:r>
-            <a:r>
-              <a:rPr lang="en-US" dirty="0" err="1" smtClean="0"/>
-              <a:t>hasDetail</a:t>
-            </a:r>
-            <a:r>
-              <a:rPr lang="en-US" dirty="0" smtClean="0"/>
-              <a:t> / </a:t>
-            </a:r>
-            <a:r>
-              <a:rPr lang="en-US" dirty="0" err="1" smtClean="0"/>
-              <a:t>hasCheck</a:t>
-            </a:r>
-            <a:endParaRPr lang="en-US" dirty="0" smtClean="0"/>
-          </a:p>
-          <a:p>
-            <a:r>
-              <a:rPr lang="en-US" dirty="0" err="1" smtClean="0"/>
-              <a:t>leftImage</a:t>
-            </a:r>
-            <a:r>
-              <a:rPr lang="en-US" dirty="0" smtClean="0"/>
-              <a:t> / </a:t>
-            </a:r>
-            <a:r>
-              <a:rPr lang="en-US" dirty="0" err="1" smtClean="0"/>
-              <a:t>rightImage</a:t>
-            </a:r>
-            <a:endParaRPr lang="en-US" dirty="0"/>
-          </a:p>
-        </p:txBody>
-      </p:sp>
-      <p:pic>
-        <p:nvPicPr>
-          <p:cNvPr id="4" name="Picture 3"/>
-          <p:cNvPicPr>
-            <a:picLocks noChangeAspect="1" noChangeArrowheads="1"/>
-          </p:cNvPicPr>
-          <p:nvPr/>
-        </p:nvPicPr>
-        <p:blipFill>
-          <a:blip r:embed="rId2">
-            <a:extLst>
-              <a:ext uri="{28A0092B-C50C-407E-A947-70E740481C1C}">
-                <a14:useLocalDpi xmlns:a14="http://schemas.microsoft.com/office/drawing/2010/main" val="0"/>
-              </a:ext>
-            </a:extLst>
-          </a:blip>
-          <a:srcRect b="48973"/>
-          <a:stretch>
-            <a:fillRect/>
-          </a:stretch>
-        </p:blipFill>
-        <p:spPr bwMode="auto">
-          <a:xfrm>
-            <a:off x="5486400" y="3657600"/>
-            <a:ext cx="3028950" cy="2193925"/>
-          </a:xfrm>
-          <a:prstGeom prst="rect">
-            <a:avLst/>
-          </a:prstGeom>
-          <a:noFill/>
-          <a:ln>
-            <a:noFill/>
-          </a:ln>
-          <a:effectLst/>
-          <a:extLst>
-            <a:ext uri="{909E8E84-426E-40dd-AFC4-6F175D3DCCD1}">
-              <a14:hiddenFill xmlns:a14="http://schemas.microsoft.com/office/drawing/2010/main">
-                <a:blipFill dpi="0" rotWithShape="0">
-                  <a:blip/>
-                  <a:srcRect b="48973"/>
-                  <a:stretch>
-                    <a:fillRect/>
-                  </a:stretch>
-                </a:blipFill>
-              </a14:hiddenFill>
-            </a:ext>
-            <a:ext uri="{91240B29-F687-4f45-9708-019B960494DF}">
-              <a14:hiddenLine xmlns:a14="http://schemas.microsoft.com/office/drawing/2010/main" w="9525">
-                <a:solidFill>
-                  <a:srgbClr val="000000"/>
-                </a:solidFill>
-                <a:round/>
-                <a:headEnd/>
-                <a:tailEnd/>
-              </a14:hiddenLine>
-            </a:ext>
-            <a:ext uri="{AF507438-7753-43e0-B8FC-AC1667EBCBE1}">
-              <a14:hiddenEffects xmlns:a14="http://schemas.microsoft.com/office/drawing/2010/main">
-                <a:effectLst>
-                  <a:outerShdw blurRad="63500" dist="38099" dir="2700000" algn="ctr" rotWithShape="0">
-                    <a:srgbClr val="000000">
-                      <a:alpha val="74998"/>
-                    </a:srgbClr>
-                  </a:outerShdw>
-                </a:effectLst>
-              </a14:hiddenEffects>
-            </a:ext>
-          </a:extLst>
-        </p:spPr>
-      </p:pic>
-    </p:spTree>
-    <p:extLst>
-      <p:ext uri="{BB962C8B-B14F-4D97-AF65-F5344CB8AC3E}">
-        <p14:creationId xmlns:p14="http://schemas.microsoft.com/office/powerpoint/2010/main" val="3040299292"/>
-      </p:ext>
-    </p:extLst>
-  </p:cSld>
-  <p:clrMapOvr>
-    <a:masterClrMapping/>
-  </p:clrMapOvr>
-</p:sld>
-</file>
-
-<file path=ppt/slides/slide11.xml><?xml version="1.0" encoding="utf-8"?>
-<p:sld xmlns:a="http://schemas.openxmlformats.org/drawingml/2006/main" xmlns:r="http://schemas.openxmlformats.org/officeDocument/2006/relationships" xmlns:p="http://schemas.openxmlformats.org/presentationml/2006/main">
-  <p:cSld>
-    <p:spTree>
-      <p:nvGrpSpPr>
-        <p:cNvPr id="1" name=""/>
-        <p:cNvGrpSpPr/>
-        <p:nvPr/>
-      </p:nvGrpSpPr>
-      <p:grpSpPr>
-        <a:xfrm>
-          <a:off x="0" y="0"/>
-          <a:ext cx="0" cy="0"/>
-          <a:chOff x="0" y="0"/>
-          <a:chExt cx="0" cy="0"/>
-        </a:xfrm>
-      </p:grpSpPr>
-      <p:sp>
-        <p:nvSpPr>
-          <p:cNvPr id="2" name="Title 1"/>
-          <p:cNvSpPr>
-            <a:spLocks noGrp="1"/>
-          </p:cNvSpPr>
-          <p:nvPr>
-            <p:ph type="title"/>
-          </p:nvPr>
-        </p:nvSpPr>
-        <p:spPr/>
-        <p:txBody>
-          <a:bodyPr/>
-          <a:lstStyle/>
-          <a:p>
-            <a:r>
               <a:rPr lang="en-US" dirty="0" smtClean="0"/>
               <a:t>Custom table rows</a:t>
             </a:r>
@@ -6454,7 +6150,7 @@
 </p:sld>
 </file>
 
-<file path=ppt/slides/slide12.xml><?xml version="1.0" encoding="utf-8"?>
+<file path=ppt/slides/slide11.xml><?xml version="1.0" encoding="utf-8"?>
 <p:sld xmlns:a="http://schemas.openxmlformats.org/drawingml/2006/main" xmlns:r="http://schemas.openxmlformats.org/officeDocument/2006/relationships" xmlns:p="http://schemas.openxmlformats.org/presentationml/2006/main">
   <p:cSld>
     <p:spTree>
@@ -7442,7 +7138,7 @@
 </p:sld>
 </file>
 
-<file path=ppt/slides/slide13.xml><?xml version="1.0" encoding="utf-8"?>
+<file path=ppt/slides/slide12.xml><?xml version="1.0" encoding="utf-8"?>
 <p:sld xmlns:a="http://schemas.openxmlformats.org/drawingml/2006/main" xmlns:r="http://schemas.openxmlformats.org/officeDocument/2006/relationships" xmlns:p="http://schemas.openxmlformats.org/presentationml/2006/main">
   <p:cSld>
     <p:spTree>
@@ -7631,7 +7327,7 @@
 </p:sld>
 </file>
 
-<file path=ppt/slides/slide14.xml><?xml version="1.0" encoding="utf-8"?>
+<file path=ppt/slides/slide13.xml><?xml version="1.0" encoding="utf-8"?>
 <p:sld xmlns:a="http://schemas.openxmlformats.org/drawingml/2006/main" xmlns:r="http://schemas.openxmlformats.org/officeDocument/2006/relationships" xmlns:p="http://schemas.openxmlformats.org/presentationml/2006/main">
   <p:cSld>
     <p:spTree>
@@ -7749,7 +7445,7 @@
 </p:sld>
 </file>
 
-<file path=ppt/slides/slide15.xml><?xml version="1.0" encoding="utf-8"?>
+<file path=ppt/slides/slide14.xml><?xml version="1.0" encoding="utf-8"?>
 <p:sld xmlns:a="http://schemas.openxmlformats.org/drawingml/2006/main" xmlns:r="http://schemas.openxmlformats.org/officeDocument/2006/relationships" xmlns:p="http://schemas.openxmlformats.org/presentationml/2006/main">
   <p:cSld>
     <p:spTree>
@@ -7870,7 +7566,7 @@
 </p:sld>
 </file>
 
-<file path=ppt/slides/slide16.xml><?xml version="1.0" encoding="utf-8"?>
+<file path=ppt/slides/slide15.xml><?xml version="1.0" encoding="utf-8"?>
 <p:sld xmlns:a="http://schemas.openxmlformats.org/drawingml/2006/main" xmlns:r="http://schemas.openxmlformats.org/officeDocument/2006/relationships" xmlns:p="http://schemas.openxmlformats.org/presentationml/2006/main">
   <p:cSld>
     <p:spTree>
@@ -8012,144 +7708,6 @@
       </p:grpSpPr>
       <p:sp>
         <p:nvSpPr>
-          <p:cNvPr id="19457" name="Title 1"/>
-          <p:cNvSpPr>
-            <a:spLocks noGrp="1"/>
-          </p:cNvSpPr>
-          <p:nvPr>
-            <p:ph type="title"/>
-          </p:nvPr>
-        </p:nvSpPr>
-        <p:spPr/>
-        <p:txBody>
-          <a:bodyPr/>
-          <a:lstStyle/>
-          <a:p>
-            <a:r>
-              <a:rPr lang="en-US">
-                <a:latin typeface="Trebuchet MS" charset="0"/>
-              </a:rPr>
-              <a:t>Agenda</a:t>
-            </a:r>
-          </a:p>
-        </p:txBody>
-      </p:sp>
-      <p:sp>
-        <p:nvSpPr>
-          <p:cNvPr id="19458" name="Content Placeholder 2"/>
-          <p:cNvSpPr>
-            <a:spLocks noGrp="1"/>
-          </p:cNvSpPr>
-          <p:nvPr>
-            <p:ph idx="1"/>
-          </p:nvPr>
-        </p:nvSpPr>
-        <p:spPr/>
-        <p:txBody>
-          <a:bodyPr/>
-          <a:lstStyle/>
-          <a:p>
-            <a:r>
-              <a:rPr lang="en-US" dirty="0">
-                <a:latin typeface="Trebuchet MS" charset="0"/>
-              </a:rPr>
-              <a:t>Overview of Problem/Opportunity</a:t>
-            </a:r>
-          </a:p>
-          <a:p>
-            <a:endParaRPr lang="en-US" dirty="0">
-              <a:latin typeface="Trebuchet MS" charset="0"/>
-            </a:endParaRPr>
-          </a:p>
-          <a:p>
-            <a:r>
-              <a:rPr lang="en-US" dirty="0">
-                <a:latin typeface="Trebuchet MS" charset="0"/>
-              </a:rPr>
-              <a:t>High Level Concepts and Theory</a:t>
-            </a:r>
-          </a:p>
-          <a:p>
-            <a:endParaRPr lang="en-US" dirty="0">
-              <a:latin typeface="Trebuchet MS" charset="0"/>
-            </a:endParaRPr>
-          </a:p>
-          <a:p>
-            <a:r>
-              <a:rPr lang="en-US" dirty="0">
-                <a:latin typeface="Trebuchet MS" charset="0"/>
-              </a:rPr>
-              <a:t>Demonstration (with Screen Shots for repeatability)</a:t>
-            </a:r>
-          </a:p>
-          <a:p>
-            <a:endParaRPr lang="en-US" dirty="0">
-              <a:latin typeface="Trebuchet MS" charset="0"/>
-            </a:endParaRPr>
-          </a:p>
-          <a:p>
-            <a:r>
-              <a:rPr lang="en-US" dirty="0">
-                <a:latin typeface="Trebuchet MS" charset="0"/>
-              </a:rPr>
-              <a:t>Proposed Solution Details</a:t>
-            </a:r>
-          </a:p>
-          <a:p>
-            <a:endParaRPr lang="en-US" dirty="0">
-              <a:latin typeface="Trebuchet MS" charset="0"/>
-            </a:endParaRPr>
-          </a:p>
-          <a:p>
-            <a:r>
-              <a:rPr lang="en-US" dirty="0">
-                <a:latin typeface="Trebuchet MS" charset="0"/>
-              </a:rPr>
-              <a:t>Code Fragments </a:t>
-            </a:r>
-          </a:p>
-          <a:p>
-            <a:endParaRPr lang="en-US" dirty="0">
-              <a:latin typeface="Trebuchet MS" charset="0"/>
-            </a:endParaRPr>
-          </a:p>
-          <a:p>
-            <a:r>
-              <a:rPr lang="en-US" dirty="0">
-                <a:latin typeface="Trebuchet MS" charset="0"/>
-              </a:rPr>
-              <a:t>Lab Exercise Overview </a:t>
-            </a:r>
-          </a:p>
-        </p:txBody>
-      </p:sp>
-    </p:spTree>
-  </p:cSld>
-  <p:clrMapOvr>
-    <a:masterClrMapping/>
-  </p:clrMapOvr>
-</p:sld>
-</file>
-
-<file path=ppt/slides/slide3.xml><?xml version="1.0" encoding="utf-8"?>
-<p:sld xmlns:a="http://schemas.openxmlformats.org/drawingml/2006/main" xmlns:r="http://schemas.openxmlformats.org/officeDocument/2006/relationships" xmlns:p="http://schemas.openxmlformats.org/presentationml/2006/main">
-  <p:cSld>
-    <p:spTree>
-      <p:nvGrpSpPr>
-        <p:cNvPr id="1" name=""/>
-        <p:cNvGrpSpPr/>
-        <p:nvPr/>
-      </p:nvGrpSpPr>
-      <p:grpSpPr>
-        <a:xfrm>
-          <a:off x="0" y="0"/>
-          <a:ext cx="0" cy="0"/>
-          <a:chOff x="0" y="0"/>
-          <a:chExt cx="0" cy="0"/>
-        </a:xfrm>
-      </p:grpSpPr>
-      <p:sp>
-        <p:nvSpPr>
           <p:cNvPr id="2" name="Title 1"/>
           <p:cNvSpPr>
             <a:spLocks noGrp="1"/>
@@ -8165,7 +7723,7 @@
           <a:p>
             <a:r>
               <a:rPr lang="en-US" dirty="0" smtClean="0"/>
-              <a:t>Outline</a:t>
+              <a:t>Agenda</a:t>
             </a:r>
             <a:endParaRPr lang="en-US" dirty="0"/>
           </a:p>
@@ -8187,26 +7745,32 @@
           <a:lstStyle/>
           <a:p>
             <a:r>
-              <a:rPr lang="en-US" dirty="0" smtClean="0"/>
-              <a:t>Examples</a:t>
-            </a:r>
-          </a:p>
-          <a:p>
-            <a:endParaRPr lang="en-US" dirty="0"/>
-          </a:p>
-          <a:p>
-            <a:r>
               <a:rPr lang="en-US" dirty="0" err="1" smtClean="0"/>
               <a:t>TableView</a:t>
             </a:r>
             <a:r>
+              <a:rPr lang="en-US" dirty="0" smtClean="0"/>
+              <a:t> Examples</a:t>
+            </a:r>
+            <a:endParaRPr lang="en-US" dirty="0" smtClean="0"/>
+          </a:p>
+          <a:p>
+            <a:endParaRPr lang="en-US" dirty="0"/>
+          </a:p>
+          <a:p>
+            <a:r>
+              <a:rPr lang="en-US" dirty="0" err="1" smtClean="0"/>
+              <a:t>TableView</a:t>
+            </a:r>
+            <a:r>
               <a:rPr lang="en-US" dirty="0"/>
               <a:t> </a:t>
             </a:r>
             <a:r>
               <a:rPr lang="en-US" dirty="0" smtClean="0"/>
-              <a:t>basics</a:t>
-            </a:r>
+              <a:t>basics and beyond</a:t>
+            </a:r>
+            <a:endParaRPr lang="en-US" dirty="0" smtClean="0"/>
           </a:p>
           <a:p>
             <a:endParaRPr lang="en-US" dirty="0"/>
@@ -8223,19 +7787,14 @@
           </a:p>
           <a:p>
             <a:r>
-              <a:rPr lang="en-US" dirty="0" smtClean="0"/>
-              <a:t>Event handling</a:t>
-            </a:r>
-          </a:p>
-          <a:p>
-            <a:endParaRPr lang="en-US" dirty="0"/>
-          </a:p>
-          <a:p>
-            <a:r>
-              <a:rPr lang="en-US" dirty="0" smtClean="0"/>
-              <a:t>Other??</a:t>
-            </a:r>
-            <a:endParaRPr lang="en-US" dirty="0"/>
+              <a:rPr lang="en-US" smtClean="0"/>
+              <a:t>Event </a:t>
+            </a:r>
+            <a:r>
+              <a:rPr lang="en-US" smtClean="0"/>
+              <a:t>handling</a:t>
+            </a:r>
+            <a:endParaRPr lang="en-US" dirty="0" smtClean="0"/>
           </a:p>
         </p:txBody>
       </p:sp>
@@ -8280,7 +7839,7 @@
 </p:sld>
 </file>
 
-<file path=ppt/slides/slide4.xml><?xml version="1.0" encoding="utf-8"?>
+<file path=ppt/slides/slide3.xml><?xml version="1.0" encoding="utf-8"?>
 <p:sld xmlns:a="http://schemas.openxmlformats.org/drawingml/2006/main" xmlns:r="http://schemas.openxmlformats.org/officeDocument/2006/relationships" xmlns:p="http://schemas.openxmlformats.org/presentationml/2006/main">
   <p:cSld>
     <p:spTree>
@@ -8613,6 +8172,210 @@
 </p:sld>
 </file>
 
+<file path=ppt/slides/slide4.xml><?xml version="1.0" encoding="utf-8"?>
+<p:sld xmlns:a="http://schemas.openxmlformats.org/drawingml/2006/main" xmlns:r="http://schemas.openxmlformats.org/officeDocument/2006/relationships" xmlns:p="http://schemas.openxmlformats.org/presentationml/2006/main">
+  <p:cSld>
+    <p:spTree>
+      <p:nvGrpSpPr>
+        <p:cNvPr id="1" name=""/>
+        <p:cNvGrpSpPr/>
+        <p:nvPr/>
+      </p:nvGrpSpPr>
+      <p:grpSpPr>
+        <a:xfrm>
+          <a:off x="0" y="0"/>
+          <a:ext cx="0" cy="0"/>
+          <a:chOff x="0" y="0"/>
+          <a:chExt cx="0" cy="0"/>
+        </a:xfrm>
+      </p:grpSpPr>
+      <p:sp>
+        <p:nvSpPr>
+          <p:cNvPr id="2" name="Title 1"/>
+          <p:cNvSpPr>
+            <a:spLocks noGrp="1"/>
+          </p:cNvSpPr>
+          <p:nvPr>
+            <p:ph type="title"/>
+          </p:nvPr>
+        </p:nvSpPr>
+        <p:spPr/>
+        <p:txBody>
+          <a:bodyPr/>
+          <a:lstStyle/>
+          <a:p>
+            <a:r>
+              <a:rPr lang="en-US" dirty="0" smtClean="0"/>
+              <a:t>Basic </a:t>
+            </a:r>
+            <a:r>
+              <a:rPr lang="en-US" dirty="0" err="1" smtClean="0"/>
+              <a:t>TableView</a:t>
+            </a:r>
+            <a:endParaRPr lang="en-US" dirty="0"/>
+          </a:p>
+        </p:txBody>
+      </p:sp>
+      <p:sp>
+        <p:nvSpPr>
+          <p:cNvPr id="3" name="Content Placeholder 2"/>
+          <p:cNvSpPr>
+            <a:spLocks noGrp="1"/>
+          </p:cNvSpPr>
+          <p:nvPr>
+            <p:ph idx="1"/>
+          </p:nvPr>
+        </p:nvSpPr>
+        <p:spPr/>
+        <p:txBody>
+          <a:bodyPr/>
+          <a:lstStyle/>
+          <a:p>
+            <a:pPr>
+              <a:spcBef>
+                <a:spcPts val="600"/>
+              </a:spcBef>
+              <a:buClrTx/>
+              <a:buFontTx/>
+              <a:buNone/>
+            </a:pPr>
+            <a:r>
+              <a:rPr lang="en-US" sz="2000" dirty="0" err="1">
+                <a:latin typeface="Monaco" charset="0"/>
+              </a:rPr>
+              <a:t>var</a:t>
+            </a:r>
+            <a:r>
+              <a:rPr lang="en-US" sz="2000" dirty="0">
+                <a:latin typeface="Monaco" charset="0"/>
+              </a:rPr>
+              <a:t> table = new </a:t>
+            </a:r>
+            <a:r>
+              <a:rPr lang="en-US" sz="2000" dirty="0" err="1">
+                <a:latin typeface="Monaco" charset="0"/>
+              </a:rPr>
+              <a:t>Titanium.UI.createTableView</a:t>
+            </a:r>
+            <a:r>
+              <a:rPr lang="en-US" sz="2000" dirty="0">
+                <a:latin typeface="Monaco" charset="0"/>
+              </a:rPr>
+              <a:t>({</a:t>
+            </a:r>
+          </a:p>
+          <a:p>
+            <a:pPr>
+              <a:spcBef>
+                <a:spcPts val="600"/>
+              </a:spcBef>
+              <a:buClrTx/>
+              <a:buFontTx/>
+              <a:buNone/>
+            </a:pPr>
+            <a:r>
+              <a:rPr lang="en-US" sz="2000" dirty="0">
+                <a:latin typeface="Monaco" charset="0"/>
+              </a:rPr>
+              <a:t>	</a:t>
+            </a:r>
+            <a:r>
+              <a:rPr lang="en-US" sz="2000" i="1" dirty="0">
+                <a:latin typeface="Monaco" charset="0"/>
+              </a:rPr>
+              <a:t>properties</a:t>
+            </a:r>
+          </a:p>
+          <a:p>
+            <a:pPr>
+              <a:spcBef>
+                <a:spcPts val="600"/>
+              </a:spcBef>
+              <a:buClrTx/>
+              <a:buFontTx/>
+              <a:buNone/>
+            </a:pPr>
+            <a:r>
+              <a:rPr lang="en-US" sz="2000" dirty="0">
+                <a:latin typeface="Monaco" charset="0"/>
+              </a:rPr>
+              <a:t>});</a:t>
+            </a:r>
+          </a:p>
+          <a:p>
+            <a:endParaRPr lang="en-US" dirty="0" smtClean="0"/>
+          </a:p>
+          <a:p>
+            <a:r>
+              <a:rPr lang="en-US" dirty="0" smtClean="0"/>
+              <a:t>Key table properties:</a:t>
+            </a:r>
+          </a:p>
+          <a:p>
+            <a:pPr marL="800100" lvl="1" indent="-342900">
+              <a:buFont typeface="Arial"/>
+              <a:buChar char="•"/>
+            </a:pPr>
+            <a:r>
+              <a:rPr lang="en-US" dirty="0" smtClean="0"/>
+              <a:t>height / width</a:t>
+            </a:r>
+          </a:p>
+          <a:p>
+            <a:pPr marL="800100" lvl="1" indent="-342900">
+              <a:buFont typeface="Arial"/>
+              <a:buChar char="•"/>
+            </a:pPr>
+            <a:r>
+              <a:rPr lang="en-US" dirty="0" smtClean="0"/>
+              <a:t>top / left</a:t>
+            </a:r>
+          </a:p>
+          <a:p>
+            <a:pPr marL="800100" lvl="1" indent="-342900">
+              <a:buFont typeface="Arial"/>
+              <a:buChar char="•"/>
+            </a:pPr>
+            <a:r>
+              <a:rPr lang="en-US" dirty="0" err="1" smtClean="0"/>
+              <a:t>backgroundColor</a:t>
+            </a:r>
+            <a:r>
+              <a:rPr lang="en-US" dirty="0" smtClean="0"/>
+              <a:t> / </a:t>
+            </a:r>
+            <a:r>
+              <a:rPr lang="en-US" dirty="0" err="1" smtClean="0"/>
+              <a:t>backgroundImage</a:t>
+            </a:r>
+            <a:endParaRPr lang="en-US" dirty="0" smtClean="0"/>
+          </a:p>
+          <a:p>
+            <a:pPr marL="800100" lvl="1" indent="-342900">
+              <a:buFont typeface="Arial"/>
+              <a:buChar char="•"/>
+            </a:pPr>
+            <a:r>
+              <a:rPr lang="en-US" dirty="0" err="1" smtClean="0"/>
+              <a:t>headerTitle</a:t>
+            </a:r>
+            <a:endParaRPr lang="en-US" dirty="0"/>
+          </a:p>
+        </p:txBody>
+      </p:sp>
+    </p:spTree>
+    <p:extLst>
+      <p:ext uri="{BB962C8B-B14F-4D97-AF65-F5344CB8AC3E}">
+        <p14:creationId xmlns:p14="http://schemas.microsoft.com/office/powerpoint/2010/main" val="2873017608"/>
+      </p:ext>
+    </p:extLst>
+  </p:cSld>
+  <p:clrMapOvr>
+    <a:masterClrMapping/>
+  </p:clrMapOvr>
+</p:sld>
+</file>
+
 <file path=ppt/slides/slide5.xml><?xml version="1.0" encoding="utf-8"?>
 <p:sld xmlns:a="http://schemas.openxmlformats.org/drawingml/2006/main" xmlns:r="http://schemas.openxmlformats.org/officeDocument/2006/relationships" xmlns:p="http://schemas.openxmlformats.org/presentationml/2006/main">
   <p:cSld>
@@ -8647,11 +8410,7 @@
           <a:p>
             <a:r>
               <a:rPr lang="en-US" dirty="0" smtClean="0"/>
-              <a:t>Basic </a:t>
-            </a:r>
-            <a:r>
-              <a:rPr lang="en-US" dirty="0" err="1" smtClean="0"/>
-              <a:t>TableView</a:t>
+              <a:t>Adding rows</a:t>
             </a:r>
             <a:endParaRPr lang="en-US" dirty="0"/>
           </a:p>
@@ -8672,85 +8431,13 @@
           <a:bodyPr/>
           <a:lstStyle/>
           <a:p>
-            <a:pPr>
-              <a:spcBef>
-                <a:spcPts val="600"/>
-              </a:spcBef>
-              <a:buClrTx/>
-              <a:buFontTx/>
-              <a:buNone/>
-            </a:pPr>
-            <a:r>
-              <a:rPr lang="en-US" sz="2000" dirty="0" err="1">
-                <a:latin typeface="Monaco" charset="0"/>
-              </a:rPr>
-              <a:t>var</a:t>
-            </a:r>
-            <a:r>
-              <a:rPr lang="en-US" sz="2000" dirty="0">
-                <a:latin typeface="Monaco" charset="0"/>
-              </a:rPr>
-              <a:t> table = new </a:t>
-            </a:r>
-            <a:r>
-              <a:rPr lang="en-US" sz="2000" dirty="0" err="1">
-                <a:latin typeface="Monaco" charset="0"/>
-              </a:rPr>
-              <a:t>Titanium.UI.createTableView</a:t>
-            </a:r>
-            <a:r>
-              <a:rPr lang="en-US" sz="2000" dirty="0">
-                <a:latin typeface="Monaco" charset="0"/>
-              </a:rPr>
-              <a:t>({</a:t>
-            </a:r>
-          </a:p>
-          <a:p>
-            <a:pPr>
-              <a:spcBef>
-                <a:spcPts val="600"/>
-              </a:spcBef>
-              <a:buClrTx/>
-              <a:buFontTx/>
-              <a:buNone/>
-            </a:pPr>
-            <a:r>
-              <a:rPr lang="en-US" sz="2000" dirty="0">
-                <a:latin typeface="Monaco" charset="0"/>
-              </a:rPr>
-              <a:t>	</a:t>
-            </a:r>
-            <a:r>
-              <a:rPr lang="en-US" sz="2000" i="1" dirty="0">
-                <a:latin typeface="Monaco" charset="0"/>
-              </a:rPr>
-              <a:t>properties</a:t>
-            </a:r>
-          </a:p>
-          <a:p>
-            <a:pPr>
-              <a:spcBef>
-                <a:spcPts val="600"/>
-              </a:spcBef>
-              <a:buClrTx/>
-              <a:buFontTx/>
-              <a:buNone/>
-            </a:pPr>
-            <a:r>
-              <a:rPr lang="en-US" sz="2000" dirty="0">
-                <a:latin typeface="Monaco" charset="0"/>
-              </a:rPr>
-              <a:t>});</a:t>
-            </a:r>
-          </a:p>
-          <a:p>
-            <a:endParaRPr lang="en-US" dirty="0" smtClean="0"/>
-          </a:p>
-          <a:p>
             <a:r>
               <a:rPr lang="en-US" dirty="0" smtClean="0"/>
-              <a:t>Key table properties:</a:t>
-            </a:r>
+              <a:t>Various means:</a:t>
+            </a:r>
+          </a:p>
+          <a:p>
+            <a:endParaRPr lang="en-US" dirty="0"/>
           </a:p>
           <a:p>
             <a:pPr marL="800100" lvl="1" indent="-342900">
@@ -8759,8 +8446,20 @@
             </a:pPr>
             <a:r>
               <a:rPr lang="en-US" dirty="0" smtClean="0"/>
-              <a:t>height / width</a:t>
-            </a:r>
+              <a:t>Create array of row data, assign to </a:t>
+            </a:r>
+            <a:r>
+              <a:rPr lang="en-US" dirty="0" err="1" smtClean="0"/>
+              <a:t>table.data</a:t>
+            </a:r>
+            <a:r>
+              <a:rPr lang="en-US" dirty="0" smtClean="0"/>
+              <a:t/>
+            </a:r>
+            <a:br>
+              <a:rPr lang="en-US" dirty="0" smtClean="0"/>
+            </a:br>
+            <a:endParaRPr lang="en-US" dirty="0" smtClean="0"/>
           </a:p>
           <a:p>
             <a:pPr marL="800100" lvl="1" indent="-342900">
@@ -8769,8 +8468,20 @@
             </a:pPr>
             <a:r>
               <a:rPr lang="en-US" dirty="0" smtClean="0"/>
-              <a:t>top / left</a:t>
-            </a:r>
+              <a:t>Create array of row data, assign with </a:t>
+            </a:r>
+            <a:r>
+              <a:rPr lang="en-US" dirty="0" err="1" smtClean="0"/>
+              <a:t>table.setData</a:t>
+            </a:r>
+            <a:r>
+              <a:rPr lang="en-US" dirty="0" smtClean="0"/>
+              <a:t>()</a:t>
+            </a:r>
+            <a:br>
+              <a:rPr lang="en-US" dirty="0" smtClean="0"/>
+            </a:br>
+            <a:endParaRPr lang="en-US" dirty="0" smtClean="0"/>
           </a:p>
           <a:p>
             <a:pPr marL="800100" lvl="1" indent="-342900">
@@ -8778,27 +8489,40 @@
               <a:buChar char="•"/>
             </a:pPr>
             <a:r>
+              <a:rPr lang="en-US" dirty="0" smtClean="0"/>
+              <a:t>Create </a:t>
+            </a:r>
+            <a:r>
               <a:rPr lang="en-US" dirty="0" err="1" smtClean="0"/>
-              <a:t>backgroundColor</a:t>
+              <a:t>TableViewRow</a:t>
             </a:r>
             <a:r>
               <a:rPr lang="en-US" dirty="0" smtClean="0"/>
-              <a:t> / </a:t>
+              <a:t> object, add with </a:t>
             </a:r>
             <a:r>
               <a:rPr lang="en-US" dirty="0" err="1" smtClean="0"/>
-              <a:t>backgroundImage</a:t>
-            </a:r>
-            <a:endParaRPr lang="en-US" dirty="0" smtClean="0"/>
-          </a:p>
-          <a:p>
-            <a:pPr marL="800100" lvl="1" indent="-342900">
-              <a:buFont typeface="Arial"/>
-              <a:buChar char="•"/>
-            </a:pPr>
+              <a:t>appendRow</a:t>
+            </a:r>
+            <a:r>
+              <a:rPr lang="en-US" dirty="0" smtClean="0"/>
+              <a:t>(), </a:t>
+            </a:r>
             <a:r>
               <a:rPr lang="en-US" dirty="0" err="1" smtClean="0"/>
-              <a:t>headerTitle</a:t>
+              <a:t>insertRowAfter</a:t>
+            </a:r>
+            <a:r>
+              <a:rPr lang="en-US" dirty="0" smtClean="0"/>
+              <a:t>(), or </a:t>
+            </a:r>
+            <a:r>
+              <a:rPr lang="en-US" dirty="0" err="1" smtClean="0"/>
+              <a:t>insertRowBefore</a:t>
+            </a:r>
+            <a:r>
+              <a:rPr lang="en-US" dirty="0" smtClean="0"/>
+              <a:t>()</a:t>
             </a:r>
             <a:endParaRPr lang="en-US" dirty="0"/>
           </a:p>
@@ -8807,7 +8531,7 @@
     </p:spTree>
     <p:extLst>
       <p:ext uri="{BB962C8B-B14F-4D97-AF65-F5344CB8AC3E}">
-        <p14:creationId xmlns:p14="http://schemas.microsoft.com/office/powerpoint/2010/main" val="2873017608"/>
+        <p14:creationId xmlns:p14="http://schemas.microsoft.com/office/powerpoint/2010/main" val="608660724"/>
       </p:ext>
     </p:extLst>
   </p:cSld>
@@ -8851,7 +8575,7 @@
           <a:p>
             <a:r>
               <a:rPr lang="en-US" dirty="0" smtClean="0"/>
-              <a:t>Adding rows</a:t>
+              <a:t>Adding rows – method 1</a:t>
             </a:r>
             <a:endParaRPr lang="en-US" dirty="0"/>
           </a:p>
@@ -8872,99 +8596,173 @@
           <a:bodyPr/>
           <a:lstStyle/>
           <a:p>
-            <a:r>
-              <a:rPr lang="en-US" dirty="0" smtClean="0"/>
-              <a:t>Various means:</a:t>
-            </a:r>
-          </a:p>
-          <a:p>
-            <a:endParaRPr lang="en-US" dirty="0"/>
-          </a:p>
-          <a:p>
-            <a:pPr marL="800100" lvl="1" indent="-342900">
-              <a:buFont typeface="Arial"/>
-              <a:buChar char="•"/>
+            <a:pPr>
+              <a:spcBef>
+                <a:spcPts val="600"/>
+              </a:spcBef>
+              <a:buClrTx/>
+              <a:buFontTx/>
+              <a:buNone/>
             </a:pPr>
             <a:r>
-              <a:rPr lang="en-US" dirty="0" smtClean="0"/>
-              <a:t>Create array of row data, assign to </a:t>
-            </a:r>
-            <a:r>
-              <a:rPr lang="en-US" dirty="0" err="1" smtClean="0"/>
-              <a:t>table.data</a:t>
-            </a:r>
-            <a:r>
-              <a:rPr lang="en-US" dirty="0" smtClean="0"/>
-              <a:t/>
-            </a:r>
-            <a:br>
-              <a:rPr lang="en-US" dirty="0" smtClean="0"/>
-            </a:br>
-            <a:endParaRPr lang="en-US" dirty="0" smtClean="0"/>
-          </a:p>
-          <a:p>
-            <a:pPr marL="800100" lvl="1" indent="-342900">
-              <a:buFont typeface="Arial"/>
-              <a:buChar char="•"/>
+              <a:rPr lang="en-US" sz="2000" dirty="0" err="1">
+                <a:latin typeface="Monaco" charset="0"/>
+              </a:rPr>
+              <a:t>var</a:t>
+            </a:r>
+            <a:r>
+              <a:rPr lang="en-US" sz="2000" dirty="0">
+                <a:latin typeface="Monaco" charset="0"/>
+              </a:rPr>
+              <a:t> </a:t>
+            </a:r>
+            <a:r>
+              <a:rPr lang="en-US" sz="2000" dirty="0" err="1">
+                <a:latin typeface="Monaco" charset="0"/>
+              </a:rPr>
+              <a:t>tbl_data</a:t>
+            </a:r>
+            <a:r>
+              <a:rPr lang="en-US" sz="2000" dirty="0">
+                <a:latin typeface="Monaco" charset="0"/>
+              </a:rPr>
+              <a:t> = [{</a:t>
+            </a:r>
+            <a:r>
+              <a:rPr lang="en-US" sz="2000" dirty="0" err="1">
+                <a:latin typeface="Monaco" charset="0"/>
+              </a:rPr>
+              <a:t>title:'Row</a:t>
+            </a:r>
+            <a:r>
+              <a:rPr lang="en-US" sz="2000" dirty="0">
+                <a:latin typeface="Monaco" charset="0"/>
+              </a:rPr>
+              <a:t> 1'}, {</a:t>
+            </a:r>
+            <a:r>
+              <a:rPr lang="en-US" sz="2000" dirty="0" err="1">
+                <a:latin typeface="Monaco" charset="0"/>
+              </a:rPr>
+              <a:t>title:'Row</a:t>
+            </a:r>
+            <a:r>
+              <a:rPr lang="en-US" sz="2000" dirty="0">
+                <a:latin typeface="Monaco" charset="0"/>
+              </a:rPr>
+              <a:t> 2'}];</a:t>
+            </a:r>
+          </a:p>
+          <a:p>
+            <a:pPr>
+              <a:spcBef>
+                <a:spcPts val="600"/>
+              </a:spcBef>
+              <a:buClrTx/>
+              <a:buFontTx/>
+              <a:buNone/>
             </a:pPr>
             <a:r>
-              <a:rPr lang="en-US" dirty="0" smtClean="0"/>
-              <a:t>Create array of row data, assign with </a:t>
-            </a:r>
-            <a:r>
-              <a:rPr lang="en-US" dirty="0" err="1" smtClean="0"/>
-              <a:t>table.setData</a:t>
-            </a:r>
-            <a:r>
-              <a:rPr lang="en-US" dirty="0" smtClean="0"/>
-              <a:t>()</a:t>
-            </a:r>
-            <a:br>
-              <a:rPr lang="en-US" dirty="0" smtClean="0"/>
-            </a:br>
-            <a:endParaRPr lang="en-US" dirty="0" smtClean="0"/>
-          </a:p>
-          <a:p>
-            <a:pPr marL="800100" lvl="1" indent="-342900">
-              <a:buFont typeface="Arial"/>
-              <a:buChar char="•"/>
+              <a:rPr lang="en-US" sz="2000" dirty="0" err="1">
+                <a:latin typeface="Monaco" charset="0"/>
+              </a:rPr>
+              <a:t>tbl_data.push</a:t>
+            </a:r>
+            <a:r>
+              <a:rPr lang="en-US" sz="2000" dirty="0">
+                <a:latin typeface="Monaco" charset="0"/>
+              </a:rPr>
+              <a:t>({</a:t>
+            </a:r>
+            <a:r>
+              <a:rPr lang="en-US" sz="2000" dirty="0" err="1">
+                <a:latin typeface="Monaco" charset="0"/>
+              </a:rPr>
+              <a:t>title:'Row</a:t>
+            </a:r>
+            <a:r>
+              <a:rPr lang="en-US" sz="2000" dirty="0">
+                <a:latin typeface="Monaco" charset="0"/>
+              </a:rPr>
+              <a:t> 3'});</a:t>
+            </a:r>
+          </a:p>
+          <a:p>
+            <a:pPr>
+              <a:spcBef>
+                <a:spcPts val="600"/>
+              </a:spcBef>
+              <a:buClrTx/>
+              <a:buFontTx/>
+              <a:buNone/>
             </a:pPr>
             <a:r>
-              <a:rPr lang="en-US" dirty="0" smtClean="0"/>
-              <a:t>Create </a:t>
-            </a:r>
-            <a:r>
-              <a:rPr lang="en-US" dirty="0" err="1" smtClean="0"/>
-              <a:t>TableViewRow</a:t>
-            </a:r>
-            <a:r>
-              <a:rPr lang="en-US" dirty="0" smtClean="0"/>
-              <a:t> object, add with </a:t>
-            </a:r>
-            <a:r>
-              <a:rPr lang="en-US" dirty="0" err="1" smtClean="0"/>
-              <a:t>appendRow</a:t>
-            </a:r>
-            <a:r>
-              <a:rPr lang="en-US" dirty="0" smtClean="0"/>
-              <a:t>(), </a:t>
-            </a:r>
-            <a:r>
-              <a:rPr lang="en-US" dirty="0" err="1" smtClean="0"/>
-              <a:t>insertRowAfter</a:t>
-            </a:r>
-            <a:r>
-              <a:rPr lang="en-US" dirty="0" smtClean="0"/>
-              <a:t>(), or </a:t>
-            </a:r>
-            <a:r>
-              <a:rPr lang="en-US" dirty="0" err="1" smtClean="0"/>
-              <a:t>insertRowBefore</a:t>
-            </a:r>
-            <a:r>
-              <a:rPr lang="en-US" dirty="0" smtClean="0"/>
-              <a:t>()</a:t>
-            </a:r>
+              <a:rPr lang="en-US" sz="2000" dirty="0" err="1">
+                <a:latin typeface="Monaco" charset="0"/>
+              </a:rPr>
+              <a:t>var</a:t>
+            </a:r>
+            <a:r>
+              <a:rPr lang="en-US" sz="2000" dirty="0">
+                <a:latin typeface="Monaco" charset="0"/>
+              </a:rPr>
+              <a:t> table = new </a:t>
+            </a:r>
+            <a:r>
+              <a:rPr lang="en-US" sz="2000" dirty="0" err="1">
+                <a:latin typeface="Monaco" charset="0"/>
+              </a:rPr>
+              <a:t>Titanium.UI.createTableView</a:t>
+            </a:r>
+            <a:r>
+              <a:rPr lang="en-US" sz="2000" dirty="0">
+                <a:latin typeface="Monaco" charset="0"/>
+              </a:rPr>
+              <a:t>({</a:t>
+            </a:r>
+          </a:p>
+          <a:p>
+            <a:pPr>
+              <a:spcBef>
+                <a:spcPts val="600"/>
+              </a:spcBef>
+              <a:buClrTx/>
+              <a:buFontTx/>
+              <a:buNone/>
+            </a:pPr>
+            <a:r>
+              <a:rPr lang="en-US" sz="2000" dirty="0">
+                <a:latin typeface="Monaco" charset="0"/>
+              </a:rPr>
+              <a:t>	</a:t>
+            </a:r>
+            <a:r>
+              <a:rPr lang="en-US" sz="2000" dirty="0" err="1">
+                <a:latin typeface="Monaco" charset="0"/>
+              </a:rPr>
+              <a:t>data:tbl_data</a:t>
+            </a:r>
+            <a:endParaRPr lang="en-US" sz="2000" dirty="0">
+              <a:latin typeface="Monaco" charset="0"/>
+            </a:endParaRPr>
+          </a:p>
+          <a:p>
+            <a:pPr>
+              <a:spcBef>
+                <a:spcPts val="600"/>
+              </a:spcBef>
+              <a:buClrTx/>
+              <a:buFontTx/>
+              <a:buNone/>
+            </a:pPr>
+            <a:r>
+              <a:rPr lang="en-US" sz="2000" dirty="0">
+                <a:latin typeface="Monaco" charset="0"/>
+              </a:rPr>
+              <a:t>});</a:t>
+            </a:r>
+          </a:p>
+          <a:p>
             <a:endParaRPr lang="en-US" dirty="0"/>
           </a:p>
         </p:txBody>
@@ -8972,7 +8770,7 @@
     </p:spTree>
     <p:extLst>
       <p:ext uri="{BB962C8B-B14F-4D97-AF65-F5344CB8AC3E}">
-        <p14:creationId xmlns:p14="http://schemas.microsoft.com/office/powerpoint/2010/main" val="608660724"/>
+        <p14:creationId xmlns:p14="http://schemas.microsoft.com/office/powerpoint/2010/main" val="2242544686"/>
       </p:ext>
     </p:extLst>
   </p:cSld>
@@ -9016,7 +8814,7 @@
           <a:p>
             <a:r>
               <a:rPr lang="en-US" dirty="0" smtClean="0"/>
-              <a:t>Adding rows – method 1</a:t>
+              <a:t>Adding rows – method 2</a:t>
             </a:r>
             <a:endParaRPr lang="en-US" dirty="0"/>
           </a:p>
@@ -9099,9 +8897,6 @@
               <a:spcBef>
                 <a:spcPts val="600"/>
               </a:spcBef>
-              <a:buClrTx/>
-              <a:buFontTx/>
-              <a:buNone/>
             </a:pPr>
             <a:r>
               <a:rPr lang="en-US" sz="2000" dirty="0" err="1">
@@ -9138,28 +8933,34 @@
               <a:buNone/>
             </a:pPr>
             <a:r>
+              <a:rPr lang="en-US" sz="2000" dirty="0" err="1" smtClean="0">
+                <a:latin typeface="Monaco" charset="0"/>
+              </a:rPr>
+              <a:t>var</a:t>
+            </a:r>
+            <a:r>
+              <a:rPr lang="en-US" sz="2000" dirty="0" smtClean="0">
+                <a:latin typeface="Monaco" charset="0"/>
+              </a:rPr>
+              <a:t> </a:t>
+            </a:r>
+            <a:r>
+              <a:rPr lang="en-US" sz="2000" dirty="0">
+                <a:latin typeface="Monaco" charset="0"/>
+              </a:rPr>
+              <a:t>table = new </a:t>
+            </a:r>
+            <a:r>
               <a:rPr lang="en-US" sz="2000" dirty="0" err="1">
                 <a:latin typeface="Monaco" charset="0"/>
               </a:rPr>
-              <a:t>var</a:t>
+              <a:t>Titanium.UI.createTableView</a:t>
             </a:r>
             <a:r>
               <a:rPr lang="en-US" sz="2000" dirty="0">
                 <a:latin typeface="Monaco" charset="0"/>
               </a:rPr>
-              <a:t> table = new </a:t>
-            </a:r>
-            <a:r>
-              <a:rPr lang="en-US" sz="2000" dirty="0" err="1">
-                <a:latin typeface="Monaco" charset="0"/>
-              </a:rPr>
-              <a:t>Titanium.UI.createTableView</a:t>
-            </a:r>
-            <a:r>
-              <a:rPr lang="en-US" sz="2000" dirty="0">
-                <a:latin typeface="Monaco" charset="0"/>
-              </a:rPr>
-              <a:t>({</a:t>
+              <a:t>({});</a:t>
             </a:r>
           </a:p>
           <a:p>
@@ -9172,35 +8973,28 @@
               <a:buNone/>
             </a:pPr>
             <a:r>
+              <a:rPr lang="en-US" sz="2000" dirty="0" err="1">
+                <a:latin typeface="Monaco" charset="0"/>
+              </a:rPr>
+              <a:t>table.setData</a:t>
+            </a:r>
+            <a:r>
               <a:rPr lang="en-US" sz="2000" dirty="0">
                 <a:latin typeface="Monaco" charset="0"/>
               </a:rPr>
-              <a:t>	</a:t>
+              <a:t>(</a:t>
             </a:r>
             <a:r>
               <a:rPr lang="en-US" sz="2000" dirty="0" err="1">
                 <a:latin typeface="Monaco" charset="0"/>
               </a:rPr>
-              <a:t>data:tbl_data</a:t>
-            </a:r>
-            <a:endParaRPr lang="en-US" sz="2000" dirty="0">
-              <a:latin typeface="Monaco" charset="0"/>
-            </a:endParaRPr>
-          </a:p>
-          <a:p>
-            <a:pPr>
-              <a:spcBef>
-                <a:spcPts val="600"/>
-              </a:spcBef>
-              <a:buClrTx/>
-              <a:buFontTx/>
-              <a:buNone/>
-            </a:pPr>
+              <a:t>tbl_data</a:t>
+            </a:r>
             <a:r>
               <a:rPr lang="en-US" sz="2000" dirty="0">
                 <a:latin typeface="Monaco" charset="0"/>
               </a:rPr>
-              <a:t>});</a:t>
+              <a:t>);</a:t>
             </a:r>
           </a:p>
           <a:p>
@@ -9211,7 +9005,7 @@
     </p:spTree>
     <p:extLst>
       <p:ext uri="{BB962C8B-B14F-4D97-AF65-F5344CB8AC3E}">
-        <p14:creationId xmlns:p14="http://schemas.microsoft.com/office/powerpoint/2010/main" val="2242544686"/>
+        <p14:creationId xmlns:p14="http://schemas.microsoft.com/office/powerpoint/2010/main" val="959258660"/>
       </p:ext>
     </p:extLst>
   </p:cSld>
@@ -9255,7 +9049,7 @@
           <a:p>
             <a:r>
               <a:rPr lang="en-US" dirty="0" smtClean="0"/>
-              <a:t>Adding rows – method 2</a:t>
+              <a:t>Adding rows – method 3</a:t>
             </a:r>
             <a:endParaRPr lang="en-US" dirty="0"/>
           </a:p>
@@ -9338,30 +9132,33 @@
               <a:spcBef>
                 <a:spcPts val="600"/>
               </a:spcBef>
+              <a:buClrTx/>
+              <a:buFontTx/>
+              <a:buNone/>
             </a:pPr>
             <a:r>
               <a:rPr lang="en-US" sz="2000" dirty="0" err="1">
                 <a:latin typeface="Monaco" charset="0"/>
               </a:rPr>
-              <a:t>tbl_data.push</a:t>
+              <a:t>var</a:t>
             </a:r>
             <a:r>
               <a:rPr lang="en-US" sz="2000" dirty="0">
                 <a:latin typeface="Monaco" charset="0"/>
               </a:rPr>
+              <a:t> table = new </a:t>
+            </a:r>
+            <a:r>
+              <a:rPr lang="en-US" sz="2000" dirty="0" err="1">
+                <a:latin typeface="Monaco" charset="0"/>
+              </a:rPr>
+              <a:t>Titanium.UI.createTableView</a:t>
+            </a:r>
+            <a:r>
+              <a:rPr lang="en-US" sz="2000" dirty="0">
+                <a:latin typeface="Monaco" charset="0"/>
+              </a:rPr>
               <a:t>({</a:t>
-            </a:r>
-            <a:r>
-              <a:rPr lang="en-US" sz="2000" dirty="0" err="1">
-                <a:latin typeface="Monaco" charset="0"/>
-              </a:rPr>
-              <a:t>title:'Row</a:t>
-            </a:r>
-            <a:r>
-              <a:rPr lang="en-US" sz="2000" dirty="0">
-                <a:latin typeface="Monaco" charset="0"/>
-              </a:rPr>
-              <a:t> 3'});</a:t>
             </a:r>
           </a:p>
           <a:p>
@@ -9374,35 +9171,20 @@
               <a:buNone/>
             </a:pPr>
             <a:r>
-              <a:rPr lang="en-US" sz="2000" dirty="0" err="1" smtClean="0">
-                <a:latin typeface="Monaco" charset="0"/>
-              </a:rPr>
-              <a:t>var</a:t>
-            </a:r>
-            <a:r>
-              <a:rPr lang="en-US" sz="2000" dirty="0" smtClean="0">
-                <a:latin typeface="Monaco" charset="0"/>
-              </a:rPr>
-              <a:t> </a:t>
-            </a:r>
-            <a:r>
               <a:rPr lang="en-US" sz="2000" dirty="0">
                 <a:latin typeface="Monaco" charset="0"/>
               </a:rPr>
-              <a:t>table = new </a:t>
+              <a:t>	data: </a:t>
             </a:r>
             <a:r>
               <a:rPr lang="en-US" sz="2000" dirty="0" err="1">
                 <a:latin typeface="Monaco" charset="0"/>
               </a:rPr>
-              <a:t>Titanium.UI.createTableView</a:t>
-            </a:r>
-            <a:r>
-              <a:rPr lang="en-US" sz="2000" dirty="0">
-                <a:latin typeface="Monaco" charset="0"/>
-              </a:rPr>
-              <a:t>({});</a:t>
-            </a:r>
+              <a:t>tbl_data</a:t>
+            </a:r>
+            <a:endParaRPr lang="en-US" sz="2000" dirty="0">
+              <a:latin typeface="Monaco" charset="0"/>
+            </a:endParaRPr>
           </a:p>
           <a:p>
             <a:pPr>
@@ -9414,28 +9196,110 @@
               <a:buNone/>
             </a:pPr>
             <a:r>
+              <a:rPr lang="en-US" sz="2000" dirty="0">
+                <a:latin typeface="Monaco" charset="0"/>
+              </a:rPr>
+              <a:t>});</a:t>
+            </a:r>
+          </a:p>
+          <a:p>
+            <a:pPr>
+              <a:spcBef>
+                <a:spcPts val="600"/>
+              </a:spcBef>
+              <a:buClrTx/>
+              <a:buFontTx/>
+              <a:buNone/>
+            </a:pPr>
+            <a:r>
               <a:rPr lang="en-US" sz="2000" dirty="0" err="1">
                 <a:latin typeface="Monaco" charset="0"/>
               </a:rPr>
-              <a:t>table.setData</a:t>
+              <a:t>var</a:t>
             </a:r>
             <a:r>
               <a:rPr lang="en-US" sz="2000" dirty="0">
                 <a:latin typeface="Monaco" charset="0"/>
               </a:rPr>
-              <a:t>(</a:t>
+              <a:t> row = new </a:t>
             </a:r>
             <a:r>
               <a:rPr lang="en-US" sz="2000" dirty="0" err="1">
                 <a:latin typeface="Monaco" charset="0"/>
               </a:rPr>
-              <a:t>tbl_data</a:t>
+              <a:t>Titanium.UI.createTableViewRow</a:t>
             </a:r>
             <a:r>
               <a:rPr lang="en-US" sz="2000" dirty="0">
                 <a:latin typeface="Monaco" charset="0"/>
               </a:rPr>
-              <a:t>);</a:t>
+              <a:t>({</a:t>
+            </a:r>
+          </a:p>
+          <a:p>
+            <a:pPr>
+              <a:spcBef>
+                <a:spcPts val="600"/>
+              </a:spcBef>
+              <a:buClrTx/>
+              <a:buFontTx/>
+              <a:buNone/>
+            </a:pPr>
+            <a:r>
+              <a:rPr lang="en-US" sz="2000" dirty="0">
+                <a:latin typeface="Monaco" charset="0"/>
+              </a:rPr>
+              <a:t>	</a:t>
+            </a:r>
+            <a:r>
+              <a:rPr lang="en-US" sz="2000" dirty="0" err="1">
+                <a:latin typeface="Monaco" charset="0"/>
+              </a:rPr>
+              <a:t>title:'My</a:t>
+            </a:r>
+            <a:r>
+              <a:rPr lang="en-US" sz="2000" dirty="0">
+                <a:latin typeface="Monaco" charset="0"/>
+              </a:rPr>
+              <a:t> new row'</a:t>
+            </a:r>
+          </a:p>
+          <a:p>
+            <a:pPr>
+              <a:spcBef>
+                <a:spcPts val="600"/>
+              </a:spcBef>
+              <a:buClrTx/>
+              <a:buFontTx/>
+              <a:buNone/>
+            </a:pPr>
+            <a:r>
+              <a:rPr lang="en-US" sz="2000" dirty="0">
+                <a:latin typeface="Monaco" charset="0"/>
+              </a:rPr>
+              <a:t>});</a:t>
+            </a:r>
+          </a:p>
+          <a:p>
+            <a:pPr>
+              <a:spcBef>
+                <a:spcPts val="600"/>
+              </a:spcBef>
+              <a:buClrTx/>
+              <a:buFontTx/>
+              <a:buNone/>
+            </a:pPr>
+            <a:r>
+              <a:rPr lang="en-US" sz="2000" dirty="0" err="1">
+                <a:latin typeface="Monaco" charset="0"/>
+              </a:rPr>
+              <a:t>table.appendRow</a:t>
+            </a:r>
+            <a:r>
+              <a:rPr lang="en-US" sz="2000" dirty="0">
+                <a:latin typeface="Monaco" charset="0"/>
+              </a:rPr>
+              <a:t>(row);</a:t>
             </a:r>
           </a:p>
           <a:p>
@@ -9489,8 +9353,8 @@
           <a:lstStyle/>
           <a:p>
             <a:r>
-              <a:rPr lang="en-US" dirty="0" smtClean="0"/>
-              <a:t>Adding rows – method 3</a:t>
+              <a:rPr lang="en-US" dirty="0" err="1" smtClean="0"/>
+              <a:t>TableViewRow</a:t>
             </a:r>
             <a:endParaRPr lang="en-US" dirty="0"/>
           </a:p>
@@ -9529,43 +9393,19 @@
               <a:rPr lang="en-US" sz="2000" dirty="0">
                 <a:latin typeface="Monaco" charset="0"/>
               </a:rPr>
-              <a:t> </a:t>
+              <a:t> row = new </a:t>
             </a:r>
             <a:r>
               <a:rPr lang="en-US" sz="2000" dirty="0" err="1">
                 <a:latin typeface="Monaco" charset="0"/>
               </a:rPr>
-              <a:t>tbl_data</a:t>
+              <a:t>Titanium.UI.createTableViewRow</a:t>
             </a:r>
             <a:r>
               <a:rPr lang="en-US" sz="2000" dirty="0">
                 <a:latin typeface="Monaco" charset="0"/>
               </a:rPr>
-              <a:t> = [{</a:t>
-            </a:r>
-            <a:r>
-              <a:rPr lang="en-US" sz="2000" dirty="0" err="1">
-                <a:latin typeface="Monaco" charset="0"/>
-              </a:rPr>
-              <a:t>title:'Row</a:t>
-            </a:r>
-            <a:r>
-              <a:rPr lang="en-US" sz="2000" dirty="0">
-                <a:latin typeface="Monaco" charset="0"/>
-              </a:rPr>
-              <a:t> 1'}, {</a:t>
-            </a:r>
-            <a:r>
-              <a:rPr lang="en-US" sz="2000" dirty="0" err="1">
-                <a:latin typeface="Monaco" charset="0"/>
-              </a:rPr>
-              <a:t>title:'Row</a:t>
-            </a:r>
-            <a:r>
-              <a:rPr lang="en-US" sz="2000" dirty="0">
-                <a:latin typeface="Monaco" charset="0"/>
-              </a:rPr>
-              <a:t> 2'}];</a:t>
+              <a:t>({</a:t>
             </a:r>
           </a:p>
           <a:p>
@@ -9578,28 +9418,16 @@
               <a:buNone/>
             </a:pPr>
             <a:r>
-              <a:rPr lang="en-US" sz="2000" dirty="0" err="1">
-                <a:latin typeface="Monaco" charset="0"/>
-              </a:rPr>
-              <a:t>var</a:t>
-            </a:r>
-            <a:r>
               <a:rPr lang="en-US" sz="2000" dirty="0">
                 <a:latin typeface="Monaco" charset="0"/>
               </a:rPr>
-              <a:t> table = new </a:t>
-            </a:r>
-            <a:r>
-              <a:rPr lang="en-US" sz="2000" dirty="0" err="1">
-                <a:latin typeface="Monaco" charset="0"/>
-              </a:rPr>
-              <a:t>Titanium.UI.createTableView</a:t>
-            </a:r>
-            <a:r>
-              <a:rPr lang="en-US" sz="2000" dirty="0">
-                <a:latin typeface="Monaco" charset="0"/>
-              </a:rPr>
-              <a:t>({</a:t>
+              <a:t>	</a:t>
+            </a:r>
+            <a:r>
+              <a:rPr lang="en-US" sz="2000" i="1" dirty="0">
+                <a:latin typeface="Monaco" charset="0"/>
+              </a:rPr>
+              <a:t>properties</a:t>
             </a:r>
           </a:p>
           <a:p>
@@ -9615,17 +9443,8 @@
               <a:rPr lang="en-US" sz="2000" dirty="0">
                 <a:latin typeface="Monaco" charset="0"/>
               </a:rPr>
-              <a:t>	data: </a:t>
-            </a:r>
-            <a:r>
-              <a:rPr lang="en-US" sz="2000" dirty="0" err="1">
-                <a:latin typeface="Monaco" charset="0"/>
-              </a:rPr>
-              <a:t>tbl_data</a:t>
-            </a:r>
-            <a:endParaRPr lang="en-US" sz="2000" dirty="0">
-              <a:latin typeface="Monaco" charset="0"/>
-            </a:endParaRPr>
+              <a:t>});</a:t>
+            </a:r>
           </a:p>
           <a:p>
             <a:pPr>
@@ -9637,121 +9456,164 @@
               <a:buNone/>
             </a:pPr>
             <a:r>
+              <a:rPr lang="en-US" sz="2000" dirty="0" err="1">
+                <a:latin typeface="Monaco" charset="0"/>
+              </a:rPr>
+              <a:t>table.appendRow</a:t>
+            </a:r>
+            <a:r>
               <a:rPr lang="en-US" sz="2000" dirty="0">
                 <a:latin typeface="Monaco" charset="0"/>
               </a:rPr>
-              <a:t>});</a:t>
-            </a:r>
-          </a:p>
-          <a:p>
-            <a:pPr>
-              <a:spcBef>
-                <a:spcPts val="600"/>
-              </a:spcBef>
-              <a:buClrTx/>
-              <a:buFontTx/>
-              <a:buNone/>
-            </a:pPr>
-            <a:r>
-              <a:rPr lang="en-US" sz="2000" dirty="0" err="1">
-                <a:latin typeface="Monaco" charset="0"/>
-              </a:rPr>
-              <a:t>var</a:t>
-            </a:r>
-            <a:r>
-              <a:rPr lang="en-US" sz="2000" dirty="0">
-                <a:latin typeface="Monaco" charset="0"/>
-              </a:rPr>
-              <a:t> row = new </a:t>
-            </a:r>
-            <a:r>
-              <a:rPr lang="en-US" sz="2000" dirty="0" err="1">
-                <a:latin typeface="Monaco" charset="0"/>
-              </a:rPr>
-              <a:t>Titanium.UI.createTableViewRow</a:t>
-            </a:r>
-            <a:r>
-              <a:rPr lang="en-US" sz="2000" dirty="0">
-                <a:latin typeface="Monaco" charset="0"/>
-              </a:rPr>
-              <a:t>({</a:t>
-            </a:r>
-          </a:p>
-          <a:p>
-            <a:pPr>
-              <a:spcBef>
-                <a:spcPts val="600"/>
-              </a:spcBef>
-              <a:buClrTx/>
-              <a:buFontTx/>
-              <a:buNone/>
-            </a:pPr>
-            <a:r>
-              <a:rPr lang="en-US" sz="2000" dirty="0">
-                <a:latin typeface="Monaco" charset="0"/>
-              </a:rPr>
-              <a:t>	</a:t>
-            </a:r>
-            <a:r>
-              <a:rPr lang="en-US" sz="2000" dirty="0" err="1">
-                <a:latin typeface="Monaco" charset="0"/>
-              </a:rPr>
-              <a:t>title:'My</a:t>
-            </a:r>
-            <a:r>
-              <a:rPr lang="en-US" sz="2000" dirty="0">
-                <a:latin typeface="Monaco" charset="0"/>
-              </a:rPr>
-              <a:t> new row'</a:t>
-            </a:r>
-          </a:p>
-          <a:p>
-            <a:pPr>
-              <a:spcBef>
-                <a:spcPts val="600"/>
-              </a:spcBef>
-              <a:buClrTx/>
-              <a:buFontTx/>
-              <a:buNone/>
-            </a:pPr>
-            <a:r>
-              <a:rPr lang="en-US" sz="2000" dirty="0">
-                <a:latin typeface="Monaco" charset="0"/>
-              </a:rPr>
-              <a:t>});</a:t>
-            </a:r>
-          </a:p>
-          <a:p>
-            <a:pPr>
-              <a:spcBef>
-                <a:spcPts val="600"/>
-              </a:spcBef>
-              <a:buClrTx/>
-              <a:buFontTx/>
-              <a:buNone/>
-            </a:pPr>
-            <a:r>
-              <a:rPr lang="en-US" sz="2000" dirty="0" err="1">
-                <a:latin typeface="Monaco" charset="0"/>
-              </a:rPr>
-              <a:t>table.appendRow</a:t>
-            </a:r>
-            <a:r>
-              <a:rPr lang="en-US" sz="2000" dirty="0">
-                <a:latin typeface="Monaco" charset="0"/>
-              </a:rPr>
               <a:t>(row);</a:t>
             </a:r>
           </a:p>
           <a:p>
+            <a:endParaRPr lang="en-US" dirty="0" smtClean="0"/>
+          </a:p>
+          <a:p>
+            <a:r>
+              <a:rPr lang="en-US" dirty="0" smtClean="0"/>
+              <a:t>Key properties:</a:t>
+            </a:r>
+          </a:p>
+          <a:p>
+            <a:r>
+              <a:rPr lang="en-US" dirty="0" smtClean="0"/>
+              <a:t>title</a:t>
+            </a:r>
+          </a:p>
+          <a:p>
+            <a:r>
+              <a:rPr lang="en-US" dirty="0" smtClean="0"/>
+              <a:t>height / width / top / left</a:t>
+            </a:r>
+          </a:p>
+          <a:p>
+            <a:r>
+              <a:rPr lang="en-US" dirty="0" smtClean="0"/>
+              <a:t>color / </a:t>
+            </a:r>
+            <a:r>
+              <a:rPr lang="en-US" dirty="0" err="1" smtClean="0"/>
+              <a:t>backgroundColor</a:t>
+            </a:r>
+            <a:endParaRPr lang="en-US" dirty="0" smtClean="0"/>
+          </a:p>
+          <a:p>
+            <a:r>
+              <a:rPr lang="en-US" dirty="0" err="1" smtClean="0"/>
+              <a:t>hasChild</a:t>
+            </a:r>
+            <a:r>
+              <a:rPr lang="en-US" dirty="0" smtClean="0"/>
+              <a:t> / </a:t>
+            </a:r>
+            <a:r>
+              <a:rPr lang="en-US" dirty="0" err="1" smtClean="0"/>
+              <a:t>hasDetail</a:t>
+            </a:r>
+            <a:r>
+              <a:rPr lang="en-US" dirty="0" smtClean="0"/>
+              <a:t> / </a:t>
+            </a:r>
+            <a:r>
+              <a:rPr lang="en-US" dirty="0" err="1" smtClean="0"/>
+              <a:t>hasCheck</a:t>
+            </a:r>
+            <a:endParaRPr lang="en-US" dirty="0" smtClean="0"/>
+          </a:p>
+          <a:p>
+            <a:r>
+              <a:rPr lang="en-US" dirty="0" err="1" smtClean="0"/>
+              <a:t>leftImage</a:t>
+            </a:r>
+            <a:r>
+              <a:rPr lang="en-US" dirty="0" smtClean="0"/>
+              <a:t> / </a:t>
+            </a:r>
+            <a:r>
+              <a:rPr lang="en-US" dirty="0" err="1" smtClean="0"/>
+              <a:t>rightImage</a:t>
+            </a:r>
             <a:endParaRPr lang="en-US" dirty="0"/>
           </a:p>
         </p:txBody>
       </p:sp>
+      <p:pic>
+        <p:nvPicPr>
+          <p:cNvPr id="4" name="Picture 3"/>
+          <p:cNvPicPr>
+            <a:picLocks noChangeAspect="1" noChangeArrowheads="1"/>
+          </p:cNvPicPr>
+          <p:nvPr/>
+        </p:nvPicPr>
+        <p:blipFill>
+          <a:blip r:embed="rId2">
+            <a:extLst>
+              <a:ext uri="{28A0092B-C50C-407E-A947-70E740481C1C}">
+                <a14:useLocalDpi xmlns:a14="http://schemas.microsoft.com/office/drawing/2010/main" val="0"/>
+              </a:ext>
+            </a:extLst>
+          </a:blip>
+          <a:srcRect b="48973"/>
+          <a:stretch>
+            <a:fillRect/>
+          </a:stretch>
+        </p:blipFill>
+        <p:spPr bwMode="auto">
+          <a:xfrm>
+            <a:off x="5486400" y="3657600"/>
+            <a:ext cx="3028950" cy="2193925"/>
+          </a:xfrm>
+          <a:prstGeom prst="rect">
+            <a:avLst/>
+          </a:prstGeom>
+          <a:noFill/>
+          <a:ln>
+            <a:noFill/>
+          </a:ln>
+          <a:effectLst/>
+          <a:extLst>
+            <a:ext uri="{909E8E84-426E-40dd-AFC4-6F175D3DCCD1}">
+              <a14:hiddenFill xmlns:a14="http://schemas.microsoft.com/office/drawing/2010/main">
+                <a:blipFill dpi="0" rotWithShape="0">
+                  <a:blip/>
+                  <a:srcRect b="48973"/>
+                  <a:stretch>
+                    <a:fillRect/>
+                  </a:stretch>
+                </a:blipFill>
+              </a14:hiddenFill>
+            </a:ext>
+            <a:ext uri="{91240B29-F687-4f45-9708-019B960494DF}">
+              <a14:hiddenLine xmlns:a14="http://schemas.microsoft.com/office/drawing/2010/main" w="9525">
+                <a:solidFill>
+                  <a:srgbClr val="000000"/>
+                </a:solidFill>
+                <a:round/>
+                <a:headEnd/>
+                <a:tailEnd/>
+              </a14:hiddenLine>
+            </a:ext>
+            <a:ext uri="{AF507438-7753-43e0-B8FC-AC1667EBCBE1}">
+              <a14:hiddenEffects xmlns:a14="http://schemas.microsoft.com/office/drawing/2010/main">
+                <a:effectLst>
+                  <a:outerShdw blurRad="63500" dist="38099" dir="2700000" algn="ctr" rotWithShape="0">
+                    <a:srgbClr val="000000">
+                      <a:alpha val="74998"/>
+                    </a:srgbClr>
+                  </a:outerShdw>
+                </a:effectLst>
+              </a14:hiddenEffects>
+            </a:ext>
+          </a:extLst>
+        </p:spPr>
+      </p:pic>
     </p:spTree>
     <p:extLst>
       <p:ext uri="{BB962C8B-B14F-4D97-AF65-F5344CB8AC3E}">
-        <p14:creationId xmlns:p14="http://schemas.microsoft.com/office/powerpoint/2010/main" val="959258660"/>
+        <p14:creationId xmlns:p14="http://schemas.microsoft.com/office/powerpoint/2010/main" val="3040299292"/>
       </p:ext>
     </p:extLst>
   </p:cSld>

--- a/345/345.pptx
+++ b/345/345.pptx
@@ -5,27 +5,29 @@
     <p:sldMasterId id="2147483801" r:id="rId1"/>
   </p:sldMasterIdLst>
   <p:notesMasterIdLst>
-    <p:notesMasterId r:id="rId17"/>
+    <p:notesMasterId r:id="rId19"/>
   </p:notesMasterIdLst>
   <p:handoutMasterIdLst>
-    <p:handoutMasterId r:id="rId18"/>
+    <p:handoutMasterId r:id="rId20"/>
   </p:handoutMasterIdLst>
   <p:sldIdLst>
     <p:sldId id="256" r:id="rId2"/>
     <p:sldId id="317" r:id="rId3"/>
     <p:sldId id="318" r:id="rId4"/>
     <p:sldId id="319" r:id="rId5"/>
-    <p:sldId id="320" r:id="rId6"/>
-    <p:sldId id="321" r:id="rId7"/>
-    <p:sldId id="323" r:id="rId8"/>
-    <p:sldId id="324" r:id="rId9"/>
-    <p:sldId id="322" r:id="rId10"/>
-    <p:sldId id="325" r:id="rId11"/>
-    <p:sldId id="326" r:id="rId12"/>
-    <p:sldId id="327" r:id="rId13"/>
+    <p:sldId id="321" r:id="rId6"/>
+    <p:sldId id="322" r:id="rId7"/>
+    <p:sldId id="330" r:id="rId8"/>
+    <p:sldId id="331" r:id="rId9"/>
+    <p:sldId id="325" r:id="rId10"/>
+    <p:sldId id="332" r:id="rId11"/>
+    <p:sldId id="334" r:id="rId12"/>
+    <p:sldId id="335" r:id="rId13"/>
     <p:sldId id="305" r:id="rId14"/>
-    <p:sldId id="328" r:id="rId15"/>
-    <p:sldId id="329" r:id="rId16"/>
+    <p:sldId id="327" r:id="rId15"/>
+    <p:sldId id="333" r:id="rId16"/>
+    <p:sldId id="328" r:id="rId17"/>
+    <p:sldId id="329" r:id="rId18"/>
   </p:sldIdLst>
   <p:sldSz cx="9144000" cy="6858000" type="screen4x3"/>
   <p:notesSz cx="6858000" cy="9144000"/>
@@ -248,7 +250,7 @@
               <a:pPr>
                 <a:defRPr/>
               </a:pPr>
-              <a:t>6/2/11</a:t>
+              <a:t>6/3/11</a:t>
             </a:fld>
             <a:endParaRPr lang="en-US"/>
           </a:p>
@@ -431,7 +433,7 @@
               <a:pPr>
                 <a:defRPr/>
               </a:pPr>
-              <a:t>6/2/11</a:t>
+              <a:t>6/3/11</a:t>
             </a:fld>
             <a:endParaRPr lang="en-US"/>
           </a:p>
@@ -1117,6 +1119,212 @@
 </p:notes>
 </file>
 
+<file path=ppt/notesSlides/notesSlide10.xml><?xml version="1.0" encoding="utf-8"?>
+<p:notes xmlns:a="http://schemas.openxmlformats.org/drawingml/2006/main" xmlns:r="http://schemas.openxmlformats.org/officeDocument/2006/relationships" xmlns:p="http://schemas.openxmlformats.org/presentationml/2006/main">
+  <p:cSld>
+    <p:spTree>
+      <p:nvGrpSpPr>
+        <p:cNvPr id="1" name=""/>
+        <p:cNvGrpSpPr/>
+        <p:nvPr/>
+      </p:nvGrpSpPr>
+      <p:grpSpPr>
+        <a:xfrm>
+          <a:off x="0" y="0"/>
+          <a:ext cx="0" cy="0"/>
+          <a:chOff x="0" y="0"/>
+          <a:chExt cx="0" cy="0"/>
+        </a:xfrm>
+      </p:grpSpPr>
+      <p:sp>
+        <p:nvSpPr>
+          <p:cNvPr id="2" name="Slide Image Placeholder 1"/>
+          <p:cNvSpPr>
+            <a:spLocks noGrp="1" noRot="1" noChangeAspect="1"/>
+          </p:cNvSpPr>
+          <p:nvPr>
+            <p:ph type="sldImg"/>
+          </p:nvPr>
+        </p:nvSpPr>
+        <p:spPr/>
+      </p:sp>
+      <p:sp>
+        <p:nvSpPr>
+          <p:cNvPr id="3" name="Notes Placeholder 2"/>
+          <p:cNvSpPr>
+            <a:spLocks noGrp="1"/>
+          </p:cNvSpPr>
+          <p:nvPr>
+            <p:ph type="body" idx="1"/>
+          </p:nvPr>
+        </p:nvSpPr>
+        <p:spPr/>
+        <p:txBody>
+          <a:bodyPr/>
+          <a:lstStyle/>
+          <a:p>
+            <a:endParaRPr lang="en-US" dirty="0"/>
+          </a:p>
+        </p:txBody>
+      </p:sp>
+      <p:sp>
+        <p:nvSpPr>
+          <p:cNvPr id="4" name="Slide Number Placeholder 3"/>
+          <p:cNvSpPr>
+            <a:spLocks noGrp="1"/>
+          </p:cNvSpPr>
+          <p:nvPr>
+            <p:ph type="sldNum" sz="quarter" idx="10"/>
+          </p:nvPr>
+        </p:nvSpPr>
+        <p:spPr/>
+        <p:txBody>
+          <a:bodyPr/>
+          <a:lstStyle/>
+          <a:p>
+            <a:pPr>
+              <a:defRPr/>
+            </a:pPr>
+            <a:fld id="{C704D923-8FB6-2040-A5D7-BD75ED8E8368}" type="slidenum">
+              <a:rPr lang="en-US" smtClean="0"/>
+              <a:pPr>
+                <a:defRPr/>
+              </a:pPr>
+              <a:t>11</a:t>
+            </a:fld>
+            <a:endParaRPr lang="en-US"/>
+          </a:p>
+        </p:txBody>
+      </p:sp>
+    </p:spTree>
+    <p:extLst>
+      <p:ext uri="{BB962C8B-B14F-4D97-AF65-F5344CB8AC3E}">
+        <p14:creationId xmlns:p14="http://schemas.microsoft.com/office/powerpoint/2010/main" val="4204766383"/>
+      </p:ext>
+    </p:extLst>
+  </p:cSld>
+  <p:clrMapOvr>
+    <a:masterClrMapping/>
+  </p:clrMapOvr>
+</p:notes>
+</file>
+
+<file path=ppt/notesSlides/notesSlide11.xml><?xml version="1.0" encoding="utf-8"?>
+<p:notes xmlns:a="http://schemas.openxmlformats.org/drawingml/2006/main" xmlns:r="http://schemas.openxmlformats.org/officeDocument/2006/relationships" xmlns:p="http://schemas.openxmlformats.org/presentationml/2006/main">
+  <p:cSld>
+    <p:spTree>
+      <p:nvGrpSpPr>
+        <p:cNvPr id="1" name=""/>
+        <p:cNvGrpSpPr/>
+        <p:nvPr/>
+      </p:nvGrpSpPr>
+      <p:grpSpPr>
+        <a:xfrm>
+          <a:off x="0" y="0"/>
+          <a:ext cx="0" cy="0"/>
+          <a:chOff x="0" y="0"/>
+          <a:chExt cx="0" cy="0"/>
+        </a:xfrm>
+      </p:grpSpPr>
+      <p:sp>
+        <p:nvSpPr>
+          <p:cNvPr id="2" name="Slide Image Placeholder 1"/>
+          <p:cNvSpPr>
+            <a:spLocks noGrp="1" noRot="1" noChangeAspect="1"/>
+          </p:cNvSpPr>
+          <p:nvPr>
+            <p:ph type="sldImg"/>
+          </p:nvPr>
+        </p:nvSpPr>
+        <p:spPr/>
+      </p:sp>
+      <p:sp>
+        <p:nvSpPr>
+          <p:cNvPr id="3" name="Notes Placeholder 2"/>
+          <p:cNvSpPr>
+            <a:spLocks noGrp="1"/>
+          </p:cNvSpPr>
+          <p:nvPr>
+            <p:ph type="body" idx="1"/>
+          </p:nvPr>
+        </p:nvSpPr>
+        <p:spPr/>
+        <p:txBody>
+          <a:bodyPr/>
+          <a:lstStyle/>
+          <a:p>
+            <a:pPr marL="0" marR="0" indent="0" algn="l" defTabSz="457200" rtl="0" eaLnBrk="1" fontAlgn="base" latinLnBrk="0" hangingPunct="1">
+              <a:lnSpc>
+                <a:spcPct val="100000"/>
+              </a:lnSpc>
+              <a:spcBef>
+                <a:spcPct val="30000"/>
+              </a:spcBef>
+              <a:spcAft>
+                <a:spcPct val="0"/>
+              </a:spcAft>
+              <a:buClrTx/>
+              <a:buSzTx/>
+              <a:buFontTx/>
+              <a:buNone/>
+              <a:tabLst/>
+              <a:defRPr/>
+            </a:pPr>
+            <a:r>
+              <a:rPr lang="en-US" dirty="0" smtClean="0">
+                <a:ea typeface="SimSun" charset="0"/>
+                <a:cs typeface="SimSun" charset="0"/>
+              </a:rPr>
+              <a:t>In this lab, you'll add an event listener. You'll define that listener to show an alert with the row's text. That means you'll have to take special steps for the row containing the image and label.</a:t>
+            </a:r>
+          </a:p>
+          <a:p>
+            <a:endParaRPr lang="en-US" dirty="0"/>
+          </a:p>
+        </p:txBody>
+      </p:sp>
+      <p:sp>
+        <p:nvSpPr>
+          <p:cNvPr id="4" name="Slide Number Placeholder 3"/>
+          <p:cNvSpPr>
+            <a:spLocks noGrp="1"/>
+          </p:cNvSpPr>
+          <p:nvPr>
+            <p:ph type="sldNum" sz="quarter" idx="10"/>
+          </p:nvPr>
+        </p:nvSpPr>
+        <p:spPr/>
+        <p:txBody>
+          <a:bodyPr/>
+          <a:lstStyle/>
+          <a:p>
+            <a:pPr>
+              <a:defRPr/>
+            </a:pPr>
+            <a:fld id="{C704D923-8FB6-2040-A5D7-BD75ED8E8368}" type="slidenum">
+              <a:rPr lang="en-US" smtClean="0"/>
+              <a:pPr>
+                <a:defRPr/>
+              </a:pPr>
+              <a:t>16</a:t>
+            </a:fld>
+            <a:endParaRPr lang="en-US"/>
+          </a:p>
+        </p:txBody>
+      </p:sp>
+    </p:spTree>
+    <p:extLst>
+      <p:ext uri="{BB962C8B-B14F-4D97-AF65-F5344CB8AC3E}">
+        <p14:creationId xmlns:p14="http://schemas.microsoft.com/office/powerpoint/2010/main" val="1705129735"/>
+      </p:ext>
+    </p:extLst>
+  </p:cSld>
+  <p:clrMapOvr>
+    <a:masterClrMapping/>
+  </p:clrMapOvr>
+</p:notes>
+</file>
+
 <file path=ppt/notesSlides/notesSlide2.xml><?xml version="1.0" encoding="utf-8"?>
 <p:notes xmlns:a="http://schemas.openxmlformats.org/drawingml/2006/main" xmlns:r="http://schemas.openxmlformats.org/officeDocument/2006/relationships" xmlns:p="http://schemas.openxmlformats.org/presentationml/2006/main">
   <p:cSld>
@@ -2107,32 +2315,16 @@
           <a:bodyPr/>
           <a:lstStyle/>
           <a:p>
-            <a:pPr marL="0" marR="0" indent="0" algn="l" defTabSz="457200" rtl="0" eaLnBrk="1" fontAlgn="base" latinLnBrk="0" hangingPunct="1">
-              <a:lnSpc>
-                <a:spcPct val="100000"/>
-              </a:lnSpc>
-              <a:spcBef>
-                <a:spcPct val="30000"/>
-              </a:spcBef>
-              <a:spcAft>
-                <a:spcPct val="0"/>
-              </a:spcAft>
-              <a:buClrTx/>
-              <a:buSzTx/>
-              <a:buFontTx/>
-              <a:buNone/>
-              <a:tabLst/>
-              <a:defRPr/>
-            </a:pPr>
-            <a:r>
-              <a:rPr lang="en-US" dirty="0" smtClean="0">
-                <a:ea typeface="SimSun" charset="0"/>
-                <a:cs typeface="SimSun" charset="0"/>
-              </a:rPr>
-              <a:t>In this lab, you'll add an event listener. You'll define that listener to show an alert with the row's text. That means you'll have to take special steps for the row containing the image and label.</a:t>
-            </a:r>
-          </a:p>
-          <a:p>
+            <a:r>
+              <a:rPr lang="en-US" dirty="0" smtClean="0"/>
+              <a:t>Many options for formatting tables</a:t>
+            </a:r>
+          </a:p>
+          <a:p>
+            <a:r>
+              <a:rPr lang="en-US" dirty="0" smtClean="0"/>
+              <a:t>(seven total shown)</a:t>
+            </a:r>
             <a:endParaRPr lang="en-US" dirty="0"/>
           </a:p>
         </p:txBody>
@@ -2160,7 +2352,7 @@
               <a:pPr>
                 <a:defRPr/>
               </a:pPr>
-              <a:t>14</a:t>
+              <a:t>3</a:t>
             </a:fld>
             <a:endParaRPr lang="en-US"/>
           </a:p>
@@ -2169,7 +2361,654 @@
     </p:spTree>
     <p:extLst>
       <p:ext uri="{BB962C8B-B14F-4D97-AF65-F5344CB8AC3E}">
-        <p14:creationId xmlns:p14="http://schemas.microsoft.com/office/powerpoint/2010/main" val="1705129735"/>
+        <p14:creationId xmlns:p14="http://schemas.microsoft.com/office/powerpoint/2010/main" val="3335558664"/>
+      </p:ext>
+    </p:extLst>
+  </p:cSld>
+  <p:clrMapOvr>
+    <a:masterClrMapping/>
+  </p:clrMapOvr>
+</p:notes>
+</file>
+
+<file path=ppt/notesSlides/notesSlide4.xml><?xml version="1.0" encoding="utf-8"?>
+<p:notes xmlns:a="http://schemas.openxmlformats.org/drawingml/2006/main" xmlns:r="http://schemas.openxmlformats.org/officeDocument/2006/relationships" xmlns:p="http://schemas.openxmlformats.org/presentationml/2006/main">
+  <p:cSld>
+    <p:spTree>
+      <p:nvGrpSpPr>
+        <p:cNvPr id="1" name=""/>
+        <p:cNvGrpSpPr/>
+        <p:nvPr/>
+      </p:nvGrpSpPr>
+      <p:grpSpPr>
+        <a:xfrm>
+          <a:off x="0" y="0"/>
+          <a:ext cx="0" cy="0"/>
+          <a:chOff x="0" y="0"/>
+          <a:chExt cx="0" cy="0"/>
+        </a:xfrm>
+      </p:grpSpPr>
+      <p:sp>
+        <p:nvSpPr>
+          <p:cNvPr id="2" name="Slide Image Placeholder 1"/>
+          <p:cNvSpPr>
+            <a:spLocks noGrp="1" noRot="1" noChangeAspect="1"/>
+          </p:cNvSpPr>
+          <p:nvPr>
+            <p:ph type="sldImg"/>
+          </p:nvPr>
+        </p:nvSpPr>
+        <p:spPr/>
+      </p:sp>
+      <p:sp>
+        <p:nvSpPr>
+          <p:cNvPr id="3" name="Notes Placeholder 2"/>
+          <p:cNvSpPr>
+            <a:spLocks noGrp="1"/>
+          </p:cNvSpPr>
+          <p:nvPr>
+            <p:ph type="body" idx="1"/>
+          </p:nvPr>
+        </p:nvSpPr>
+        <p:spPr/>
+        <p:txBody>
+          <a:bodyPr/>
+          <a:lstStyle/>
+          <a:p>
+            <a:endParaRPr lang="en-US" dirty="0"/>
+          </a:p>
+        </p:txBody>
+      </p:sp>
+      <p:sp>
+        <p:nvSpPr>
+          <p:cNvPr id="4" name="Slide Number Placeholder 3"/>
+          <p:cNvSpPr>
+            <a:spLocks noGrp="1"/>
+          </p:cNvSpPr>
+          <p:nvPr>
+            <p:ph type="sldNum" sz="quarter" idx="10"/>
+          </p:nvPr>
+        </p:nvSpPr>
+        <p:spPr/>
+        <p:txBody>
+          <a:bodyPr/>
+          <a:lstStyle/>
+          <a:p>
+            <a:pPr>
+              <a:defRPr/>
+            </a:pPr>
+            <a:fld id="{C704D923-8FB6-2040-A5D7-BD75ED8E8368}" type="slidenum">
+              <a:rPr lang="en-US" smtClean="0"/>
+              <a:pPr>
+                <a:defRPr/>
+              </a:pPr>
+              <a:t>4</a:t>
+            </a:fld>
+            <a:endParaRPr lang="en-US"/>
+          </a:p>
+        </p:txBody>
+      </p:sp>
+    </p:spTree>
+    <p:extLst>
+      <p:ext uri="{BB962C8B-B14F-4D97-AF65-F5344CB8AC3E}">
+        <p14:creationId xmlns:p14="http://schemas.microsoft.com/office/powerpoint/2010/main" val="2440708566"/>
+      </p:ext>
+    </p:extLst>
+  </p:cSld>
+  <p:clrMapOvr>
+    <a:masterClrMapping/>
+  </p:clrMapOvr>
+</p:notes>
+</file>
+
+<file path=ppt/notesSlides/notesSlide5.xml><?xml version="1.0" encoding="utf-8"?>
+<p:notes xmlns:a="http://schemas.openxmlformats.org/drawingml/2006/main" xmlns:r="http://schemas.openxmlformats.org/officeDocument/2006/relationships" xmlns:p="http://schemas.openxmlformats.org/presentationml/2006/main">
+  <p:cSld>
+    <p:spTree>
+      <p:nvGrpSpPr>
+        <p:cNvPr id="1" name=""/>
+        <p:cNvGrpSpPr/>
+        <p:nvPr/>
+      </p:nvGrpSpPr>
+      <p:grpSpPr>
+        <a:xfrm>
+          <a:off x="0" y="0"/>
+          <a:ext cx="0" cy="0"/>
+          <a:chOff x="0" y="0"/>
+          <a:chExt cx="0" cy="0"/>
+        </a:xfrm>
+      </p:grpSpPr>
+      <p:sp>
+        <p:nvSpPr>
+          <p:cNvPr id="2" name="Slide Image Placeholder 1"/>
+          <p:cNvSpPr>
+            <a:spLocks noGrp="1" noRot="1" noChangeAspect="1"/>
+          </p:cNvSpPr>
+          <p:nvPr>
+            <p:ph type="sldImg"/>
+          </p:nvPr>
+        </p:nvSpPr>
+        <p:spPr/>
+      </p:sp>
+      <p:sp>
+        <p:nvSpPr>
+          <p:cNvPr id="3" name="Notes Placeholder 2"/>
+          <p:cNvSpPr>
+            <a:spLocks noGrp="1"/>
+          </p:cNvSpPr>
+          <p:nvPr>
+            <p:ph type="body" idx="1"/>
+          </p:nvPr>
+        </p:nvSpPr>
+        <p:spPr/>
+        <p:txBody>
+          <a:bodyPr/>
+          <a:lstStyle/>
+          <a:p>
+            <a:r>
+              <a:rPr lang="en-US" dirty="0" smtClean="0"/>
+              <a:t>One option</a:t>
+            </a:r>
+            <a:r>
+              <a:rPr lang="en-US" baseline="0" dirty="0" smtClean="0"/>
+              <a:t> for adding rows is to use anonymous objects</a:t>
+            </a:r>
+          </a:p>
+          <a:p>
+            <a:r>
+              <a:rPr lang="en-US" baseline="0" dirty="0" smtClean="0"/>
+              <a:t>Useful with JSON data pulled from a web service or database</a:t>
+            </a:r>
+            <a:endParaRPr lang="en-US" dirty="0"/>
+          </a:p>
+        </p:txBody>
+      </p:sp>
+      <p:sp>
+        <p:nvSpPr>
+          <p:cNvPr id="4" name="Slide Number Placeholder 3"/>
+          <p:cNvSpPr>
+            <a:spLocks noGrp="1"/>
+          </p:cNvSpPr>
+          <p:nvPr>
+            <p:ph type="sldNum" sz="quarter" idx="10"/>
+          </p:nvPr>
+        </p:nvSpPr>
+        <p:spPr/>
+        <p:txBody>
+          <a:bodyPr/>
+          <a:lstStyle/>
+          <a:p>
+            <a:pPr>
+              <a:defRPr/>
+            </a:pPr>
+            <a:fld id="{C704D923-8FB6-2040-A5D7-BD75ED8E8368}" type="slidenum">
+              <a:rPr lang="en-US" smtClean="0"/>
+              <a:pPr>
+                <a:defRPr/>
+              </a:pPr>
+              <a:t>5</a:t>
+            </a:fld>
+            <a:endParaRPr lang="en-US"/>
+          </a:p>
+        </p:txBody>
+      </p:sp>
+    </p:spTree>
+    <p:extLst>
+      <p:ext uri="{BB962C8B-B14F-4D97-AF65-F5344CB8AC3E}">
+        <p14:creationId xmlns:p14="http://schemas.microsoft.com/office/powerpoint/2010/main" val="2469139742"/>
+      </p:ext>
+    </p:extLst>
+  </p:cSld>
+  <p:clrMapOvr>
+    <a:masterClrMapping/>
+  </p:clrMapOvr>
+</p:notes>
+</file>
+
+<file path=ppt/notesSlides/notesSlide6.xml><?xml version="1.0" encoding="utf-8"?>
+<p:notes xmlns:a="http://schemas.openxmlformats.org/drawingml/2006/main" xmlns:r="http://schemas.openxmlformats.org/officeDocument/2006/relationships" xmlns:p="http://schemas.openxmlformats.org/presentationml/2006/main">
+  <p:cSld>
+    <p:spTree>
+      <p:nvGrpSpPr>
+        <p:cNvPr id="1" name=""/>
+        <p:cNvGrpSpPr/>
+        <p:nvPr/>
+      </p:nvGrpSpPr>
+      <p:grpSpPr>
+        <a:xfrm>
+          <a:off x="0" y="0"/>
+          <a:ext cx="0" cy="0"/>
+          <a:chOff x="0" y="0"/>
+          <a:chExt cx="0" cy="0"/>
+        </a:xfrm>
+      </p:grpSpPr>
+      <p:sp>
+        <p:nvSpPr>
+          <p:cNvPr id="2" name="Slide Image Placeholder 1"/>
+          <p:cNvSpPr>
+            <a:spLocks noGrp="1" noRot="1" noChangeAspect="1"/>
+          </p:cNvSpPr>
+          <p:nvPr>
+            <p:ph type="sldImg"/>
+          </p:nvPr>
+        </p:nvSpPr>
+        <p:spPr/>
+      </p:sp>
+      <p:sp>
+        <p:nvSpPr>
+          <p:cNvPr id="3" name="Notes Placeholder 2"/>
+          <p:cNvSpPr>
+            <a:spLocks noGrp="1"/>
+          </p:cNvSpPr>
+          <p:nvPr>
+            <p:ph type="body" idx="1"/>
+          </p:nvPr>
+        </p:nvSpPr>
+        <p:spPr/>
+        <p:txBody>
+          <a:bodyPr/>
+          <a:lstStyle/>
+          <a:p>
+            <a:r>
+              <a:rPr lang="en-US" dirty="0" smtClean="0"/>
+              <a:t>You can also create </a:t>
+            </a:r>
+            <a:r>
+              <a:rPr lang="en-US" dirty="0" err="1" smtClean="0"/>
+              <a:t>TableViewRow</a:t>
+            </a:r>
+            <a:r>
+              <a:rPr lang="en-US" dirty="0" smtClean="0"/>
+              <a:t> objects</a:t>
+            </a:r>
+          </a:p>
+          <a:p>
+            <a:endParaRPr lang="en-US" dirty="0" smtClean="0"/>
+          </a:p>
+          <a:p>
+            <a:r>
+              <a:rPr lang="en-US" dirty="0" smtClean="0"/>
+              <a:t>Useful</a:t>
+            </a:r>
+            <a:r>
+              <a:rPr lang="en-US" baseline="0" dirty="0" smtClean="0"/>
+              <a:t> when you want to manipulate the row’s properties before/after adding to the table</a:t>
+            </a:r>
+          </a:p>
+          <a:p>
+            <a:r>
+              <a:rPr lang="en-US" baseline="0" dirty="0" smtClean="0"/>
+              <a:t>Saves cumbersome means of accessing the object within the table’s data array</a:t>
+            </a:r>
+          </a:p>
+          <a:p>
+            <a:endParaRPr lang="en-US" dirty="0"/>
+          </a:p>
+        </p:txBody>
+      </p:sp>
+      <p:sp>
+        <p:nvSpPr>
+          <p:cNvPr id="4" name="Slide Number Placeholder 3"/>
+          <p:cNvSpPr>
+            <a:spLocks noGrp="1"/>
+          </p:cNvSpPr>
+          <p:nvPr>
+            <p:ph type="sldNum" sz="quarter" idx="10"/>
+          </p:nvPr>
+        </p:nvSpPr>
+        <p:spPr/>
+        <p:txBody>
+          <a:bodyPr/>
+          <a:lstStyle/>
+          <a:p>
+            <a:pPr>
+              <a:defRPr/>
+            </a:pPr>
+            <a:fld id="{C704D923-8FB6-2040-A5D7-BD75ED8E8368}" type="slidenum">
+              <a:rPr lang="en-US" smtClean="0"/>
+              <a:pPr>
+                <a:defRPr/>
+              </a:pPr>
+              <a:t>6</a:t>
+            </a:fld>
+            <a:endParaRPr lang="en-US"/>
+          </a:p>
+        </p:txBody>
+      </p:sp>
+    </p:spTree>
+    <p:extLst>
+      <p:ext uri="{BB962C8B-B14F-4D97-AF65-F5344CB8AC3E}">
+        <p14:creationId xmlns:p14="http://schemas.microsoft.com/office/powerpoint/2010/main" val="4021265226"/>
+      </p:ext>
+    </p:extLst>
+  </p:cSld>
+  <p:clrMapOvr>
+    <a:masterClrMapping/>
+  </p:clrMapOvr>
+</p:notes>
+</file>
+
+<file path=ppt/notesSlides/notesSlide7.xml><?xml version="1.0" encoding="utf-8"?>
+<p:notes xmlns:a="http://schemas.openxmlformats.org/drawingml/2006/main" xmlns:r="http://schemas.openxmlformats.org/officeDocument/2006/relationships" xmlns:p="http://schemas.openxmlformats.org/presentationml/2006/main">
+  <p:cSld>
+    <p:spTree>
+      <p:nvGrpSpPr>
+        <p:cNvPr id="1" name=""/>
+        <p:cNvGrpSpPr/>
+        <p:nvPr/>
+      </p:nvGrpSpPr>
+      <p:grpSpPr>
+        <a:xfrm>
+          <a:off x="0" y="0"/>
+          <a:ext cx="0" cy="0"/>
+          <a:chOff x="0" y="0"/>
+          <a:chExt cx="0" cy="0"/>
+        </a:xfrm>
+      </p:grpSpPr>
+      <p:sp>
+        <p:nvSpPr>
+          <p:cNvPr id="2" name="Slide Image Placeholder 1"/>
+          <p:cNvSpPr>
+            <a:spLocks noGrp="1" noRot="1" noChangeAspect="1"/>
+          </p:cNvSpPr>
+          <p:nvPr>
+            <p:ph type="sldImg"/>
+          </p:nvPr>
+        </p:nvSpPr>
+        <p:spPr/>
+      </p:sp>
+      <p:sp>
+        <p:nvSpPr>
+          <p:cNvPr id="3" name="Notes Placeholder 2"/>
+          <p:cNvSpPr>
+            <a:spLocks noGrp="1"/>
+          </p:cNvSpPr>
+          <p:nvPr>
+            <p:ph type="body" idx="1"/>
+          </p:nvPr>
+        </p:nvSpPr>
+        <p:spPr/>
+        <p:txBody>
+          <a:bodyPr/>
+          <a:lstStyle/>
+          <a:p>
+            <a:r>
+              <a:rPr lang="en-US" dirty="0" err="1" smtClean="0"/>
+              <a:t>hasChild</a:t>
+            </a:r>
+            <a:r>
+              <a:rPr lang="en-US" baseline="0" dirty="0" smtClean="0"/>
+              <a:t> – indicates sub-table or additional rows</a:t>
+            </a:r>
+          </a:p>
+          <a:p>
+            <a:r>
+              <a:rPr lang="en-US" baseline="0" dirty="0" err="1" smtClean="0"/>
+              <a:t>hasDetail</a:t>
+            </a:r>
+            <a:r>
+              <a:rPr lang="en-US" baseline="0" dirty="0" smtClean="0"/>
+              <a:t> – indicates a detail view or alert will appear when row is tapped (not supported on Android)</a:t>
+            </a:r>
+          </a:p>
+          <a:p>
+            <a:r>
+              <a:rPr lang="en-US" baseline="0" dirty="0" err="1" smtClean="0"/>
+              <a:t>hasCheck</a:t>
+            </a:r>
+            <a:r>
+              <a:rPr lang="en-US" baseline="0" dirty="0" smtClean="0"/>
+              <a:t> – on/off or yes/no indicator</a:t>
+            </a:r>
+            <a:endParaRPr lang="en-US" dirty="0"/>
+          </a:p>
+        </p:txBody>
+      </p:sp>
+      <p:sp>
+        <p:nvSpPr>
+          <p:cNvPr id="4" name="Slide Number Placeholder 3"/>
+          <p:cNvSpPr>
+            <a:spLocks noGrp="1"/>
+          </p:cNvSpPr>
+          <p:nvPr>
+            <p:ph type="sldNum" sz="quarter" idx="10"/>
+          </p:nvPr>
+        </p:nvSpPr>
+        <p:spPr/>
+        <p:txBody>
+          <a:bodyPr/>
+          <a:lstStyle/>
+          <a:p>
+            <a:pPr>
+              <a:defRPr/>
+            </a:pPr>
+            <a:fld id="{C704D923-8FB6-2040-A5D7-BD75ED8E8368}" type="slidenum">
+              <a:rPr lang="en-US" smtClean="0"/>
+              <a:pPr>
+                <a:defRPr/>
+              </a:pPr>
+              <a:t>7</a:t>
+            </a:fld>
+            <a:endParaRPr lang="en-US"/>
+          </a:p>
+        </p:txBody>
+      </p:sp>
+    </p:spTree>
+    <p:extLst>
+      <p:ext uri="{BB962C8B-B14F-4D97-AF65-F5344CB8AC3E}">
+        <p14:creationId xmlns:p14="http://schemas.microsoft.com/office/powerpoint/2010/main" val="1003839288"/>
+      </p:ext>
+    </p:extLst>
+  </p:cSld>
+  <p:clrMapOvr>
+    <a:masterClrMapping/>
+  </p:clrMapOvr>
+</p:notes>
+</file>
+
+<file path=ppt/notesSlides/notesSlide8.xml><?xml version="1.0" encoding="utf-8"?>
+<p:notes xmlns:a="http://schemas.openxmlformats.org/drawingml/2006/main" xmlns:r="http://schemas.openxmlformats.org/officeDocument/2006/relationships" xmlns:p="http://schemas.openxmlformats.org/presentationml/2006/main">
+  <p:cSld>
+    <p:spTree>
+      <p:nvGrpSpPr>
+        <p:cNvPr id="1" name=""/>
+        <p:cNvGrpSpPr/>
+        <p:nvPr/>
+      </p:nvGrpSpPr>
+      <p:grpSpPr>
+        <a:xfrm>
+          <a:off x="0" y="0"/>
+          <a:ext cx="0" cy="0"/>
+          <a:chOff x="0" y="0"/>
+          <a:chExt cx="0" cy="0"/>
+        </a:xfrm>
+      </p:grpSpPr>
+      <p:sp>
+        <p:nvSpPr>
+          <p:cNvPr id="2" name="Slide Image Placeholder 1"/>
+          <p:cNvSpPr>
+            <a:spLocks noGrp="1" noRot="1" noChangeAspect="1"/>
+          </p:cNvSpPr>
+          <p:nvPr>
+            <p:ph type="sldImg"/>
+          </p:nvPr>
+        </p:nvSpPr>
+        <p:spPr/>
+      </p:sp>
+      <p:sp>
+        <p:nvSpPr>
+          <p:cNvPr id="3" name="Notes Placeholder 2"/>
+          <p:cNvSpPr>
+            <a:spLocks noGrp="1"/>
+          </p:cNvSpPr>
+          <p:nvPr>
+            <p:ph type="body" idx="1"/>
+          </p:nvPr>
+        </p:nvSpPr>
+        <p:spPr/>
+        <p:txBody>
+          <a:bodyPr/>
+          <a:lstStyle/>
+          <a:p>
+            <a:r>
+              <a:rPr lang="en-US" dirty="0" smtClean="0"/>
+              <a:t>Formatting all can be done with standard </a:t>
+            </a:r>
+            <a:r>
+              <a:rPr lang="en-US" dirty="0" err="1" smtClean="0"/>
+              <a:t>TableViewRow</a:t>
+            </a:r>
+            <a:r>
+              <a:rPr lang="en-US" dirty="0" smtClean="0"/>
+              <a:t> properties</a:t>
+            </a:r>
+          </a:p>
+          <a:p>
+            <a:r>
+              <a:rPr lang="en-US" dirty="0" smtClean="0"/>
+              <a:t>First row has different background image than middle rows</a:t>
+            </a:r>
+          </a:p>
+          <a:p>
+            <a:r>
+              <a:rPr lang="en-US" dirty="0" smtClean="0"/>
+              <a:t>Not labeled,</a:t>
+            </a:r>
+            <a:r>
+              <a:rPr lang="en-US" baseline="0" dirty="0" smtClean="0"/>
+              <a:t> but the row’s foreground (text) color also set</a:t>
+            </a:r>
+            <a:endParaRPr lang="en-US" dirty="0"/>
+          </a:p>
+        </p:txBody>
+      </p:sp>
+      <p:sp>
+        <p:nvSpPr>
+          <p:cNvPr id="4" name="Slide Number Placeholder 3"/>
+          <p:cNvSpPr>
+            <a:spLocks noGrp="1"/>
+          </p:cNvSpPr>
+          <p:nvPr>
+            <p:ph type="sldNum" sz="quarter" idx="10"/>
+          </p:nvPr>
+        </p:nvSpPr>
+        <p:spPr/>
+        <p:txBody>
+          <a:bodyPr/>
+          <a:lstStyle/>
+          <a:p>
+            <a:pPr>
+              <a:defRPr/>
+            </a:pPr>
+            <a:fld id="{C704D923-8FB6-2040-A5D7-BD75ED8E8368}" type="slidenum">
+              <a:rPr lang="en-US" smtClean="0"/>
+              <a:pPr>
+                <a:defRPr/>
+              </a:pPr>
+              <a:t>8</a:t>
+            </a:fld>
+            <a:endParaRPr lang="en-US"/>
+          </a:p>
+        </p:txBody>
+      </p:sp>
+    </p:spTree>
+    <p:extLst>
+      <p:ext uri="{BB962C8B-B14F-4D97-AF65-F5344CB8AC3E}">
+        <p14:creationId xmlns:p14="http://schemas.microsoft.com/office/powerpoint/2010/main" val="3045850162"/>
+      </p:ext>
+    </p:extLst>
+  </p:cSld>
+  <p:clrMapOvr>
+    <a:masterClrMapping/>
+  </p:clrMapOvr>
+</p:notes>
+</file>
+
+<file path=ppt/notesSlides/notesSlide9.xml><?xml version="1.0" encoding="utf-8"?>
+<p:notes xmlns:a="http://schemas.openxmlformats.org/drawingml/2006/main" xmlns:r="http://schemas.openxmlformats.org/officeDocument/2006/relationships" xmlns:p="http://schemas.openxmlformats.org/presentationml/2006/main">
+  <p:cSld>
+    <p:spTree>
+      <p:nvGrpSpPr>
+        <p:cNvPr id="1" name=""/>
+        <p:cNvGrpSpPr/>
+        <p:nvPr/>
+      </p:nvGrpSpPr>
+      <p:grpSpPr>
+        <a:xfrm>
+          <a:off x="0" y="0"/>
+          <a:ext cx="0" cy="0"/>
+          <a:chOff x="0" y="0"/>
+          <a:chExt cx="0" cy="0"/>
+        </a:xfrm>
+      </p:grpSpPr>
+      <p:sp>
+        <p:nvSpPr>
+          <p:cNvPr id="2" name="Slide Image Placeholder 1"/>
+          <p:cNvSpPr>
+            <a:spLocks noGrp="1" noRot="1" noChangeAspect="1"/>
+          </p:cNvSpPr>
+          <p:nvPr>
+            <p:ph type="sldImg"/>
+          </p:nvPr>
+        </p:nvSpPr>
+        <p:spPr/>
+      </p:sp>
+      <p:sp>
+        <p:nvSpPr>
+          <p:cNvPr id="3" name="Notes Placeholder 2"/>
+          <p:cNvSpPr>
+            <a:spLocks noGrp="1"/>
+          </p:cNvSpPr>
+          <p:nvPr>
+            <p:ph type="body" idx="1"/>
+          </p:nvPr>
+        </p:nvSpPr>
+        <p:spPr/>
+        <p:txBody>
+          <a:bodyPr/>
+          <a:lstStyle/>
+          <a:p>
+            <a:r>
+              <a:rPr lang="en-US" dirty="0" smtClean="0"/>
+              <a:t>Example from Kitchen Sink</a:t>
+            </a:r>
+            <a:endParaRPr lang="en-US" dirty="0"/>
+          </a:p>
+        </p:txBody>
+      </p:sp>
+      <p:sp>
+        <p:nvSpPr>
+          <p:cNvPr id="4" name="Slide Number Placeholder 3"/>
+          <p:cNvSpPr>
+            <a:spLocks noGrp="1"/>
+          </p:cNvSpPr>
+          <p:nvPr>
+            <p:ph type="sldNum" sz="quarter" idx="10"/>
+          </p:nvPr>
+        </p:nvSpPr>
+        <p:spPr/>
+        <p:txBody>
+          <a:bodyPr/>
+          <a:lstStyle/>
+          <a:p>
+            <a:pPr>
+              <a:defRPr/>
+            </a:pPr>
+            <a:fld id="{C704D923-8FB6-2040-A5D7-BD75ED8E8368}" type="slidenum">
+              <a:rPr lang="en-US" smtClean="0"/>
+              <a:pPr>
+                <a:defRPr/>
+              </a:pPr>
+              <a:t>10</a:t>
+            </a:fld>
+            <a:endParaRPr lang="en-US"/>
+          </a:p>
+        </p:txBody>
+      </p:sp>
+    </p:spTree>
+    <p:extLst>
+      <p:ext uri="{BB962C8B-B14F-4D97-AF65-F5344CB8AC3E}">
+        <p14:creationId xmlns:p14="http://schemas.microsoft.com/office/powerpoint/2010/main" val="3045850162"/>
       </p:ext>
     </p:extLst>
   </p:cSld>
@@ -2499,7 +3338,7 @@
               <a:pPr>
                 <a:defRPr/>
               </a:pPr>
-              <a:t>6/2/11</a:t>
+              <a:t>6/3/11</a:t>
             </a:fld>
             <a:endParaRPr lang="en-US"/>
           </a:p>
@@ -2987,7 +3826,7 @@
               <a:pPr>
                 <a:defRPr/>
               </a:pPr>
-              <a:t>6/2/11</a:t>
+              <a:t>6/3/11</a:t>
             </a:fld>
             <a:endParaRPr lang="en-US"/>
           </a:p>
@@ -3549,7 +4388,7 @@
               <a:pPr>
                 <a:defRPr/>
               </a:pPr>
-              <a:t>6/2/11</a:t>
+              <a:t>6/3/11</a:t>
             </a:fld>
             <a:endParaRPr lang="en-US"/>
           </a:p>
@@ -4159,7 +4998,7 @@
               <a:pPr>
                 <a:defRPr/>
               </a:pPr>
-              <a:t>6/2/11</a:t>
+              <a:t>6/3/11</a:t>
             </a:fld>
             <a:endParaRPr lang="en-US"/>
           </a:p>
@@ -4281,7 +5120,7 @@
               <a:pPr>
                 <a:defRPr/>
               </a:pPr>
-              <a:t>6/2/11</a:t>
+              <a:t>6/3/11</a:t>
             </a:fld>
             <a:endParaRPr lang="en-US"/>
           </a:p>
@@ -4568,7 +5407,7 @@
               <a:pPr>
                 <a:defRPr/>
               </a:pPr>
-              <a:t>6/2/11</a:t>
+              <a:t>6/3/11</a:t>
             </a:fld>
             <a:endParaRPr lang="en-US"/>
           </a:p>
@@ -6003,80 +6842,16 @@
           <a:chExt cx="0" cy="0"/>
         </a:xfrm>
       </p:grpSpPr>
-      <p:sp>
-        <p:nvSpPr>
-          <p:cNvPr id="2" name="Title 1"/>
-          <p:cNvSpPr>
-            <a:spLocks noGrp="1"/>
-          </p:cNvSpPr>
-          <p:nvPr>
-            <p:ph type="title"/>
-          </p:nvPr>
-        </p:nvSpPr>
-        <p:spPr/>
-        <p:txBody>
-          <a:bodyPr/>
-          <a:lstStyle/>
-          <a:p>
-            <a:r>
-              <a:rPr lang="en-US" dirty="0" smtClean="0"/>
-              <a:t>Custom table rows</a:t>
-            </a:r>
-            <a:endParaRPr lang="en-US" dirty="0"/>
-          </a:p>
-        </p:txBody>
-      </p:sp>
-      <p:sp>
-        <p:nvSpPr>
-          <p:cNvPr id="3" name="Content Placeholder 2"/>
-          <p:cNvSpPr>
-            <a:spLocks noGrp="1"/>
-          </p:cNvSpPr>
-          <p:nvPr>
-            <p:ph idx="1"/>
-          </p:nvPr>
-        </p:nvSpPr>
-        <p:spPr/>
-        <p:txBody>
-          <a:bodyPr/>
-          <a:lstStyle/>
-          <a:p>
-            <a:r>
-              <a:rPr lang="en-US" dirty="0" smtClean="0"/>
-              <a:t>Add labels, views, images to your rows</a:t>
-            </a:r>
-          </a:p>
-          <a:p>
-            <a:endParaRPr lang="en-US" dirty="0"/>
-          </a:p>
-          <a:p>
-            <a:r>
-              <a:rPr lang="en-US" dirty="0" smtClean="0"/>
-              <a:t>Positioning: relative to top-left of row</a:t>
-            </a:r>
-          </a:p>
-          <a:p>
-            <a:endParaRPr lang="en-US" dirty="0"/>
-          </a:p>
-          <a:p>
-            <a:r>
-              <a:rPr lang="en-US" dirty="0" smtClean="0"/>
-              <a:t>Elements accessible via children[]</a:t>
-            </a:r>
-            <a:endParaRPr lang="en-US" dirty="0"/>
-          </a:p>
-        </p:txBody>
-      </p:sp>
       <p:pic>
         <p:nvPicPr>
-          <p:cNvPr id="4" name="Picture 3"/>
+          <p:cNvPr id="19" name="Picture 18"/>
           <p:cNvPicPr>
             <a:picLocks noChangeAspect="1" noChangeArrowheads="1"/>
           </p:cNvPicPr>
           <p:nvPr/>
         </p:nvPicPr>
         <p:blipFill>
-          <a:blip r:embed="rId2">
+          <a:blip r:embed="rId3">
             <a:extLst>
               <a:ext uri="{28A0092B-C50C-407E-A947-70E740481C1C}">
                 <a14:useLocalDpi xmlns:a14="http://schemas.microsoft.com/office/drawing/2010/main" val="0"/>
@@ -6090,7 +6865,7 @@
         </p:blipFill>
         <p:spPr bwMode="auto">
           <a:xfrm>
-            <a:off x="6001062" y="1831474"/>
+            <a:off x="2944176" y="1918251"/>
             <a:ext cx="2897875" cy="4164262"/>
           </a:xfrm>
           <a:prstGeom prst="rect">
@@ -6137,10 +6912,468 @@
           </a:extLst>
         </p:spPr>
       </p:pic>
+      <p:sp>
+        <p:nvSpPr>
+          <p:cNvPr id="2" name="Title 1"/>
+          <p:cNvSpPr>
+            <a:spLocks noGrp="1"/>
+          </p:cNvSpPr>
+          <p:nvPr>
+            <p:ph type="title"/>
+          </p:nvPr>
+        </p:nvSpPr>
+        <p:spPr/>
+        <p:txBody>
+          <a:bodyPr/>
+          <a:lstStyle/>
+          <a:p>
+            <a:r>
+              <a:rPr lang="en-US" dirty="0" smtClean="0"/>
+              <a:t>Custom rows</a:t>
+            </a:r>
+            <a:endParaRPr lang="en-US" dirty="0"/>
+          </a:p>
+        </p:txBody>
+      </p:sp>
+      <p:sp>
+        <p:nvSpPr>
+          <p:cNvPr id="6" name="Line 8"/>
+          <p:cNvSpPr>
+            <a:spLocks noChangeShapeType="1"/>
+          </p:cNvSpPr>
+          <p:nvPr/>
+        </p:nvSpPr>
+        <p:spPr bwMode="auto">
+          <a:xfrm flipH="1">
+            <a:off x="2409067" y="3569557"/>
+            <a:ext cx="934283" cy="0"/>
+          </a:xfrm>
+          <a:prstGeom prst="line">
+            <a:avLst/>
+          </a:prstGeom>
+          <a:noFill/>
+          <a:ln w="38100">
+            <a:solidFill>
+              <a:srgbClr val="9C030B"/>
+            </a:solidFill>
+            <a:round/>
+            <a:headEnd type="stealth" w="med" len="med"/>
+            <a:tailEnd/>
+          </a:ln>
+          <a:extLst>
+            <a:ext uri="{909E8E84-426E-40dd-AFC4-6F175D3DCCD1}">
+              <a14:hiddenFill xmlns:a14="http://schemas.microsoft.com/office/drawing/2010/main">
+                <a:noFill/>
+              </a14:hiddenFill>
+            </a:ext>
+          </a:extLst>
+        </p:spPr>
+        <p:txBody>
+          <a:bodyPr lIns="0" tIns="0" rIns="0" bIns="0"/>
+          <a:lstStyle/>
+          <a:p>
+            <a:endParaRPr lang="en-US"/>
+          </a:p>
+        </p:txBody>
+      </p:sp>
+      <p:sp>
+        <p:nvSpPr>
+          <p:cNvPr id="7" name="Rectangle 3"/>
+          <p:cNvSpPr>
+            <a:spLocks/>
+          </p:cNvSpPr>
+          <p:nvPr/>
+        </p:nvSpPr>
+        <p:spPr bwMode="auto">
+          <a:xfrm>
+            <a:off x="52913" y="3338725"/>
+            <a:ext cx="2619185" cy="461665"/>
+          </a:xfrm>
+          <a:prstGeom prst="rect">
+            <a:avLst/>
+          </a:prstGeom>
+          <a:solidFill>
+            <a:srgbClr val="9C030B"/>
+          </a:solidFill>
+          <a:ln>
+            <a:noFill/>
+          </a:ln>
+          <a:extLst>
+            <a:ext uri="{91240B29-F687-4f45-9708-019B960494DF}">
+              <a14:hiddenLine xmlns:a14="http://schemas.microsoft.com/office/drawing/2010/main" w="9525">
+                <a:solidFill>
+                  <a:srgbClr val="000000"/>
+                </a:solidFill>
+                <a:miter lim="800000"/>
+                <a:headEnd/>
+                <a:tailEnd/>
+              </a14:hiddenLine>
+            </a:ext>
+          </a:extLst>
+        </p:spPr>
+        <p:txBody>
+          <a:bodyPr wrap="square" tIns="91440" bIns="91440" anchor="ctr">
+            <a:spAutoFit/>
+          </a:bodyPr>
+          <a:lstStyle/>
+          <a:p>
+            <a:pPr marL="39688" algn="ctr"/>
+            <a:r>
+              <a:rPr lang="en-US" sz="1800" dirty="0" err="1" smtClean="0">
+                <a:solidFill>
+                  <a:schemeClr val="bg1"/>
+                </a:solidFill>
+                <a:cs typeface="Trebuchet MS" charset="0"/>
+              </a:rPr>
+              <a:t>ImageViews</a:t>
+            </a:r>
+            <a:endParaRPr lang="en-US" sz="1800" dirty="0">
+              <a:solidFill>
+                <a:schemeClr val="bg1"/>
+              </a:solidFill>
+              <a:cs typeface="Trebuchet MS" charset="0"/>
+            </a:endParaRPr>
+          </a:p>
+        </p:txBody>
+      </p:sp>
+      <p:sp>
+        <p:nvSpPr>
+          <p:cNvPr id="8" name="Line 8"/>
+          <p:cNvSpPr>
+            <a:spLocks noChangeShapeType="1"/>
+          </p:cNvSpPr>
+          <p:nvPr/>
+        </p:nvSpPr>
+        <p:spPr bwMode="auto">
+          <a:xfrm>
+            <a:off x="5546334" y="3686178"/>
+            <a:ext cx="1159265" cy="581021"/>
+          </a:xfrm>
+          <a:prstGeom prst="line">
+            <a:avLst/>
+          </a:prstGeom>
+          <a:noFill/>
+          <a:ln w="38100">
+            <a:solidFill>
+              <a:srgbClr val="9C030B"/>
+            </a:solidFill>
+            <a:round/>
+            <a:headEnd type="stealth" w="med" len="med"/>
+            <a:tailEnd/>
+          </a:ln>
+          <a:extLst>
+            <a:ext uri="{909E8E84-426E-40dd-AFC4-6F175D3DCCD1}">
+              <a14:hiddenFill xmlns:a14="http://schemas.microsoft.com/office/drawing/2010/main">
+                <a:noFill/>
+              </a14:hiddenFill>
+            </a:ext>
+          </a:extLst>
+        </p:spPr>
+        <p:txBody>
+          <a:bodyPr lIns="0" tIns="0" rIns="0" bIns="0"/>
+          <a:lstStyle/>
+          <a:p>
+            <a:endParaRPr lang="en-US"/>
+          </a:p>
+        </p:txBody>
+      </p:sp>
+      <p:sp>
+        <p:nvSpPr>
+          <p:cNvPr id="9" name="Rectangle 3"/>
+          <p:cNvSpPr>
+            <a:spLocks/>
+          </p:cNvSpPr>
+          <p:nvPr/>
+        </p:nvSpPr>
+        <p:spPr bwMode="auto">
+          <a:xfrm>
+            <a:off x="6435887" y="3917012"/>
+            <a:ext cx="2585751" cy="461665"/>
+          </a:xfrm>
+          <a:prstGeom prst="rect">
+            <a:avLst/>
+          </a:prstGeom>
+          <a:solidFill>
+            <a:srgbClr val="9C030B"/>
+          </a:solidFill>
+          <a:ln>
+            <a:noFill/>
+          </a:ln>
+          <a:extLst>
+            <a:ext uri="{91240B29-F687-4f45-9708-019B960494DF}">
+              <a14:hiddenLine xmlns:a14="http://schemas.microsoft.com/office/drawing/2010/main" w="9525">
+                <a:solidFill>
+                  <a:srgbClr val="000000"/>
+                </a:solidFill>
+                <a:miter lim="800000"/>
+                <a:headEnd/>
+                <a:tailEnd/>
+              </a14:hiddenLine>
+            </a:ext>
+          </a:extLst>
+        </p:spPr>
+        <p:txBody>
+          <a:bodyPr wrap="square" tIns="91440" bIns="91440" anchor="ctr">
+            <a:spAutoFit/>
+          </a:bodyPr>
+          <a:lstStyle/>
+          <a:p>
+            <a:pPr marL="39688" algn="ctr"/>
+            <a:r>
+              <a:rPr lang="en-US" sz="1800" dirty="0" smtClean="0">
+                <a:solidFill>
+                  <a:schemeClr val="bg1"/>
+                </a:solidFill>
+                <a:cs typeface="Trebuchet MS" charset="0"/>
+              </a:rPr>
+              <a:t>Row: </a:t>
+            </a:r>
+            <a:r>
+              <a:rPr lang="en-US" sz="1800" dirty="0" err="1" smtClean="0">
+                <a:solidFill>
+                  <a:schemeClr val="bg1"/>
+                </a:solidFill>
+                <a:cs typeface="Trebuchet MS" charset="0"/>
+              </a:rPr>
+              <a:t>rightImage</a:t>
+            </a:r>
+            <a:endParaRPr lang="en-US" sz="1800" dirty="0">
+              <a:solidFill>
+                <a:schemeClr val="bg1"/>
+              </a:solidFill>
+              <a:cs typeface="Trebuchet MS" charset="0"/>
+            </a:endParaRPr>
+          </a:p>
+        </p:txBody>
+      </p:sp>
+      <p:sp>
+        <p:nvSpPr>
+          <p:cNvPr id="11" name="Rectangle 3"/>
+          <p:cNvSpPr>
+            <a:spLocks/>
+          </p:cNvSpPr>
+          <p:nvPr/>
+        </p:nvSpPr>
+        <p:spPr bwMode="auto">
+          <a:xfrm>
+            <a:off x="6435887" y="2679887"/>
+            <a:ext cx="2585751" cy="461665"/>
+          </a:xfrm>
+          <a:prstGeom prst="rect">
+            <a:avLst/>
+          </a:prstGeom>
+          <a:solidFill>
+            <a:srgbClr val="9C030B"/>
+          </a:solidFill>
+          <a:ln>
+            <a:noFill/>
+          </a:ln>
+          <a:extLst>
+            <a:ext uri="{91240B29-F687-4f45-9708-019B960494DF}">
+              <a14:hiddenLine xmlns:a14="http://schemas.microsoft.com/office/drawing/2010/main" w="9525">
+                <a:solidFill>
+                  <a:srgbClr val="000000"/>
+                </a:solidFill>
+                <a:miter lim="800000"/>
+                <a:headEnd/>
+                <a:tailEnd/>
+              </a14:hiddenLine>
+            </a:ext>
+          </a:extLst>
+        </p:spPr>
+        <p:txBody>
+          <a:bodyPr wrap="square" tIns="91440" bIns="91440" anchor="ctr">
+            <a:spAutoFit/>
+          </a:bodyPr>
+          <a:lstStyle/>
+          <a:p>
+            <a:pPr marL="39688" algn="ctr"/>
+            <a:r>
+              <a:rPr lang="en-US" sz="1800" dirty="0" smtClean="0">
+                <a:solidFill>
+                  <a:schemeClr val="bg1"/>
+                </a:solidFill>
+                <a:cs typeface="Trebuchet MS" charset="0"/>
+              </a:rPr>
+              <a:t>Labels</a:t>
+            </a:r>
+            <a:endParaRPr lang="en-US" sz="1800" dirty="0">
+              <a:solidFill>
+                <a:schemeClr val="bg1"/>
+              </a:solidFill>
+              <a:cs typeface="Trebuchet MS" charset="0"/>
+            </a:endParaRPr>
+          </a:p>
+        </p:txBody>
+      </p:sp>
+      <p:sp>
+        <p:nvSpPr>
+          <p:cNvPr id="23" name="Line 8"/>
+          <p:cNvSpPr>
+            <a:spLocks noChangeShapeType="1"/>
+          </p:cNvSpPr>
+          <p:nvPr/>
+        </p:nvSpPr>
+        <p:spPr bwMode="auto">
+          <a:xfrm flipH="1" flipV="1">
+            <a:off x="2672098" y="3569557"/>
+            <a:ext cx="985502" cy="316643"/>
+          </a:xfrm>
+          <a:prstGeom prst="line">
+            <a:avLst/>
+          </a:prstGeom>
+          <a:noFill/>
+          <a:ln w="38100">
+            <a:solidFill>
+              <a:srgbClr val="9C030B"/>
+            </a:solidFill>
+            <a:round/>
+            <a:headEnd type="stealth" w="med" len="med"/>
+            <a:tailEnd/>
+          </a:ln>
+          <a:extLst>
+            <a:ext uri="{909E8E84-426E-40dd-AFC4-6F175D3DCCD1}">
+              <a14:hiddenFill xmlns:a14="http://schemas.microsoft.com/office/drawing/2010/main">
+                <a:noFill/>
+              </a14:hiddenFill>
+            </a:ext>
+          </a:extLst>
+        </p:spPr>
+        <p:txBody>
+          <a:bodyPr lIns="0" tIns="0" rIns="0" bIns="0"/>
+          <a:lstStyle/>
+          <a:p>
+            <a:endParaRPr lang="en-US"/>
+          </a:p>
+        </p:txBody>
+      </p:sp>
+      <p:sp>
+        <p:nvSpPr>
+          <p:cNvPr id="10" name="Line 8"/>
+          <p:cNvSpPr>
+            <a:spLocks noChangeShapeType="1"/>
+          </p:cNvSpPr>
+          <p:nvPr/>
+        </p:nvSpPr>
+        <p:spPr bwMode="auto">
+          <a:xfrm flipV="1">
+            <a:off x="4495801" y="2837790"/>
+            <a:ext cx="2209798" cy="515009"/>
+          </a:xfrm>
+          <a:prstGeom prst="line">
+            <a:avLst/>
+          </a:prstGeom>
+          <a:noFill/>
+          <a:ln w="38100">
+            <a:solidFill>
+              <a:srgbClr val="9C030B"/>
+            </a:solidFill>
+            <a:round/>
+            <a:headEnd type="stealth" w="med" len="med"/>
+            <a:tailEnd/>
+          </a:ln>
+          <a:extLst>
+            <a:ext uri="{909E8E84-426E-40dd-AFC4-6F175D3DCCD1}">
+              <a14:hiddenFill xmlns:a14="http://schemas.microsoft.com/office/drawing/2010/main">
+                <a:noFill/>
+              </a14:hiddenFill>
+            </a:ext>
+          </a:extLst>
+        </p:spPr>
+        <p:txBody>
+          <a:bodyPr lIns="0" tIns="0" rIns="0" bIns="0"/>
+          <a:lstStyle/>
+          <a:p>
+            <a:endParaRPr lang="en-US"/>
+          </a:p>
+        </p:txBody>
+      </p:sp>
+      <p:sp>
+        <p:nvSpPr>
+          <p:cNvPr id="20" name="Line 8"/>
+          <p:cNvSpPr>
+            <a:spLocks noChangeShapeType="1"/>
+          </p:cNvSpPr>
+          <p:nvPr/>
+        </p:nvSpPr>
+        <p:spPr bwMode="auto">
+          <a:xfrm flipV="1">
+            <a:off x="4866105" y="2837792"/>
+            <a:ext cx="1839494" cy="683574"/>
+          </a:xfrm>
+          <a:prstGeom prst="line">
+            <a:avLst/>
+          </a:prstGeom>
+          <a:noFill/>
+          <a:ln w="38100">
+            <a:solidFill>
+              <a:srgbClr val="9C030B"/>
+            </a:solidFill>
+            <a:round/>
+            <a:headEnd type="stealth" w="med" len="med"/>
+            <a:tailEnd/>
+          </a:ln>
+          <a:extLst>
+            <a:ext uri="{909E8E84-426E-40dd-AFC4-6F175D3DCCD1}">
+              <a14:hiddenFill xmlns:a14="http://schemas.microsoft.com/office/drawing/2010/main">
+                <a:noFill/>
+              </a14:hiddenFill>
+            </a:ext>
+          </a:extLst>
+        </p:spPr>
+        <p:txBody>
+          <a:bodyPr lIns="0" tIns="0" rIns="0" bIns="0"/>
+          <a:lstStyle/>
+          <a:p>
+            <a:endParaRPr lang="en-US"/>
+          </a:p>
+        </p:txBody>
+      </p:sp>
+      <p:sp>
+        <p:nvSpPr>
+          <p:cNvPr id="25" name="Line 8"/>
+          <p:cNvSpPr>
+            <a:spLocks noChangeShapeType="1"/>
+          </p:cNvSpPr>
+          <p:nvPr/>
+        </p:nvSpPr>
+        <p:spPr bwMode="auto">
+          <a:xfrm flipV="1">
+            <a:off x="4566149" y="2837792"/>
+            <a:ext cx="2139449" cy="986648"/>
+          </a:xfrm>
+          <a:prstGeom prst="line">
+            <a:avLst/>
+          </a:prstGeom>
+          <a:noFill/>
+          <a:ln w="38100">
+            <a:solidFill>
+              <a:srgbClr val="9C030B"/>
+            </a:solidFill>
+            <a:round/>
+            <a:headEnd type="stealth" w="med" len="med"/>
+            <a:tailEnd/>
+          </a:ln>
+          <a:extLst>
+            <a:ext uri="{909E8E84-426E-40dd-AFC4-6F175D3DCCD1}">
+              <a14:hiddenFill xmlns:a14="http://schemas.microsoft.com/office/drawing/2010/main">
+                <a:noFill/>
+              </a14:hiddenFill>
+            </a:ext>
+          </a:extLst>
+        </p:spPr>
+        <p:txBody>
+          <a:bodyPr lIns="0" tIns="0" rIns="0" bIns="0"/>
+          <a:lstStyle/>
+          <a:p>
+            <a:endParaRPr lang="en-US"/>
+          </a:p>
+        </p:txBody>
+      </p:sp>
     </p:spTree>
     <p:extLst>
       <p:ext uri="{BB962C8B-B14F-4D97-AF65-F5344CB8AC3E}">
-        <p14:creationId xmlns:p14="http://schemas.microsoft.com/office/powerpoint/2010/main" val="2595778681"/>
+        <p14:creationId xmlns:p14="http://schemas.microsoft.com/office/powerpoint/2010/main" val="1874307685"/>
       </p:ext>
     </p:extLst>
   </p:cSld>
@@ -6183,8 +7416,12 @@
           <a:lstStyle/>
           <a:p>
             <a:r>
+              <a:rPr lang="en-US" dirty="0" err="1" smtClean="0"/>
+              <a:t>TableView</a:t>
+            </a:r>
+            <a:r>
               <a:rPr lang="en-US" dirty="0" smtClean="0"/>
-              <a:t>Custom table rows</a:t>
+              <a:t> methods</a:t>
             </a:r>
             <a:endParaRPr lang="en-US" dirty="0"/>
           </a:p>
@@ -6205,930 +7442,122 @@
           <a:bodyPr/>
           <a:lstStyle/>
           <a:p>
-            <a:pPr>
-              <a:spcBef>
-                <a:spcPts val="600"/>
-              </a:spcBef>
-              <a:buClrTx/>
-              <a:buFontTx/>
-              <a:buNone/>
+            <a:r>
+              <a:rPr lang="en-US" dirty="0" smtClean="0"/>
+              <a:t>Key methods of tables:</a:t>
+            </a:r>
+            <a:endParaRPr lang="en-US" dirty="0"/>
+          </a:p>
+          <a:p>
+            <a:pPr marL="800100" lvl="1" indent="-342900">
+              <a:buFont typeface="Arial"/>
+              <a:buChar char="•"/>
             </a:pPr>
             <a:r>
-              <a:rPr lang="en-US" sz="1600" b="1" dirty="0" err="1">
-                <a:solidFill>
-                  <a:srgbClr val="0000C0"/>
-                </a:solidFill>
-                <a:latin typeface="Monaco" charset="0"/>
-                <a:cs typeface="Monaco" charset="0"/>
-              </a:rPr>
-              <a:t>var</a:t>
-            </a:r>
-            <a:r>
-              <a:rPr lang="en-US" sz="1600" dirty="0">
-                <a:latin typeface="Monaco" charset="0"/>
-              </a:rPr>
+              <a:rPr lang="en-US" dirty="0" err="1" smtClean="0"/>
+              <a:t>setData</a:t>
+            </a:r>
+            <a:endParaRPr lang="en-US" dirty="0" smtClean="0"/>
+          </a:p>
+          <a:p>
+            <a:pPr marL="800100" lvl="1" indent="-342900">
+              <a:buFont typeface="Arial"/>
+              <a:buChar char="•"/>
+            </a:pPr>
+            <a:r>
+              <a:rPr lang="en-US" dirty="0" err="1" smtClean="0"/>
+              <a:t>insertRowBefore</a:t>
+            </a:r>
+            <a:r>
+              <a:rPr lang="en-US" dirty="0" smtClean="0"/>
               <a:t> </a:t>
             </a:r>
             <a:r>
-              <a:rPr lang="en-US" sz="1600" dirty="0">
-                <a:solidFill>
-                  <a:srgbClr val="000000"/>
-                </a:solidFill>
-                <a:latin typeface="Monaco" charset="0"/>
-                <a:cs typeface="Monaco" charset="0"/>
-              </a:rPr>
-              <a:t>row</a:t>
-            </a:r>
-            <a:r>
-              <a:rPr lang="en-US" sz="1600" dirty="0">
-                <a:latin typeface="Monaco" charset="0"/>
-              </a:rPr>
-              <a:t> </a:t>
-            </a:r>
-            <a:r>
-              <a:rPr lang="en-US" sz="1600" dirty="0">
-                <a:solidFill>
-                  <a:srgbClr val="5C5C5C"/>
-                </a:solidFill>
-                <a:latin typeface="Monaco" charset="0"/>
-                <a:cs typeface="Monaco" charset="0"/>
-              </a:rPr>
-              <a:t>=</a:t>
-            </a:r>
-            <a:r>
-              <a:rPr lang="en-US" sz="1600" dirty="0">
-                <a:latin typeface="Monaco" charset="0"/>
-              </a:rPr>
-              <a:t> </a:t>
-            </a:r>
-            <a:r>
-              <a:rPr lang="en-US" sz="1600" dirty="0" err="1">
-                <a:solidFill>
-                  <a:srgbClr val="000000"/>
-                </a:solidFill>
-                <a:latin typeface="Monaco" charset="0"/>
-                <a:cs typeface="Monaco" charset="0"/>
-              </a:rPr>
-              <a:t>Ti</a:t>
-            </a:r>
-            <a:r>
-              <a:rPr lang="en-US" sz="1600" dirty="0" err="1">
-                <a:solidFill>
-                  <a:srgbClr val="5C5C5C"/>
-                </a:solidFill>
-                <a:latin typeface="Monaco" charset="0"/>
-                <a:cs typeface="Monaco" charset="0"/>
-              </a:rPr>
-              <a:t>.</a:t>
-            </a:r>
-            <a:r>
-              <a:rPr lang="en-US" sz="1600" dirty="0" err="1">
-                <a:solidFill>
-                  <a:srgbClr val="000000"/>
-                </a:solidFill>
-                <a:latin typeface="Monaco" charset="0"/>
-                <a:cs typeface="Monaco" charset="0"/>
-              </a:rPr>
-              <a:t>UI</a:t>
-            </a:r>
-            <a:r>
-              <a:rPr lang="en-US" sz="1600" dirty="0" err="1">
-                <a:solidFill>
-                  <a:srgbClr val="5C5C5C"/>
-                </a:solidFill>
-                <a:latin typeface="Monaco" charset="0"/>
-                <a:cs typeface="Monaco" charset="0"/>
-              </a:rPr>
-              <a:t>.</a:t>
-            </a:r>
-            <a:r>
-              <a:rPr lang="en-US" sz="1600" dirty="0" err="1">
-                <a:solidFill>
-                  <a:srgbClr val="000000"/>
-                </a:solidFill>
-                <a:latin typeface="Monaco" charset="0"/>
-                <a:cs typeface="Monaco" charset="0"/>
-              </a:rPr>
-              <a:t>createTableViewRow</a:t>
-            </a:r>
-            <a:r>
-              <a:rPr lang="en-US" sz="1600" dirty="0">
-                <a:solidFill>
-                  <a:srgbClr val="5C5C5C"/>
-                </a:solidFill>
-                <a:latin typeface="Monaco" charset="0"/>
-                <a:cs typeface="Monaco" charset="0"/>
-              </a:rPr>
-              <a:t>({</a:t>
-            </a:r>
-          </a:p>
-          <a:p>
-            <a:pPr>
-              <a:buClrTx/>
-              <a:buFontTx/>
-              <a:buNone/>
+              <a:rPr lang="en-US" dirty="0"/>
+              <a:t>/ </a:t>
+            </a:r>
+            <a:r>
+              <a:rPr lang="en-US" dirty="0" err="1"/>
+              <a:t>insertRowAfter</a:t>
+            </a:r>
+            <a:r>
+              <a:rPr lang="en-US" dirty="0"/>
+              <a:t> / </a:t>
+            </a:r>
+            <a:r>
+              <a:rPr lang="en-US" dirty="0" err="1"/>
+              <a:t>appendRow</a:t>
+            </a:r>
+            <a:endParaRPr lang="en-US" dirty="0"/>
+          </a:p>
+          <a:p>
+            <a:pPr marL="800100" lvl="1" indent="-342900">
+              <a:buFont typeface="Arial"/>
+              <a:buChar char="•"/>
             </a:pPr>
             <a:r>
-              <a:rPr lang="en-US" sz="1600" dirty="0">
-                <a:latin typeface="Monaco" charset="0"/>
-                <a:cs typeface="Monaco" charset="0"/>
-              </a:rPr>
-              <a:t>	</a:t>
-            </a:r>
-            <a:r>
-              <a:rPr lang="en-US" sz="1600" dirty="0" err="1">
-                <a:solidFill>
-                  <a:srgbClr val="000000"/>
-                </a:solidFill>
-                <a:latin typeface="Monaco" charset="0"/>
-                <a:cs typeface="Monaco" charset="0"/>
-              </a:rPr>
-              <a:t>height</a:t>
-            </a:r>
-            <a:r>
-              <a:rPr lang="en-US" sz="1600" dirty="0" err="1">
-                <a:solidFill>
-                  <a:srgbClr val="5C5C5C"/>
-                </a:solidFill>
-                <a:latin typeface="Monaco" charset="0"/>
-                <a:cs typeface="Monaco" charset="0"/>
-              </a:rPr>
-              <a:t>:</a:t>
-            </a:r>
-            <a:r>
-              <a:rPr lang="en-US" sz="1600" dirty="0" err="1">
-                <a:solidFill>
-                  <a:srgbClr val="005C00"/>
-                </a:solidFill>
-                <a:latin typeface="Monaco" charset="0"/>
-                <a:cs typeface="Monaco" charset="0"/>
-              </a:rPr>
-              <a:t>'auto</a:t>
-            </a:r>
-            <a:r>
-              <a:rPr lang="en-US" sz="1600" dirty="0">
-                <a:solidFill>
-                  <a:srgbClr val="005C00"/>
-                </a:solidFill>
-                <a:latin typeface="Monaco" charset="0"/>
-                <a:cs typeface="Monaco" charset="0"/>
-              </a:rPr>
-              <a:t>'</a:t>
-            </a:r>
-            <a:r>
-              <a:rPr lang="en-US" sz="1600" dirty="0">
-                <a:solidFill>
-                  <a:srgbClr val="5C5C5C"/>
-                </a:solidFill>
-                <a:latin typeface="Monaco" charset="0"/>
-                <a:cs typeface="Monaco" charset="0"/>
-              </a:rPr>
-              <a:t>,</a:t>
-            </a:r>
-          </a:p>
-          <a:p>
-            <a:pPr>
-              <a:buClrTx/>
-              <a:buFontTx/>
-              <a:buNone/>
+              <a:rPr lang="en-US" dirty="0" err="1"/>
+              <a:t>deleteRow</a:t>
+            </a:r>
+            <a:endParaRPr lang="en-US" dirty="0"/>
+          </a:p>
+          <a:p>
+            <a:pPr marL="800100" lvl="1" indent="-342900">
+              <a:buFont typeface="Arial"/>
+              <a:buChar char="•"/>
             </a:pPr>
             <a:r>
-              <a:rPr lang="en-US" sz="1600" dirty="0">
-                <a:latin typeface="Monaco" charset="0"/>
-                <a:cs typeface="Monaco" charset="0"/>
-              </a:rPr>
-              <a:t>	</a:t>
-            </a:r>
-            <a:r>
-              <a:rPr lang="en-US" sz="1600" dirty="0" err="1">
-                <a:solidFill>
-                  <a:srgbClr val="000000"/>
-                </a:solidFill>
-                <a:latin typeface="Monaco" charset="0"/>
-                <a:cs typeface="Monaco" charset="0"/>
-              </a:rPr>
-              <a:t>rightImage</a:t>
-            </a:r>
-            <a:r>
-              <a:rPr lang="en-US" sz="1600" dirty="0">
-                <a:solidFill>
-                  <a:srgbClr val="5C5C5C"/>
-                </a:solidFill>
-                <a:latin typeface="Monaco" charset="0"/>
-                <a:cs typeface="Monaco" charset="0"/>
-              </a:rPr>
-              <a:t>:</a:t>
-            </a:r>
-            <a:r>
-              <a:rPr lang="en-US" sz="1600" dirty="0">
-                <a:solidFill>
-                  <a:srgbClr val="005C00"/>
-                </a:solidFill>
-                <a:latin typeface="Monaco" charset="0"/>
-                <a:cs typeface="Monaco" charset="0"/>
-              </a:rPr>
-              <a:t>'images/</a:t>
-            </a:r>
-            <a:r>
-              <a:rPr lang="en-US" sz="1600" dirty="0" err="1">
-                <a:solidFill>
-                  <a:srgbClr val="005C00"/>
-                </a:solidFill>
-                <a:latin typeface="Monaco" charset="0"/>
-                <a:cs typeface="Monaco" charset="0"/>
-              </a:rPr>
-              <a:t>appcelerator_small.png</a:t>
-            </a:r>
-            <a:r>
-              <a:rPr lang="en-US" sz="1600" dirty="0">
-                <a:solidFill>
-                  <a:srgbClr val="005C00"/>
-                </a:solidFill>
-                <a:latin typeface="Monaco" charset="0"/>
-                <a:cs typeface="Monaco" charset="0"/>
-              </a:rPr>
-              <a:t>'</a:t>
-            </a:r>
-          </a:p>
-          <a:p>
-            <a:pPr>
-              <a:buClrTx/>
-              <a:buFontTx/>
-              <a:buNone/>
+              <a:rPr lang="en-US" dirty="0"/>
+              <a:t>show / hide</a:t>
+            </a:r>
+          </a:p>
+          <a:p>
+            <a:pPr marL="800100" lvl="1" indent="-342900">
+              <a:buFont typeface="Arial"/>
+              <a:buChar char="•"/>
             </a:pPr>
             <a:r>
-              <a:rPr lang="en-US" sz="1600" dirty="0">
-                <a:solidFill>
-                  <a:srgbClr val="5C5C5C"/>
-                </a:solidFill>
-                <a:latin typeface="Monaco" charset="0"/>
-                <a:cs typeface="Monaco" charset="0"/>
-              </a:rPr>
-              <a:t>});</a:t>
-            </a:r>
-          </a:p>
-          <a:p>
-            <a:pPr>
-              <a:buClrTx/>
-              <a:buSzTx/>
-              <a:buFontTx/>
-              <a:buNone/>
+              <a:rPr lang="en-US" dirty="0" err="1" smtClean="0"/>
+              <a:t>scrollToIndex</a:t>
+            </a:r>
+            <a:endParaRPr lang="en-US" dirty="0" smtClean="0"/>
+          </a:p>
+          <a:p>
+            <a:pPr marL="800100" lvl="1" indent="-342900">
+              <a:buFont typeface="Arial"/>
+              <a:buChar char="•"/>
             </a:pPr>
             <a:r>
-              <a:rPr lang="en-US" sz="1600" b="1" dirty="0" err="1">
-                <a:solidFill>
-                  <a:srgbClr val="0000C0"/>
-                </a:solidFill>
-                <a:latin typeface="Monaco" charset="0"/>
-                <a:cs typeface="Monaco" charset="0"/>
-              </a:rPr>
-              <a:t>var</a:t>
-            </a:r>
-            <a:r>
-              <a:rPr lang="en-US" sz="1600" dirty="0">
-                <a:latin typeface="Monaco" charset="0"/>
-                <a:cs typeface="Monaco" charset="0"/>
-              </a:rPr>
-              <a:t> </a:t>
-            </a:r>
-            <a:r>
-              <a:rPr lang="en-US" sz="1600" dirty="0" err="1">
-                <a:solidFill>
-                  <a:srgbClr val="000000"/>
-                </a:solidFill>
-                <a:latin typeface="Monaco" charset="0"/>
-                <a:cs typeface="Monaco" charset="0"/>
-              </a:rPr>
-              <a:t>mugshot</a:t>
-            </a:r>
-            <a:r>
-              <a:rPr lang="en-US" sz="1600" dirty="0">
-                <a:latin typeface="Monaco" charset="0"/>
-                <a:cs typeface="Monaco" charset="0"/>
-              </a:rPr>
-              <a:t> </a:t>
-            </a:r>
-            <a:r>
-              <a:rPr lang="en-US" sz="1600" dirty="0">
-                <a:solidFill>
-                  <a:srgbClr val="5C5C5C"/>
-                </a:solidFill>
-                <a:latin typeface="Monaco" charset="0"/>
-                <a:cs typeface="Monaco" charset="0"/>
-              </a:rPr>
-              <a:t>=</a:t>
-            </a:r>
-            <a:r>
-              <a:rPr lang="en-US" sz="1600" dirty="0">
-                <a:latin typeface="Monaco" charset="0"/>
-                <a:cs typeface="Monaco" charset="0"/>
-              </a:rPr>
-              <a:t> </a:t>
-            </a:r>
-            <a:r>
-              <a:rPr lang="en-US" sz="1600" dirty="0" err="1">
-                <a:solidFill>
-                  <a:srgbClr val="000000"/>
-                </a:solidFill>
-                <a:latin typeface="Monaco" charset="0"/>
-                <a:cs typeface="Monaco" charset="0"/>
-              </a:rPr>
-              <a:t>Ti</a:t>
-            </a:r>
-            <a:r>
-              <a:rPr lang="en-US" sz="1600" dirty="0" err="1">
-                <a:solidFill>
-                  <a:srgbClr val="5C5C5C"/>
-                </a:solidFill>
-                <a:latin typeface="Monaco" charset="0"/>
-                <a:cs typeface="Monaco" charset="0"/>
-              </a:rPr>
-              <a:t>.</a:t>
-            </a:r>
-            <a:r>
-              <a:rPr lang="en-US" sz="1600" dirty="0" err="1">
-                <a:solidFill>
-                  <a:srgbClr val="000000"/>
-                </a:solidFill>
-                <a:latin typeface="Monaco" charset="0"/>
-                <a:cs typeface="Monaco" charset="0"/>
-              </a:rPr>
-              <a:t>UI</a:t>
-            </a:r>
-            <a:r>
-              <a:rPr lang="en-US" sz="1600" dirty="0" err="1">
-                <a:solidFill>
-                  <a:srgbClr val="5C5C5C"/>
-                </a:solidFill>
-                <a:latin typeface="Monaco" charset="0"/>
-                <a:cs typeface="Monaco" charset="0"/>
-              </a:rPr>
-              <a:t>.</a:t>
-            </a:r>
-            <a:r>
-              <a:rPr lang="en-US" sz="1600" dirty="0" err="1">
-                <a:solidFill>
-                  <a:srgbClr val="000000"/>
-                </a:solidFill>
-                <a:latin typeface="Monaco" charset="0"/>
-                <a:cs typeface="Monaco" charset="0"/>
-              </a:rPr>
-              <a:t>createImageView</a:t>
-            </a:r>
-            <a:r>
-              <a:rPr lang="en-US" sz="1600" dirty="0">
-                <a:solidFill>
-                  <a:srgbClr val="5C5C5C"/>
-                </a:solidFill>
-                <a:latin typeface="Monaco" charset="0"/>
-                <a:cs typeface="Monaco" charset="0"/>
-              </a:rPr>
-              <a:t>({</a:t>
-            </a:r>
-          </a:p>
-          <a:p>
-            <a:pPr>
-              <a:buClrTx/>
-              <a:buSzTx/>
-              <a:buFontTx/>
-              <a:buNone/>
+              <a:rPr lang="en-US" dirty="0" err="1" smtClean="0"/>
+              <a:t>scrollToTop</a:t>
+            </a:r>
+            <a:endParaRPr lang="en-US" dirty="0" smtClean="0"/>
+          </a:p>
+          <a:p>
+            <a:pPr marL="800100" lvl="1" indent="-342900">
+              <a:buFont typeface="Arial"/>
+              <a:buChar char="•"/>
             </a:pPr>
             <a:r>
-              <a:rPr lang="en-US" sz="1600" dirty="0">
-                <a:latin typeface="Monaco" charset="0"/>
-                <a:cs typeface="Monaco" charset="0"/>
-              </a:rPr>
-              <a:t>	</a:t>
-            </a:r>
-            <a:r>
-              <a:rPr lang="en-US" sz="1600" dirty="0" err="1">
-                <a:solidFill>
-                  <a:srgbClr val="000000"/>
-                </a:solidFill>
-                <a:latin typeface="Monaco" charset="0"/>
-                <a:cs typeface="Monaco" charset="0"/>
-              </a:rPr>
-              <a:t>image</a:t>
-            </a:r>
-            <a:r>
-              <a:rPr lang="en-US" sz="1600" dirty="0" err="1">
-                <a:solidFill>
-                  <a:srgbClr val="5C5C5C"/>
-                </a:solidFill>
-                <a:latin typeface="Monaco" charset="0"/>
-                <a:cs typeface="Monaco" charset="0"/>
-              </a:rPr>
-              <a:t>:</a:t>
-            </a:r>
-            <a:r>
-              <a:rPr lang="en-US" sz="1600" dirty="0" err="1">
-                <a:solidFill>
-                  <a:srgbClr val="005C00"/>
-                </a:solidFill>
-                <a:latin typeface="Monaco" charset="0"/>
-                <a:cs typeface="Monaco" charset="0"/>
-              </a:rPr>
-              <a:t>'images</a:t>
-            </a:r>
-            <a:r>
-              <a:rPr lang="en-US" sz="1600" dirty="0">
-                <a:solidFill>
-                  <a:srgbClr val="005C00"/>
-                </a:solidFill>
-                <a:latin typeface="Monaco" charset="0"/>
-                <a:cs typeface="Monaco" charset="0"/>
-              </a:rPr>
-              <a:t>/</a:t>
-            </a:r>
-            <a:r>
-              <a:rPr lang="en-US" sz="1600" dirty="0" err="1">
-                <a:solidFill>
-                  <a:srgbClr val="005C00"/>
-                </a:solidFill>
-                <a:latin typeface="Monaco" charset="0"/>
-                <a:cs typeface="Monaco" charset="0"/>
-              </a:rPr>
-              <a:t>user.png</a:t>
-            </a:r>
-            <a:r>
-              <a:rPr lang="en-US" sz="1600" dirty="0">
-                <a:solidFill>
-                  <a:srgbClr val="005C00"/>
-                </a:solidFill>
-                <a:latin typeface="Monaco" charset="0"/>
-                <a:cs typeface="Monaco" charset="0"/>
-              </a:rPr>
-              <a:t>'</a:t>
-            </a:r>
-            <a:r>
-              <a:rPr lang="en-US" sz="1600" dirty="0">
-                <a:solidFill>
-                  <a:srgbClr val="5C5C5C"/>
-                </a:solidFill>
-                <a:latin typeface="Monaco" charset="0"/>
-                <a:cs typeface="Monaco" charset="0"/>
-              </a:rPr>
-              <a:t>,</a:t>
-            </a:r>
-          </a:p>
-          <a:p>
-            <a:pPr>
-              <a:buClrTx/>
-              <a:buSzTx/>
-              <a:buFontTx/>
-              <a:buNone/>
-            </a:pPr>
-            <a:r>
-              <a:rPr lang="en-US" sz="1600" dirty="0">
-                <a:latin typeface="Monaco" charset="0"/>
-                <a:cs typeface="Monaco" charset="0"/>
-              </a:rPr>
-              <a:t>	</a:t>
-            </a:r>
-            <a:r>
-              <a:rPr lang="en-US" sz="1600" dirty="0">
-                <a:solidFill>
-                  <a:srgbClr val="000000"/>
-                </a:solidFill>
-                <a:latin typeface="Monaco" charset="0"/>
-                <a:cs typeface="Monaco" charset="0"/>
-              </a:rPr>
-              <a:t>height</a:t>
-            </a:r>
-            <a:r>
-              <a:rPr lang="en-US" sz="1600" dirty="0">
-                <a:solidFill>
-                  <a:srgbClr val="5C5C5C"/>
-                </a:solidFill>
-                <a:latin typeface="Monaco" charset="0"/>
-                <a:cs typeface="Monaco" charset="0"/>
-              </a:rPr>
-              <a:t>:</a:t>
-            </a:r>
-            <a:r>
-              <a:rPr lang="en-US" sz="1600" dirty="0">
-                <a:solidFill>
-                  <a:srgbClr val="004080"/>
-                </a:solidFill>
-                <a:latin typeface="Monaco" charset="0"/>
-                <a:cs typeface="Monaco" charset="0"/>
-              </a:rPr>
-              <a:t>100</a:t>
-            </a:r>
-            <a:r>
-              <a:rPr lang="en-US" sz="1600" dirty="0">
-                <a:solidFill>
-                  <a:srgbClr val="5C5C5C"/>
-                </a:solidFill>
-                <a:latin typeface="Monaco" charset="0"/>
-                <a:cs typeface="Monaco" charset="0"/>
-              </a:rPr>
-              <a:t>,</a:t>
-            </a:r>
-          </a:p>
-          <a:p>
-            <a:pPr>
-              <a:buClrTx/>
-              <a:buSzTx/>
-              <a:buFontTx/>
-              <a:buNone/>
-            </a:pPr>
-            <a:r>
-              <a:rPr lang="en-US" sz="1600" dirty="0">
-                <a:latin typeface="Monaco" charset="0"/>
-                <a:cs typeface="Monaco" charset="0"/>
-              </a:rPr>
-              <a:t>	</a:t>
-            </a:r>
-            <a:r>
-              <a:rPr lang="en-US" sz="1600" dirty="0">
-                <a:solidFill>
-                  <a:srgbClr val="000000"/>
-                </a:solidFill>
-                <a:latin typeface="Monaco" charset="0"/>
-                <a:cs typeface="Monaco" charset="0"/>
-              </a:rPr>
-              <a:t>width</a:t>
-            </a:r>
-            <a:r>
-              <a:rPr lang="en-US" sz="1600" dirty="0">
-                <a:solidFill>
-                  <a:srgbClr val="5C5C5C"/>
-                </a:solidFill>
-                <a:latin typeface="Monaco" charset="0"/>
-                <a:cs typeface="Monaco" charset="0"/>
-              </a:rPr>
-              <a:t>:</a:t>
-            </a:r>
-            <a:r>
-              <a:rPr lang="en-US" sz="1600" dirty="0">
-                <a:solidFill>
-                  <a:srgbClr val="004080"/>
-                </a:solidFill>
-                <a:latin typeface="Monaco" charset="0"/>
-                <a:cs typeface="Monaco" charset="0"/>
-              </a:rPr>
-              <a:t>100</a:t>
-            </a:r>
-            <a:r>
-              <a:rPr lang="en-US" sz="1600" dirty="0">
-                <a:solidFill>
-                  <a:srgbClr val="5C5C5C"/>
-                </a:solidFill>
-                <a:latin typeface="Monaco" charset="0"/>
-                <a:cs typeface="Monaco" charset="0"/>
-              </a:rPr>
-              <a:t>,</a:t>
-            </a:r>
-          </a:p>
-          <a:p>
-            <a:pPr>
-              <a:buClrTx/>
-              <a:buSzTx/>
-              <a:buFontTx/>
-              <a:buNone/>
-            </a:pPr>
-            <a:r>
-              <a:rPr lang="en-US" sz="1600" dirty="0">
-                <a:latin typeface="Monaco" charset="0"/>
-                <a:cs typeface="Monaco" charset="0"/>
-              </a:rPr>
-              <a:t>	</a:t>
-            </a:r>
-            <a:r>
-              <a:rPr lang="en-US" sz="1600" dirty="0">
-                <a:solidFill>
-                  <a:srgbClr val="000000"/>
-                </a:solidFill>
-                <a:latin typeface="Monaco" charset="0"/>
-                <a:cs typeface="Monaco" charset="0"/>
-              </a:rPr>
-              <a:t>left</a:t>
-            </a:r>
-            <a:r>
-              <a:rPr lang="en-US" sz="1600" dirty="0">
-                <a:solidFill>
-                  <a:srgbClr val="5C5C5C"/>
-                </a:solidFill>
-                <a:latin typeface="Monaco" charset="0"/>
-                <a:cs typeface="Monaco" charset="0"/>
-              </a:rPr>
-              <a:t>:</a:t>
-            </a:r>
-            <a:r>
-              <a:rPr lang="en-US" sz="1600" dirty="0">
-                <a:solidFill>
-                  <a:srgbClr val="004080"/>
-                </a:solidFill>
-                <a:latin typeface="Monaco" charset="0"/>
-                <a:cs typeface="Monaco" charset="0"/>
-              </a:rPr>
-              <a:t>5</a:t>
-            </a:r>
-            <a:r>
-              <a:rPr lang="en-US" sz="1600" dirty="0">
-                <a:solidFill>
-                  <a:srgbClr val="5C5C5C"/>
-                </a:solidFill>
-                <a:latin typeface="Monaco" charset="0"/>
-                <a:cs typeface="Monaco" charset="0"/>
-              </a:rPr>
-              <a:t>,</a:t>
-            </a:r>
-          </a:p>
-          <a:p>
-            <a:pPr>
-              <a:buClrTx/>
-              <a:buSzTx/>
-              <a:buFontTx/>
-              <a:buNone/>
-            </a:pPr>
-            <a:r>
-              <a:rPr lang="en-US" sz="1600" dirty="0">
-                <a:latin typeface="Monaco" charset="0"/>
-                <a:cs typeface="Monaco" charset="0"/>
-              </a:rPr>
-              <a:t>	</a:t>
-            </a:r>
-            <a:r>
-              <a:rPr lang="en-US" sz="1600" dirty="0">
-                <a:solidFill>
-                  <a:srgbClr val="000000"/>
-                </a:solidFill>
-                <a:latin typeface="Monaco" charset="0"/>
-                <a:cs typeface="Monaco" charset="0"/>
-              </a:rPr>
-              <a:t>top</a:t>
-            </a:r>
-            <a:r>
-              <a:rPr lang="en-US" sz="1600" dirty="0">
-                <a:solidFill>
-                  <a:srgbClr val="5C5C5C"/>
-                </a:solidFill>
-                <a:latin typeface="Monaco" charset="0"/>
-                <a:cs typeface="Monaco" charset="0"/>
-              </a:rPr>
-              <a:t>:</a:t>
-            </a:r>
-            <a:r>
-              <a:rPr lang="en-US" sz="1600" dirty="0">
-                <a:solidFill>
-                  <a:srgbClr val="004080"/>
-                </a:solidFill>
-                <a:latin typeface="Monaco" charset="0"/>
-                <a:cs typeface="Monaco" charset="0"/>
-              </a:rPr>
-              <a:t>2</a:t>
-            </a:r>
-          </a:p>
-          <a:p>
-            <a:pPr>
-              <a:buClrTx/>
-              <a:buSzTx/>
-              <a:buFontTx/>
-              <a:buNone/>
-            </a:pPr>
-            <a:r>
-              <a:rPr lang="en-US" sz="1600" dirty="0">
-                <a:solidFill>
-                  <a:srgbClr val="5C5C5C"/>
-                </a:solidFill>
-                <a:latin typeface="Monaco" charset="0"/>
-                <a:cs typeface="Monaco" charset="0"/>
-              </a:rPr>
-              <a:t>});</a:t>
-            </a:r>
-          </a:p>
-          <a:p>
-            <a:pPr>
-              <a:buClrTx/>
-              <a:buFontTx/>
-              <a:buNone/>
-            </a:pPr>
-            <a:r>
-              <a:rPr lang="en-US" sz="1600" dirty="0" err="1">
-                <a:solidFill>
-                  <a:srgbClr val="000000"/>
-                </a:solidFill>
-                <a:latin typeface="Monaco" charset="0"/>
-                <a:cs typeface="Monaco" charset="0"/>
-              </a:rPr>
-              <a:t>row</a:t>
-            </a:r>
-            <a:r>
-              <a:rPr lang="en-US" sz="1600" dirty="0" err="1">
-                <a:solidFill>
-                  <a:srgbClr val="5C5C5C"/>
-                </a:solidFill>
-                <a:latin typeface="Monaco" charset="0"/>
-                <a:cs typeface="Monaco" charset="0"/>
-              </a:rPr>
-              <a:t>.</a:t>
-            </a:r>
-            <a:r>
-              <a:rPr lang="en-US" sz="1600" dirty="0" err="1">
-                <a:solidFill>
-                  <a:srgbClr val="000000"/>
-                </a:solidFill>
-                <a:latin typeface="Monaco" charset="0"/>
-                <a:cs typeface="Monaco" charset="0"/>
-              </a:rPr>
-              <a:t>add</a:t>
-            </a:r>
-            <a:r>
-              <a:rPr lang="en-US" sz="1600" dirty="0">
-                <a:solidFill>
-                  <a:srgbClr val="5C5C5C"/>
-                </a:solidFill>
-                <a:latin typeface="Monaco" charset="0"/>
-                <a:cs typeface="Monaco" charset="0"/>
-              </a:rPr>
-              <a:t>(</a:t>
-            </a:r>
-            <a:r>
-              <a:rPr lang="en-US" sz="1600" dirty="0" err="1">
-                <a:solidFill>
-                  <a:srgbClr val="000000"/>
-                </a:solidFill>
-                <a:latin typeface="Monaco" charset="0"/>
-                <a:cs typeface="Monaco" charset="0"/>
-              </a:rPr>
-              <a:t>mugshot</a:t>
-            </a:r>
-            <a:r>
-              <a:rPr lang="en-US" sz="1600" dirty="0">
-                <a:solidFill>
-                  <a:srgbClr val="5C5C5C"/>
-                </a:solidFill>
-                <a:latin typeface="Monaco" charset="0"/>
-                <a:cs typeface="Monaco" charset="0"/>
-              </a:rPr>
-              <a:t>);</a:t>
-            </a:r>
-          </a:p>
-          <a:p>
-            <a:pPr>
-              <a:buClrTx/>
-              <a:buFontTx/>
-              <a:buNone/>
-            </a:pPr>
-            <a:r>
-              <a:rPr lang="en-US" sz="1600" dirty="0">
-                <a:solidFill>
-                  <a:srgbClr val="5C5C5C"/>
-                </a:solidFill>
-                <a:latin typeface="Monaco" charset="0"/>
-                <a:cs typeface="Monaco" charset="0"/>
-              </a:rPr>
-              <a:t>...</a:t>
-            </a:r>
-          </a:p>
-          <a:p>
-            <a:pPr>
-              <a:buClrTx/>
-              <a:buFontTx/>
-              <a:buNone/>
-            </a:pPr>
-            <a:endParaRPr lang="en-US" sz="1600" dirty="0">
-              <a:solidFill>
-                <a:srgbClr val="5C5C5C"/>
-              </a:solidFill>
-              <a:latin typeface="Monaco" charset="0"/>
-              <a:cs typeface="Monaco" charset="0"/>
-            </a:endParaRPr>
-          </a:p>
-          <a:p>
-            <a:endParaRPr lang="en-US" sz="1600" dirty="0"/>
-          </a:p>
-        </p:txBody>
-      </p:sp>
-      <p:pic>
-        <p:nvPicPr>
-          <p:cNvPr id="4" name="Picture 1"/>
-          <p:cNvPicPr>
-            <a:picLocks noChangeAspect="1" noChangeArrowheads="1"/>
-          </p:cNvPicPr>
-          <p:nvPr/>
-        </p:nvPicPr>
-        <p:blipFill>
-          <a:blip r:embed="rId2">
-            <a:extLst>
-              <a:ext uri="{28A0092B-C50C-407E-A947-70E740481C1C}">
-                <a14:useLocalDpi xmlns:a14="http://schemas.microsoft.com/office/drawing/2010/main" val="0"/>
-              </a:ext>
-            </a:extLst>
-          </a:blip>
-          <a:srcRect/>
-          <a:stretch>
-            <a:fillRect/>
-          </a:stretch>
-        </p:blipFill>
-        <p:spPr bwMode="auto">
-          <a:xfrm>
-            <a:off x="5665788" y="1420813"/>
-            <a:ext cx="3105150" cy="4359275"/>
-          </a:xfrm>
-          <a:prstGeom prst="rect">
-            <a:avLst/>
-          </a:prstGeom>
-          <a:noFill/>
-          <a:ln>
-            <a:noFill/>
-          </a:ln>
-          <a:effectLst/>
-          <a:extLst>
-            <a:ext uri="{909E8E84-426E-40dd-AFC4-6F175D3DCCD1}">
-              <a14:hiddenFill xmlns:a14="http://schemas.microsoft.com/office/drawing/2010/main">
-                <a:blipFill dpi="0" rotWithShape="0">
-                  <a:blip/>
-                  <a:srcRect/>
-                  <a:stretch>
-                    <a:fillRect/>
-                  </a:stretch>
-                </a:blipFill>
-              </a14:hiddenFill>
-            </a:ext>
-            <a:ext uri="{91240B29-F687-4f45-9708-019B960494DF}">
-              <a14:hiddenLine xmlns:a14="http://schemas.microsoft.com/office/drawing/2010/main" w="9525">
-                <a:solidFill>
-                  <a:srgbClr val="000000"/>
-                </a:solidFill>
-                <a:round/>
-                <a:headEnd/>
-                <a:tailEnd/>
-              </a14:hiddenLine>
-            </a:ext>
-            <a:ext uri="{AF507438-7753-43e0-B8FC-AC1667EBCBE1}">
-              <a14:hiddenEffects xmlns:a14="http://schemas.microsoft.com/office/drawing/2010/main">
-                <a:effectLst>
-                  <a:outerShdw blurRad="63500" dist="38099" dir="2700000" algn="ctr" rotWithShape="0">
-                    <a:srgbClr val="000000">
-                      <a:alpha val="74998"/>
-                    </a:srgbClr>
-                  </a:outerShdw>
-                </a:effectLst>
-              </a14:hiddenEffects>
-            </a:ext>
-          </a:extLst>
-        </p:spPr>
-      </p:pic>
-      <p:sp>
-        <p:nvSpPr>
-          <p:cNvPr id="5" name="AutoShape 4"/>
-          <p:cNvSpPr>
-            <a:spLocks noChangeArrowheads="1"/>
-          </p:cNvSpPr>
-          <p:nvPr/>
-        </p:nvSpPr>
-        <p:spPr bwMode="auto">
-          <a:xfrm>
-            <a:off x="4050632" y="2847474"/>
-            <a:ext cx="2121568" cy="477252"/>
-          </a:xfrm>
-          <a:prstGeom prst="leftRightArrow">
-            <a:avLst>
-              <a:gd name="adj1" fmla="val 50000"/>
-              <a:gd name="adj2" fmla="val 66358"/>
-            </a:avLst>
-          </a:prstGeom>
-          <a:solidFill>
-            <a:srgbClr val="99CCFF"/>
-          </a:solidFill>
-          <a:ln w="9360">
-            <a:solidFill>
-              <a:srgbClr val="000000"/>
-            </a:solidFill>
-            <a:round/>
-            <a:headEnd/>
-            <a:tailEnd/>
-          </a:ln>
-          <a:effectLst/>
-          <a:extLst>
-            <a:ext uri="{AF507438-7753-43e0-B8FC-AC1667EBCBE1}">
-              <a14:hiddenEffects xmlns:a14="http://schemas.microsoft.com/office/drawing/2010/main">
-                <a:effectLst>
-                  <a:outerShdw blurRad="63500" dist="38099" dir="2700000" algn="ctr" rotWithShape="0">
-                    <a:srgbClr val="000000">
-                      <a:alpha val="74998"/>
-                    </a:srgbClr>
-                  </a:outerShdw>
-                </a:effectLst>
-              </a14:hiddenEffects>
-            </a:ext>
-          </a:extLst>
-        </p:spPr>
-        <p:txBody>
-          <a:bodyPr wrap="none" anchor="ctr"/>
-          <a:lstStyle/>
-          <a:p>
-            <a:endParaRPr lang="en-US"/>
+              <a:rPr lang="en-US" dirty="0" err="1" smtClean="0"/>
+              <a:t>selectRow</a:t>
+            </a:r>
+            <a:r>
+              <a:rPr lang="en-US" dirty="0" smtClean="0"/>
+              <a:t> / </a:t>
+            </a:r>
+            <a:r>
+              <a:rPr lang="en-US" dirty="0" err="1" smtClean="0"/>
+              <a:t>deselectRow</a:t>
+            </a:r>
+            <a:endParaRPr lang="en-US" dirty="0" smtClean="0"/>
           </a:p>
         </p:txBody>
       </p:sp>
     </p:spTree>
     <p:extLst>
       <p:ext uri="{BB962C8B-B14F-4D97-AF65-F5344CB8AC3E}">
-        <p14:creationId xmlns:p14="http://schemas.microsoft.com/office/powerpoint/2010/main" val="3522191385"/>
+        <p14:creationId xmlns:p14="http://schemas.microsoft.com/office/powerpoint/2010/main" val="3047661367"/>
       </p:ext>
     </p:extLst>
   </p:cSld>
@@ -7171,8 +7600,12 @@
           <a:lstStyle/>
           <a:p>
             <a:r>
+              <a:rPr lang="en-US" dirty="0" err="1" smtClean="0"/>
+              <a:t>TableViewRow</a:t>
+            </a:r>
+            <a:r>
               <a:rPr lang="en-US" dirty="0" smtClean="0"/>
-              <a:t>Table events</a:t>
+              <a:t> methods</a:t>
             </a:r>
             <a:endParaRPr lang="en-US" dirty="0"/>
           </a:p>
@@ -7193,131 +7626,46 @@
           <a:bodyPr/>
           <a:lstStyle/>
           <a:p>
-            <a:pPr>
-              <a:spcBef>
-                <a:spcPts val="600"/>
-              </a:spcBef>
-              <a:buClrTx/>
-              <a:buFontTx/>
-              <a:buNone/>
-            </a:pPr>
-            <a:r>
-              <a:rPr lang="en-US" sz="2000" dirty="0" err="1">
-                <a:latin typeface="Monaco" charset="0"/>
-              </a:rPr>
-              <a:t>table.addEventListener</a:t>
-            </a:r>
-            <a:r>
-              <a:rPr lang="en-US" sz="2000" dirty="0">
-                <a:latin typeface="Monaco" charset="0"/>
-              </a:rPr>
-              <a:t>('click', function(e){</a:t>
-            </a:r>
-          </a:p>
-          <a:p>
-            <a:pPr>
-              <a:spcBef>
-                <a:spcPts val="600"/>
-              </a:spcBef>
-              <a:buClrTx/>
-              <a:buFontTx/>
-              <a:buNone/>
-            </a:pPr>
-            <a:r>
-              <a:rPr lang="en-US" sz="2000" dirty="0">
-                <a:latin typeface="Monaco" charset="0"/>
-              </a:rPr>
-              <a:t>	alert('You clicked row '+</a:t>
-            </a:r>
-            <a:r>
-              <a:rPr lang="en-US" sz="2000" dirty="0" err="1">
-                <a:latin typeface="Monaco" charset="0"/>
-              </a:rPr>
-              <a:t>e.index</a:t>
-            </a:r>
-            <a:r>
-              <a:rPr lang="en-US" sz="2000" dirty="0">
-                <a:latin typeface="Monaco" charset="0"/>
-              </a:rPr>
-              <a:t>);</a:t>
-            </a:r>
-          </a:p>
-          <a:p>
-            <a:pPr>
-              <a:spcBef>
-                <a:spcPts val="600"/>
-              </a:spcBef>
-              <a:buClrTx/>
-              <a:buFontTx/>
-              <a:buNone/>
-            </a:pPr>
-            <a:r>
-              <a:rPr lang="en-US" sz="2000" dirty="0">
-                <a:latin typeface="Monaco" charset="0"/>
-              </a:rPr>
-              <a:t>});</a:t>
-            </a:r>
-          </a:p>
-          <a:p>
-            <a:endParaRPr lang="en-US" dirty="0" smtClean="0"/>
-          </a:p>
-          <a:p>
+            <a:r>
+              <a:rPr lang="en-US" dirty="0"/>
+              <a:t>Key methods of </a:t>
+            </a:r>
             <a:r>
               <a:rPr lang="en-US" dirty="0" smtClean="0"/>
-              <a:t>Key event object properties:</a:t>
-            </a:r>
-          </a:p>
-          <a:p>
-            <a:pPr marL="342900" indent="-342900">
+              <a:t>table rows</a:t>
+            </a:r>
+            <a:r>
+              <a:rPr lang="en-US" dirty="0"/>
+              <a:t>:</a:t>
+            </a:r>
+          </a:p>
+          <a:p>
+            <a:pPr marL="800100" lvl="1" indent="-342900">
               <a:buFont typeface="Arial"/>
               <a:buChar char="•"/>
             </a:pPr>
             <a:r>
-              <a:rPr lang="en-US" sz="2000" dirty="0" smtClean="0"/>
-              <a:t>index</a:t>
-            </a:r>
-          </a:p>
-          <a:p>
-            <a:pPr marL="342900" indent="-342900">
+              <a:rPr lang="en-US" dirty="0" smtClean="0"/>
+              <a:t>method A</a:t>
+            </a:r>
+          </a:p>
+          <a:p>
+            <a:pPr marL="800100" lvl="1" indent="-342900">
               <a:buFont typeface="Arial"/>
               <a:buChar char="•"/>
             </a:pPr>
             <a:r>
-              <a:rPr lang="en-US" sz="2000" dirty="0" smtClean="0"/>
-              <a:t>row</a:t>
-            </a:r>
-          </a:p>
-          <a:p>
-            <a:pPr marL="342900" indent="-342900">
-              <a:buFont typeface="Arial"/>
-              <a:buChar char="•"/>
-            </a:pPr>
-            <a:r>
-              <a:rPr lang="en-US" sz="2000" dirty="0" err="1" smtClean="0"/>
-              <a:t>rowData</a:t>
-            </a:r>
-            <a:endParaRPr lang="en-US" sz="2000" dirty="0" smtClean="0"/>
-          </a:p>
-          <a:p>
-            <a:pPr marL="342900" indent="-342900">
-              <a:buFont typeface="Arial"/>
-              <a:buChar char="•"/>
-            </a:pPr>
-            <a:r>
-              <a:rPr lang="en-US" sz="2000" dirty="0" smtClean="0"/>
-              <a:t>source</a:t>
-            </a:r>
-            <a:endParaRPr lang="en-US" sz="2000" dirty="0"/>
-          </a:p>
-          <a:p>
-            <a:endParaRPr lang="en-US" sz="2000" dirty="0"/>
+              <a:rPr lang="en-US" smtClean="0"/>
+              <a:t>method B</a:t>
+            </a:r>
+            <a:endParaRPr lang="en-US" dirty="0"/>
           </a:p>
         </p:txBody>
       </p:sp>
     </p:spTree>
     <p:extLst>
       <p:ext uri="{BB962C8B-B14F-4D97-AF65-F5344CB8AC3E}">
-        <p14:creationId xmlns:p14="http://schemas.microsoft.com/office/powerpoint/2010/main" val="2425365866"/>
+        <p14:creationId xmlns:p14="http://schemas.microsoft.com/office/powerpoint/2010/main" val="847416318"/>
       </p:ext>
     </p:extLst>
   </p:cSld>
@@ -7426,7 +7774,7 @@
                 </a:solidFill>
                 <a:latin typeface="Trebuchet MS" charset="0"/>
               </a:rPr>
-              <a:t>Q&amp;A</a:t>
+              <a:t>Events</a:t>
             </a:r>
             <a:endParaRPr lang="en-US" sz="4800" i="1" dirty="0">
               <a:solidFill>
@@ -7479,84 +7827,152 @@
           <a:p>
             <a:r>
               <a:rPr lang="en-US" dirty="0" smtClean="0"/>
-              <a:t>Lab goals</a:t>
+              <a:t>Table events</a:t>
             </a:r>
             <a:endParaRPr lang="en-US" dirty="0"/>
           </a:p>
         </p:txBody>
       </p:sp>
-      <p:pic>
-        <p:nvPicPr>
-          <p:cNvPr id="4" name="Picture 2"/>
-          <p:cNvPicPr>
-            <a:picLocks noGrp="1" noChangeAspect="1" noChangeArrowheads="1"/>
-          </p:cNvPicPr>
+      <p:sp>
+        <p:nvSpPr>
+          <p:cNvPr id="3" name="Content Placeholder 2"/>
+          <p:cNvSpPr>
+            <a:spLocks noGrp="1"/>
+          </p:cNvSpPr>
           <p:nvPr>
             <p:ph idx="1"/>
           </p:nvPr>
-        </p:nvPicPr>
-        <p:blipFill>
-          <a:blip r:embed="rId3">
-            <a:extLst>
-              <a:ext uri="{28A0092B-C50C-407E-A947-70E740481C1C}">
-                <a14:useLocalDpi xmlns:a14="http://schemas.microsoft.com/office/drawing/2010/main" val="0"/>
-              </a:ext>
-            </a:extLst>
-          </a:blip>
-          <a:srcRect l="-79233" r="-79233"/>
-          <a:stretch>
-            <a:fillRect/>
-          </a:stretch>
-        </p:blipFill>
-        <p:spPr bwMode="auto">
-          <a:prstGeom prst="rect">
-            <a:avLst/>
-          </a:prstGeom>
-          <a:noFill/>
-          <a:ln>
-            <a:noFill/>
-          </a:ln>
-          <a:effectLst/>
-          <a:extLst>
-            <a:ext uri="{909E8E84-426E-40dd-AFC4-6F175D3DCCD1}">
-              <a14:hiddenFill xmlns:a14="http://schemas.microsoft.com/office/drawing/2010/main">
-                <a:blipFill dpi="0" rotWithShape="0">
-                  <a:blip/>
-                  <a:srcRect/>
-                  <a:stretch>
-                    <a:fillRect/>
-                  </a:stretch>
-                </a:blipFill>
-              </a14:hiddenFill>
-            </a:ext>
-            <a:ext uri="{91240B29-F687-4f45-9708-019B960494DF}">
-              <a14:hiddenLine xmlns:a14="http://schemas.microsoft.com/office/drawing/2010/main" w="9525">
-                <a:solidFill>
-                  <a:srgbClr val="000000"/>
-                </a:solidFill>
-                <a:round/>
-                <a:headEnd/>
-                <a:tailEnd/>
-              </a14:hiddenLine>
-            </a:ext>
-            <a:ext uri="{AF507438-7753-43e0-B8FC-AC1667EBCBE1}">
-              <a14:hiddenEffects xmlns:a14="http://schemas.microsoft.com/office/drawing/2010/main">
-                <a:effectLst>
-                  <a:outerShdw blurRad="63500" dist="38099" dir="2700000" algn="ctr" rotWithShape="0">
-                    <a:srgbClr val="000000">
-                      <a:alpha val="74998"/>
-                    </a:srgbClr>
-                  </a:outerShdw>
-                </a:effectLst>
-              </a14:hiddenEffects>
-            </a:ext>
-          </a:extLst>
-        </p:spPr>
-      </p:pic>
+        </p:nvSpPr>
+        <p:spPr/>
+        <p:txBody>
+          <a:bodyPr/>
+          <a:lstStyle/>
+          <a:p>
+            <a:pPr>
+              <a:spcBef>
+                <a:spcPts val="600"/>
+              </a:spcBef>
+              <a:buClrTx/>
+              <a:buFontTx/>
+              <a:buNone/>
+            </a:pPr>
+            <a:r>
+              <a:rPr lang="en-US" sz="2000" dirty="0" err="1">
+                <a:latin typeface="Monaco" charset="0"/>
+              </a:rPr>
+              <a:t>table.addEventListener</a:t>
+            </a:r>
+            <a:r>
+              <a:rPr lang="en-US" sz="2000" dirty="0">
+                <a:latin typeface="Monaco" charset="0"/>
+              </a:rPr>
+              <a:t>('click', function(e){</a:t>
+            </a:r>
+          </a:p>
+          <a:p>
+            <a:pPr>
+              <a:spcBef>
+                <a:spcPts val="600"/>
+              </a:spcBef>
+              <a:buClrTx/>
+              <a:buFontTx/>
+              <a:buNone/>
+            </a:pPr>
+            <a:r>
+              <a:rPr lang="en-US" sz="2000" dirty="0">
+                <a:latin typeface="Monaco" charset="0"/>
+              </a:rPr>
+              <a:t>	alert('You clicked row '+</a:t>
+            </a:r>
+            <a:r>
+              <a:rPr lang="en-US" sz="2000" dirty="0" err="1">
+                <a:latin typeface="Monaco" charset="0"/>
+              </a:rPr>
+              <a:t>e.index</a:t>
+            </a:r>
+            <a:r>
+              <a:rPr lang="en-US" sz="2000" dirty="0">
+                <a:latin typeface="Monaco" charset="0"/>
+              </a:rPr>
+              <a:t>);</a:t>
+            </a:r>
+          </a:p>
+          <a:p>
+            <a:pPr>
+              <a:spcBef>
+                <a:spcPts val="600"/>
+              </a:spcBef>
+              <a:buClrTx/>
+              <a:buFontTx/>
+              <a:buNone/>
+            </a:pPr>
+            <a:r>
+              <a:rPr lang="en-US" sz="2000" dirty="0">
+                <a:latin typeface="Monaco" charset="0"/>
+              </a:rPr>
+              <a:t>});</a:t>
+            </a:r>
+          </a:p>
+          <a:p>
+            <a:endParaRPr lang="en-US" dirty="0" smtClean="0"/>
+          </a:p>
+          <a:p>
+            <a:r>
+              <a:rPr lang="en-US" dirty="0" smtClean="0"/>
+              <a:t>Key event object properties:</a:t>
+            </a:r>
+          </a:p>
+          <a:p>
+            <a:pPr marL="342900" indent="-342900">
+              <a:buFont typeface="Arial"/>
+              <a:buChar char="•"/>
+            </a:pPr>
+            <a:r>
+              <a:rPr lang="en-US" sz="2000" dirty="0" smtClean="0"/>
+              <a:t>index</a:t>
+            </a:r>
+          </a:p>
+          <a:p>
+            <a:pPr marL="342900" indent="-342900">
+              <a:buFont typeface="Arial"/>
+              <a:buChar char="•"/>
+            </a:pPr>
+            <a:r>
+              <a:rPr lang="en-US" sz="2000" dirty="0" smtClean="0"/>
+              <a:t>row</a:t>
+            </a:r>
+          </a:p>
+          <a:p>
+            <a:pPr marL="342900" indent="-342900">
+              <a:buFont typeface="Arial"/>
+              <a:buChar char="•"/>
+            </a:pPr>
+            <a:r>
+              <a:rPr lang="en-US" sz="2000" dirty="0" err="1" smtClean="0"/>
+              <a:t>rowData</a:t>
+            </a:r>
+            <a:endParaRPr lang="en-US" sz="2000" dirty="0" smtClean="0"/>
+          </a:p>
+          <a:p>
+            <a:pPr marL="342900" indent="-342900">
+              <a:buFont typeface="Arial"/>
+              <a:buChar char="•"/>
+            </a:pPr>
+            <a:r>
+              <a:rPr lang="en-US" sz="2000" dirty="0" smtClean="0"/>
+              <a:t>source</a:t>
+            </a:r>
+            <a:endParaRPr lang="en-US" sz="2000" dirty="0"/>
+          </a:p>
+          <a:p>
+            <a:endParaRPr lang="en-US" sz="2000" dirty="0"/>
+          </a:p>
+        </p:txBody>
+      </p:sp>
     </p:spTree>
     <p:extLst>
       <p:ext uri="{BB962C8B-B14F-4D97-AF65-F5344CB8AC3E}">
-        <p14:creationId xmlns:p14="http://schemas.microsoft.com/office/powerpoint/2010/main" val="1237345480"/>
+        <p14:creationId xmlns:p14="http://schemas.microsoft.com/office/powerpoint/2010/main" val="2425365866"/>
       </p:ext>
     </p:extLst>
   </p:cSld>
@@ -7665,6 +8081,250 @@
                 </a:solidFill>
                 <a:latin typeface="Trebuchet MS" charset="0"/>
               </a:rPr>
+              <a:t>Q&amp;A</a:t>
+            </a:r>
+            <a:endParaRPr lang="en-US" sz="4800" i="1" dirty="0">
+              <a:solidFill>
+                <a:srgbClr val="122956"/>
+              </a:solidFill>
+              <a:latin typeface="Trebuchet MS" charset="0"/>
+            </a:endParaRPr>
+          </a:p>
+        </p:txBody>
+      </p:sp>
+    </p:spTree>
+    <p:extLst>
+      <p:ext uri="{BB962C8B-B14F-4D97-AF65-F5344CB8AC3E}">
+        <p14:creationId xmlns:p14="http://schemas.microsoft.com/office/powerpoint/2010/main" val="4095999683"/>
+      </p:ext>
+    </p:extLst>
+  </p:cSld>
+  <p:clrMapOvr>
+    <a:masterClrMapping/>
+  </p:clrMapOvr>
+</p:sld>
+</file>
+
+<file path=ppt/slides/slide16.xml><?xml version="1.0" encoding="utf-8"?>
+<p:sld xmlns:a="http://schemas.openxmlformats.org/drawingml/2006/main" xmlns:r="http://schemas.openxmlformats.org/officeDocument/2006/relationships" xmlns:p="http://schemas.openxmlformats.org/presentationml/2006/main">
+  <p:cSld>
+    <p:spTree>
+      <p:nvGrpSpPr>
+        <p:cNvPr id="1" name=""/>
+        <p:cNvGrpSpPr/>
+        <p:nvPr/>
+      </p:nvGrpSpPr>
+      <p:grpSpPr>
+        <a:xfrm>
+          <a:off x="0" y="0"/>
+          <a:ext cx="0" cy="0"/>
+          <a:chOff x="0" y="0"/>
+          <a:chExt cx="0" cy="0"/>
+        </a:xfrm>
+      </p:grpSpPr>
+      <p:sp>
+        <p:nvSpPr>
+          <p:cNvPr id="2" name="Title 1"/>
+          <p:cNvSpPr>
+            <a:spLocks noGrp="1"/>
+          </p:cNvSpPr>
+          <p:nvPr>
+            <p:ph type="title"/>
+          </p:nvPr>
+        </p:nvSpPr>
+        <p:spPr/>
+        <p:txBody>
+          <a:bodyPr/>
+          <a:lstStyle/>
+          <a:p>
+            <a:r>
+              <a:rPr lang="en-US" dirty="0" smtClean="0"/>
+              <a:t>Lab goals</a:t>
+            </a:r>
+            <a:endParaRPr lang="en-US" dirty="0"/>
+          </a:p>
+        </p:txBody>
+      </p:sp>
+      <p:pic>
+        <p:nvPicPr>
+          <p:cNvPr id="4" name="Picture 2"/>
+          <p:cNvPicPr>
+            <a:picLocks noGrp="1" noChangeAspect="1" noChangeArrowheads="1"/>
+          </p:cNvPicPr>
+          <p:nvPr>
+            <p:ph idx="1"/>
+          </p:nvPr>
+        </p:nvPicPr>
+        <p:blipFill>
+          <a:blip r:embed="rId3">
+            <a:extLst>
+              <a:ext uri="{28A0092B-C50C-407E-A947-70E740481C1C}">
+                <a14:useLocalDpi xmlns:a14="http://schemas.microsoft.com/office/drawing/2010/main" val="0"/>
+              </a:ext>
+            </a:extLst>
+          </a:blip>
+          <a:srcRect l="-79233" r="-79233"/>
+          <a:stretch>
+            <a:fillRect/>
+          </a:stretch>
+        </p:blipFill>
+        <p:spPr bwMode="auto">
+          <a:prstGeom prst="rect">
+            <a:avLst/>
+          </a:prstGeom>
+          <a:noFill/>
+          <a:ln>
+            <a:noFill/>
+          </a:ln>
+          <a:effectLst/>
+          <a:extLst>
+            <a:ext uri="{909E8E84-426E-40dd-AFC4-6F175D3DCCD1}">
+              <a14:hiddenFill xmlns:a14="http://schemas.microsoft.com/office/drawing/2010/main">
+                <a:blipFill dpi="0" rotWithShape="0">
+                  <a:blip/>
+                  <a:srcRect/>
+                  <a:stretch>
+                    <a:fillRect/>
+                  </a:stretch>
+                </a:blipFill>
+              </a14:hiddenFill>
+            </a:ext>
+            <a:ext uri="{91240B29-F687-4f45-9708-019B960494DF}">
+              <a14:hiddenLine xmlns:a14="http://schemas.microsoft.com/office/drawing/2010/main" w="9525">
+                <a:solidFill>
+                  <a:srgbClr val="000000"/>
+                </a:solidFill>
+                <a:round/>
+                <a:headEnd/>
+                <a:tailEnd/>
+              </a14:hiddenLine>
+            </a:ext>
+            <a:ext uri="{AF507438-7753-43e0-B8FC-AC1667EBCBE1}">
+              <a14:hiddenEffects xmlns:a14="http://schemas.microsoft.com/office/drawing/2010/main">
+                <a:effectLst>
+                  <a:outerShdw blurRad="63500" dist="38099" dir="2700000" algn="ctr" rotWithShape="0">
+                    <a:srgbClr val="000000">
+                      <a:alpha val="74998"/>
+                    </a:srgbClr>
+                  </a:outerShdw>
+                </a:effectLst>
+              </a14:hiddenEffects>
+            </a:ext>
+          </a:extLst>
+        </p:spPr>
+      </p:pic>
+    </p:spTree>
+    <p:extLst>
+      <p:ext uri="{BB962C8B-B14F-4D97-AF65-F5344CB8AC3E}">
+        <p14:creationId xmlns:p14="http://schemas.microsoft.com/office/powerpoint/2010/main" val="1237345480"/>
+      </p:ext>
+    </p:extLst>
+  </p:cSld>
+  <p:clrMapOvr>
+    <a:masterClrMapping/>
+  </p:clrMapOvr>
+</p:sld>
+</file>
+
+<file path=ppt/slides/slide17.xml><?xml version="1.0" encoding="utf-8"?>
+<p:sld xmlns:a="http://schemas.openxmlformats.org/drawingml/2006/main" xmlns:r="http://schemas.openxmlformats.org/officeDocument/2006/relationships" xmlns:p="http://schemas.openxmlformats.org/presentationml/2006/main">
+  <p:cSld>
+    <p:spTree>
+      <p:nvGrpSpPr>
+        <p:cNvPr id="1" name=""/>
+        <p:cNvGrpSpPr/>
+        <p:nvPr/>
+      </p:nvGrpSpPr>
+      <p:grpSpPr>
+        <a:xfrm>
+          <a:off x="0" y="0"/>
+          <a:ext cx="0" cy="0"/>
+          <a:chOff x="0" y="0"/>
+          <a:chExt cx="0" cy="0"/>
+        </a:xfrm>
+      </p:grpSpPr>
+      <p:pic>
+        <p:nvPicPr>
+          <p:cNvPr id="23553" name="Picture 5" descr="raised_paper.png"/>
+          <p:cNvPicPr>
+            <a:picLocks noChangeAspect="1"/>
+          </p:cNvPicPr>
+          <p:nvPr/>
+        </p:nvPicPr>
+        <p:blipFill>
+          <a:blip r:embed="rId2">
+            <a:extLst>
+              <a:ext uri="{28A0092B-C50C-407E-A947-70E740481C1C}">
+                <a14:useLocalDpi xmlns:a14="http://schemas.microsoft.com/office/drawing/2010/main" val="0"/>
+              </a:ext>
+            </a:extLst>
+          </a:blip>
+          <a:srcRect/>
+          <a:stretch>
+            <a:fillRect/>
+          </a:stretch>
+        </p:blipFill>
+        <p:spPr bwMode="auto">
+          <a:xfrm>
+            <a:off x="1336675" y="2106613"/>
+            <a:ext cx="6456363" cy="2189162"/>
+          </a:xfrm>
+          <a:prstGeom prst="rect">
+            <a:avLst/>
+          </a:prstGeom>
+          <a:noFill/>
+          <a:ln>
+            <a:noFill/>
+          </a:ln>
+          <a:extLst>
+            <a:ext uri="{909E8E84-426E-40dd-AFC4-6F175D3DCCD1}">
+              <a14:hiddenFill xmlns:a14="http://schemas.microsoft.com/office/drawing/2010/main">
+                <a:solidFill>
+                  <a:srgbClr val="FFFFFF"/>
+                </a:solidFill>
+              </a14:hiddenFill>
+            </a:ext>
+            <a:ext uri="{91240B29-F687-4f45-9708-019B960494DF}">
+              <a14:hiddenLine xmlns:a14="http://schemas.microsoft.com/office/drawing/2010/main" w="9525">
+                <a:solidFill>
+                  <a:srgbClr val="000000"/>
+                </a:solidFill>
+                <a:miter lim="800000"/>
+                <a:headEnd/>
+                <a:tailEnd/>
+              </a14:hiddenLine>
+            </a:ext>
+          </a:extLst>
+        </p:spPr>
+      </p:pic>
+      <p:sp>
+        <p:nvSpPr>
+          <p:cNvPr id="23554" name="Title 1"/>
+          <p:cNvSpPr>
+            <a:spLocks noGrp="1"/>
+          </p:cNvSpPr>
+          <p:nvPr>
+            <p:ph type="ctrTitle" idx="4294967295"/>
+          </p:nvPr>
+        </p:nvSpPr>
+        <p:spPr>
+          <a:xfrm>
+            <a:off x="766763" y="2330450"/>
+            <a:ext cx="7772400" cy="1470025"/>
+          </a:xfrm>
+        </p:spPr>
+        <p:txBody>
+          <a:bodyPr/>
+          <a:lstStyle/>
+          <a:p>
+            <a:pPr algn="ctr"/>
+            <a:r>
+              <a:rPr lang="en-US" sz="4800" i="1" dirty="0" smtClean="0">
+                <a:solidFill>
+                  <a:srgbClr val="122956"/>
+                </a:solidFill>
+                <a:latin typeface="Trebuchet MS" charset="0"/>
+              </a:rPr>
               <a:t>Lab Exercise</a:t>
             </a:r>
             <a:endParaRPr lang="en-US" sz="4800" i="1" dirty="0">
@@ -7752,7 +8412,6 @@
               <a:rPr lang="en-US" dirty="0" smtClean="0"/>
               <a:t> Examples</a:t>
             </a:r>
-            <a:endParaRPr lang="en-US" dirty="0" smtClean="0"/>
           </a:p>
           <a:p>
             <a:endParaRPr lang="en-US" dirty="0"/>
@@ -7770,29 +8429,27 @@
               <a:rPr lang="en-US" dirty="0" smtClean="0"/>
               <a:t>basics and beyond</a:t>
             </a:r>
-            <a:endParaRPr lang="en-US" dirty="0" smtClean="0"/>
           </a:p>
           <a:p>
             <a:endParaRPr lang="en-US" dirty="0"/>
           </a:p>
           <a:p>
             <a:r>
-              <a:rPr lang="en-US" dirty="0" err="1" smtClean="0"/>
-              <a:t>TableViewRows</a:t>
-            </a:r>
-            <a:endParaRPr lang="en-US" dirty="0" smtClean="0"/>
+              <a:rPr lang="en-US" dirty="0" smtClean="0"/>
+              <a:t>Event </a:t>
+            </a:r>
+            <a:r>
+              <a:rPr lang="en-US" dirty="0" smtClean="0"/>
+              <a:t>handling</a:t>
+            </a:r>
           </a:p>
           <a:p>
             <a:endParaRPr lang="en-US" dirty="0"/>
           </a:p>
           <a:p>
             <a:r>
-              <a:rPr lang="en-US" smtClean="0"/>
-              <a:t>Event </a:t>
-            </a:r>
-            <a:r>
-              <a:rPr lang="en-US" smtClean="0"/>
-              <a:t>handling</a:t>
+              <a:rPr lang="en-US" dirty="0" smtClean="0"/>
+              <a:t>Special features (?)</a:t>
             </a:r>
             <a:endParaRPr lang="en-US" dirty="0" smtClean="0"/>
           </a:p>
@@ -7856,6 +8513,36 @@
           <a:chExt cx="0" cy="0"/>
         </a:xfrm>
       </p:grpSpPr>
+      <p:pic>
+        <p:nvPicPr>
+          <p:cNvPr id="8" name="Picture 7" descr="Screenshot_2.png"/>
+          <p:cNvPicPr>
+            <a:picLocks noChangeAspect="1"/>
+          </p:cNvPicPr>
+          <p:nvPr/>
+        </p:nvPicPr>
+        <p:blipFill>
+          <a:blip r:embed="rId3">
+            <a:extLst>
+              <a:ext uri="{28A0092B-C50C-407E-A947-70E740481C1C}">
+                <a14:useLocalDpi xmlns:a14="http://schemas.microsoft.com/office/drawing/2010/main" val="0"/>
+              </a:ext>
+            </a:extLst>
+          </a:blip>
+          <a:stretch>
+            <a:fillRect/>
+          </a:stretch>
+        </p:blipFill>
+        <p:spPr>
+          <a:xfrm>
+            <a:off x="307474" y="1390316"/>
+            <a:ext cx="3048000" cy="4381500"/>
+          </a:xfrm>
+          <a:prstGeom prst="rect">
+            <a:avLst/>
+          </a:prstGeom>
+        </p:spPr>
+      </p:pic>
       <p:sp>
         <p:nvSpPr>
           <p:cNvPr id="2" name="Title 1"/>
@@ -7881,14 +8568,194 @@
       </p:sp>
       <p:pic>
         <p:nvPicPr>
-          <p:cNvPr id="4" name="Picture 2"/>
+          <p:cNvPr id="3" name="Picture 2" descr="Screenshot_1.png"/>
           <p:cNvPicPr>
-            <a:picLocks noChangeAspect="1" noChangeArrowheads="1"/>
+            <a:picLocks noChangeAspect="1"/>
           </p:cNvPicPr>
           <p:nvPr/>
         </p:nvPicPr>
         <p:blipFill>
-          <a:blip r:embed="rId2">
+          <a:blip r:embed="rId4">
+            <a:extLst>
+              <a:ext uri="{28A0092B-C50C-407E-A947-70E740481C1C}">
+                <a14:useLocalDpi xmlns:a14="http://schemas.microsoft.com/office/drawing/2010/main" val="0"/>
+              </a:ext>
+            </a:extLst>
+          </a:blip>
+          <a:stretch>
+            <a:fillRect/>
+          </a:stretch>
+        </p:blipFill>
+        <p:spPr>
+          <a:xfrm>
+            <a:off x="1233906" y="1390316"/>
+            <a:ext cx="3048000" cy="4381500"/>
+          </a:xfrm>
+          <a:prstGeom prst="rect">
+            <a:avLst/>
+          </a:prstGeom>
+        </p:spPr>
+      </p:pic>
+      <p:pic>
+        <p:nvPicPr>
+          <p:cNvPr id="9" name="Picture 8" descr="Screenshot_3.png"/>
+          <p:cNvPicPr>
+            <a:picLocks noChangeAspect="1"/>
+          </p:cNvPicPr>
+          <p:nvPr/>
+        </p:nvPicPr>
+        <p:blipFill>
+          <a:blip r:embed="rId5">
+            <a:extLst>
+              <a:ext uri="{28A0092B-C50C-407E-A947-70E740481C1C}">
+                <a14:useLocalDpi xmlns:a14="http://schemas.microsoft.com/office/drawing/2010/main" val="0"/>
+              </a:ext>
+            </a:extLst>
+          </a:blip>
+          <a:stretch>
+            <a:fillRect/>
+          </a:stretch>
+        </p:blipFill>
+        <p:spPr>
+          <a:xfrm>
+            <a:off x="2160338" y="1390315"/>
+            <a:ext cx="3048000" cy="4381501"/>
+          </a:xfrm>
+          <a:prstGeom prst="rect">
+            <a:avLst/>
+          </a:prstGeom>
+        </p:spPr>
+      </p:pic>
+      <p:pic>
+        <p:nvPicPr>
+          <p:cNvPr id="10" name="Picture 9" descr="Screenshot_4.png"/>
+          <p:cNvPicPr>
+            <a:picLocks noChangeAspect="1"/>
+          </p:cNvPicPr>
+          <p:nvPr/>
+        </p:nvPicPr>
+        <p:blipFill>
+          <a:blip r:embed="rId6">
+            <a:extLst>
+              <a:ext uri="{28A0092B-C50C-407E-A947-70E740481C1C}">
+                <a14:useLocalDpi xmlns:a14="http://schemas.microsoft.com/office/drawing/2010/main" val="0"/>
+              </a:ext>
+            </a:extLst>
+          </a:blip>
+          <a:stretch>
+            <a:fillRect/>
+          </a:stretch>
+        </p:blipFill>
+        <p:spPr>
+          <a:xfrm>
+            <a:off x="3086770" y="1390316"/>
+            <a:ext cx="3048000" cy="4381500"/>
+          </a:xfrm>
+          <a:prstGeom prst="rect">
+            <a:avLst/>
+          </a:prstGeom>
+        </p:spPr>
+      </p:pic>
+      <p:pic>
+        <p:nvPicPr>
+          <p:cNvPr id="11" name="Picture 10" descr="Screenshot_5.png"/>
+          <p:cNvPicPr>
+            <a:picLocks noChangeAspect="1"/>
+          </p:cNvPicPr>
+          <p:nvPr/>
+        </p:nvPicPr>
+        <p:blipFill>
+          <a:blip r:embed="rId7">
+            <a:extLst>
+              <a:ext uri="{28A0092B-C50C-407E-A947-70E740481C1C}">
+                <a14:useLocalDpi xmlns:a14="http://schemas.microsoft.com/office/drawing/2010/main" val="0"/>
+              </a:ext>
+            </a:extLst>
+          </a:blip>
+          <a:stretch>
+            <a:fillRect/>
+          </a:stretch>
+        </p:blipFill>
+        <p:spPr>
+          <a:xfrm>
+            <a:off x="4013202" y="1390315"/>
+            <a:ext cx="3048000" cy="4381500"/>
+          </a:xfrm>
+          <a:prstGeom prst="rect">
+            <a:avLst/>
+          </a:prstGeom>
+        </p:spPr>
+      </p:pic>
+      <p:pic>
+        <p:nvPicPr>
+          <p:cNvPr id="12" name="Picture 11" descr="Screenshot_6.png"/>
+          <p:cNvPicPr>
+            <a:picLocks noChangeAspect="1"/>
+          </p:cNvPicPr>
+          <p:nvPr/>
+        </p:nvPicPr>
+        <p:blipFill>
+          <a:blip r:embed="rId8">
+            <a:extLst>
+              <a:ext uri="{28A0092B-C50C-407E-A947-70E740481C1C}">
+                <a14:useLocalDpi xmlns:a14="http://schemas.microsoft.com/office/drawing/2010/main" val="0"/>
+              </a:ext>
+            </a:extLst>
+          </a:blip>
+          <a:stretch>
+            <a:fillRect/>
+          </a:stretch>
+        </p:blipFill>
+        <p:spPr>
+          <a:xfrm>
+            <a:off x="4939634" y="1390316"/>
+            <a:ext cx="3048000" cy="4381500"/>
+          </a:xfrm>
+          <a:prstGeom prst="rect">
+            <a:avLst/>
+          </a:prstGeom>
+        </p:spPr>
+      </p:pic>
+      <p:pic>
+        <p:nvPicPr>
+          <p:cNvPr id="13" name="Picture 12" descr="Screenshot_7.png"/>
+          <p:cNvPicPr>
+            <a:picLocks noChangeAspect="1"/>
+          </p:cNvPicPr>
+          <p:nvPr/>
+        </p:nvPicPr>
+        <p:blipFill>
+          <a:blip r:embed="rId9">
+            <a:extLst>
+              <a:ext uri="{28A0092B-C50C-407E-A947-70E740481C1C}">
+                <a14:useLocalDpi xmlns:a14="http://schemas.microsoft.com/office/drawing/2010/main" val="0"/>
+              </a:ext>
+            </a:extLst>
+          </a:blip>
+          <a:stretch>
+            <a:fillRect/>
+          </a:stretch>
+        </p:blipFill>
+        <p:spPr>
+          <a:xfrm>
+            <a:off x="5866063" y="1390316"/>
+            <a:ext cx="3048000" cy="4381500"/>
+          </a:xfrm>
+          <a:prstGeom prst="rect">
+            <a:avLst/>
+          </a:prstGeom>
+        </p:spPr>
+      </p:pic>
+      <p:pic>
+        <p:nvPicPr>
+          <p:cNvPr id="14" name="Picture 36" descr="tv_advert.png"/>
+          <p:cNvPicPr>
+            <a:picLocks noChangeAspect="1"/>
+          </p:cNvPicPr>
+          <p:nvPr/>
+        </p:nvPicPr>
+        <p:blipFill>
+          <a:blip r:embed="rId10">
             <a:extLst>
               <a:ext uri="{28A0092B-C50C-407E-A947-70E740481C1C}">
                 <a14:useLocalDpi xmlns:a14="http://schemas.microsoft.com/office/drawing/2010/main" val="0"/>
@@ -7902,8 +8769,8 @@
         </p:blipFill>
         <p:spPr bwMode="auto">
           <a:xfrm>
-            <a:off x="400050" y="1336675"/>
-            <a:ext cx="2571750" cy="3646488"/>
+            <a:off x="8543606" y="0"/>
+            <a:ext cx="480315" cy="481263"/>
           </a:xfrm>
           <a:prstGeom prst="rect">
             <a:avLst/>
@@ -7912,17 +8779,12 @@
           <a:ln>
             <a:noFill/>
           </a:ln>
-          <a:effectLst/>
           <a:extLst>
             <a:ext uri="{909E8E84-426E-40dd-AFC4-6F175D3DCCD1}">
               <a14:hiddenFill xmlns:a14="http://schemas.microsoft.com/office/drawing/2010/main">
-                <a:blipFill dpi="0" rotWithShape="0">
-                  <a:blip/>
-                  <a:srcRect/>
-                  <a:stretch>
-                    <a:fillRect/>
-                  </a:stretch>
-                </a:blipFill>
+                <a:solidFill>
+                  <a:srgbClr val="FFFFFF"/>
+                </a:solidFill>
               </a14:hiddenFill>
             </a:ext>
             <a:ext uri="{91240B29-F687-4f45-9708-019B960494DF}">
@@ -7930,231 +8792,10 @@
                 <a:solidFill>
                   <a:srgbClr val="000000"/>
                 </a:solidFill>
-                <a:round/>
+                <a:miter lim="800000"/>
                 <a:headEnd/>
                 <a:tailEnd/>
               </a14:hiddenLine>
-            </a:ext>
-            <a:ext uri="{AF507438-7753-43e0-B8FC-AC1667EBCBE1}">
-              <a14:hiddenEffects xmlns:a14="http://schemas.microsoft.com/office/drawing/2010/main">
-                <a:effectLst>
-                  <a:outerShdw blurRad="63500" dist="38099" dir="2700000" algn="ctr" rotWithShape="0">
-                    <a:srgbClr val="000000">
-                      <a:alpha val="74998"/>
-                    </a:srgbClr>
-                  </a:outerShdw>
-                </a:effectLst>
-              </a14:hiddenEffects>
-            </a:ext>
-          </a:extLst>
-        </p:spPr>
-      </p:pic>
-      <p:pic>
-        <p:nvPicPr>
-          <p:cNvPr id="5" name="Picture 3"/>
-          <p:cNvPicPr>
-            <a:picLocks noChangeAspect="1" noChangeArrowheads="1"/>
-          </p:cNvPicPr>
-          <p:nvPr/>
-        </p:nvPicPr>
-        <p:blipFill>
-          <a:blip r:embed="rId3">
-            <a:extLst>
-              <a:ext uri="{28A0092B-C50C-407E-A947-70E740481C1C}">
-                <a14:useLocalDpi xmlns:a14="http://schemas.microsoft.com/office/drawing/2010/main" val="0"/>
-              </a:ext>
-            </a:extLst>
-          </a:blip>
-          <a:srcRect/>
-          <a:stretch>
-            <a:fillRect/>
-          </a:stretch>
-        </p:blipFill>
-        <p:spPr bwMode="auto">
-          <a:xfrm>
-            <a:off x="1489075" y="2700338"/>
-            <a:ext cx="2570163" cy="3657600"/>
-          </a:xfrm>
-          <a:prstGeom prst="rect">
-            <a:avLst/>
-          </a:prstGeom>
-          <a:noFill/>
-          <a:ln>
-            <a:noFill/>
-          </a:ln>
-          <a:effectLst/>
-          <a:extLst>
-            <a:ext uri="{909E8E84-426E-40dd-AFC4-6F175D3DCCD1}">
-              <a14:hiddenFill xmlns:a14="http://schemas.microsoft.com/office/drawing/2010/main">
-                <a:blipFill dpi="0" rotWithShape="0">
-                  <a:blip/>
-                  <a:srcRect/>
-                  <a:stretch>
-                    <a:fillRect/>
-                  </a:stretch>
-                </a:blipFill>
-              </a14:hiddenFill>
-            </a:ext>
-            <a:ext uri="{91240B29-F687-4f45-9708-019B960494DF}">
-              <a14:hiddenLine xmlns:a14="http://schemas.microsoft.com/office/drawing/2010/main" w="9525">
-                <a:solidFill>
-                  <a:srgbClr val="000000"/>
-                </a:solidFill>
-                <a:round/>
-                <a:headEnd/>
-                <a:tailEnd/>
-              </a14:hiddenLine>
-            </a:ext>
-            <a:ext uri="{AF507438-7753-43e0-B8FC-AC1667EBCBE1}">
-              <a14:hiddenEffects xmlns:a14="http://schemas.microsoft.com/office/drawing/2010/main">
-                <a:effectLst>
-                  <a:outerShdw blurRad="63500" dist="38099" dir="2700000" algn="ctr" rotWithShape="0">
-                    <a:srgbClr val="000000">
-                      <a:alpha val="74998"/>
-                    </a:srgbClr>
-                  </a:outerShdw>
-                </a:effectLst>
-              </a14:hiddenEffects>
-            </a:ext>
-          </a:extLst>
-        </p:spPr>
-      </p:pic>
-      <p:pic>
-        <p:nvPicPr>
-          <p:cNvPr id="6" name="Picture 4"/>
-          <p:cNvPicPr>
-            <a:picLocks noChangeAspect="1" noChangeArrowheads="1"/>
-          </p:cNvPicPr>
-          <p:nvPr/>
-        </p:nvPicPr>
-        <p:blipFill>
-          <a:blip r:embed="rId4">
-            <a:extLst>
-              <a:ext uri="{28A0092B-C50C-407E-A947-70E740481C1C}">
-                <a14:useLocalDpi xmlns:a14="http://schemas.microsoft.com/office/drawing/2010/main" val="0"/>
-              </a:ext>
-            </a:extLst>
-          </a:blip>
-          <a:srcRect/>
-          <a:stretch>
-            <a:fillRect/>
-          </a:stretch>
-        </p:blipFill>
-        <p:spPr bwMode="auto">
-          <a:xfrm>
-            <a:off x="6165850" y="1287463"/>
-            <a:ext cx="2520950" cy="3657600"/>
-          </a:xfrm>
-          <a:prstGeom prst="rect">
-            <a:avLst/>
-          </a:prstGeom>
-          <a:noFill/>
-          <a:ln>
-            <a:noFill/>
-          </a:ln>
-          <a:effectLst/>
-          <a:extLst>
-            <a:ext uri="{909E8E84-426E-40dd-AFC4-6F175D3DCCD1}">
-              <a14:hiddenFill xmlns:a14="http://schemas.microsoft.com/office/drawing/2010/main">
-                <a:blipFill dpi="0" rotWithShape="0">
-                  <a:blip/>
-                  <a:srcRect/>
-                  <a:stretch>
-                    <a:fillRect/>
-                  </a:stretch>
-                </a:blipFill>
-              </a14:hiddenFill>
-            </a:ext>
-            <a:ext uri="{91240B29-F687-4f45-9708-019B960494DF}">
-              <a14:hiddenLine xmlns:a14="http://schemas.microsoft.com/office/drawing/2010/main" w="9525">
-                <a:solidFill>
-                  <a:srgbClr val="000000"/>
-                </a:solidFill>
-                <a:round/>
-                <a:headEnd/>
-                <a:tailEnd/>
-              </a14:hiddenLine>
-            </a:ext>
-            <a:ext uri="{AF507438-7753-43e0-B8FC-AC1667EBCBE1}">
-              <a14:hiddenEffects xmlns:a14="http://schemas.microsoft.com/office/drawing/2010/main">
-                <a:effectLst>
-                  <a:outerShdw blurRad="63500" dist="38099" dir="2700000" algn="ctr" rotWithShape="0">
-                    <a:srgbClr val="000000">
-                      <a:alpha val="74998"/>
-                    </a:srgbClr>
-                  </a:outerShdw>
-                </a:effectLst>
-              </a14:hiddenEffects>
-            </a:ext>
-          </a:extLst>
-        </p:spPr>
-      </p:pic>
-      <p:pic>
-        <p:nvPicPr>
-          <p:cNvPr id="7" name="Picture 5"/>
-          <p:cNvPicPr>
-            <a:picLocks noChangeAspect="1" noChangeArrowheads="1"/>
-          </p:cNvPicPr>
-          <p:nvPr/>
-        </p:nvPicPr>
-        <p:blipFill>
-          <a:blip r:embed="rId5">
-            <a:extLst>
-              <a:ext uri="{28A0092B-C50C-407E-A947-70E740481C1C}">
-                <a14:useLocalDpi xmlns:a14="http://schemas.microsoft.com/office/drawing/2010/main" val="0"/>
-              </a:ext>
-            </a:extLst>
-          </a:blip>
-          <a:srcRect/>
-          <a:stretch>
-            <a:fillRect/>
-          </a:stretch>
-        </p:blipFill>
-        <p:spPr bwMode="auto">
-          <a:xfrm>
-            <a:off x="4114800" y="2693988"/>
-            <a:ext cx="2540000" cy="3649662"/>
-          </a:xfrm>
-          <a:prstGeom prst="rect">
-            <a:avLst/>
-          </a:prstGeom>
-          <a:noFill/>
-          <a:ln>
-            <a:noFill/>
-          </a:ln>
-          <a:effectLst/>
-          <a:extLst>
-            <a:ext uri="{909E8E84-426E-40dd-AFC4-6F175D3DCCD1}">
-              <a14:hiddenFill xmlns:a14="http://schemas.microsoft.com/office/drawing/2010/main">
-                <a:blipFill dpi="0" rotWithShape="0">
-                  <a:blip/>
-                  <a:srcRect/>
-                  <a:stretch>
-                    <a:fillRect/>
-                  </a:stretch>
-                </a:blipFill>
-              </a14:hiddenFill>
-            </a:ext>
-            <a:ext uri="{91240B29-F687-4f45-9708-019B960494DF}">
-              <a14:hiddenLine xmlns:a14="http://schemas.microsoft.com/office/drawing/2010/main" w="9525">
-                <a:solidFill>
-                  <a:srgbClr val="000000"/>
-                </a:solidFill>
-                <a:round/>
-                <a:headEnd/>
-                <a:tailEnd/>
-              </a14:hiddenLine>
-            </a:ext>
-            <a:ext uri="{AF507438-7753-43e0-B8FC-AC1667EBCBE1}">
-              <a14:hiddenEffects xmlns:a14="http://schemas.microsoft.com/office/drawing/2010/main">
-                <a:effectLst>
-                  <a:outerShdw blurRad="63500" dist="38099" dir="2700000" algn="ctr" rotWithShape="0">
-                    <a:srgbClr val="000000">
-                      <a:alpha val="74998"/>
-                    </a:srgbClr>
-                  </a:outerShdw>
-                </a:effectLst>
-              </a14:hiddenEffects>
             </a:ext>
           </a:extLst>
         </p:spPr>
@@ -8169,6 +8810,655 @@
   <p:clrMapOvr>
     <a:masterClrMapping/>
   </p:clrMapOvr>
+  <p:timing>
+    <p:tnLst>
+      <p:par>
+        <p:cTn xmlns:p14="http://schemas.microsoft.com/office/powerpoint/2010/main" id="1" dur="indefinite" restart="never" nodeType="tmRoot">
+          <p:childTnLst>
+            <p:seq concurrent="1" nextAc="seek">
+              <p:cTn id="2" dur="indefinite" nodeType="mainSeq">
+                <p:childTnLst>
+                  <p:par>
+                    <p:cTn id="3" fill="hold">
+                      <p:stCondLst>
+                        <p:cond delay="indefinite"/>
+                        <p:cond evt="onBegin" delay="0">
+                          <p:tn val="2"/>
+                        </p:cond>
+                      </p:stCondLst>
+                      <p:childTnLst>
+                        <p:par>
+                          <p:cTn id="4" fill="hold">
+                            <p:stCondLst>
+                              <p:cond delay="0"/>
+                            </p:stCondLst>
+                            <p:childTnLst>
+                              <p:par>
+                                <p:cTn id="5" presetID="9" presetClass="entr" presetSubtype="0" fill="hold" nodeType="withEffect">
+                                  <p:stCondLst>
+                                    <p:cond delay="0"/>
+                                  </p:stCondLst>
+                                  <p:childTnLst>
+                                    <p:set>
+                                      <p:cBhvr>
+                                        <p:cTn id="6" dur="1" fill="hold">
+                                          <p:stCondLst>
+                                            <p:cond delay="0"/>
+                                          </p:stCondLst>
+                                        </p:cTn>
+                                        <p:tgtEl>
+                                          <p:spTgt spid="8"/>
+                                        </p:tgtEl>
+                                        <p:attrNameLst>
+                                          <p:attrName>style.visibility</p:attrName>
+                                        </p:attrNameLst>
+                                      </p:cBhvr>
+                                      <p:to>
+                                        <p:strVal val="visible"/>
+                                      </p:to>
+                                    </p:set>
+                                    <p:animEffect transition="in" filter="dissolve">
+                                      <p:cBhvr>
+                                        <p:cTn id="7" dur="500"/>
+                                        <p:tgtEl>
+                                          <p:spTgt spid="8"/>
+                                        </p:tgtEl>
+                                      </p:cBhvr>
+                                    </p:animEffect>
+                                  </p:childTnLst>
+                                </p:cTn>
+                              </p:par>
+                            </p:childTnLst>
+                          </p:cTn>
+                        </p:par>
+                      </p:childTnLst>
+                    </p:cTn>
+                  </p:par>
+                  <p:par>
+                    <p:cTn id="8" fill="hold">
+                      <p:stCondLst>
+                        <p:cond delay="indefinite"/>
+                      </p:stCondLst>
+                      <p:childTnLst>
+                        <p:par>
+                          <p:cTn id="9" fill="hold">
+                            <p:stCondLst>
+                              <p:cond delay="0"/>
+                            </p:stCondLst>
+                            <p:childTnLst>
+                              <p:par>
+                                <p:cTn id="10" presetID="9" presetClass="entr" presetSubtype="0" fill="hold" nodeType="clickEffect">
+                                  <p:stCondLst>
+                                    <p:cond delay="0"/>
+                                  </p:stCondLst>
+                                  <p:childTnLst>
+                                    <p:set>
+                                      <p:cBhvr>
+                                        <p:cTn id="11" dur="1" fill="hold">
+                                          <p:stCondLst>
+                                            <p:cond delay="0"/>
+                                          </p:stCondLst>
+                                        </p:cTn>
+                                        <p:tgtEl>
+                                          <p:spTgt spid="3"/>
+                                        </p:tgtEl>
+                                        <p:attrNameLst>
+                                          <p:attrName>style.visibility</p:attrName>
+                                        </p:attrNameLst>
+                                      </p:cBhvr>
+                                      <p:to>
+                                        <p:strVal val="visible"/>
+                                      </p:to>
+                                    </p:set>
+                                    <p:animEffect transition="in" filter="dissolve">
+                                      <p:cBhvr>
+                                        <p:cTn id="12" dur="500"/>
+                                        <p:tgtEl>
+                                          <p:spTgt spid="3"/>
+                                        </p:tgtEl>
+                                      </p:cBhvr>
+                                    </p:animEffect>
+                                  </p:childTnLst>
+                                </p:cTn>
+                              </p:par>
+                              <p:par>
+                                <p:cTn id="13" presetID="9" presetClass="exit" presetSubtype="0" fill="hold" nodeType="withEffect">
+                                  <p:stCondLst>
+                                    <p:cond delay="0"/>
+                                  </p:stCondLst>
+                                  <p:childTnLst>
+                                    <p:animEffect transition="out" filter="dissolve">
+                                      <p:cBhvr>
+                                        <p:cTn id="14" dur="500"/>
+                                        <p:tgtEl>
+                                          <p:spTgt spid="8"/>
+                                        </p:tgtEl>
+                                      </p:cBhvr>
+                                    </p:animEffect>
+                                    <p:set>
+                                      <p:cBhvr>
+                                        <p:cTn id="15" dur="1" fill="hold">
+                                          <p:stCondLst>
+                                            <p:cond delay="499"/>
+                                          </p:stCondLst>
+                                        </p:cTn>
+                                        <p:tgtEl>
+                                          <p:spTgt spid="8"/>
+                                        </p:tgtEl>
+                                        <p:attrNameLst>
+                                          <p:attrName>style.visibility</p:attrName>
+                                        </p:attrNameLst>
+                                      </p:cBhvr>
+                                      <p:to>
+                                        <p:strVal val="hidden"/>
+                                      </p:to>
+                                    </p:set>
+                                  </p:childTnLst>
+                                </p:cTn>
+                              </p:par>
+                            </p:childTnLst>
+                          </p:cTn>
+                        </p:par>
+                      </p:childTnLst>
+                    </p:cTn>
+                  </p:par>
+                  <p:par>
+                    <p:cTn id="16" fill="hold">
+                      <p:stCondLst>
+                        <p:cond delay="indefinite"/>
+                      </p:stCondLst>
+                      <p:childTnLst>
+                        <p:par>
+                          <p:cTn id="17" fill="hold">
+                            <p:stCondLst>
+                              <p:cond delay="0"/>
+                            </p:stCondLst>
+                            <p:childTnLst>
+                              <p:par>
+                                <p:cTn id="18" presetID="9" presetClass="entr" presetSubtype="0" fill="hold" nodeType="clickEffect">
+                                  <p:stCondLst>
+                                    <p:cond delay="0"/>
+                                  </p:stCondLst>
+                                  <p:childTnLst>
+                                    <p:set>
+                                      <p:cBhvr>
+                                        <p:cTn id="19" dur="1" fill="hold">
+                                          <p:stCondLst>
+                                            <p:cond delay="0"/>
+                                          </p:stCondLst>
+                                        </p:cTn>
+                                        <p:tgtEl>
+                                          <p:spTgt spid="9"/>
+                                        </p:tgtEl>
+                                        <p:attrNameLst>
+                                          <p:attrName>style.visibility</p:attrName>
+                                        </p:attrNameLst>
+                                      </p:cBhvr>
+                                      <p:to>
+                                        <p:strVal val="visible"/>
+                                      </p:to>
+                                    </p:set>
+                                    <p:animEffect transition="in" filter="dissolve">
+                                      <p:cBhvr>
+                                        <p:cTn id="20" dur="500"/>
+                                        <p:tgtEl>
+                                          <p:spTgt spid="9"/>
+                                        </p:tgtEl>
+                                      </p:cBhvr>
+                                    </p:animEffect>
+                                  </p:childTnLst>
+                                </p:cTn>
+                              </p:par>
+                              <p:par>
+                                <p:cTn id="21" presetID="9" presetClass="exit" presetSubtype="0" fill="hold" nodeType="withEffect">
+                                  <p:stCondLst>
+                                    <p:cond delay="0"/>
+                                  </p:stCondLst>
+                                  <p:childTnLst>
+                                    <p:animEffect transition="out" filter="dissolve">
+                                      <p:cBhvr>
+                                        <p:cTn id="22" dur="500"/>
+                                        <p:tgtEl>
+                                          <p:spTgt spid="3"/>
+                                        </p:tgtEl>
+                                      </p:cBhvr>
+                                    </p:animEffect>
+                                    <p:set>
+                                      <p:cBhvr>
+                                        <p:cTn id="23" dur="1" fill="hold">
+                                          <p:stCondLst>
+                                            <p:cond delay="499"/>
+                                          </p:stCondLst>
+                                        </p:cTn>
+                                        <p:tgtEl>
+                                          <p:spTgt spid="3"/>
+                                        </p:tgtEl>
+                                        <p:attrNameLst>
+                                          <p:attrName>style.visibility</p:attrName>
+                                        </p:attrNameLst>
+                                      </p:cBhvr>
+                                      <p:to>
+                                        <p:strVal val="hidden"/>
+                                      </p:to>
+                                    </p:set>
+                                  </p:childTnLst>
+                                </p:cTn>
+                              </p:par>
+                            </p:childTnLst>
+                          </p:cTn>
+                        </p:par>
+                      </p:childTnLst>
+                    </p:cTn>
+                  </p:par>
+                  <p:par>
+                    <p:cTn id="24" fill="hold">
+                      <p:stCondLst>
+                        <p:cond delay="indefinite"/>
+                      </p:stCondLst>
+                      <p:childTnLst>
+                        <p:par>
+                          <p:cTn id="25" fill="hold">
+                            <p:stCondLst>
+                              <p:cond delay="0"/>
+                            </p:stCondLst>
+                            <p:childTnLst>
+                              <p:par>
+                                <p:cTn id="26" presetID="9" presetClass="entr" presetSubtype="0" fill="hold" nodeType="clickEffect">
+                                  <p:stCondLst>
+                                    <p:cond delay="0"/>
+                                  </p:stCondLst>
+                                  <p:childTnLst>
+                                    <p:set>
+                                      <p:cBhvr>
+                                        <p:cTn id="27" dur="1" fill="hold">
+                                          <p:stCondLst>
+                                            <p:cond delay="0"/>
+                                          </p:stCondLst>
+                                        </p:cTn>
+                                        <p:tgtEl>
+                                          <p:spTgt spid="10"/>
+                                        </p:tgtEl>
+                                        <p:attrNameLst>
+                                          <p:attrName>style.visibility</p:attrName>
+                                        </p:attrNameLst>
+                                      </p:cBhvr>
+                                      <p:to>
+                                        <p:strVal val="visible"/>
+                                      </p:to>
+                                    </p:set>
+                                    <p:animEffect transition="in" filter="dissolve">
+                                      <p:cBhvr>
+                                        <p:cTn id="28" dur="500"/>
+                                        <p:tgtEl>
+                                          <p:spTgt spid="10"/>
+                                        </p:tgtEl>
+                                      </p:cBhvr>
+                                    </p:animEffect>
+                                  </p:childTnLst>
+                                </p:cTn>
+                              </p:par>
+                              <p:par>
+                                <p:cTn id="29" presetID="9" presetClass="exit" presetSubtype="0" fill="hold" nodeType="withEffect">
+                                  <p:stCondLst>
+                                    <p:cond delay="0"/>
+                                  </p:stCondLst>
+                                  <p:childTnLst>
+                                    <p:animEffect transition="out" filter="dissolve">
+                                      <p:cBhvr>
+                                        <p:cTn id="30" dur="500"/>
+                                        <p:tgtEl>
+                                          <p:spTgt spid="9"/>
+                                        </p:tgtEl>
+                                      </p:cBhvr>
+                                    </p:animEffect>
+                                    <p:set>
+                                      <p:cBhvr>
+                                        <p:cTn id="31" dur="1" fill="hold">
+                                          <p:stCondLst>
+                                            <p:cond delay="499"/>
+                                          </p:stCondLst>
+                                        </p:cTn>
+                                        <p:tgtEl>
+                                          <p:spTgt spid="9"/>
+                                        </p:tgtEl>
+                                        <p:attrNameLst>
+                                          <p:attrName>style.visibility</p:attrName>
+                                        </p:attrNameLst>
+                                      </p:cBhvr>
+                                      <p:to>
+                                        <p:strVal val="hidden"/>
+                                      </p:to>
+                                    </p:set>
+                                  </p:childTnLst>
+                                </p:cTn>
+                              </p:par>
+                            </p:childTnLst>
+                          </p:cTn>
+                        </p:par>
+                      </p:childTnLst>
+                    </p:cTn>
+                  </p:par>
+                  <p:par>
+                    <p:cTn id="32" fill="hold">
+                      <p:stCondLst>
+                        <p:cond delay="indefinite"/>
+                      </p:stCondLst>
+                      <p:childTnLst>
+                        <p:par>
+                          <p:cTn id="33" fill="hold">
+                            <p:stCondLst>
+                              <p:cond delay="0"/>
+                            </p:stCondLst>
+                            <p:childTnLst>
+                              <p:par>
+                                <p:cTn id="34" presetID="9" presetClass="entr" presetSubtype="0" fill="hold" nodeType="clickEffect">
+                                  <p:stCondLst>
+                                    <p:cond delay="0"/>
+                                  </p:stCondLst>
+                                  <p:childTnLst>
+                                    <p:set>
+                                      <p:cBhvr>
+                                        <p:cTn id="35" dur="1" fill="hold">
+                                          <p:stCondLst>
+                                            <p:cond delay="0"/>
+                                          </p:stCondLst>
+                                        </p:cTn>
+                                        <p:tgtEl>
+                                          <p:spTgt spid="11"/>
+                                        </p:tgtEl>
+                                        <p:attrNameLst>
+                                          <p:attrName>style.visibility</p:attrName>
+                                        </p:attrNameLst>
+                                      </p:cBhvr>
+                                      <p:to>
+                                        <p:strVal val="visible"/>
+                                      </p:to>
+                                    </p:set>
+                                    <p:animEffect transition="in" filter="dissolve">
+                                      <p:cBhvr>
+                                        <p:cTn id="36" dur="500"/>
+                                        <p:tgtEl>
+                                          <p:spTgt spid="11"/>
+                                        </p:tgtEl>
+                                      </p:cBhvr>
+                                    </p:animEffect>
+                                  </p:childTnLst>
+                                </p:cTn>
+                              </p:par>
+                              <p:par>
+                                <p:cTn id="37" presetID="9" presetClass="exit" presetSubtype="0" fill="hold" nodeType="withEffect">
+                                  <p:stCondLst>
+                                    <p:cond delay="0"/>
+                                  </p:stCondLst>
+                                  <p:childTnLst>
+                                    <p:animEffect transition="out" filter="dissolve">
+                                      <p:cBhvr>
+                                        <p:cTn id="38" dur="500"/>
+                                        <p:tgtEl>
+                                          <p:spTgt spid="10"/>
+                                        </p:tgtEl>
+                                      </p:cBhvr>
+                                    </p:animEffect>
+                                    <p:set>
+                                      <p:cBhvr>
+                                        <p:cTn id="39" dur="1" fill="hold">
+                                          <p:stCondLst>
+                                            <p:cond delay="499"/>
+                                          </p:stCondLst>
+                                        </p:cTn>
+                                        <p:tgtEl>
+                                          <p:spTgt spid="10"/>
+                                        </p:tgtEl>
+                                        <p:attrNameLst>
+                                          <p:attrName>style.visibility</p:attrName>
+                                        </p:attrNameLst>
+                                      </p:cBhvr>
+                                      <p:to>
+                                        <p:strVal val="hidden"/>
+                                      </p:to>
+                                    </p:set>
+                                  </p:childTnLst>
+                                </p:cTn>
+                              </p:par>
+                            </p:childTnLst>
+                          </p:cTn>
+                        </p:par>
+                      </p:childTnLst>
+                    </p:cTn>
+                  </p:par>
+                  <p:par>
+                    <p:cTn id="40" fill="hold">
+                      <p:stCondLst>
+                        <p:cond delay="indefinite"/>
+                      </p:stCondLst>
+                      <p:childTnLst>
+                        <p:par>
+                          <p:cTn id="41" fill="hold">
+                            <p:stCondLst>
+                              <p:cond delay="0"/>
+                            </p:stCondLst>
+                            <p:childTnLst>
+                              <p:par>
+                                <p:cTn id="42" presetID="9" presetClass="entr" presetSubtype="0" fill="hold" nodeType="clickEffect">
+                                  <p:stCondLst>
+                                    <p:cond delay="0"/>
+                                  </p:stCondLst>
+                                  <p:childTnLst>
+                                    <p:set>
+                                      <p:cBhvr>
+                                        <p:cTn id="43" dur="1" fill="hold">
+                                          <p:stCondLst>
+                                            <p:cond delay="0"/>
+                                          </p:stCondLst>
+                                        </p:cTn>
+                                        <p:tgtEl>
+                                          <p:spTgt spid="12"/>
+                                        </p:tgtEl>
+                                        <p:attrNameLst>
+                                          <p:attrName>style.visibility</p:attrName>
+                                        </p:attrNameLst>
+                                      </p:cBhvr>
+                                      <p:to>
+                                        <p:strVal val="visible"/>
+                                      </p:to>
+                                    </p:set>
+                                    <p:animEffect transition="in" filter="dissolve">
+                                      <p:cBhvr>
+                                        <p:cTn id="44" dur="500"/>
+                                        <p:tgtEl>
+                                          <p:spTgt spid="12"/>
+                                        </p:tgtEl>
+                                      </p:cBhvr>
+                                    </p:animEffect>
+                                  </p:childTnLst>
+                                </p:cTn>
+                              </p:par>
+                              <p:par>
+                                <p:cTn id="45" presetID="9" presetClass="exit" presetSubtype="0" fill="hold" nodeType="withEffect">
+                                  <p:stCondLst>
+                                    <p:cond delay="0"/>
+                                  </p:stCondLst>
+                                  <p:childTnLst>
+                                    <p:animEffect transition="out" filter="dissolve">
+                                      <p:cBhvr>
+                                        <p:cTn id="46" dur="500"/>
+                                        <p:tgtEl>
+                                          <p:spTgt spid="11"/>
+                                        </p:tgtEl>
+                                      </p:cBhvr>
+                                    </p:animEffect>
+                                    <p:set>
+                                      <p:cBhvr>
+                                        <p:cTn id="47" dur="1" fill="hold">
+                                          <p:stCondLst>
+                                            <p:cond delay="499"/>
+                                          </p:stCondLst>
+                                        </p:cTn>
+                                        <p:tgtEl>
+                                          <p:spTgt spid="11"/>
+                                        </p:tgtEl>
+                                        <p:attrNameLst>
+                                          <p:attrName>style.visibility</p:attrName>
+                                        </p:attrNameLst>
+                                      </p:cBhvr>
+                                      <p:to>
+                                        <p:strVal val="hidden"/>
+                                      </p:to>
+                                    </p:set>
+                                  </p:childTnLst>
+                                </p:cTn>
+                              </p:par>
+                            </p:childTnLst>
+                          </p:cTn>
+                        </p:par>
+                      </p:childTnLst>
+                    </p:cTn>
+                  </p:par>
+                  <p:par>
+                    <p:cTn id="48" fill="hold">
+                      <p:stCondLst>
+                        <p:cond delay="indefinite"/>
+                      </p:stCondLst>
+                      <p:childTnLst>
+                        <p:par>
+                          <p:cTn id="49" fill="hold">
+                            <p:stCondLst>
+                              <p:cond delay="0"/>
+                            </p:stCondLst>
+                            <p:childTnLst>
+                              <p:par>
+                                <p:cTn id="50" presetID="9" presetClass="entr" presetSubtype="0" fill="hold" nodeType="clickEffect">
+                                  <p:stCondLst>
+                                    <p:cond delay="0"/>
+                                  </p:stCondLst>
+                                  <p:childTnLst>
+                                    <p:set>
+                                      <p:cBhvr>
+                                        <p:cTn id="51" dur="1" fill="hold">
+                                          <p:stCondLst>
+                                            <p:cond delay="0"/>
+                                          </p:stCondLst>
+                                        </p:cTn>
+                                        <p:tgtEl>
+                                          <p:spTgt spid="13"/>
+                                        </p:tgtEl>
+                                        <p:attrNameLst>
+                                          <p:attrName>style.visibility</p:attrName>
+                                        </p:attrNameLst>
+                                      </p:cBhvr>
+                                      <p:to>
+                                        <p:strVal val="visible"/>
+                                      </p:to>
+                                    </p:set>
+                                    <p:animEffect transition="in" filter="dissolve">
+                                      <p:cBhvr>
+                                        <p:cTn id="52" dur="500"/>
+                                        <p:tgtEl>
+                                          <p:spTgt spid="13"/>
+                                        </p:tgtEl>
+                                      </p:cBhvr>
+                                    </p:animEffect>
+                                  </p:childTnLst>
+                                </p:cTn>
+                              </p:par>
+                              <p:par>
+                                <p:cTn id="53" presetID="9" presetClass="exit" presetSubtype="0" fill="hold" nodeType="withEffect">
+                                  <p:stCondLst>
+                                    <p:cond delay="0"/>
+                                  </p:stCondLst>
+                                  <p:childTnLst>
+                                    <p:animEffect transition="out" filter="dissolve">
+                                      <p:cBhvr>
+                                        <p:cTn id="54" dur="500"/>
+                                        <p:tgtEl>
+                                          <p:spTgt spid="12"/>
+                                        </p:tgtEl>
+                                      </p:cBhvr>
+                                    </p:animEffect>
+                                    <p:set>
+                                      <p:cBhvr>
+                                        <p:cTn id="55" dur="1" fill="hold">
+                                          <p:stCondLst>
+                                            <p:cond delay="499"/>
+                                          </p:stCondLst>
+                                        </p:cTn>
+                                        <p:tgtEl>
+                                          <p:spTgt spid="12"/>
+                                        </p:tgtEl>
+                                        <p:attrNameLst>
+                                          <p:attrName>style.visibility</p:attrName>
+                                        </p:attrNameLst>
+                                      </p:cBhvr>
+                                      <p:to>
+                                        <p:strVal val="hidden"/>
+                                      </p:to>
+                                    </p:set>
+                                  </p:childTnLst>
+                                </p:cTn>
+                              </p:par>
+                              <p:par>
+                                <p:cTn id="56" presetID="9" presetClass="exit" presetSubtype="0" fill="hold" nodeType="withEffect">
+                                  <p:stCondLst>
+                                    <p:cond delay="0"/>
+                                  </p:stCondLst>
+                                  <p:childTnLst>
+                                    <p:animEffect transition="out" filter="dissolve">
+                                      <p:cBhvr>
+                                        <p:cTn id="57" dur="500"/>
+                                        <p:tgtEl>
+                                          <p:spTgt spid="14"/>
+                                        </p:tgtEl>
+                                      </p:cBhvr>
+                                    </p:animEffect>
+                                    <p:set>
+                                      <p:cBhvr>
+                                        <p:cTn id="58" dur="1" fill="hold">
+                                          <p:stCondLst>
+                                            <p:cond delay="499"/>
+                                          </p:stCondLst>
+                                        </p:cTn>
+                                        <p:tgtEl>
+                                          <p:spTgt spid="14"/>
+                                        </p:tgtEl>
+                                        <p:attrNameLst>
+                                          <p:attrName>style.visibility</p:attrName>
+                                        </p:attrNameLst>
+                                      </p:cBhvr>
+                                      <p:to>
+                                        <p:strVal val="hidden"/>
+                                      </p:to>
+                                    </p:set>
+                                  </p:childTnLst>
+                                </p:cTn>
+                              </p:par>
+                            </p:childTnLst>
+                          </p:cTn>
+                        </p:par>
+                      </p:childTnLst>
+                    </p:cTn>
+                  </p:par>
+                </p:childTnLst>
+              </p:cTn>
+              <p:prevCondLst>
+                <p:cond evt="onPrev" delay="0">
+                  <p:tgtEl>
+                    <p:sldTgt/>
+                  </p:tgtEl>
+                </p:cond>
+              </p:prevCondLst>
+              <p:nextCondLst>
+                <p:cond evt="onNext" delay="0">
+                  <p:tgtEl>
+                    <p:sldTgt/>
+                  </p:tgtEl>
+                </p:cond>
+              </p:nextCondLst>
+            </p:seq>
+          </p:childTnLst>
+        </p:cTn>
+      </p:par>
+    </p:tnLst>
+  </p:timing>
 </p:sld>
 </file>
 
@@ -8373,6 +9663,13 @@
   <p:clrMapOvr>
     <a:masterClrMapping/>
   </p:clrMapOvr>
+  <p:timing>
+    <p:tnLst>
+      <p:par>
+        <p:cTn xmlns:p14="http://schemas.microsoft.com/office/powerpoint/2010/main" id="1" dur="indefinite" restart="never" nodeType="tmRoot"/>
+      </p:par>
+    </p:tnLst>
+  </p:timing>
 </p:sld>
 </file>
 
@@ -8410,7 +9707,15 @@
           <a:p>
             <a:r>
               <a:rPr lang="en-US" dirty="0" smtClean="0"/>
-              <a:t>Adding rows</a:t>
+              <a:t>Table rows </a:t>
+            </a:r>
+            <a:r>
+              <a:rPr lang="en-US" dirty="0" smtClean="0"/>
+              <a:t>– </a:t>
+            </a:r>
+            <a:r>
+              <a:rPr lang="en-US" dirty="0" smtClean="0"/>
+              <a:t>anonymous objects</a:t>
             </a:r>
             <a:endParaRPr lang="en-US" dirty="0"/>
           </a:p>
@@ -8431,113 +9736,243 @@
           <a:bodyPr/>
           <a:lstStyle/>
           <a:p>
-            <a:r>
-              <a:rPr lang="en-US" dirty="0" smtClean="0"/>
-              <a:t>Various means:</a:t>
-            </a:r>
-          </a:p>
-          <a:p>
-            <a:endParaRPr lang="en-US" dirty="0"/>
-          </a:p>
-          <a:p>
-            <a:pPr marL="800100" lvl="1" indent="-342900">
-              <a:buFont typeface="Arial"/>
-              <a:buChar char="•"/>
+            <a:pPr>
+              <a:spcBef>
+                <a:spcPts val="600"/>
+              </a:spcBef>
+              <a:buClrTx/>
+              <a:buFontTx/>
+              <a:buNone/>
             </a:pPr>
             <a:r>
-              <a:rPr lang="en-US" dirty="0" smtClean="0"/>
-              <a:t>Create array of row data, assign to </a:t>
-            </a:r>
-            <a:r>
-              <a:rPr lang="en-US" dirty="0" err="1" smtClean="0"/>
-              <a:t>table.data</a:t>
-            </a:r>
-            <a:r>
-              <a:rPr lang="en-US" dirty="0" smtClean="0"/>
-              <a:t/>
-            </a:r>
-            <a:br>
-              <a:rPr lang="en-US" dirty="0" smtClean="0"/>
-            </a:br>
-            <a:endParaRPr lang="en-US" dirty="0" smtClean="0"/>
-          </a:p>
-          <a:p>
-            <a:pPr marL="800100" lvl="1" indent="-342900">
-              <a:buFont typeface="Arial"/>
-              <a:buChar char="•"/>
+              <a:rPr lang="en-US" sz="2000" dirty="0" err="1">
+                <a:latin typeface="Courier"/>
+                <a:cs typeface="Courier"/>
+              </a:rPr>
+              <a:t>var</a:t>
+            </a:r>
+            <a:r>
+              <a:rPr lang="en-US" sz="2000" dirty="0">
+                <a:latin typeface="Courier"/>
+                <a:cs typeface="Courier"/>
+              </a:rPr>
+              <a:t> </a:t>
+            </a:r>
+            <a:r>
+              <a:rPr lang="en-US" sz="2000" dirty="0" err="1">
+                <a:latin typeface="Courier"/>
+                <a:cs typeface="Courier"/>
+              </a:rPr>
+              <a:t>tbl_data</a:t>
+            </a:r>
+            <a:r>
+              <a:rPr lang="en-US" sz="2000" dirty="0">
+                <a:latin typeface="Courier"/>
+                <a:cs typeface="Courier"/>
+              </a:rPr>
+              <a:t> = [{</a:t>
+            </a:r>
+            <a:r>
+              <a:rPr lang="en-US" sz="2000" dirty="0" err="1">
+                <a:latin typeface="Courier"/>
+                <a:cs typeface="Courier"/>
+              </a:rPr>
+              <a:t>title:'Row</a:t>
+            </a:r>
+            <a:r>
+              <a:rPr lang="en-US" sz="2000" dirty="0">
+                <a:latin typeface="Courier"/>
+                <a:cs typeface="Courier"/>
+              </a:rPr>
+              <a:t> 1'}, {</a:t>
+            </a:r>
+            <a:r>
+              <a:rPr lang="en-US" sz="2000" dirty="0" err="1">
+                <a:latin typeface="Courier"/>
+                <a:cs typeface="Courier"/>
+              </a:rPr>
+              <a:t>title:'Row</a:t>
+            </a:r>
+            <a:r>
+              <a:rPr lang="en-US" sz="2000" dirty="0">
+                <a:latin typeface="Courier"/>
+                <a:cs typeface="Courier"/>
+              </a:rPr>
+              <a:t> 2'}]</a:t>
+            </a:r>
+            <a:r>
+              <a:rPr lang="en-US" sz="2000" dirty="0" smtClean="0">
+                <a:latin typeface="Courier"/>
+                <a:cs typeface="Courier"/>
+              </a:rPr>
+              <a:t>;</a:t>
+            </a:r>
+          </a:p>
+          <a:p>
+            <a:pPr>
+              <a:spcBef>
+                <a:spcPts val="600"/>
+              </a:spcBef>
+              <a:buClrTx/>
+              <a:buFontTx/>
+              <a:buNone/>
             </a:pPr>
             <a:r>
-              <a:rPr lang="en-US" dirty="0" smtClean="0"/>
-              <a:t>Create array of row data, assign with </a:t>
-            </a:r>
-            <a:r>
-              <a:rPr lang="en-US" dirty="0" err="1" smtClean="0"/>
+              <a:rPr lang="en-US" sz="2000" dirty="0" err="1" smtClean="0">
+                <a:latin typeface="Courier"/>
+                <a:cs typeface="Courier"/>
+              </a:rPr>
+              <a:t>var</a:t>
+            </a:r>
+            <a:r>
+              <a:rPr lang="en-US" sz="2000" dirty="0" smtClean="0">
+                <a:latin typeface="Courier"/>
+                <a:cs typeface="Courier"/>
+              </a:rPr>
+              <a:t> </a:t>
+            </a:r>
+            <a:r>
+              <a:rPr lang="en-US" sz="2000" dirty="0">
+                <a:latin typeface="Courier"/>
+                <a:cs typeface="Courier"/>
+              </a:rPr>
+              <a:t>table = new </a:t>
+            </a:r>
+            <a:r>
+              <a:rPr lang="en-US" sz="2000" dirty="0" err="1">
+                <a:latin typeface="Courier"/>
+                <a:cs typeface="Courier"/>
+              </a:rPr>
+              <a:t>Titanium.UI.createTableView</a:t>
+            </a:r>
+            <a:r>
+              <a:rPr lang="en-US" sz="2000" dirty="0">
+                <a:latin typeface="Courier"/>
+                <a:cs typeface="Courier"/>
+              </a:rPr>
+              <a:t>({</a:t>
+            </a:r>
+          </a:p>
+          <a:p>
+            <a:pPr>
+              <a:spcBef>
+                <a:spcPts val="600"/>
+              </a:spcBef>
+              <a:buClrTx/>
+              <a:buFontTx/>
+              <a:buNone/>
+            </a:pPr>
+            <a:r>
+              <a:rPr lang="en-US" sz="2000" dirty="0">
+                <a:latin typeface="Courier"/>
+                <a:cs typeface="Courier"/>
+              </a:rPr>
+              <a:t>	</a:t>
+            </a:r>
+            <a:r>
+              <a:rPr lang="en-US" sz="2000" dirty="0" err="1">
+                <a:latin typeface="Courier"/>
+                <a:cs typeface="Courier"/>
+              </a:rPr>
+              <a:t>data:tbl_data</a:t>
+            </a:r>
+            <a:endParaRPr lang="en-US" sz="2000" dirty="0">
+              <a:latin typeface="Courier"/>
+              <a:cs typeface="Courier"/>
+            </a:endParaRPr>
+          </a:p>
+          <a:p>
+            <a:pPr>
+              <a:spcBef>
+                <a:spcPts val="600"/>
+              </a:spcBef>
+              <a:buClrTx/>
+              <a:buFontTx/>
+              <a:buNone/>
+            </a:pPr>
+            <a:r>
+              <a:rPr lang="en-US" sz="2000" dirty="0">
+                <a:latin typeface="Courier"/>
+                <a:cs typeface="Courier"/>
+              </a:rPr>
+              <a:t>});</a:t>
+            </a:r>
+          </a:p>
+          <a:p>
+            <a:endParaRPr lang="en-US" sz="2000" dirty="0" smtClean="0">
+              <a:latin typeface="Courier"/>
+              <a:cs typeface="Courier"/>
+            </a:endParaRPr>
+          </a:p>
+          <a:p>
+            <a:r>
+              <a:rPr lang="en-US" sz="2000" dirty="0" smtClean="0">
+                <a:latin typeface="Courier"/>
+                <a:cs typeface="Courier"/>
+              </a:rPr>
+              <a:t>// alternatively</a:t>
+            </a:r>
+          </a:p>
+          <a:p>
+            <a:r>
+              <a:rPr lang="en-US" sz="2000" dirty="0" err="1" smtClean="0">
+                <a:latin typeface="Courier"/>
+                <a:cs typeface="Courier"/>
+              </a:rPr>
               <a:t>table.setData</a:t>
             </a:r>
             <a:r>
-              <a:rPr lang="en-US" dirty="0" smtClean="0"/>
-              <a:t>()</a:t>
-            </a:r>
-            <a:br>
-              <a:rPr lang="en-US" dirty="0" smtClean="0"/>
-            </a:br>
-            <a:endParaRPr lang="en-US" dirty="0" smtClean="0"/>
-          </a:p>
-          <a:p>
-            <a:pPr marL="800100" lvl="1" indent="-342900">
-              <a:buFont typeface="Arial"/>
-              <a:buChar char="•"/>
-            </a:pPr>
-            <a:r>
-              <a:rPr lang="en-US" dirty="0" smtClean="0"/>
-              <a:t>Create </a:t>
-            </a:r>
-            <a:r>
-              <a:rPr lang="en-US" dirty="0" err="1" smtClean="0"/>
-              <a:t>TableViewRow</a:t>
-            </a:r>
-            <a:r>
-              <a:rPr lang="en-US" dirty="0" smtClean="0"/>
-              <a:t> object, add with </a:t>
-            </a:r>
-            <a:r>
-              <a:rPr lang="en-US" dirty="0" err="1" smtClean="0"/>
-              <a:t>appendRow</a:t>
-            </a:r>
-            <a:r>
-              <a:rPr lang="en-US" dirty="0" smtClean="0"/>
-              <a:t>(), </a:t>
-            </a:r>
-            <a:r>
-              <a:rPr lang="en-US" dirty="0" err="1" smtClean="0"/>
-              <a:t>insertRowAfter</a:t>
-            </a:r>
-            <a:r>
-              <a:rPr lang="en-US" dirty="0" smtClean="0"/>
-              <a:t>(), or </a:t>
-            </a:r>
-            <a:r>
-              <a:rPr lang="en-US" dirty="0" err="1" smtClean="0"/>
-              <a:t>insertRowBefore</a:t>
-            </a:r>
-            <a:r>
-              <a:rPr lang="en-US" dirty="0" smtClean="0"/>
-              <a:t>()</a:t>
-            </a:r>
-            <a:endParaRPr lang="en-US" dirty="0"/>
+              <a:rPr lang="en-US" sz="2000" dirty="0" smtClean="0">
+                <a:latin typeface="Courier"/>
+                <a:cs typeface="Courier"/>
+              </a:rPr>
+              <a:t>(</a:t>
+            </a:r>
+            <a:r>
+              <a:rPr lang="en-US" sz="2000" dirty="0" err="1" smtClean="0">
+                <a:latin typeface="Courier"/>
+                <a:cs typeface="Courier"/>
+              </a:rPr>
+              <a:t>tbl</a:t>
+            </a:r>
+            <a:r>
+              <a:rPr lang="en-US" sz="2000" dirty="0" err="1" smtClean="0">
+                <a:latin typeface="Courier"/>
+                <a:cs typeface="Courier"/>
+              </a:rPr>
+              <a:t>_data</a:t>
+            </a:r>
+            <a:r>
+              <a:rPr lang="en-US" sz="2000" dirty="0" smtClean="0">
+                <a:latin typeface="Courier"/>
+                <a:cs typeface="Courier"/>
+              </a:rPr>
+              <a:t>);</a:t>
+            </a:r>
+            <a:endParaRPr lang="en-US" sz="2000" dirty="0">
+              <a:latin typeface="Courier"/>
+              <a:cs typeface="Courier"/>
+            </a:endParaRPr>
           </a:p>
         </p:txBody>
       </p:sp>
     </p:spTree>
     <p:extLst>
       <p:ext uri="{BB962C8B-B14F-4D97-AF65-F5344CB8AC3E}">
-        <p14:creationId xmlns:p14="http://schemas.microsoft.com/office/powerpoint/2010/main" val="608660724"/>
+        <p14:creationId xmlns:p14="http://schemas.microsoft.com/office/powerpoint/2010/main" val="2242544686"/>
       </p:ext>
     </p:extLst>
   </p:cSld>
   <p:clrMapOvr>
     <a:masterClrMapping/>
   </p:clrMapOvr>
+  <p:timing>
+    <p:tnLst>
+      <p:par>
+        <p:cTn xmlns:p14="http://schemas.microsoft.com/office/powerpoint/2010/main" id="1" dur="indefinite" restart="never" nodeType="tmRoot"/>
+      </p:par>
+    </p:tnLst>
+  </p:timing>
 </p:sld>
 </file>
 
@@ -8574,8 +10009,8 @@
           <a:lstStyle/>
           <a:p>
             <a:r>
-              <a:rPr lang="en-US" dirty="0" smtClean="0"/>
-              <a:t>Adding rows – method 1</a:t>
+              <a:rPr lang="en-US" dirty="0" err="1" smtClean="0"/>
+              <a:t>TableViewRow</a:t>
             </a:r>
             <a:endParaRPr lang="en-US" dirty="0"/>
           </a:p>
@@ -8614,43 +10049,19 @@
               <a:rPr lang="en-US" sz="2000" dirty="0">
                 <a:latin typeface="Monaco" charset="0"/>
               </a:rPr>
-              <a:t> </a:t>
+              <a:t> row = new </a:t>
             </a:r>
             <a:r>
               <a:rPr lang="en-US" sz="2000" dirty="0" err="1">
                 <a:latin typeface="Monaco" charset="0"/>
               </a:rPr>
-              <a:t>tbl_data</a:t>
+              <a:t>Titanium.UI.createTableViewRow</a:t>
             </a:r>
             <a:r>
               <a:rPr lang="en-US" sz="2000" dirty="0">
                 <a:latin typeface="Monaco" charset="0"/>
               </a:rPr>
-              <a:t> = [{</a:t>
-            </a:r>
-            <a:r>
-              <a:rPr lang="en-US" sz="2000" dirty="0" err="1">
-                <a:latin typeface="Monaco" charset="0"/>
-              </a:rPr>
-              <a:t>title:'Row</a:t>
-            </a:r>
-            <a:r>
-              <a:rPr lang="en-US" sz="2000" dirty="0">
-                <a:latin typeface="Monaco" charset="0"/>
-              </a:rPr>
-              <a:t> 1'}, {</a:t>
-            </a:r>
-            <a:r>
-              <a:rPr lang="en-US" sz="2000" dirty="0" err="1">
-                <a:latin typeface="Monaco" charset="0"/>
-              </a:rPr>
-              <a:t>title:'Row</a:t>
-            </a:r>
-            <a:r>
-              <a:rPr lang="en-US" sz="2000" dirty="0">
-                <a:latin typeface="Monaco" charset="0"/>
-              </a:rPr>
-              <a:t> 2'}];</a:t>
+              <a:t>({</a:t>
             </a:r>
           </a:p>
           <a:p>
@@ -8663,28 +10074,16 @@
               <a:buNone/>
             </a:pPr>
             <a:r>
-              <a:rPr lang="en-US" sz="2000" dirty="0" err="1">
-                <a:latin typeface="Monaco" charset="0"/>
-              </a:rPr>
-              <a:t>tbl_data.push</a:t>
-            </a:r>
-            <a:r>
               <a:rPr lang="en-US" sz="2000" dirty="0">
                 <a:latin typeface="Monaco" charset="0"/>
               </a:rPr>
-              <a:t>({</a:t>
-            </a:r>
-            <a:r>
-              <a:rPr lang="en-US" sz="2000" dirty="0" err="1">
+              <a:t>	</a:t>
+            </a:r>
+            <a:r>
+              <a:rPr lang="en-US" sz="2000" i="1" dirty="0">
                 <a:latin typeface="Monaco" charset="0"/>
               </a:rPr>
-              <a:t>title:'Row</a:t>
-            </a:r>
-            <a:r>
-              <a:rPr lang="en-US" sz="2000" dirty="0">
-                <a:latin typeface="Monaco" charset="0"/>
-              </a:rPr>
-              <a:t> 3'});</a:t>
+              <a:t>properties</a:t>
             </a:r>
           </a:p>
           <a:p>
@@ -8697,28 +10096,10 @@
               <a:buNone/>
             </a:pPr>
             <a:r>
-              <a:rPr lang="en-US" sz="2000" dirty="0" err="1">
-                <a:latin typeface="Monaco" charset="0"/>
-              </a:rPr>
-              <a:t>var</a:t>
-            </a:r>
-            <a:r>
               <a:rPr lang="en-US" sz="2000" dirty="0">
                 <a:latin typeface="Monaco" charset="0"/>
               </a:rPr>
-              <a:t> table = new </a:t>
-            </a:r>
-            <a:r>
-              <a:rPr lang="en-US" sz="2000" dirty="0" err="1">
-                <a:latin typeface="Monaco" charset="0"/>
-              </a:rPr>
-              <a:t>Titanium.UI.createTableView</a:t>
-            </a:r>
-            <a:r>
-              <a:rPr lang="en-US" sz="2000" dirty="0">
-                <a:latin typeface="Monaco" charset="0"/>
-              </a:rPr>
-              <a:t>({</a:t>
+              <a:t>});</a:t>
             </a:r>
           </a:p>
           <a:p>
@@ -8731,565 +10112,6 @@
               <a:buNone/>
             </a:pPr>
             <a:r>
-              <a:rPr lang="en-US" sz="2000" dirty="0">
-                <a:latin typeface="Monaco" charset="0"/>
-              </a:rPr>
-              <a:t>	</a:t>
-            </a:r>
-            <a:r>
-              <a:rPr lang="en-US" sz="2000" dirty="0" err="1">
-                <a:latin typeface="Monaco" charset="0"/>
-              </a:rPr>
-              <a:t>data:tbl_data</a:t>
-            </a:r>
-            <a:endParaRPr lang="en-US" sz="2000" dirty="0">
-              <a:latin typeface="Monaco" charset="0"/>
-            </a:endParaRPr>
-          </a:p>
-          <a:p>
-            <a:pPr>
-              <a:spcBef>
-                <a:spcPts val="600"/>
-              </a:spcBef>
-              <a:buClrTx/>
-              <a:buFontTx/>
-              <a:buNone/>
-            </a:pPr>
-            <a:r>
-              <a:rPr lang="en-US" sz="2000" dirty="0">
-                <a:latin typeface="Monaco" charset="0"/>
-              </a:rPr>
-              <a:t>});</a:t>
-            </a:r>
-          </a:p>
-          <a:p>
-            <a:endParaRPr lang="en-US" dirty="0"/>
-          </a:p>
-        </p:txBody>
-      </p:sp>
-    </p:spTree>
-    <p:extLst>
-      <p:ext uri="{BB962C8B-B14F-4D97-AF65-F5344CB8AC3E}">
-        <p14:creationId xmlns:p14="http://schemas.microsoft.com/office/powerpoint/2010/main" val="2242544686"/>
-      </p:ext>
-    </p:extLst>
-  </p:cSld>
-  <p:clrMapOvr>
-    <a:masterClrMapping/>
-  </p:clrMapOvr>
-</p:sld>
-</file>
-
-<file path=ppt/slides/slide7.xml><?xml version="1.0" encoding="utf-8"?>
-<p:sld xmlns:a="http://schemas.openxmlformats.org/drawingml/2006/main" xmlns:r="http://schemas.openxmlformats.org/officeDocument/2006/relationships" xmlns:p="http://schemas.openxmlformats.org/presentationml/2006/main">
-  <p:cSld>
-    <p:spTree>
-      <p:nvGrpSpPr>
-        <p:cNvPr id="1" name=""/>
-        <p:cNvGrpSpPr/>
-        <p:nvPr/>
-      </p:nvGrpSpPr>
-      <p:grpSpPr>
-        <a:xfrm>
-          <a:off x="0" y="0"/>
-          <a:ext cx="0" cy="0"/>
-          <a:chOff x="0" y="0"/>
-          <a:chExt cx="0" cy="0"/>
-        </a:xfrm>
-      </p:grpSpPr>
-      <p:sp>
-        <p:nvSpPr>
-          <p:cNvPr id="2" name="Title 1"/>
-          <p:cNvSpPr>
-            <a:spLocks noGrp="1"/>
-          </p:cNvSpPr>
-          <p:nvPr>
-            <p:ph type="title"/>
-          </p:nvPr>
-        </p:nvSpPr>
-        <p:spPr/>
-        <p:txBody>
-          <a:bodyPr/>
-          <a:lstStyle/>
-          <a:p>
-            <a:r>
-              <a:rPr lang="en-US" dirty="0" smtClean="0"/>
-              <a:t>Adding rows – method 2</a:t>
-            </a:r>
-            <a:endParaRPr lang="en-US" dirty="0"/>
-          </a:p>
-        </p:txBody>
-      </p:sp>
-      <p:sp>
-        <p:nvSpPr>
-          <p:cNvPr id="3" name="Content Placeholder 2"/>
-          <p:cNvSpPr>
-            <a:spLocks noGrp="1"/>
-          </p:cNvSpPr>
-          <p:nvPr>
-            <p:ph idx="1"/>
-          </p:nvPr>
-        </p:nvSpPr>
-        <p:spPr/>
-        <p:txBody>
-          <a:bodyPr/>
-          <a:lstStyle/>
-          <a:p>
-            <a:pPr>
-              <a:spcBef>
-                <a:spcPts val="600"/>
-              </a:spcBef>
-              <a:buClrTx/>
-              <a:buFontTx/>
-              <a:buNone/>
-            </a:pPr>
-            <a:r>
-              <a:rPr lang="en-US" sz="2000" dirty="0" err="1">
-                <a:latin typeface="Monaco" charset="0"/>
-              </a:rPr>
-              <a:t>var</a:t>
-            </a:r>
-            <a:r>
-              <a:rPr lang="en-US" sz="2000" dirty="0">
-                <a:latin typeface="Monaco" charset="0"/>
-              </a:rPr>
-              <a:t> </a:t>
-            </a:r>
-            <a:r>
-              <a:rPr lang="en-US" sz="2000" dirty="0" err="1">
-                <a:latin typeface="Monaco" charset="0"/>
-              </a:rPr>
-              <a:t>tbl_data</a:t>
-            </a:r>
-            <a:r>
-              <a:rPr lang="en-US" sz="2000" dirty="0">
-                <a:latin typeface="Monaco" charset="0"/>
-              </a:rPr>
-              <a:t> = [{</a:t>
-            </a:r>
-            <a:r>
-              <a:rPr lang="en-US" sz="2000" dirty="0" err="1">
-                <a:latin typeface="Monaco" charset="0"/>
-              </a:rPr>
-              <a:t>title:'Row</a:t>
-            </a:r>
-            <a:r>
-              <a:rPr lang="en-US" sz="2000" dirty="0">
-                <a:latin typeface="Monaco" charset="0"/>
-              </a:rPr>
-              <a:t> 1'}, {</a:t>
-            </a:r>
-            <a:r>
-              <a:rPr lang="en-US" sz="2000" dirty="0" err="1">
-                <a:latin typeface="Monaco" charset="0"/>
-              </a:rPr>
-              <a:t>title:'Row</a:t>
-            </a:r>
-            <a:r>
-              <a:rPr lang="en-US" sz="2000" dirty="0">
-                <a:latin typeface="Monaco" charset="0"/>
-              </a:rPr>
-              <a:t> 2'}];</a:t>
-            </a:r>
-          </a:p>
-          <a:p>
-            <a:pPr>
-              <a:spcBef>
-                <a:spcPts val="600"/>
-              </a:spcBef>
-            </a:pPr>
-            <a:r>
-              <a:rPr lang="en-US" sz="2000" dirty="0" err="1">
-                <a:latin typeface="Monaco" charset="0"/>
-              </a:rPr>
-              <a:t>tbl_data.push</a:t>
-            </a:r>
-            <a:r>
-              <a:rPr lang="en-US" sz="2000" dirty="0">
-                <a:latin typeface="Monaco" charset="0"/>
-              </a:rPr>
-              <a:t>({</a:t>
-            </a:r>
-            <a:r>
-              <a:rPr lang="en-US" sz="2000" dirty="0" err="1">
-                <a:latin typeface="Monaco" charset="0"/>
-              </a:rPr>
-              <a:t>title:'Row</a:t>
-            </a:r>
-            <a:r>
-              <a:rPr lang="en-US" sz="2000" dirty="0">
-                <a:latin typeface="Monaco" charset="0"/>
-              </a:rPr>
-              <a:t> 3'});</a:t>
-            </a:r>
-          </a:p>
-          <a:p>
-            <a:pPr>
-              <a:spcBef>
-                <a:spcPts val="600"/>
-              </a:spcBef>
-              <a:buClrTx/>
-              <a:buFontTx/>
-              <a:buNone/>
-            </a:pPr>
-            <a:r>
-              <a:rPr lang="en-US" sz="2000" dirty="0" err="1" smtClean="0">
-                <a:latin typeface="Monaco" charset="0"/>
-              </a:rPr>
-              <a:t>var</a:t>
-            </a:r>
-            <a:r>
-              <a:rPr lang="en-US" sz="2000" dirty="0" smtClean="0">
-                <a:latin typeface="Monaco" charset="0"/>
-              </a:rPr>
-              <a:t> </a:t>
-            </a:r>
-            <a:r>
-              <a:rPr lang="en-US" sz="2000" dirty="0">
-                <a:latin typeface="Monaco" charset="0"/>
-              </a:rPr>
-              <a:t>table = new </a:t>
-            </a:r>
-            <a:r>
-              <a:rPr lang="en-US" sz="2000" dirty="0" err="1">
-                <a:latin typeface="Monaco" charset="0"/>
-              </a:rPr>
-              <a:t>Titanium.UI.createTableView</a:t>
-            </a:r>
-            <a:r>
-              <a:rPr lang="en-US" sz="2000" dirty="0">
-                <a:latin typeface="Monaco" charset="0"/>
-              </a:rPr>
-              <a:t>({});</a:t>
-            </a:r>
-          </a:p>
-          <a:p>
-            <a:pPr>
-              <a:spcBef>
-                <a:spcPts val="600"/>
-              </a:spcBef>
-              <a:buClrTx/>
-              <a:buFontTx/>
-              <a:buNone/>
-            </a:pPr>
-            <a:r>
-              <a:rPr lang="en-US" sz="2000" dirty="0" err="1">
-                <a:latin typeface="Monaco" charset="0"/>
-              </a:rPr>
-              <a:t>table.setData</a:t>
-            </a:r>
-            <a:r>
-              <a:rPr lang="en-US" sz="2000" dirty="0">
-                <a:latin typeface="Monaco" charset="0"/>
-              </a:rPr>
-              <a:t>(</a:t>
-            </a:r>
-            <a:r>
-              <a:rPr lang="en-US" sz="2000" dirty="0" err="1">
-                <a:latin typeface="Monaco" charset="0"/>
-              </a:rPr>
-              <a:t>tbl_data</a:t>
-            </a:r>
-            <a:r>
-              <a:rPr lang="en-US" sz="2000" dirty="0">
-                <a:latin typeface="Monaco" charset="0"/>
-              </a:rPr>
-              <a:t>);</a:t>
-            </a:r>
-          </a:p>
-          <a:p>
-            <a:endParaRPr lang="en-US" dirty="0"/>
-          </a:p>
-        </p:txBody>
-      </p:sp>
-    </p:spTree>
-    <p:extLst>
-      <p:ext uri="{BB962C8B-B14F-4D97-AF65-F5344CB8AC3E}">
-        <p14:creationId xmlns:p14="http://schemas.microsoft.com/office/powerpoint/2010/main" val="959258660"/>
-      </p:ext>
-    </p:extLst>
-  </p:cSld>
-  <p:clrMapOvr>
-    <a:masterClrMapping/>
-  </p:clrMapOvr>
-</p:sld>
-</file>
-
-<file path=ppt/slides/slide8.xml><?xml version="1.0" encoding="utf-8"?>
-<p:sld xmlns:a="http://schemas.openxmlformats.org/drawingml/2006/main" xmlns:r="http://schemas.openxmlformats.org/officeDocument/2006/relationships" xmlns:p="http://schemas.openxmlformats.org/presentationml/2006/main">
-  <p:cSld>
-    <p:spTree>
-      <p:nvGrpSpPr>
-        <p:cNvPr id="1" name=""/>
-        <p:cNvGrpSpPr/>
-        <p:nvPr/>
-      </p:nvGrpSpPr>
-      <p:grpSpPr>
-        <a:xfrm>
-          <a:off x="0" y="0"/>
-          <a:ext cx="0" cy="0"/>
-          <a:chOff x="0" y="0"/>
-          <a:chExt cx="0" cy="0"/>
-        </a:xfrm>
-      </p:grpSpPr>
-      <p:sp>
-        <p:nvSpPr>
-          <p:cNvPr id="2" name="Title 1"/>
-          <p:cNvSpPr>
-            <a:spLocks noGrp="1"/>
-          </p:cNvSpPr>
-          <p:nvPr>
-            <p:ph type="title"/>
-          </p:nvPr>
-        </p:nvSpPr>
-        <p:spPr/>
-        <p:txBody>
-          <a:bodyPr/>
-          <a:lstStyle/>
-          <a:p>
-            <a:r>
-              <a:rPr lang="en-US" dirty="0" smtClean="0"/>
-              <a:t>Adding rows – method 3</a:t>
-            </a:r>
-            <a:endParaRPr lang="en-US" dirty="0"/>
-          </a:p>
-        </p:txBody>
-      </p:sp>
-      <p:sp>
-        <p:nvSpPr>
-          <p:cNvPr id="3" name="Content Placeholder 2"/>
-          <p:cNvSpPr>
-            <a:spLocks noGrp="1"/>
-          </p:cNvSpPr>
-          <p:nvPr>
-            <p:ph idx="1"/>
-          </p:nvPr>
-        </p:nvSpPr>
-        <p:spPr/>
-        <p:txBody>
-          <a:bodyPr/>
-          <a:lstStyle/>
-          <a:p>
-            <a:pPr>
-              <a:spcBef>
-                <a:spcPts val="600"/>
-              </a:spcBef>
-              <a:buClrTx/>
-              <a:buFontTx/>
-              <a:buNone/>
-            </a:pPr>
-            <a:r>
-              <a:rPr lang="en-US" sz="2000" dirty="0" err="1">
-                <a:latin typeface="Monaco" charset="0"/>
-              </a:rPr>
-              <a:t>var</a:t>
-            </a:r>
-            <a:r>
-              <a:rPr lang="en-US" sz="2000" dirty="0">
-                <a:latin typeface="Monaco" charset="0"/>
-              </a:rPr>
-              <a:t> </a:t>
-            </a:r>
-            <a:r>
-              <a:rPr lang="en-US" sz="2000" dirty="0" err="1">
-                <a:latin typeface="Monaco" charset="0"/>
-              </a:rPr>
-              <a:t>tbl_data</a:t>
-            </a:r>
-            <a:r>
-              <a:rPr lang="en-US" sz="2000" dirty="0">
-                <a:latin typeface="Monaco" charset="0"/>
-              </a:rPr>
-              <a:t> = [{</a:t>
-            </a:r>
-            <a:r>
-              <a:rPr lang="en-US" sz="2000" dirty="0" err="1">
-                <a:latin typeface="Monaco" charset="0"/>
-              </a:rPr>
-              <a:t>title:'Row</a:t>
-            </a:r>
-            <a:r>
-              <a:rPr lang="en-US" sz="2000" dirty="0">
-                <a:latin typeface="Monaco" charset="0"/>
-              </a:rPr>
-              <a:t> 1'}, {</a:t>
-            </a:r>
-            <a:r>
-              <a:rPr lang="en-US" sz="2000" dirty="0" err="1">
-                <a:latin typeface="Monaco" charset="0"/>
-              </a:rPr>
-              <a:t>title:'Row</a:t>
-            </a:r>
-            <a:r>
-              <a:rPr lang="en-US" sz="2000" dirty="0">
-                <a:latin typeface="Monaco" charset="0"/>
-              </a:rPr>
-              <a:t> 2'}];</a:t>
-            </a:r>
-          </a:p>
-          <a:p>
-            <a:pPr>
-              <a:spcBef>
-                <a:spcPts val="600"/>
-              </a:spcBef>
-              <a:buClrTx/>
-              <a:buFontTx/>
-              <a:buNone/>
-            </a:pPr>
-            <a:r>
-              <a:rPr lang="en-US" sz="2000" dirty="0" err="1">
-                <a:latin typeface="Monaco" charset="0"/>
-              </a:rPr>
-              <a:t>var</a:t>
-            </a:r>
-            <a:r>
-              <a:rPr lang="en-US" sz="2000" dirty="0">
-                <a:latin typeface="Monaco" charset="0"/>
-              </a:rPr>
-              <a:t> table = new </a:t>
-            </a:r>
-            <a:r>
-              <a:rPr lang="en-US" sz="2000" dirty="0" err="1">
-                <a:latin typeface="Monaco" charset="0"/>
-              </a:rPr>
-              <a:t>Titanium.UI.createTableView</a:t>
-            </a:r>
-            <a:r>
-              <a:rPr lang="en-US" sz="2000" dirty="0">
-                <a:latin typeface="Monaco" charset="0"/>
-              </a:rPr>
-              <a:t>({</a:t>
-            </a:r>
-          </a:p>
-          <a:p>
-            <a:pPr>
-              <a:spcBef>
-                <a:spcPts val="600"/>
-              </a:spcBef>
-              <a:buClrTx/>
-              <a:buFontTx/>
-              <a:buNone/>
-            </a:pPr>
-            <a:r>
-              <a:rPr lang="en-US" sz="2000" dirty="0">
-                <a:latin typeface="Monaco" charset="0"/>
-              </a:rPr>
-              <a:t>	data: </a:t>
-            </a:r>
-            <a:r>
-              <a:rPr lang="en-US" sz="2000" dirty="0" err="1">
-                <a:latin typeface="Monaco" charset="0"/>
-              </a:rPr>
-              <a:t>tbl_data</a:t>
-            </a:r>
-            <a:endParaRPr lang="en-US" sz="2000" dirty="0">
-              <a:latin typeface="Monaco" charset="0"/>
-            </a:endParaRPr>
-          </a:p>
-          <a:p>
-            <a:pPr>
-              <a:spcBef>
-                <a:spcPts val="600"/>
-              </a:spcBef>
-              <a:buClrTx/>
-              <a:buFontTx/>
-              <a:buNone/>
-            </a:pPr>
-            <a:r>
-              <a:rPr lang="en-US" sz="2000" dirty="0">
-                <a:latin typeface="Monaco" charset="0"/>
-              </a:rPr>
-              <a:t>});</a:t>
-            </a:r>
-          </a:p>
-          <a:p>
-            <a:pPr>
-              <a:spcBef>
-                <a:spcPts val="600"/>
-              </a:spcBef>
-              <a:buClrTx/>
-              <a:buFontTx/>
-              <a:buNone/>
-            </a:pPr>
-            <a:r>
-              <a:rPr lang="en-US" sz="2000" dirty="0" err="1">
-                <a:latin typeface="Monaco" charset="0"/>
-              </a:rPr>
-              <a:t>var</a:t>
-            </a:r>
-            <a:r>
-              <a:rPr lang="en-US" sz="2000" dirty="0">
-                <a:latin typeface="Monaco" charset="0"/>
-              </a:rPr>
-              <a:t> row = new </a:t>
-            </a:r>
-            <a:r>
-              <a:rPr lang="en-US" sz="2000" dirty="0" err="1">
-                <a:latin typeface="Monaco" charset="0"/>
-              </a:rPr>
-              <a:t>Titanium.UI.createTableViewRow</a:t>
-            </a:r>
-            <a:r>
-              <a:rPr lang="en-US" sz="2000" dirty="0">
-                <a:latin typeface="Monaco" charset="0"/>
-              </a:rPr>
-              <a:t>({</a:t>
-            </a:r>
-          </a:p>
-          <a:p>
-            <a:pPr>
-              <a:spcBef>
-                <a:spcPts val="600"/>
-              </a:spcBef>
-              <a:buClrTx/>
-              <a:buFontTx/>
-              <a:buNone/>
-            </a:pPr>
-            <a:r>
-              <a:rPr lang="en-US" sz="2000" dirty="0">
-                <a:latin typeface="Monaco" charset="0"/>
-              </a:rPr>
-              <a:t>	</a:t>
-            </a:r>
-            <a:r>
-              <a:rPr lang="en-US" sz="2000" dirty="0" err="1">
-                <a:latin typeface="Monaco" charset="0"/>
-              </a:rPr>
-              <a:t>title:'My</a:t>
-            </a:r>
-            <a:r>
-              <a:rPr lang="en-US" sz="2000" dirty="0">
-                <a:latin typeface="Monaco" charset="0"/>
-              </a:rPr>
-              <a:t> new row'</a:t>
-            </a:r>
-          </a:p>
-          <a:p>
-            <a:pPr>
-              <a:spcBef>
-                <a:spcPts val="600"/>
-              </a:spcBef>
-              <a:buClrTx/>
-              <a:buFontTx/>
-              <a:buNone/>
-            </a:pPr>
-            <a:r>
-              <a:rPr lang="en-US" sz="2000" dirty="0">
-                <a:latin typeface="Monaco" charset="0"/>
-              </a:rPr>
-              <a:t>});</a:t>
-            </a:r>
-          </a:p>
-          <a:p>
-            <a:pPr>
-              <a:spcBef>
-                <a:spcPts val="600"/>
-              </a:spcBef>
-              <a:buClrTx/>
-              <a:buFontTx/>
-              <a:buNone/>
-            </a:pPr>
-            <a:r>
               <a:rPr lang="en-US" sz="2000" dirty="0" err="1">
                 <a:latin typeface="Monaco" charset="0"/>
               </a:rPr>
@@ -9303,172 +10125,6 @@
             </a:r>
           </a:p>
           <a:p>
-            <a:endParaRPr lang="en-US" dirty="0"/>
-          </a:p>
-        </p:txBody>
-      </p:sp>
-    </p:spTree>
-    <p:extLst>
-      <p:ext uri="{BB962C8B-B14F-4D97-AF65-F5344CB8AC3E}">
-        <p14:creationId xmlns:p14="http://schemas.microsoft.com/office/powerpoint/2010/main" val="959258660"/>
-      </p:ext>
-    </p:extLst>
-  </p:cSld>
-  <p:clrMapOvr>
-    <a:masterClrMapping/>
-  </p:clrMapOvr>
-</p:sld>
-</file>
-
-<file path=ppt/slides/slide9.xml><?xml version="1.0" encoding="utf-8"?>
-<p:sld xmlns:a="http://schemas.openxmlformats.org/drawingml/2006/main" xmlns:r="http://schemas.openxmlformats.org/officeDocument/2006/relationships" xmlns:p="http://schemas.openxmlformats.org/presentationml/2006/main">
-  <p:cSld>
-    <p:spTree>
-      <p:nvGrpSpPr>
-        <p:cNvPr id="1" name=""/>
-        <p:cNvGrpSpPr/>
-        <p:nvPr/>
-      </p:nvGrpSpPr>
-      <p:grpSpPr>
-        <a:xfrm>
-          <a:off x="0" y="0"/>
-          <a:ext cx="0" cy="0"/>
-          <a:chOff x="0" y="0"/>
-          <a:chExt cx="0" cy="0"/>
-        </a:xfrm>
-      </p:grpSpPr>
-      <p:sp>
-        <p:nvSpPr>
-          <p:cNvPr id="2" name="Title 1"/>
-          <p:cNvSpPr>
-            <a:spLocks noGrp="1"/>
-          </p:cNvSpPr>
-          <p:nvPr>
-            <p:ph type="title"/>
-          </p:nvPr>
-        </p:nvSpPr>
-        <p:spPr/>
-        <p:txBody>
-          <a:bodyPr/>
-          <a:lstStyle/>
-          <a:p>
-            <a:r>
-              <a:rPr lang="en-US" dirty="0" err="1" smtClean="0"/>
-              <a:t>TableViewRow</a:t>
-            </a:r>
-            <a:endParaRPr lang="en-US" dirty="0"/>
-          </a:p>
-        </p:txBody>
-      </p:sp>
-      <p:sp>
-        <p:nvSpPr>
-          <p:cNvPr id="3" name="Content Placeholder 2"/>
-          <p:cNvSpPr>
-            <a:spLocks noGrp="1"/>
-          </p:cNvSpPr>
-          <p:nvPr>
-            <p:ph idx="1"/>
-          </p:nvPr>
-        </p:nvSpPr>
-        <p:spPr/>
-        <p:txBody>
-          <a:bodyPr/>
-          <a:lstStyle/>
-          <a:p>
-            <a:pPr>
-              <a:spcBef>
-                <a:spcPts val="600"/>
-              </a:spcBef>
-              <a:buClrTx/>
-              <a:buFontTx/>
-              <a:buNone/>
-            </a:pPr>
-            <a:r>
-              <a:rPr lang="en-US" sz="2000" dirty="0" err="1">
-                <a:latin typeface="Monaco" charset="0"/>
-              </a:rPr>
-              <a:t>var</a:t>
-            </a:r>
-            <a:r>
-              <a:rPr lang="en-US" sz="2000" dirty="0">
-                <a:latin typeface="Monaco" charset="0"/>
-              </a:rPr>
-              <a:t> row = new </a:t>
-            </a:r>
-            <a:r>
-              <a:rPr lang="en-US" sz="2000" dirty="0" err="1">
-                <a:latin typeface="Monaco" charset="0"/>
-              </a:rPr>
-              <a:t>Titanium.UI.createTableViewRow</a:t>
-            </a:r>
-            <a:r>
-              <a:rPr lang="en-US" sz="2000" dirty="0">
-                <a:latin typeface="Monaco" charset="0"/>
-              </a:rPr>
-              <a:t>({</a:t>
-            </a:r>
-          </a:p>
-          <a:p>
-            <a:pPr>
-              <a:spcBef>
-                <a:spcPts val="600"/>
-              </a:spcBef>
-              <a:buClrTx/>
-              <a:buFontTx/>
-              <a:buNone/>
-            </a:pPr>
-            <a:r>
-              <a:rPr lang="en-US" sz="2000" dirty="0">
-                <a:latin typeface="Monaco" charset="0"/>
-              </a:rPr>
-              <a:t>	</a:t>
-            </a:r>
-            <a:r>
-              <a:rPr lang="en-US" sz="2000" i="1" dirty="0">
-                <a:latin typeface="Monaco" charset="0"/>
-              </a:rPr>
-              <a:t>properties</a:t>
-            </a:r>
-          </a:p>
-          <a:p>
-            <a:pPr>
-              <a:spcBef>
-                <a:spcPts val="600"/>
-              </a:spcBef>
-              <a:buClrTx/>
-              <a:buFontTx/>
-              <a:buNone/>
-            </a:pPr>
-            <a:r>
-              <a:rPr lang="en-US" sz="2000" dirty="0">
-                <a:latin typeface="Monaco" charset="0"/>
-              </a:rPr>
-              <a:t>});</a:t>
-            </a:r>
-          </a:p>
-          <a:p>
-            <a:pPr>
-              <a:spcBef>
-                <a:spcPts val="600"/>
-              </a:spcBef>
-              <a:buClrTx/>
-              <a:buFontTx/>
-              <a:buNone/>
-            </a:pPr>
-            <a:r>
-              <a:rPr lang="en-US" sz="2000" dirty="0" err="1">
-                <a:latin typeface="Monaco" charset="0"/>
-              </a:rPr>
-              <a:t>table.appendRow</a:t>
-            </a:r>
-            <a:r>
-              <a:rPr lang="en-US" sz="2000" dirty="0">
-                <a:latin typeface="Monaco" charset="0"/>
-              </a:rPr>
-              <a:t>(row);</a:t>
-            </a:r>
-          </a:p>
-          <a:p>
             <a:endParaRPr lang="en-US" dirty="0" smtClean="0"/>
           </a:p>
           <a:p>
@@ -9503,34 +10159,15 @@
           <a:p>
             <a:r>
               <a:rPr lang="en-US" dirty="0" err="1" smtClean="0"/>
-              <a:t>hasChild</a:t>
+              <a:t>leftImage</a:t>
             </a:r>
             <a:r>
               <a:rPr lang="en-US" dirty="0" smtClean="0"/>
-              <a:t> / </a:t>
-            </a:r>
-            <a:r>
-              <a:rPr lang="en-US" dirty="0" err="1" smtClean="0"/>
-              <a:t>hasDetail</a:t>
+              <a:t> </a:t>
             </a:r>
             <a:r>
               <a:rPr lang="en-US" dirty="0" smtClean="0"/>
-              <a:t> / </a:t>
-            </a:r>
-            <a:r>
-              <a:rPr lang="en-US" dirty="0" err="1" smtClean="0"/>
-              <a:t>hasCheck</a:t>
-            </a:r>
-            <a:endParaRPr lang="en-US" dirty="0" smtClean="0"/>
-          </a:p>
-          <a:p>
-            <a:r>
-              <a:rPr lang="en-US" dirty="0" err="1" smtClean="0"/>
-              <a:t>leftImage</a:t>
-            </a:r>
-            <a:r>
-              <a:rPr lang="en-US" dirty="0" smtClean="0"/>
-              <a:t> / </a:t>
+              <a:t>/ </a:t>
             </a:r>
             <a:r>
               <a:rPr lang="en-US" dirty="0" err="1" smtClean="0"/>
@@ -9549,7 +10186,7 @@
           <p:nvPr/>
         </p:nvPicPr>
         <p:blipFill>
-          <a:blip r:embed="rId2">
+          <a:blip r:embed="rId3">
             <a:extLst>
               <a:ext uri="{28A0092B-C50C-407E-A947-70E740481C1C}">
                 <a14:useLocalDpi xmlns:a14="http://schemas.microsoft.com/office/drawing/2010/main" val="0"/>
@@ -9614,6 +10251,1456 @@
     <p:extLst>
       <p:ext uri="{BB962C8B-B14F-4D97-AF65-F5344CB8AC3E}">
         <p14:creationId xmlns:p14="http://schemas.microsoft.com/office/powerpoint/2010/main" val="3040299292"/>
+      </p:ext>
+    </p:extLst>
+  </p:cSld>
+  <p:clrMapOvr>
+    <a:masterClrMapping/>
+  </p:clrMapOvr>
+</p:sld>
+</file>
+
+<file path=ppt/slides/slide7.xml><?xml version="1.0" encoding="utf-8"?>
+<p:sld xmlns:a="http://schemas.openxmlformats.org/drawingml/2006/main" xmlns:r="http://schemas.openxmlformats.org/officeDocument/2006/relationships" xmlns:p="http://schemas.openxmlformats.org/presentationml/2006/main">
+  <p:cSld>
+    <p:spTree>
+      <p:nvGrpSpPr>
+        <p:cNvPr id="1" name=""/>
+        <p:cNvGrpSpPr/>
+        <p:nvPr/>
+      </p:nvGrpSpPr>
+      <p:grpSpPr>
+        <a:xfrm>
+          <a:off x="0" y="0"/>
+          <a:ext cx="0" cy="0"/>
+          <a:chOff x="0" y="0"/>
+          <a:chExt cx="0" cy="0"/>
+        </a:xfrm>
+      </p:grpSpPr>
+      <p:sp>
+        <p:nvSpPr>
+          <p:cNvPr id="2" name="Title 1"/>
+          <p:cNvSpPr>
+            <a:spLocks noGrp="1"/>
+          </p:cNvSpPr>
+          <p:nvPr>
+            <p:ph type="title"/>
+          </p:nvPr>
+        </p:nvSpPr>
+        <p:spPr/>
+        <p:txBody>
+          <a:bodyPr/>
+          <a:lstStyle/>
+          <a:p>
+            <a:r>
+              <a:rPr lang="en-US" dirty="0" smtClean="0"/>
+              <a:t>Row indicators</a:t>
+            </a:r>
+            <a:endParaRPr lang="en-US" dirty="0"/>
+          </a:p>
+        </p:txBody>
+      </p:sp>
+      <p:sp>
+        <p:nvSpPr>
+          <p:cNvPr id="3" name="Content Placeholder 2"/>
+          <p:cNvSpPr>
+            <a:spLocks noGrp="1"/>
+          </p:cNvSpPr>
+          <p:nvPr>
+            <p:ph idx="1"/>
+          </p:nvPr>
+        </p:nvSpPr>
+        <p:spPr/>
+        <p:txBody>
+          <a:bodyPr/>
+          <a:lstStyle/>
+          <a:p>
+            <a:pPr algn="ctr"/>
+            <a:endParaRPr lang="en-US" dirty="0" smtClean="0"/>
+          </a:p>
+          <a:p>
+            <a:pPr algn="ctr"/>
+            <a:endParaRPr lang="en-US" dirty="0" smtClean="0"/>
+          </a:p>
+          <a:p>
+            <a:pPr algn="ctr"/>
+            <a:r>
+              <a:rPr lang="en-US" dirty="0" err="1" smtClean="0"/>
+              <a:t>hasChild</a:t>
+            </a:r>
+            <a:endParaRPr lang="en-US" dirty="0" smtClean="0"/>
+          </a:p>
+          <a:p>
+            <a:pPr algn="ctr"/>
+            <a:endParaRPr lang="en-US" dirty="0"/>
+          </a:p>
+          <a:p>
+            <a:pPr algn="ctr"/>
+            <a:r>
+              <a:rPr lang="en-US" dirty="0" err="1" smtClean="0"/>
+              <a:t>hasDetail</a:t>
+            </a:r>
+            <a:endParaRPr lang="en-US" dirty="0" smtClean="0"/>
+          </a:p>
+          <a:p>
+            <a:pPr algn="ctr"/>
+            <a:endParaRPr lang="en-US" dirty="0"/>
+          </a:p>
+          <a:p>
+            <a:pPr algn="ctr"/>
+            <a:r>
+              <a:rPr lang="en-US" dirty="0" err="1" smtClean="0"/>
+              <a:t>hasCheck</a:t>
+            </a:r>
+            <a:endParaRPr lang="en-US" dirty="0"/>
+          </a:p>
+        </p:txBody>
+      </p:sp>
+      <p:pic>
+        <p:nvPicPr>
+          <p:cNvPr id="4" name="Picture 3" descr="Screen shot 2011-06-03 at 2.17.48 PM.png"/>
+          <p:cNvPicPr>
+            <a:picLocks noChangeAspect="1"/>
+          </p:cNvPicPr>
+          <p:nvPr/>
+        </p:nvPicPr>
+        <p:blipFill>
+          <a:blip r:embed="rId3">
+            <a:extLst>
+              <a:ext uri="{28A0092B-C50C-407E-A947-70E740481C1C}">
+                <a14:useLocalDpi xmlns:a14="http://schemas.microsoft.com/office/drawing/2010/main" val="0"/>
+              </a:ext>
+            </a:extLst>
+          </a:blip>
+          <a:stretch>
+            <a:fillRect/>
+          </a:stretch>
+        </p:blipFill>
+        <p:spPr>
+          <a:xfrm>
+            <a:off x="286084" y="2053395"/>
+            <a:ext cx="2968124" cy="2407770"/>
+          </a:xfrm>
+          <a:prstGeom prst="rect">
+            <a:avLst/>
+          </a:prstGeom>
+        </p:spPr>
+      </p:pic>
+      <p:pic>
+        <p:nvPicPr>
+          <p:cNvPr id="5" name="Picture 4"/>
+          <p:cNvPicPr>
+            <a:picLocks noChangeAspect="1" noChangeArrowheads="1"/>
+          </p:cNvPicPr>
+          <p:nvPr/>
+        </p:nvPicPr>
+        <p:blipFill>
+          <a:blip r:embed="rId4">
+            <a:extLst>
+              <a:ext uri="{28A0092B-C50C-407E-A947-70E740481C1C}">
+                <a14:useLocalDpi xmlns:a14="http://schemas.microsoft.com/office/drawing/2010/main" val="0"/>
+              </a:ext>
+            </a:extLst>
+          </a:blip>
+          <a:srcRect b="48973"/>
+          <a:stretch>
+            <a:fillRect/>
+          </a:stretch>
+        </p:blipFill>
+        <p:spPr bwMode="auto">
+          <a:xfrm>
+            <a:off x="5914176" y="2053395"/>
+            <a:ext cx="3028950" cy="2193925"/>
+          </a:xfrm>
+          <a:prstGeom prst="rect">
+            <a:avLst/>
+          </a:prstGeom>
+          <a:noFill/>
+          <a:ln>
+            <a:noFill/>
+          </a:ln>
+          <a:effectLst/>
+          <a:extLst>
+            <a:ext uri="{909E8E84-426E-40dd-AFC4-6F175D3DCCD1}">
+              <a14:hiddenFill xmlns:a14="http://schemas.microsoft.com/office/drawing/2010/main">
+                <a:blipFill dpi="0" rotWithShape="0">
+                  <a:blip/>
+                  <a:srcRect b="48973"/>
+                  <a:stretch>
+                    <a:fillRect/>
+                  </a:stretch>
+                </a:blipFill>
+              </a14:hiddenFill>
+            </a:ext>
+            <a:ext uri="{91240B29-F687-4f45-9708-019B960494DF}">
+              <a14:hiddenLine xmlns:a14="http://schemas.microsoft.com/office/drawing/2010/main" w="9525">
+                <a:solidFill>
+                  <a:srgbClr val="000000"/>
+                </a:solidFill>
+                <a:round/>
+                <a:headEnd/>
+                <a:tailEnd/>
+              </a14:hiddenLine>
+            </a:ext>
+            <a:ext uri="{AF507438-7753-43e0-B8FC-AC1667EBCBE1}">
+              <a14:hiddenEffects xmlns:a14="http://schemas.microsoft.com/office/drawing/2010/main">
+                <a:effectLst>
+                  <a:outerShdw blurRad="63500" dist="38099" dir="2700000" algn="ctr" rotWithShape="0">
+                    <a:srgbClr val="000000">
+                      <a:alpha val="74998"/>
+                    </a:srgbClr>
+                  </a:outerShdw>
+                </a:effectLst>
+              </a14:hiddenEffects>
+            </a:ext>
+          </a:extLst>
+        </p:spPr>
+      </p:pic>
+      <p:sp>
+        <p:nvSpPr>
+          <p:cNvPr id="6" name="Line 8"/>
+          <p:cNvSpPr>
+            <a:spLocks noChangeShapeType="1"/>
+          </p:cNvSpPr>
+          <p:nvPr/>
+        </p:nvSpPr>
+        <p:spPr bwMode="auto">
+          <a:xfrm flipH="1" flipV="1">
+            <a:off x="5283283" y="2552700"/>
+            <a:ext cx="3272505" cy="374984"/>
+          </a:xfrm>
+          <a:prstGeom prst="line">
+            <a:avLst/>
+          </a:prstGeom>
+          <a:noFill/>
+          <a:ln w="38100">
+            <a:solidFill>
+              <a:srgbClr val="9C030B"/>
+            </a:solidFill>
+            <a:round/>
+            <a:headEnd type="stealth" w="med" len="med"/>
+            <a:tailEnd/>
+          </a:ln>
+          <a:extLst>
+            <a:ext uri="{909E8E84-426E-40dd-AFC4-6F175D3DCCD1}">
+              <a14:hiddenFill xmlns:a14="http://schemas.microsoft.com/office/drawing/2010/main">
+                <a:noFill/>
+              </a14:hiddenFill>
+            </a:ext>
+          </a:extLst>
+        </p:spPr>
+        <p:txBody>
+          <a:bodyPr lIns="0" tIns="0" rIns="0" bIns="0"/>
+          <a:lstStyle/>
+          <a:p>
+            <a:endParaRPr lang="en-US"/>
+          </a:p>
+        </p:txBody>
+      </p:sp>
+      <p:sp>
+        <p:nvSpPr>
+          <p:cNvPr id="7" name="Line 8"/>
+          <p:cNvSpPr>
+            <a:spLocks noChangeShapeType="1"/>
+          </p:cNvSpPr>
+          <p:nvPr/>
+        </p:nvSpPr>
+        <p:spPr bwMode="auto">
+          <a:xfrm flipH="1">
+            <a:off x="5301985" y="3381542"/>
+            <a:ext cx="3039909" cy="0"/>
+          </a:xfrm>
+          <a:prstGeom prst="line">
+            <a:avLst/>
+          </a:prstGeom>
+          <a:noFill/>
+          <a:ln w="38100">
+            <a:solidFill>
+              <a:srgbClr val="9C030B"/>
+            </a:solidFill>
+            <a:round/>
+            <a:headEnd type="stealth" w="med" len="med"/>
+            <a:tailEnd/>
+          </a:ln>
+          <a:extLst>
+            <a:ext uri="{909E8E84-426E-40dd-AFC4-6F175D3DCCD1}">
+              <a14:hiddenFill xmlns:a14="http://schemas.microsoft.com/office/drawing/2010/main">
+                <a:noFill/>
+              </a14:hiddenFill>
+            </a:ext>
+          </a:extLst>
+        </p:spPr>
+        <p:txBody>
+          <a:bodyPr lIns="0" tIns="0" rIns="0" bIns="0"/>
+          <a:lstStyle/>
+          <a:p>
+            <a:endParaRPr lang="en-US"/>
+          </a:p>
+        </p:txBody>
+      </p:sp>
+      <p:sp>
+        <p:nvSpPr>
+          <p:cNvPr id="8" name="Line 8"/>
+          <p:cNvSpPr>
+            <a:spLocks noChangeShapeType="1"/>
+          </p:cNvSpPr>
+          <p:nvPr/>
+        </p:nvSpPr>
+        <p:spPr bwMode="auto">
+          <a:xfrm flipH="1">
+            <a:off x="5283282" y="3689684"/>
+            <a:ext cx="3165559" cy="556968"/>
+          </a:xfrm>
+          <a:prstGeom prst="line">
+            <a:avLst/>
+          </a:prstGeom>
+          <a:noFill/>
+          <a:ln w="38100">
+            <a:solidFill>
+              <a:srgbClr val="9C030B"/>
+            </a:solidFill>
+            <a:round/>
+            <a:headEnd type="stealth" w="med" len="med"/>
+            <a:tailEnd/>
+          </a:ln>
+          <a:extLst>
+            <a:ext uri="{909E8E84-426E-40dd-AFC4-6F175D3DCCD1}">
+              <a14:hiddenFill xmlns:a14="http://schemas.microsoft.com/office/drawing/2010/main">
+                <a:noFill/>
+              </a14:hiddenFill>
+            </a:ext>
+          </a:extLst>
+        </p:spPr>
+        <p:txBody>
+          <a:bodyPr lIns="0" tIns="0" rIns="0" bIns="0"/>
+          <a:lstStyle/>
+          <a:p>
+            <a:endParaRPr lang="en-US"/>
+          </a:p>
+        </p:txBody>
+      </p:sp>
+      <p:sp>
+        <p:nvSpPr>
+          <p:cNvPr id="9" name="Line 8"/>
+          <p:cNvSpPr>
+            <a:spLocks noChangeShapeType="1"/>
+          </p:cNvSpPr>
+          <p:nvPr/>
+        </p:nvSpPr>
+        <p:spPr bwMode="auto">
+          <a:xfrm flipV="1">
+            <a:off x="3128211" y="2552700"/>
+            <a:ext cx="761998" cy="147721"/>
+          </a:xfrm>
+          <a:prstGeom prst="line">
+            <a:avLst/>
+          </a:prstGeom>
+          <a:noFill/>
+          <a:ln w="38100">
+            <a:solidFill>
+              <a:srgbClr val="9C030B"/>
+            </a:solidFill>
+            <a:round/>
+            <a:headEnd type="stealth" w="med" len="med"/>
+            <a:tailEnd/>
+          </a:ln>
+          <a:extLst>
+            <a:ext uri="{909E8E84-426E-40dd-AFC4-6F175D3DCCD1}">
+              <a14:hiddenFill xmlns:a14="http://schemas.microsoft.com/office/drawing/2010/main">
+                <a:noFill/>
+              </a14:hiddenFill>
+            </a:ext>
+          </a:extLst>
+        </p:spPr>
+        <p:txBody>
+          <a:bodyPr lIns="0" tIns="0" rIns="0" bIns="0"/>
+          <a:lstStyle/>
+          <a:p>
+            <a:endParaRPr lang="en-US"/>
+          </a:p>
+        </p:txBody>
+      </p:sp>
+      <p:sp>
+        <p:nvSpPr>
+          <p:cNvPr id="10" name="Line 8"/>
+          <p:cNvSpPr>
+            <a:spLocks noChangeShapeType="1"/>
+          </p:cNvSpPr>
+          <p:nvPr/>
+        </p:nvSpPr>
+        <p:spPr bwMode="auto">
+          <a:xfrm>
+            <a:off x="3128211" y="3796632"/>
+            <a:ext cx="655051" cy="450020"/>
+          </a:xfrm>
+          <a:prstGeom prst="line">
+            <a:avLst/>
+          </a:prstGeom>
+          <a:noFill/>
+          <a:ln w="38100">
+            <a:solidFill>
+              <a:srgbClr val="9C030B"/>
+            </a:solidFill>
+            <a:round/>
+            <a:headEnd type="stealth" w="med" len="med"/>
+            <a:tailEnd/>
+          </a:ln>
+          <a:extLst>
+            <a:ext uri="{909E8E84-426E-40dd-AFC4-6F175D3DCCD1}">
+              <a14:hiddenFill xmlns:a14="http://schemas.microsoft.com/office/drawing/2010/main">
+                <a:noFill/>
+              </a14:hiddenFill>
+            </a:ext>
+          </a:extLst>
+        </p:spPr>
+        <p:txBody>
+          <a:bodyPr lIns="0" tIns="0" rIns="0" bIns="0"/>
+          <a:lstStyle/>
+          <a:p>
+            <a:endParaRPr lang="en-US"/>
+          </a:p>
+        </p:txBody>
+      </p:sp>
+    </p:spTree>
+    <p:extLst>
+      <p:ext uri="{BB962C8B-B14F-4D97-AF65-F5344CB8AC3E}">
+        <p14:creationId xmlns:p14="http://schemas.microsoft.com/office/powerpoint/2010/main" val="3444952097"/>
+      </p:ext>
+    </p:extLst>
+  </p:cSld>
+  <p:clrMapOvr>
+    <a:masterClrMapping/>
+  </p:clrMapOvr>
+</p:sld>
+</file>
+
+<file path=ppt/slides/slide8.xml><?xml version="1.0" encoding="utf-8"?>
+<p:sld xmlns:a="http://schemas.openxmlformats.org/drawingml/2006/main" xmlns:r="http://schemas.openxmlformats.org/officeDocument/2006/relationships" xmlns:p="http://schemas.openxmlformats.org/presentationml/2006/main">
+  <p:cSld>
+    <p:spTree>
+      <p:nvGrpSpPr>
+        <p:cNvPr id="1" name=""/>
+        <p:cNvGrpSpPr/>
+        <p:nvPr/>
+      </p:nvGrpSpPr>
+      <p:grpSpPr>
+        <a:xfrm>
+          <a:off x="0" y="0"/>
+          <a:ext cx="0" cy="0"/>
+          <a:chOff x="0" y="0"/>
+          <a:chExt cx="0" cy="0"/>
+        </a:xfrm>
+      </p:grpSpPr>
+      <p:sp>
+        <p:nvSpPr>
+          <p:cNvPr id="2" name="Title 1"/>
+          <p:cNvSpPr>
+            <a:spLocks noGrp="1"/>
+          </p:cNvSpPr>
+          <p:nvPr>
+            <p:ph type="title"/>
+          </p:nvPr>
+        </p:nvSpPr>
+        <p:spPr/>
+        <p:txBody>
+          <a:bodyPr/>
+          <a:lstStyle/>
+          <a:p>
+            <a:r>
+              <a:rPr lang="en-US" dirty="0" smtClean="0"/>
+              <a:t>Basic table and row properties</a:t>
+            </a:r>
+            <a:endParaRPr lang="en-US" dirty="0"/>
+          </a:p>
+        </p:txBody>
+      </p:sp>
+      <p:pic>
+        <p:nvPicPr>
+          <p:cNvPr id="4" name="Picture 3" descr="Screenshot_8.png"/>
+          <p:cNvPicPr>
+            <a:picLocks noChangeAspect="1"/>
+          </p:cNvPicPr>
+          <p:nvPr/>
+        </p:nvPicPr>
+        <p:blipFill>
+          <a:blip r:embed="rId3">
+            <a:extLst>
+              <a:ext uri="{28A0092B-C50C-407E-A947-70E740481C1C}">
+                <a14:useLocalDpi xmlns:a14="http://schemas.microsoft.com/office/drawing/2010/main" val="0"/>
+              </a:ext>
+            </a:extLst>
+          </a:blip>
+          <a:stretch>
+            <a:fillRect/>
+          </a:stretch>
+        </p:blipFill>
+        <p:spPr>
+          <a:xfrm>
+            <a:off x="2981158" y="1915955"/>
+            <a:ext cx="3048000" cy="4381500"/>
+          </a:xfrm>
+          <a:prstGeom prst="rect">
+            <a:avLst/>
+          </a:prstGeom>
+        </p:spPr>
+      </p:pic>
+      <p:sp>
+        <p:nvSpPr>
+          <p:cNvPr id="6" name="Line 8"/>
+          <p:cNvSpPr>
+            <a:spLocks noChangeShapeType="1"/>
+          </p:cNvSpPr>
+          <p:nvPr/>
+        </p:nvSpPr>
+        <p:spPr bwMode="auto">
+          <a:xfrm flipH="1">
+            <a:off x="2409068" y="3569557"/>
+            <a:ext cx="745874" cy="0"/>
+          </a:xfrm>
+          <a:prstGeom prst="line">
+            <a:avLst/>
+          </a:prstGeom>
+          <a:noFill/>
+          <a:ln w="38100">
+            <a:solidFill>
+              <a:srgbClr val="9C030B"/>
+            </a:solidFill>
+            <a:round/>
+            <a:headEnd type="stealth" w="med" len="med"/>
+            <a:tailEnd/>
+          </a:ln>
+          <a:extLst>
+            <a:ext uri="{909E8E84-426E-40dd-AFC4-6F175D3DCCD1}">
+              <a14:hiddenFill xmlns:a14="http://schemas.microsoft.com/office/drawing/2010/main">
+                <a:noFill/>
+              </a14:hiddenFill>
+            </a:ext>
+          </a:extLst>
+        </p:spPr>
+        <p:txBody>
+          <a:bodyPr lIns="0" tIns="0" rIns="0" bIns="0"/>
+          <a:lstStyle/>
+          <a:p>
+            <a:endParaRPr lang="en-US"/>
+          </a:p>
+        </p:txBody>
+      </p:sp>
+      <p:sp>
+        <p:nvSpPr>
+          <p:cNvPr id="7" name="Rectangle 3"/>
+          <p:cNvSpPr>
+            <a:spLocks/>
+          </p:cNvSpPr>
+          <p:nvPr/>
+        </p:nvSpPr>
+        <p:spPr bwMode="auto">
+          <a:xfrm>
+            <a:off x="52913" y="3338725"/>
+            <a:ext cx="2619185" cy="461665"/>
+          </a:xfrm>
+          <a:prstGeom prst="rect">
+            <a:avLst/>
+          </a:prstGeom>
+          <a:solidFill>
+            <a:srgbClr val="9C030B"/>
+          </a:solidFill>
+          <a:ln>
+            <a:noFill/>
+          </a:ln>
+          <a:extLst>
+            <a:ext uri="{91240B29-F687-4f45-9708-019B960494DF}">
+              <a14:hiddenLine xmlns:a14="http://schemas.microsoft.com/office/drawing/2010/main" w="9525">
+                <a:solidFill>
+                  <a:srgbClr val="000000"/>
+                </a:solidFill>
+                <a:miter lim="800000"/>
+                <a:headEnd/>
+                <a:tailEnd/>
+              </a14:hiddenLine>
+            </a:ext>
+          </a:extLst>
+        </p:spPr>
+        <p:txBody>
+          <a:bodyPr wrap="square" tIns="91440" bIns="91440" anchor="ctr">
+            <a:spAutoFit/>
+          </a:bodyPr>
+          <a:lstStyle/>
+          <a:p>
+            <a:pPr marL="39688" algn="ctr"/>
+            <a:r>
+              <a:rPr lang="en-US" sz="1800" dirty="0" smtClean="0">
+                <a:solidFill>
+                  <a:schemeClr val="bg1"/>
+                </a:solidFill>
+                <a:cs typeface="Trebuchet MS" charset="0"/>
+              </a:rPr>
+              <a:t>Row: </a:t>
+            </a:r>
+            <a:r>
+              <a:rPr lang="en-US" sz="1800" dirty="0" err="1" smtClean="0">
+                <a:solidFill>
+                  <a:schemeClr val="bg1"/>
+                </a:solidFill>
+                <a:cs typeface="Trebuchet MS" charset="0"/>
+              </a:rPr>
+              <a:t>leftImage</a:t>
+            </a:r>
+            <a:endParaRPr lang="en-US" sz="1800" dirty="0">
+              <a:solidFill>
+                <a:schemeClr val="bg1"/>
+              </a:solidFill>
+              <a:cs typeface="Trebuchet MS" charset="0"/>
+            </a:endParaRPr>
+          </a:p>
+        </p:txBody>
+      </p:sp>
+      <p:sp>
+        <p:nvSpPr>
+          <p:cNvPr id="8" name="Line 8"/>
+          <p:cNvSpPr>
+            <a:spLocks noChangeShapeType="1"/>
+          </p:cNvSpPr>
+          <p:nvPr/>
+        </p:nvSpPr>
+        <p:spPr bwMode="auto">
+          <a:xfrm>
+            <a:off x="5842051" y="3569557"/>
+            <a:ext cx="850315" cy="0"/>
+          </a:xfrm>
+          <a:prstGeom prst="line">
+            <a:avLst/>
+          </a:prstGeom>
+          <a:noFill/>
+          <a:ln w="38100">
+            <a:solidFill>
+              <a:srgbClr val="9C030B"/>
+            </a:solidFill>
+            <a:round/>
+            <a:headEnd type="stealth" w="med" len="med"/>
+            <a:tailEnd/>
+          </a:ln>
+          <a:extLst>
+            <a:ext uri="{909E8E84-426E-40dd-AFC4-6F175D3DCCD1}">
+              <a14:hiddenFill xmlns:a14="http://schemas.microsoft.com/office/drawing/2010/main">
+                <a:noFill/>
+              </a14:hiddenFill>
+            </a:ext>
+          </a:extLst>
+        </p:spPr>
+        <p:txBody>
+          <a:bodyPr lIns="0" tIns="0" rIns="0" bIns="0"/>
+          <a:lstStyle/>
+          <a:p>
+            <a:endParaRPr lang="en-US"/>
+          </a:p>
+        </p:txBody>
+      </p:sp>
+      <p:sp>
+        <p:nvSpPr>
+          <p:cNvPr id="9" name="Rectangle 3"/>
+          <p:cNvSpPr>
+            <a:spLocks/>
+          </p:cNvSpPr>
+          <p:nvPr/>
+        </p:nvSpPr>
+        <p:spPr bwMode="auto">
+          <a:xfrm>
+            <a:off x="6435887" y="3338725"/>
+            <a:ext cx="2585751" cy="461665"/>
+          </a:xfrm>
+          <a:prstGeom prst="rect">
+            <a:avLst/>
+          </a:prstGeom>
+          <a:solidFill>
+            <a:srgbClr val="9C030B"/>
+          </a:solidFill>
+          <a:ln>
+            <a:noFill/>
+          </a:ln>
+          <a:extLst>
+            <a:ext uri="{91240B29-F687-4f45-9708-019B960494DF}">
+              <a14:hiddenLine xmlns:a14="http://schemas.microsoft.com/office/drawing/2010/main" w="9525">
+                <a:solidFill>
+                  <a:srgbClr val="000000"/>
+                </a:solidFill>
+                <a:miter lim="800000"/>
+                <a:headEnd/>
+                <a:tailEnd/>
+              </a14:hiddenLine>
+            </a:ext>
+          </a:extLst>
+        </p:spPr>
+        <p:txBody>
+          <a:bodyPr wrap="square" tIns="91440" bIns="91440" anchor="ctr">
+            <a:spAutoFit/>
+          </a:bodyPr>
+          <a:lstStyle/>
+          <a:p>
+            <a:pPr marL="39688" algn="ctr"/>
+            <a:r>
+              <a:rPr lang="en-US" sz="1800" dirty="0" smtClean="0">
+                <a:solidFill>
+                  <a:schemeClr val="bg1"/>
+                </a:solidFill>
+                <a:cs typeface="Trebuchet MS" charset="0"/>
+              </a:rPr>
+              <a:t>Row: </a:t>
+            </a:r>
+            <a:r>
+              <a:rPr lang="en-US" sz="1800" dirty="0" err="1" smtClean="0">
+                <a:solidFill>
+                  <a:schemeClr val="bg1"/>
+                </a:solidFill>
+                <a:cs typeface="Trebuchet MS" charset="0"/>
+              </a:rPr>
+              <a:t>rightImage</a:t>
+            </a:r>
+            <a:endParaRPr lang="en-US" sz="1800" dirty="0">
+              <a:solidFill>
+                <a:schemeClr val="bg1"/>
+              </a:solidFill>
+              <a:cs typeface="Trebuchet MS" charset="0"/>
+            </a:endParaRPr>
+          </a:p>
+        </p:txBody>
+      </p:sp>
+      <p:sp>
+        <p:nvSpPr>
+          <p:cNvPr id="10" name="Line 8"/>
+          <p:cNvSpPr>
+            <a:spLocks noChangeShapeType="1"/>
+          </p:cNvSpPr>
+          <p:nvPr/>
+        </p:nvSpPr>
+        <p:spPr bwMode="auto">
+          <a:xfrm flipV="1">
+            <a:off x="4866105" y="2853009"/>
+            <a:ext cx="1826261" cy="485716"/>
+          </a:xfrm>
+          <a:prstGeom prst="line">
+            <a:avLst/>
+          </a:prstGeom>
+          <a:noFill/>
+          <a:ln w="38100">
+            <a:solidFill>
+              <a:srgbClr val="9C030B"/>
+            </a:solidFill>
+            <a:round/>
+            <a:headEnd type="stealth" w="med" len="med"/>
+            <a:tailEnd/>
+          </a:ln>
+          <a:extLst>
+            <a:ext uri="{909E8E84-426E-40dd-AFC4-6F175D3DCCD1}">
+              <a14:hiddenFill xmlns:a14="http://schemas.microsoft.com/office/drawing/2010/main">
+                <a:noFill/>
+              </a14:hiddenFill>
+            </a:ext>
+          </a:extLst>
+        </p:spPr>
+        <p:txBody>
+          <a:bodyPr lIns="0" tIns="0" rIns="0" bIns="0"/>
+          <a:lstStyle/>
+          <a:p>
+            <a:endParaRPr lang="en-US"/>
+          </a:p>
+        </p:txBody>
+      </p:sp>
+      <p:sp>
+        <p:nvSpPr>
+          <p:cNvPr id="11" name="Rectangle 3"/>
+          <p:cNvSpPr>
+            <a:spLocks/>
+          </p:cNvSpPr>
+          <p:nvPr/>
+        </p:nvSpPr>
+        <p:spPr bwMode="auto">
+          <a:xfrm>
+            <a:off x="6435887" y="2622177"/>
+            <a:ext cx="2585751" cy="461665"/>
+          </a:xfrm>
+          <a:prstGeom prst="rect">
+            <a:avLst/>
+          </a:prstGeom>
+          <a:solidFill>
+            <a:srgbClr val="9C030B"/>
+          </a:solidFill>
+          <a:ln>
+            <a:noFill/>
+          </a:ln>
+          <a:extLst>
+            <a:ext uri="{91240B29-F687-4f45-9708-019B960494DF}">
+              <a14:hiddenLine xmlns:a14="http://schemas.microsoft.com/office/drawing/2010/main" w="9525">
+                <a:solidFill>
+                  <a:srgbClr val="000000"/>
+                </a:solidFill>
+                <a:miter lim="800000"/>
+                <a:headEnd/>
+                <a:tailEnd/>
+              </a14:hiddenLine>
+            </a:ext>
+          </a:extLst>
+        </p:spPr>
+        <p:txBody>
+          <a:bodyPr wrap="square" tIns="91440" bIns="91440" anchor="ctr">
+            <a:spAutoFit/>
+          </a:bodyPr>
+          <a:lstStyle/>
+          <a:p>
+            <a:pPr marL="39688" algn="ctr"/>
+            <a:r>
+              <a:rPr lang="en-US" sz="1800" dirty="0" smtClean="0">
+                <a:solidFill>
+                  <a:schemeClr val="bg1"/>
+                </a:solidFill>
+                <a:cs typeface="Trebuchet MS" charset="0"/>
+              </a:rPr>
+              <a:t>Row: title</a:t>
+            </a:r>
+            <a:endParaRPr lang="en-US" sz="1800" dirty="0">
+              <a:solidFill>
+                <a:schemeClr val="bg1"/>
+              </a:solidFill>
+              <a:cs typeface="Trebuchet MS" charset="0"/>
+            </a:endParaRPr>
+          </a:p>
+        </p:txBody>
+      </p:sp>
+      <p:sp>
+        <p:nvSpPr>
+          <p:cNvPr id="12" name="Line 8"/>
+          <p:cNvSpPr>
+            <a:spLocks noChangeShapeType="1"/>
+          </p:cNvSpPr>
+          <p:nvPr/>
+        </p:nvSpPr>
+        <p:spPr bwMode="auto">
+          <a:xfrm>
+            <a:off x="5066633" y="3853310"/>
+            <a:ext cx="1625734" cy="394835"/>
+          </a:xfrm>
+          <a:prstGeom prst="line">
+            <a:avLst/>
+          </a:prstGeom>
+          <a:noFill/>
+          <a:ln w="38100">
+            <a:solidFill>
+              <a:srgbClr val="9C030B"/>
+            </a:solidFill>
+            <a:round/>
+            <a:headEnd type="stealth" w="med" len="med"/>
+            <a:tailEnd/>
+          </a:ln>
+          <a:extLst>
+            <a:ext uri="{909E8E84-426E-40dd-AFC4-6F175D3DCCD1}">
+              <a14:hiddenFill xmlns:a14="http://schemas.microsoft.com/office/drawing/2010/main">
+                <a:noFill/>
+              </a14:hiddenFill>
+            </a:ext>
+          </a:extLst>
+        </p:spPr>
+        <p:txBody>
+          <a:bodyPr lIns="0" tIns="0" rIns="0" bIns="0"/>
+          <a:lstStyle/>
+          <a:p>
+            <a:endParaRPr lang="en-US"/>
+          </a:p>
+        </p:txBody>
+      </p:sp>
+      <p:sp>
+        <p:nvSpPr>
+          <p:cNvPr id="13" name="Rectangle 3"/>
+          <p:cNvSpPr>
+            <a:spLocks/>
+          </p:cNvSpPr>
+          <p:nvPr/>
+        </p:nvSpPr>
+        <p:spPr bwMode="auto">
+          <a:xfrm>
+            <a:off x="6435887" y="4017313"/>
+            <a:ext cx="2585751" cy="461665"/>
+          </a:xfrm>
+          <a:prstGeom prst="rect">
+            <a:avLst/>
+          </a:prstGeom>
+          <a:solidFill>
+            <a:srgbClr val="9C030B"/>
+          </a:solidFill>
+          <a:ln>
+            <a:noFill/>
+          </a:ln>
+          <a:extLst>
+            <a:ext uri="{91240B29-F687-4f45-9708-019B960494DF}">
+              <a14:hiddenLine xmlns:a14="http://schemas.microsoft.com/office/drawing/2010/main" w="9525">
+                <a:solidFill>
+                  <a:srgbClr val="000000"/>
+                </a:solidFill>
+                <a:miter lim="800000"/>
+                <a:headEnd/>
+                <a:tailEnd/>
+              </a14:hiddenLine>
+            </a:ext>
+          </a:extLst>
+        </p:spPr>
+        <p:txBody>
+          <a:bodyPr wrap="square" tIns="91440" bIns="91440" anchor="ctr">
+            <a:spAutoFit/>
+          </a:bodyPr>
+          <a:lstStyle/>
+          <a:p>
+            <a:pPr marL="39688" algn="ctr"/>
+            <a:r>
+              <a:rPr lang="en-US" sz="1800" dirty="0" smtClean="0">
+                <a:solidFill>
+                  <a:schemeClr val="bg1"/>
+                </a:solidFill>
+                <a:cs typeface="Trebuchet MS" charset="0"/>
+              </a:rPr>
+              <a:t>Row: </a:t>
+            </a:r>
+            <a:r>
+              <a:rPr lang="en-US" sz="1800" dirty="0" err="1" smtClean="0">
+                <a:solidFill>
+                  <a:schemeClr val="bg1"/>
+                </a:solidFill>
+                <a:cs typeface="Trebuchet MS" charset="0"/>
+              </a:rPr>
+              <a:t>subTitle</a:t>
+            </a:r>
+            <a:endParaRPr lang="en-US" sz="1800" dirty="0">
+              <a:solidFill>
+                <a:schemeClr val="bg1"/>
+              </a:solidFill>
+              <a:cs typeface="Trebuchet MS" charset="0"/>
+            </a:endParaRPr>
+          </a:p>
+        </p:txBody>
+      </p:sp>
+      <p:sp>
+        <p:nvSpPr>
+          <p:cNvPr id="14" name="Line 8"/>
+          <p:cNvSpPr>
+            <a:spLocks noChangeShapeType="1"/>
+          </p:cNvSpPr>
+          <p:nvPr/>
+        </p:nvSpPr>
+        <p:spPr bwMode="auto">
+          <a:xfrm flipH="1">
+            <a:off x="2438150" y="2732469"/>
+            <a:ext cx="663320" cy="0"/>
+          </a:xfrm>
+          <a:prstGeom prst="line">
+            <a:avLst/>
+          </a:prstGeom>
+          <a:noFill/>
+          <a:ln w="38100">
+            <a:solidFill>
+              <a:srgbClr val="9C030B"/>
+            </a:solidFill>
+            <a:round/>
+            <a:headEnd type="none" w="med" len="med"/>
+            <a:tailEnd/>
+          </a:ln>
+          <a:extLst>
+            <a:ext uri="{909E8E84-426E-40dd-AFC4-6F175D3DCCD1}">
+              <a14:hiddenFill xmlns:a14="http://schemas.microsoft.com/office/drawing/2010/main">
+                <a:noFill/>
+              </a14:hiddenFill>
+            </a:ext>
+          </a:extLst>
+        </p:spPr>
+        <p:txBody>
+          <a:bodyPr lIns="0" tIns="0" rIns="0" bIns="0"/>
+          <a:lstStyle/>
+          <a:p>
+            <a:endParaRPr lang="en-US"/>
+          </a:p>
+        </p:txBody>
+      </p:sp>
+      <p:sp>
+        <p:nvSpPr>
+          <p:cNvPr id="15" name="Rectangle 3"/>
+          <p:cNvSpPr>
+            <a:spLocks/>
+          </p:cNvSpPr>
+          <p:nvPr/>
+        </p:nvSpPr>
+        <p:spPr bwMode="auto">
+          <a:xfrm>
+            <a:off x="81995" y="2501637"/>
+            <a:ext cx="2619185" cy="461665"/>
+          </a:xfrm>
+          <a:prstGeom prst="rect">
+            <a:avLst/>
+          </a:prstGeom>
+          <a:solidFill>
+            <a:srgbClr val="9C030B"/>
+          </a:solidFill>
+          <a:ln>
+            <a:noFill/>
+          </a:ln>
+          <a:extLst>
+            <a:ext uri="{91240B29-F687-4f45-9708-019B960494DF}">
+              <a14:hiddenLine xmlns:a14="http://schemas.microsoft.com/office/drawing/2010/main" w="9525">
+                <a:solidFill>
+                  <a:srgbClr val="000000"/>
+                </a:solidFill>
+                <a:miter lim="800000"/>
+                <a:headEnd/>
+                <a:tailEnd/>
+              </a14:hiddenLine>
+            </a:ext>
+          </a:extLst>
+        </p:spPr>
+        <p:txBody>
+          <a:bodyPr wrap="square" tIns="91440" bIns="91440" anchor="ctr">
+            <a:spAutoFit/>
+          </a:bodyPr>
+          <a:lstStyle/>
+          <a:p>
+            <a:pPr marL="39688" algn="ctr"/>
+            <a:r>
+              <a:rPr lang="en-US" sz="1800" dirty="0" smtClean="0">
+                <a:solidFill>
+                  <a:schemeClr val="bg1"/>
+                </a:solidFill>
+                <a:cs typeface="Trebuchet MS" charset="0"/>
+              </a:rPr>
+              <a:t>Table: top</a:t>
+            </a:r>
+            <a:endParaRPr lang="en-US" sz="1800" dirty="0">
+              <a:solidFill>
+                <a:schemeClr val="bg1"/>
+              </a:solidFill>
+              <a:cs typeface="Trebuchet MS" charset="0"/>
+            </a:endParaRPr>
+          </a:p>
+        </p:txBody>
+      </p:sp>
+      <p:cxnSp>
+        <p:nvCxnSpPr>
+          <p:cNvPr id="17" name="Straight Arrow Connector 16"/>
+          <p:cNvCxnSpPr/>
+          <p:nvPr/>
+        </p:nvCxnSpPr>
+        <p:spPr>
+          <a:xfrm>
+            <a:off x="3101470" y="2341247"/>
+            <a:ext cx="0" cy="786597"/>
+          </a:xfrm>
+          <a:prstGeom prst="straightConnector1">
+            <a:avLst/>
+          </a:prstGeom>
+          <a:ln>
+            <a:solidFill>
+              <a:schemeClr val="accent2"/>
+            </a:solidFill>
+            <a:headEnd type="arrow"/>
+            <a:tailEnd type="arrow"/>
+          </a:ln>
+        </p:spPr>
+        <p:style>
+          <a:lnRef idx="2">
+            <a:schemeClr val="accent1"/>
+          </a:lnRef>
+          <a:fillRef idx="0">
+            <a:schemeClr val="accent1"/>
+          </a:fillRef>
+          <a:effectRef idx="1">
+            <a:schemeClr val="accent1"/>
+          </a:effectRef>
+          <a:fontRef idx="minor">
+            <a:schemeClr val="tx1"/>
+          </a:fontRef>
+        </p:style>
+      </p:cxnSp>
+      <p:sp>
+        <p:nvSpPr>
+          <p:cNvPr id="21" name="Line 8"/>
+          <p:cNvSpPr>
+            <a:spLocks noChangeShapeType="1"/>
+          </p:cNvSpPr>
+          <p:nvPr/>
+        </p:nvSpPr>
+        <p:spPr bwMode="auto">
+          <a:xfrm flipV="1">
+            <a:off x="4724401" y="2149080"/>
+            <a:ext cx="1967966" cy="1051319"/>
+          </a:xfrm>
+          <a:prstGeom prst="line">
+            <a:avLst/>
+          </a:prstGeom>
+          <a:noFill/>
+          <a:ln w="38100">
+            <a:solidFill>
+              <a:srgbClr val="9C030B"/>
+            </a:solidFill>
+            <a:round/>
+            <a:headEnd type="stealth" w="med" len="med"/>
+            <a:tailEnd/>
+          </a:ln>
+          <a:extLst>
+            <a:ext uri="{909E8E84-426E-40dd-AFC4-6F175D3DCCD1}">
+              <a14:hiddenFill xmlns:a14="http://schemas.microsoft.com/office/drawing/2010/main">
+                <a:noFill/>
+              </a14:hiddenFill>
+            </a:ext>
+          </a:extLst>
+        </p:spPr>
+        <p:txBody>
+          <a:bodyPr lIns="0" tIns="0" rIns="0" bIns="0"/>
+          <a:lstStyle/>
+          <a:p>
+            <a:endParaRPr lang="en-US"/>
+          </a:p>
+        </p:txBody>
+      </p:sp>
+      <p:sp>
+        <p:nvSpPr>
+          <p:cNvPr id="22" name="Rectangle 3"/>
+          <p:cNvSpPr>
+            <a:spLocks/>
+          </p:cNvSpPr>
+          <p:nvPr/>
+        </p:nvSpPr>
+        <p:spPr bwMode="auto">
+          <a:xfrm>
+            <a:off x="6435887" y="1918251"/>
+            <a:ext cx="2585751" cy="461665"/>
+          </a:xfrm>
+          <a:prstGeom prst="rect">
+            <a:avLst/>
+          </a:prstGeom>
+          <a:solidFill>
+            <a:srgbClr val="9C030B"/>
+          </a:solidFill>
+          <a:ln>
+            <a:noFill/>
+          </a:ln>
+          <a:extLst>
+            <a:ext uri="{91240B29-F687-4f45-9708-019B960494DF}">
+              <a14:hiddenLine xmlns:a14="http://schemas.microsoft.com/office/drawing/2010/main" w="9525">
+                <a:solidFill>
+                  <a:srgbClr val="000000"/>
+                </a:solidFill>
+                <a:miter lim="800000"/>
+                <a:headEnd/>
+                <a:tailEnd/>
+              </a14:hiddenLine>
+            </a:ext>
+          </a:extLst>
+        </p:spPr>
+        <p:txBody>
+          <a:bodyPr wrap="square" tIns="91440" bIns="91440" anchor="ctr">
+            <a:spAutoFit/>
+          </a:bodyPr>
+          <a:lstStyle/>
+          <a:p>
+            <a:pPr marL="39688" algn="ctr"/>
+            <a:r>
+              <a:rPr lang="en-US" sz="1800" dirty="0" smtClean="0">
+                <a:solidFill>
+                  <a:schemeClr val="bg1"/>
+                </a:solidFill>
+                <a:cs typeface="Trebuchet MS" charset="0"/>
+              </a:rPr>
+              <a:t>Row: </a:t>
+            </a:r>
+            <a:r>
+              <a:rPr lang="en-US" sz="1800" dirty="0" err="1" smtClean="0">
+                <a:solidFill>
+                  <a:schemeClr val="bg1"/>
+                </a:solidFill>
+                <a:cs typeface="Trebuchet MS" charset="0"/>
+              </a:rPr>
+              <a:t>backgroundImage</a:t>
+            </a:r>
+            <a:endParaRPr lang="en-US" sz="1800" dirty="0">
+              <a:solidFill>
+                <a:schemeClr val="bg1"/>
+              </a:solidFill>
+              <a:cs typeface="Trebuchet MS" charset="0"/>
+            </a:endParaRPr>
+          </a:p>
+        </p:txBody>
+      </p:sp>
+      <p:sp>
+        <p:nvSpPr>
+          <p:cNvPr id="23" name="Line 8"/>
+          <p:cNvSpPr>
+            <a:spLocks noChangeShapeType="1"/>
+          </p:cNvSpPr>
+          <p:nvPr/>
+        </p:nvSpPr>
+        <p:spPr bwMode="auto">
+          <a:xfrm flipH="1" flipV="1">
+            <a:off x="2590800" y="4343400"/>
+            <a:ext cx="564142" cy="538396"/>
+          </a:xfrm>
+          <a:prstGeom prst="line">
+            <a:avLst/>
+          </a:prstGeom>
+          <a:noFill/>
+          <a:ln w="38100">
+            <a:solidFill>
+              <a:srgbClr val="9C030B"/>
+            </a:solidFill>
+            <a:round/>
+            <a:headEnd type="stealth" w="med" len="med"/>
+            <a:tailEnd/>
+          </a:ln>
+          <a:extLst>
+            <a:ext uri="{909E8E84-426E-40dd-AFC4-6F175D3DCCD1}">
+              <a14:hiddenFill xmlns:a14="http://schemas.microsoft.com/office/drawing/2010/main">
+                <a:noFill/>
+              </a14:hiddenFill>
+            </a:ext>
+          </a:extLst>
+        </p:spPr>
+        <p:txBody>
+          <a:bodyPr lIns="0" tIns="0" rIns="0" bIns="0"/>
+          <a:lstStyle/>
+          <a:p>
+            <a:endParaRPr lang="en-US"/>
+          </a:p>
+        </p:txBody>
+      </p:sp>
+      <p:sp>
+        <p:nvSpPr>
+          <p:cNvPr id="24" name="Rectangle 3"/>
+          <p:cNvSpPr>
+            <a:spLocks/>
+          </p:cNvSpPr>
+          <p:nvPr/>
+        </p:nvSpPr>
+        <p:spPr bwMode="auto">
+          <a:xfrm>
+            <a:off x="52913" y="4192303"/>
+            <a:ext cx="2619185" cy="461665"/>
+          </a:xfrm>
+          <a:prstGeom prst="rect">
+            <a:avLst/>
+          </a:prstGeom>
+          <a:solidFill>
+            <a:srgbClr val="9C030B"/>
+          </a:solidFill>
+          <a:ln>
+            <a:noFill/>
+          </a:ln>
+          <a:extLst>
+            <a:ext uri="{91240B29-F687-4f45-9708-019B960494DF}">
+              <a14:hiddenLine xmlns:a14="http://schemas.microsoft.com/office/drawing/2010/main" w="9525">
+                <a:solidFill>
+                  <a:srgbClr val="000000"/>
+                </a:solidFill>
+                <a:miter lim="800000"/>
+                <a:headEnd/>
+                <a:tailEnd/>
+              </a14:hiddenLine>
+            </a:ext>
+          </a:extLst>
+        </p:spPr>
+        <p:txBody>
+          <a:bodyPr wrap="square" tIns="91440" bIns="91440" anchor="ctr">
+            <a:spAutoFit/>
+          </a:bodyPr>
+          <a:lstStyle/>
+          <a:p>
+            <a:pPr marL="39688" algn="ctr"/>
+            <a:r>
+              <a:rPr lang="en-US" sz="1800" dirty="0" smtClean="0">
+                <a:solidFill>
+                  <a:schemeClr val="bg1"/>
+                </a:solidFill>
+                <a:cs typeface="Trebuchet MS" charset="0"/>
+              </a:rPr>
+              <a:t>Row: </a:t>
+            </a:r>
+            <a:r>
+              <a:rPr lang="en-US" sz="1800" dirty="0" err="1" smtClean="0">
+                <a:solidFill>
+                  <a:schemeClr val="bg1"/>
+                </a:solidFill>
+                <a:cs typeface="Trebuchet MS" charset="0"/>
+              </a:rPr>
+              <a:t>backgroundImage</a:t>
+            </a:r>
+            <a:endParaRPr lang="en-US" sz="1800" dirty="0">
+              <a:solidFill>
+                <a:schemeClr val="bg1"/>
+              </a:solidFill>
+              <a:cs typeface="Trebuchet MS" charset="0"/>
+            </a:endParaRPr>
+          </a:p>
+        </p:txBody>
+      </p:sp>
+    </p:spTree>
+    <p:extLst>
+      <p:ext uri="{BB962C8B-B14F-4D97-AF65-F5344CB8AC3E}">
+        <p14:creationId xmlns:p14="http://schemas.microsoft.com/office/powerpoint/2010/main" val="3334175569"/>
+      </p:ext>
+    </p:extLst>
+  </p:cSld>
+  <p:clrMapOvr>
+    <a:masterClrMapping/>
+  </p:clrMapOvr>
+</p:sld>
+</file>
+
+<file path=ppt/slides/slide9.xml><?xml version="1.0" encoding="utf-8"?>
+<p:sld xmlns:a="http://schemas.openxmlformats.org/drawingml/2006/main" xmlns:r="http://schemas.openxmlformats.org/officeDocument/2006/relationships" xmlns:p="http://schemas.openxmlformats.org/presentationml/2006/main">
+  <p:cSld>
+    <p:spTree>
+      <p:nvGrpSpPr>
+        <p:cNvPr id="1" name=""/>
+        <p:cNvGrpSpPr/>
+        <p:nvPr/>
+      </p:nvGrpSpPr>
+      <p:grpSpPr>
+        <a:xfrm>
+          <a:off x="0" y="0"/>
+          <a:ext cx="0" cy="0"/>
+          <a:chOff x="0" y="0"/>
+          <a:chExt cx="0" cy="0"/>
+        </a:xfrm>
+      </p:grpSpPr>
+      <p:sp>
+        <p:nvSpPr>
+          <p:cNvPr id="2" name="Title 1"/>
+          <p:cNvSpPr>
+            <a:spLocks noGrp="1"/>
+          </p:cNvSpPr>
+          <p:nvPr>
+            <p:ph type="title"/>
+          </p:nvPr>
+        </p:nvSpPr>
+        <p:spPr/>
+        <p:txBody>
+          <a:bodyPr/>
+          <a:lstStyle/>
+          <a:p>
+            <a:r>
+              <a:rPr lang="en-US" dirty="0" smtClean="0"/>
+              <a:t>Custom table rows</a:t>
+            </a:r>
+            <a:endParaRPr lang="en-US" dirty="0"/>
+          </a:p>
+        </p:txBody>
+      </p:sp>
+      <p:sp>
+        <p:nvSpPr>
+          <p:cNvPr id="3" name="Content Placeholder 2"/>
+          <p:cNvSpPr>
+            <a:spLocks noGrp="1"/>
+          </p:cNvSpPr>
+          <p:nvPr>
+            <p:ph idx="1"/>
+          </p:nvPr>
+        </p:nvSpPr>
+        <p:spPr/>
+        <p:txBody>
+          <a:bodyPr/>
+          <a:lstStyle/>
+          <a:p>
+            <a:r>
+              <a:rPr lang="en-US" dirty="0" smtClean="0"/>
+              <a:t>Add labels, views, images to your rows</a:t>
+            </a:r>
+          </a:p>
+          <a:p>
+            <a:endParaRPr lang="en-US" dirty="0"/>
+          </a:p>
+          <a:p>
+            <a:r>
+              <a:rPr lang="en-US" dirty="0" smtClean="0"/>
+              <a:t>Positioning: relative to top-left of row</a:t>
+            </a:r>
+          </a:p>
+          <a:p>
+            <a:endParaRPr lang="en-US" dirty="0"/>
+          </a:p>
+          <a:p>
+            <a:r>
+              <a:rPr lang="en-US" dirty="0" smtClean="0"/>
+              <a:t>Elements accessible via children[]</a:t>
+            </a:r>
+            <a:endParaRPr lang="en-US" dirty="0"/>
+          </a:p>
+        </p:txBody>
+      </p:sp>
+      <p:pic>
+        <p:nvPicPr>
+          <p:cNvPr id="4" name="Picture 3"/>
+          <p:cNvPicPr>
+            <a:picLocks noChangeAspect="1" noChangeArrowheads="1"/>
+          </p:cNvPicPr>
+          <p:nvPr/>
+        </p:nvPicPr>
+        <p:blipFill>
+          <a:blip r:embed="rId2">
+            <a:extLst>
+              <a:ext uri="{28A0092B-C50C-407E-A947-70E740481C1C}">
+                <a14:useLocalDpi xmlns:a14="http://schemas.microsoft.com/office/drawing/2010/main" val="0"/>
+              </a:ext>
+            </a:extLst>
+          </a:blip>
+          <a:srcRect/>
+          <a:stretch>
+            <a:fillRect/>
+          </a:stretch>
+        </p:blipFill>
+        <p:spPr bwMode="auto">
+          <a:xfrm>
+            <a:off x="6001062" y="1831474"/>
+            <a:ext cx="2897875" cy="4164262"/>
+          </a:xfrm>
+          <a:prstGeom prst="rect">
+            <a:avLst/>
+          </a:prstGeom>
+          <a:noFill/>
+          <a:ln>
+            <a:noFill/>
+          </a:ln>
+          <a:effectLst/>
+          <a:extLst>
+            <a:ext uri="{909E8E84-426E-40dd-AFC4-6F175D3DCCD1}">
+              <a14:hiddenFill xmlns:a14="http://schemas.microsoft.com/office/drawing/2010/main">
+                <a:blipFill dpi="0" rotWithShape="0">
+                  <a:blip/>
+                  <a:srcRect/>
+                  <a:stretch>
+                    <a:fillRect/>
+                  </a:stretch>
+                </a:blipFill>
+              </a14:hiddenFill>
+            </a:ext>
+            <a:ext uri="{91240B29-F687-4f45-9708-019B960494DF}">
+              <a14:hiddenLine xmlns:a14="http://schemas.microsoft.com/office/drawing/2010/main" w="9525">
+                <a:solidFill>
+                  <a:srgbClr val="000000"/>
+                </a:solidFill>
+                <a:round/>
+                <a:headEnd/>
+                <a:tailEnd/>
+              </a14:hiddenLine>
+            </a:ext>
+            <a:ext uri="{AF507438-7753-43e0-B8FC-AC1667EBCBE1}">
+              <a14:hiddenEffects xmlns:a14="http://schemas.microsoft.com/office/drawing/2010/main">
+                <a:effectLst>
+                  <a:outerShdw blurRad="63500" dist="38099" dir="2700000" algn="ctr" rotWithShape="0">
+                    <a:srgbClr val="000000">
+                      <a:alpha val="74998"/>
+                    </a:srgbClr>
+                  </a:outerShdw>
+                </a:effectLst>
+              </a14:hiddenEffects>
+            </a:ext>
+          </a:extLst>
+        </p:spPr>
+      </p:pic>
+    </p:spTree>
+    <p:extLst>
+      <p:ext uri="{BB962C8B-B14F-4D97-AF65-F5344CB8AC3E}">
+        <p14:creationId xmlns:p14="http://schemas.microsoft.com/office/powerpoint/2010/main" val="2595778681"/>
       </p:ext>
     </p:extLst>
   </p:cSld>

--- a/345/345.pptx
+++ b/345/345.pptx
@@ -5,10 +5,10 @@
     <p:sldMasterId id="2147483801" r:id="rId1"/>
   </p:sldMasterIdLst>
   <p:notesMasterIdLst>
-    <p:notesMasterId r:id="rId19"/>
+    <p:notesMasterId r:id="rId22"/>
   </p:notesMasterIdLst>
   <p:handoutMasterIdLst>
-    <p:handoutMasterId r:id="rId20"/>
+    <p:handoutMasterId r:id="rId23"/>
   </p:handoutMasterIdLst>
   <p:sldIdLst>
     <p:sldId id="256" r:id="rId2"/>
@@ -20,14 +20,17 @@
     <p:sldId id="330" r:id="rId8"/>
     <p:sldId id="331" r:id="rId9"/>
     <p:sldId id="325" r:id="rId10"/>
-    <p:sldId id="332" r:id="rId11"/>
-    <p:sldId id="334" r:id="rId12"/>
-    <p:sldId id="335" r:id="rId13"/>
-    <p:sldId id="305" r:id="rId14"/>
-    <p:sldId id="327" r:id="rId15"/>
-    <p:sldId id="333" r:id="rId16"/>
-    <p:sldId id="328" r:id="rId17"/>
-    <p:sldId id="329" r:id="rId18"/>
+    <p:sldId id="338" r:id="rId11"/>
+    <p:sldId id="337" r:id="rId12"/>
+    <p:sldId id="339" r:id="rId13"/>
+    <p:sldId id="340" r:id="rId14"/>
+    <p:sldId id="334" r:id="rId15"/>
+    <p:sldId id="335" r:id="rId16"/>
+    <p:sldId id="327" r:id="rId17"/>
+    <p:sldId id="336" r:id="rId18"/>
+    <p:sldId id="333" r:id="rId19"/>
+    <p:sldId id="328" r:id="rId20"/>
+    <p:sldId id="329" r:id="rId21"/>
   </p:sldIdLst>
   <p:sldSz cx="9144000" cy="6858000" type="screen4x3"/>
   <p:notesSz cx="6858000" cy="9144000"/>
@@ -250,7 +253,7 @@
               <a:pPr>
                 <a:defRPr/>
               </a:pPr>
-              <a:t>6/3/11</a:t>
+              <a:t>6/8/11</a:t>
             </a:fld>
             <a:endParaRPr lang="en-US"/>
           </a:p>
@@ -433,7 +436,7 @@
               <a:pPr>
                 <a:defRPr/>
               </a:pPr>
-              <a:t>6/3/11</a:t>
+              <a:t>6/8/11</a:t>
             </a:fld>
             <a:endParaRPr lang="en-US"/>
           </a:p>
@@ -1190,7 +1193,7 @@
               <a:pPr>
                 <a:defRPr/>
               </a:pPr>
-              <a:t>11</a:t>
+              <a:t>14</a:t>
             </a:fld>
             <a:endParaRPr lang="en-US"/>
           </a:p>
@@ -1306,7 +1309,7 @@
               <a:pPr>
                 <a:defRPr/>
               </a:pPr>
-              <a:t>16</a:t>
+              <a:t>19</a:t>
             </a:fld>
             <a:endParaRPr lang="en-US"/>
           </a:p>
@@ -2852,7 +2855,7 @@
           <a:p>
             <a:r>
               <a:rPr lang="en-US" dirty="0" smtClean="0"/>
-              <a:t>Formatting all can be done with standard </a:t>
+              <a:t>Formatting can be done with standard </a:t>
             </a:r>
             <a:r>
               <a:rPr lang="en-US" dirty="0" err="1" smtClean="0"/>
@@ -2970,8 +2973,40 @@
           <a:p>
             <a:r>
               <a:rPr lang="en-US" dirty="0" smtClean="0"/>
-              <a:t>Example from Kitchen Sink</a:t>
-            </a:r>
+              <a:t>You can add labels, views, and images to create custom rows</a:t>
+            </a:r>
+          </a:p>
+          <a:p>
+            <a:r>
+              <a:rPr lang="en-US" dirty="0" smtClean="0"/>
+              <a:t>Point out the three</a:t>
+            </a:r>
+            <a:r>
+              <a:rPr lang="en-US" baseline="0" dirty="0" smtClean="0"/>
+              <a:t> labels</a:t>
+            </a:r>
+          </a:p>
+          <a:p>
+            <a:r>
+              <a:rPr lang="en-US" baseline="0" dirty="0" smtClean="0"/>
+              <a:t>Point out the image views</a:t>
+            </a:r>
+          </a:p>
+          <a:p>
+            <a:r>
+              <a:rPr lang="en-US" baseline="0" dirty="0" smtClean="0"/>
+              <a:t>The “plus” image is set with the row’s </a:t>
+            </a:r>
+            <a:r>
+              <a:rPr lang="en-US" baseline="0" dirty="0" err="1" smtClean="0"/>
+              <a:t>rightImage</a:t>
+            </a:r>
+            <a:r>
+              <a:rPr lang="en-US" baseline="0" dirty="0" smtClean="0"/>
+              <a:t> property</a:t>
+            </a:r>
+          </a:p>
+          <a:p>
             <a:endParaRPr lang="en-US" dirty="0"/>
           </a:p>
         </p:txBody>
@@ -2999,7 +3034,7 @@
               <a:pPr>
                 <a:defRPr/>
               </a:pPr>
-              <a:t>10</a:t>
+              <a:t>9</a:t>
             </a:fld>
             <a:endParaRPr lang="en-US"/>
           </a:p>
@@ -3008,7 +3043,7 @@
     </p:spTree>
     <p:extLst>
       <p:ext uri="{BB962C8B-B14F-4D97-AF65-F5344CB8AC3E}">
-        <p14:creationId xmlns:p14="http://schemas.microsoft.com/office/powerpoint/2010/main" val="3045850162"/>
+        <p14:creationId xmlns:p14="http://schemas.microsoft.com/office/powerpoint/2010/main" val="1370544894"/>
       </p:ext>
     </p:extLst>
   </p:cSld>
@@ -3338,7 +3373,7 @@
               <a:pPr>
                 <a:defRPr/>
               </a:pPr>
-              <a:t>6/3/11</a:t>
+              <a:t>6/8/11</a:t>
             </a:fld>
             <a:endParaRPr lang="en-US"/>
           </a:p>
@@ -3826,7 +3861,7 @@
               <a:pPr>
                 <a:defRPr/>
               </a:pPr>
-              <a:t>6/3/11</a:t>
+              <a:t>6/8/11</a:t>
             </a:fld>
             <a:endParaRPr lang="en-US"/>
           </a:p>
@@ -4388,7 +4423,7 @@
               <a:pPr>
                 <a:defRPr/>
               </a:pPr>
-              <a:t>6/3/11</a:t>
+              <a:t>6/8/11</a:t>
             </a:fld>
             <a:endParaRPr lang="en-US"/>
           </a:p>
@@ -4998,7 +5033,7 @@
               <a:pPr>
                 <a:defRPr/>
               </a:pPr>
-              <a:t>6/3/11</a:t>
+              <a:t>6/8/11</a:t>
             </a:fld>
             <a:endParaRPr lang="en-US"/>
           </a:p>
@@ -5120,7 +5155,7 @@
               <a:pPr>
                 <a:defRPr/>
               </a:pPr>
-              <a:t>6/3/11</a:t>
+              <a:t>6/8/11</a:t>
             </a:fld>
             <a:endParaRPr lang="en-US"/>
           </a:p>
@@ -5407,7 +5442,7 @@
               <a:pPr>
                 <a:defRPr/>
               </a:pPr>
-              <a:t>6/3/11</a:t>
+              <a:t>6/8/11</a:t>
             </a:fld>
             <a:endParaRPr lang="en-US"/>
           </a:p>
@@ -6842,76 +6877,6 @@
           <a:chExt cx="0" cy="0"/>
         </a:xfrm>
       </p:grpSpPr>
-      <p:pic>
-        <p:nvPicPr>
-          <p:cNvPr id="19" name="Picture 18"/>
-          <p:cNvPicPr>
-            <a:picLocks noChangeAspect="1" noChangeArrowheads="1"/>
-          </p:cNvPicPr>
-          <p:nvPr/>
-        </p:nvPicPr>
-        <p:blipFill>
-          <a:blip r:embed="rId3">
-            <a:extLst>
-              <a:ext uri="{28A0092B-C50C-407E-A947-70E740481C1C}">
-                <a14:useLocalDpi xmlns:a14="http://schemas.microsoft.com/office/drawing/2010/main" val="0"/>
-              </a:ext>
-            </a:extLst>
-          </a:blip>
-          <a:srcRect/>
-          <a:stretch>
-            <a:fillRect/>
-          </a:stretch>
-        </p:blipFill>
-        <p:spPr bwMode="auto">
-          <a:xfrm>
-            <a:off x="2944176" y="1918251"/>
-            <a:ext cx="2897875" cy="4164262"/>
-          </a:xfrm>
-          <a:prstGeom prst="rect">
-            <a:avLst/>
-          </a:prstGeom>
-          <a:noFill/>
-          <a:ln>
-            <a:noFill/>
-          </a:ln>
-          <a:effectLst/>
-          <a:extLst>
-            <a:ext uri="{909E8E84-426E-40dd-AFC4-6F175D3DCCD1}">
-              <a14:hiddenFill xmlns:a14="http://schemas.microsoft.com/office/drawing/2010/main">
-                <a:blipFill dpi="0" rotWithShape="0">
-                  <a:blip/>
-                  <a:srcRect/>
-                  <a:stretch>
-                    <a:fillRect/>
-                  </a:stretch>
-                </a:blipFill>
-              </a14:hiddenFill>
-            </a:ext>
-            <a:ext uri="{91240B29-F687-4f45-9708-019B960494DF}">
-              <a14:hiddenLine xmlns:a14="http://schemas.microsoft.com/office/drawing/2010/main" w="9525">
-                <a:solidFill>
-                  <a:srgbClr val="000000"/>
-                </a:solidFill>
-                <a:round/>
-                <a:headEnd/>
-                <a:tailEnd/>
-              </a14:hiddenLine>
-            </a:ext>
-            <a:ext uri="{AF507438-7753-43e0-B8FC-AC1667EBCBE1}">
-              <a14:hiddenEffects xmlns:a14="http://schemas.microsoft.com/office/drawing/2010/main">
-                <a:effectLst>
-                  <a:outerShdw blurRad="63500" dist="38099" dir="2700000" algn="ctr" rotWithShape="0">
-                    <a:srgbClr val="000000">
-                      <a:alpha val="74998"/>
-                    </a:srgbClr>
-                  </a:outerShdw>
-                </a:effectLst>
-              </a14:hiddenEffects>
-            </a:ext>
-          </a:extLst>
-        </p:spPr>
-      </p:pic>
       <p:sp>
         <p:nvSpPr>
           <p:cNvPr id="2" name="Title 1"/>
@@ -6929,7 +6894,7 @@
           <a:p>
             <a:r>
               <a:rPr lang="en-US" dirty="0" smtClean="0"/>
-              <a:t>Custom rows</a:t>
+              <a:t>Headers and Footers</a:t>
             </a:r>
             <a:endParaRPr lang="en-US" dirty="0"/>
           </a:p>
@@ -6937,443 +6902,27 @@
       </p:sp>
       <p:sp>
         <p:nvSpPr>
-          <p:cNvPr id="6" name="Line 8"/>
+          <p:cNvPr id="3" name="Content Placeholder 2"/>
           <p:cNvSpPr>
-            <a:spLocks noChangeShapeType="1"/>
+            <a:spLocks noGrp="1"/>
           </p:cNvSpPr>
-          <p:nvPr/>
+          <p:nvPr>
+            <p:ph idx="1"/>
+          </p:nvPr>
         </p:nvSpPr>
-        <p:spPr bwMode="auto">
-          <a:xfrm flipH="1">
-            <a:off x="2409067" y="3569557"/>
-            <a:ext cx="934283" cy="0"/>
-          </a:xfrm>
-          <a:prstGeom prst="line">
-            <a:avLst/>
-          </a:prstGeom>
-          <a:noFill/>
-          <a:ln w="38100">
-            <a:solidFill>
-              <a:srgbClr val="9C030B"/>
-            </a:solidFill>
-            <a:round/>
-            <a:headEnd type="stealth" w="med" len="med"/>
-            <a:tailEnd/>
-          </a:ln>
-          <a:extLst>
-            <a:ext uri="{909E8E84-426E-40dd-AFC4-6F175D3DCCD1}">
-              <a14:hiddenFill xmlns:a14="http://schemas.microsoft.com/office/drawing/2010/main">
-                <a:noFill/>
-              </a14:hiddenFill>
-            </a:ext>
-          </a:extLst>
-        </p:spPr>
+        <p:spPr/>
         <p:txBody>
-          <a:bodyPr lIns="0" tIns="0" rIns="0" bIns="0"/>
+          <a:bodyPr/>
           <a:lstStyle/>
           <a:p>
-            <a:endParaRPr lang="en-US"/>
-          </a:p>
-        </p:txBody>
-      </p:sp>
-      <p:sp>
-        <p:nvSpPr>
-          <p:cNvPr id="7" name="Rectangle 3"/>
-          <p:cNvSpPr>
-            <a:spLocks/>
-          </p:cNvSpPr>
-          <p:nvPr/>
-        </p:nvSpPr>
-        <p:spPr bwMode="auto">
-          <a:xfrm>
-            <a:off x="52913" y="3338725"/>
-            <a:ext cx="2619185" cy="461665"/>
-          </a:xfrm>
-          <a:prstGeom prst="rect">
-            <a:avLst/>
-          </a:prstGeom>
-          <a:solidFill>
-            <a:srgbClr val="9C030B"/>
-          </a:solidFill>
-          <a:ln>
-            <a:noFill/>
-          </a:ln>
-          <a:extLst>
-            <a:ext uri="{91240B29-F687-4f45-9708-019B960494DF}">
-              <a14:hiddenLine xmlns:a14="http://schemas.microsoft.com/office/drawing/2010/main" w="9525">
-                <a:solidFill>
-                  <a:srgbClr val="000000"/>
-                </a:solidFill>
-                <a:miter lim="800000"/>
-                <a:headEnd/>
-                <a:tailEnd/>
-              </a14:hiddenLine>
-            </a:ext>
-          </a:extLst>
-        </p:spPr>
-        <p:txBody>
-          <a:bodyPr wrap="square" tIns="91440" bIns="91440" anchor="ctr">
-            <a:spAutoFit/>
-          </a:bodyPr>
-          <a:lstStyle/>
-          <a:p>
-            <a:pPr marL="39688" algn="ctr"/>
-            <a:r>
-              <a:rPr lang="en-US" sz="1800" dirty="0" err="1" smtClean="0">
-                <a:solidFill>
-                  <a:schemeClr val="bg1"/>
-                </a:solidFill>
-                <a:cs typeface="Trebuchet MS" charset="0"/>
-              </a:rPr>
-              <a:t>ImageViews</a:t>
-            </a:r>
-            <a:endParaRPr lang="en-US" sz="1800" dirty="0">
-              <a:solidFill>
-                <a:schemeClr val="bg1"/>
-              </a:solidFill>
-              <a:cs typeface="Trebuchet MS" charset="0"/>
-            </a:endParaRPr>
-          </a:p>
-        </p:txBody>
-      </p:sp>
-      <p:sp>
-        <p:nvSpPr>
-          <p:cNvPr id="8" name="Line 8"/>
-          <p:cNvSpPr>
-            <a:spLocks noChangeShapeType="1"/>
-          </p:cNvSpPr>
-          <p:nvPr/>
-        </p:nvSpPr>
-        <p:spPr bwMode="auto">
-          <a:xfrm>
-            <a:off x="5546334" y="3686178"/>
-            <a:ext cx="1159265" cy="581021"/>
-          </a:xfrm>
-          <a:prstGeom prst="line">
-            <a:avLst/>
-          </a:prstGeom>
-          <a:noFill/>
-          <a:ln w="38100">
-            <a:solidFill>
-              <a:srgbClr val="9C030B"/>
-            </a:solidFill>
-            <a:round/>
-            <a:headEnd type="stealth" w="med" len="med"/>
-            <a:tailEnd/>
-          </a:ln>
-          <a:extLst>
-            <a:ext uri="{909E8E84-426E-40dd-AFC4-6F175D3DCCD1}">
-              <a14:hiddenFill xmlns:a14="http://schemas.microsoft.com/office/drawing/2010/main">
-                <a:noFill/>
-              </a14:hiddenFill>
-            </a:ext>
-          </a:extLst>
-        </p:spPr>
-        <p:txBody>
-          <a:bodyPr lIns="0" tIns="0" rIns="0" bIns="0"/>
-          <a:lstStyle/>
-          <a:p>
-            <a:endParaRPr lang="en-US"/>
-          </a:p>
-        </p:txBody>
-      </p:sp>
-      <p:sp>
-        <p:nvSpPr>
-          <p:cNvPr id="9" name="Rectangle 3"/>
-          <p:cNvSpPr>
-            <a:spLocks/>
-          </p:cNvSpPr>
-          <p:nvPr/>
-        </p:nvSpPr>
-        <p:spPr bwMode="auto">
-          <a:xfrm>
-            <a:off x="6435887" y="3917012"/>
-            <a:ext cx="2585751" cy="461665"/>
-          </a:xfrm>
-          <a:prstGeom prst="rect">
-            <a:avLst/>
-          </a:prstGeom>
-          <a:solidFill>
-            <a:srgbClr val="9C030B"/>
-          </a:solidFill>
-          <a:ln>
-            <a:noFill/>
-          </a:ln>
-          <a:extLst>
-            <a:ext uri="{91240B29-F687-4f45-9708-019B960494DF}">
-              <a14:hiddenLine xmlns:a14="http://schemas.microsoft.com/office/drawing/2010/main" w="9525">
-                <a:solidFill>
-                  <a:srgbClr val="000000"/>
-                </a:solidFill>
-                <a:miter lim="800000"/>
-                <a:headEnd/>
-                <a:tailEnd/>
-              </a14:hiddenLine>
-            </a:ext>
-          </a:extLst>
-        </p:spPr>
-        <p:txBody>
-          <a:bodyPr wrap="square" tIns="91440" bIns="91440" anchor="ctr">
-            <a:spAutoFit/>
-          </a:bodyPr>
-          <a:lstStyle/>
-          <a:p>
-            <a:pPr marL="39688" algn="ctr"/>
-            <a:r>
-              <a:rPr lang="en-US" sz="1800" dirty="0" smtClean="0">
-                <a:solidFill>
-                  <a:schemeClr val="bg1"/>
-                </a:solidFill>
-                <a:cs typeface="Trebuchet MS" charset="0"/>
-              </a:rPr>
-              <a:t>Row: </a:t>
-            </a:r>
-            <a:r>
-              <a:rPr lang="en-US" sz="1800" dirty="0" err="1" smtClean="0">
-                <a:solidFill>
-                  <a:schemeClr val="bg1"/>
-                </a:solidFill>
-                <a:cs typeface="Trebuchet MS" charset="0"/>
-              </a:rPr>
-              <a:t>rightImage</a:t>
-            </a:r>
-            <a:endParaRPr lang="en-US" sz="1800" dirty="0">
-              <a:solidFill>
-                <a:schemeClr val="bg1"/>
-              </a:solidFill>
-              <a:cs typeface="Trebuchet MS" charset="0"/>
-            </a:endParaRPr>
-          </a:p>
-        </p:txBody>
-      </p:sp>
-      <p:sp>
-        <p:nvSpPr>
-          <p:cNvPr id="11" name="Rectangle 3"/>
-          <p:cNvSpPr>
-            <a:spLocks/>
-          </p:cNvSpPr>
-          <p:nvPr/>
-        </p:nvSpPr>
-        <p:spPr bwMode="auto">
-          <a:xfrm>
-            <a:off x="6435887" y="2679887"/>
-            <a:ext cx="2585751" cy="461665"/>
-          </a:xfrm>
-          <a:prstGeom prst="rect">
-            <a:avLst/>
-          </a:prstGeom>
-          <a:solidFill>
-            <a:srgbClr val="9C030B"/>
-          </a:solidFill>
-          <a:ln>
-            <a:noFill/>
-          </a:ln>
-          <a:extLst>
-            <a:ext uri="{91240B29-F687-4f45-9708-019B960494DF}">
-              <a14:hiddenLine xmlns:a14="http://schemas.microsoft.com/office/drawing/2010/main" w="9525">
-                <a:solidFill>
-                  <a:srgbClr val="000000"/>
-                </a:solidFill>
-                <a:miter lim="800000"/>
-                <a:headEnd/>
-                <a:tailEnd/>
-              </a14:hiddenLine>
-            </a:ext>
-          </a:extLst>
-        </p:spPr>
-        <p:txBody>
-          <a:bodyPr wrap="square" tIns="91440" bIns="91440" anchor="ctr">
-            <a:spAutoFit/>
-          </a:bodyPr>
-          <a:lstStyle/>
-          <a:p>
-            <a:pPr marL="39688" algn="ctr"/>
-            <a:r>
-              <a:rPr lang="en-US" sz="1800" dirty="0" smtClean="0">
-                <a:solidFill>
-                  <a:schemeClr val="bg1"/>
-                </a:solidFill>
-                <a:cs typeface="Trebuchet MS" charset="0"/>
-              </a:rPr>
-              <a:t>Labels</a:t>
-            </a:r>
-            <a:endParaRPr lang="en-US" sz="1800" dirty="0">
-              <a:solidFill>
-                <a:schemeClr val="bg1"/>
-              </a:solidFill>
-              <a:cs typeface="Trebuchet MS" charset="0"/>
-            </a:endParaRPr>
-          </a:p>
-        </p:txBody>
-      </p:sp>
-      <p:sp>
-        <p:nvSpPr>
-          <p:cNvPr id="23" name="Line 8"/>
-          <p:cNvSpPr>
-            <a:spLocks noChangeShapeType="1"/>
-          </p:cNvSpPr>
-          <p:nvPr/>
-        </p:nvSpPr>
-        <p:spPr bwMode="auto">
-          <a:xfrm flipH="1" flipV="1">
-            <a:off x="2672098" y="3569557"/>
-            <a:ext cx="985502" cy="316643"/>
-          </a:xfrm>
-          <a:prstGeom prst="line">
-            <a:avLst/>
-          </a:prstGeom>
-          <a:noFill/>
-          <a:ln w="38100">
-            <a:solidFill>
-              <a:srgbClr val="9C030B"/>
-            </a:solidFill>
-            <a:round/>
-            <a:headEnd type="stealth" w="med" len="med"/>
-            <a:tailEnd/>
-          </a:ln>
-          <a:extLst>
-            <a:ext uri="{909E8E84-426E-40dd-AFC4-6F175D3DCCD1}">
-              <a14:hiddenFill xmlns:a14="http://schemas.microsoft.com/office/drawing/2010/main">
-                <a:noFill/>
-              </a14:hiddenFill>
-            </a:ext>
-          </a:extLst>
-        </p:spPr>
-        <p:txBody>
-          <a:bodyPr lIns="0" tIns="0" rIns="0" bIns="0"/>
-          <a:lstStyle/>
-          <a:p>
-            <a:endParaRPr lang="en-US"/>
-          </a:p>
-        </p:txBody>
-      </p:sp>
-      <p:sp>
-        <p:nvSpPr>
-          <p:cNvPr id="10" name="Line 8"/>
-          <p:cNvSpPr>
-            <a:spLocks noChangeShapeType="1"/>
-          </p:cNvSpPr>
-          <p:nvPr/>
-        </p:nvSpPr>
-        <p:spPr bwMode="auto">
-          <a:xfrm flipV="1">
-            <a:off x="4495801" y="2837790"/>
-            <a:ext cx="2209798" cy="515009"/>
-          </a:xfrm>
-          <a:prstGeom prst="line">
-            <a:avLst/>
-          </a:prstGeom>
-          <a:noFill/>
-          <a:ln w="38100">
-            <a:solidFill>
-              <a:srgbClr val="9C030B"/>
-            </a:solidFill>
-            <a:round/>
-            <a:headEnd type="stealth" w="med" len="med"/>
-            <a:tailEnd/>
-          </a:ln>
-          <a:extLst>
-            <a:ext uri="{909E8E84-426E-40dd-AFC4-6F175D3DCCD1}">
-              <a14:hiddenFill xmlns:a14="http://schemas.microsoft.com/office/drawing/2010/main">
-                <a:noFill/>
-              </a14:hiddenFill>
-            </a:ext>
-          </a:extLst>
-        </p:spPr>
-        <p:txBody>
-          <a:bodyPr lIns="0" tIns="0" rIns="0" bIns="0"/>
-          <a:lstStyle/>
-          <a:p>
-            <a:endParaRPr lang="en-US"/>
-          </a:p>
-        </p:txBody>
-      </p:sp>
-      <p:sp>
-        <p:nvSpPr>
-          <p:cNvPr id="20" name="Line 8"/>
-          <p:cNvSpPr>
-            <a:spLocks noChangeShapeType="1"/>
-          </p:cNvSpPr>
-          <p:nvPr/>
-        </p:nvSpPr>
-        <p:spPr bwMode="auto">
-          <a:xfrm flipV="1">
-            <a:off x="4866105" y="2837792"/>
-            <a:ext cx="1839494" cy="683574"/>
-          </a:xfrm>
-          <a:prstGeom prst="line">
-            <a:avLst/>
-          </a:prstGeom>
-          <a:noFill/>
-          <a:ln w="38100">
-            <a:solidFill>
-              <a:srgbClr val="9C030B"/>
-            </a:solidFill>
-            <a:round/>
-            <a:headEnd type="stealth" w="med" len="med"/>
-            <a:tailEnd/>
-          </a:ln>
-          <a:extLst>
-            <a:ext uri="{909E8E84-426E-40dd-AFC4-6F175D3DCCD1}">
-              <a14:hiddenFill xmlns:a14="http://schemas.microsoft.com/office/drawing/2010/main">
-                <a:noFill/>
-              </a14:hiddenFill>
-            </a:ext>
-          </a:extLst>
-        </p:spPr>
-        <p:txBody>
-          <a:bodyPr lIns="0" tIns="0" rIns="0" bIns="0"/>
-          <a:lstStyle/>
-          <a:p>
-            <a:endParaRPr lang="en-US"/>
-          </a:p>
-        </p:txBody>
-      </p:sp>
-      <p:sp>
-        <p:nvSpPr>
-          <p:cNvPr id="25" name="Line 8"/>
-          <p:cNvSpPr>
-            <a:spLocks noChangeShapeType="1"/>
-          </p:cNvSpPr>
-          <p:nvPr/>
-        </p:nvSpPr>
-        <p:spPr bwMode="auto">
-          <a:xfrm flipV="1">
-            <a:off x="4566149" y="2837792"/>
-            <a:ext cx="2139449" cy="986648"/>
-          </a:xfrm>
-          <a:prstGeom prst="line">
-            <a:avLst/>
-          </a:prstGeom>
-          <a:noFill/>
-          <a:ln w="38100">
-            <a:solidFill>
-              <a:srgbClr val="9C030B"/>
-            </a:solidFill>
-            <a:round/>
-            <a:headEnd type="stealth" w="med" len="med"/>
-            <a:tailEnd/>
-          </a:ln>
-          <a:extLst>
-            <a:ext uri="{909E8E84-426E-40dd-AFC4-6F175D3DCCD1}">
-              <a14:hiddenFill xmlns:a14="http://schemas.microsoft.com/office/drawing/2010/main">
-                <a:noFill/>
-              </a14:hiddenFill>
-            </a:ext>
-          </a:extLst>
-        </p:spPr>
-        <p:txBody>
-          <a:bodyPr lIns="0" tIns="0" rIns="0" bIns="0"/>
-          <a:lstStyle/>
-          <a:p>
-            <a:endParaRPr lang="en-US"/>
+            <a:endParaRPr lang="en-US" dirty="0" smtClean="0"/>
           </a:p>
         </p:txBody>
       </p:sp>
     </p:spTree>
     <p:extLst>
       <p:ext uri="{BB962C8B-B14F-4D97-AF65-F5344CB8AC3E}">
-        <p14:creationId xmlns:p14="http://schemas.microsoft.com/office/powerpoint/2010/main" val="1874307685"/>
+        <p14:creationId xmlns:p14="http://schemas.microsoft.com/office/powerpoint/2010/main" val="4054561766"/>
       </p:ext>
     </p:extLst>
   </p:cSld>
@@ -7416,12 +6965,8 @@
           <a:lstStyle/>
           <a:p>
             <a:r>
-              <a:rPr lang="en-US" dirty="0" err="1" smtClean="0"/>
-              <a:t>TableView</a:t>
-            </a:r>
-            <a:r>
               <a:rPr lang="en-US" dirty="0" smtClean="0"/>
-              <a:t> methods</a:t>
+              <a:t>Table Sections</a:t>
             </a:r>
             <a:endParaRPr lang="en-US" dirty="0"/>
           </a:p>
@@ -7444,120 +6989,16 @@
           <a:p>
             <a:r>
               <a:rPr lang="en-US" dirty="0" smtClean="0"/>
-              <a:t>Key methods of tables:</a:t>
+              <a:t>Creating table sections</a:t>
             </a:r>
             <a:endParaRPr lang="en-US" dirty="0"/>
-          </a:p>
-          <a:p>
-            <a:pPr marL="800100" lvl="1" indent="-342900">
-              <a:buFont typeface="Arial"/>
-              <a:buChar char="•"/>
-            </a:pPr>
-            <a:r>
-              <a:rPr lang="en-US" dirty="0" err="1" smtClean="0"/>
-              <a:t>setData</a:t>
-            </a:r>
-            <a:endParaRPr lang="en-US" dirty="0" smtClean="0"/>
-          </a:p>
-          <a:p>
-            <a:pPr marL="800100" lvl="1" indent="-342900">
-              <a:buFont typeface="Arial"/>
-              <a:buChar char="•"/>
-            </a:pPr>
-            <a:r>
-              <a:rPr lang="en-US" dirty="0" err="1" smtClean="0"/>
-              <a:t>insertRowBefore</a:t>
-            </a:r>
-            <a:r>
-              <a:rPr lang="en-US" dirty="0" smtClean="0"/>
-              <a:t> </a:t>
-            </a:r>
-            <a:r>
-              <a:rPr lang="en-US" dirty="0"/>
-              <a:t>/ </a:t>
-            </a:r>
-            <a:r>
-              <a:rPr lang="en-US" dirty="0" err="1"/>
-              <a:t>insertRowAfter</a:t>
-            </a:r>
-            <a:r>
-              <a:rPr lang="en-US" dirty="0"/>
-              <a:t> / </a:t>
-            </a:r>
-            <a:r>
-              <a:rPr lang="en-US" dirty="0" err="1"/>
-              <a:t>appendRow</a:t>
-            </a:r>
-            <a:endParaRPr lang="en-US" dirty="0"/>
-          </a:p>
-          <a:p>
-            <a:pPr marL="800100" lvl="1" indent="-342900">
-              <a:buFont typeface="Arial"/>
-              <a:buChar char="•"/>
-            </a:pPr>
-            <a:r>
-              <a:rPr lang="en-US" dirty="0" err="1"/>
-              <a:t>deleteRow</a:t>
-            </a:r>
-            <a:endParaRPr lang="en-US" dirty="0"/>
-          </a:p>
-          <a:p>
-            <a:pPr marL="800100" lvl="1" indent="-342900">
-              <a:buFont typeface="Arial"/>
-              <a:buChar char="•"/>
-            </a:pPr>
-            <a:r>
-              <a:rPr lang="en-US" dirty="0"/>
-              <a:t>show / hide</a:t>
-            </a:r>
-          </a:p>
-          <a:p>
-            <a:pPr marL="800100" lvl="1" indent="-342900">
-              <a:buFont typeface="Arial"/>
-              <a:buChar char="•"/>
-            </a:pPr>
-            <a:r>
-              <a:rPr lang="en-US" dirty="0" err="1" smtClean="0"/>
-              <a:t>scrollToIndex</a:t>
-            </a:r>
-            <a:endParaRPr lang="en-US" dirty="0" smtClean="0"/>
-          </a:p>
-          <a:p>
-            <a:pPr marL="800100" lvl="1" indent="-342900">
-              <a:buFont typeface="Arial"/>
-              <a:buChar char="•"/>
-            </a:pPr>
-            <a:r>
-              <a:rPr lang="en-US" dirty="0" err="1" smtClean="0"/>
-              <a:t>scrollToTop</a:t>
-            </a:r>
-            <a:endParaRPr lang="en-US" dirty="0" smtClean="0"/>
-          </a:p>
-          <a:p>
-            <a:pPr marL="800100" lvl="1" indent="-342900">
-              <a:buFont typeface="Arial"/>
-              <a:buChar char="•"/>
-            </a:pPr>
-            <a:r>
-              <a:rPr lang="en-US" dirty="0" err="1" smtClean="0"/>
-              <a:t>selectRow</a:t>
-            </a:r>
-            <a:r>
-              <a:rPr lang="en-US" dirty="0" smtClean="0"/>
-              <a:t> / </a:t>
-            </a:r>
-            <a:r>
-              <a:rPr lang="en-US" dirty="0" err="1" smtClean="0"/>
-              <a:t>deselectRow</a:t>
-            </a:r>
-            <a:endParaRPr lang="en-US" dirty="0" smtClean="0"/>
           </a:p>
         </p:txBody>
       </p:sp>
     </p:spTree>
     <p:extLst>
       <p:ext uri="{BB962C8B-B14F-4D97-AF65-F5344CB8AC3E}">
-        <p14:creationId xmlns:p14="http://schemas.microsoft.com/office/powerpoint/2010/main" val="3047661367"/>
+        <p14:creationId xmlns:p14="http://schemas.microsoft.com/office/powerpoint/2010/main" val="3990361593"/>
       </p:ext>
     </p:extLst>
   </p:cSld>
@@ -7600,12 +7041,8 @@
           <a:lstStyle/>
           <a:p>
             <a:r>
-              <a:rPr lang="en-US" dirty="0" err="1" smtClean="0"/>
-              <a:t>TableViewRow</a:t>
-            </a:r>
-            <a:r>
               <a:rPr lang="en-US" dirty="0" smtClean="0"/>
-              <a:t> methods</a:t>
+              <a:t>Table Searching</a:t>
             </a:r>
             <a:endParaRPr lang="en-US" dirty="0"/>
           </a:p>
@@ -7627,6 +7064,1613 @@
           <a:lstStyle/>
           <a:p>
             <a:r>
+              <a:rPr lang="en-US" dirty="0" err="1" smtClean="0"/>
+              <a:t>iOS</a:t>
+            </a:r>
+            <a:r>
+              <a:rPr lang="en-US" dirty="0" smtClean="0"/>
+              <a:t> specifics</a:t>
+            </a:r>
+          </a:p>
+          <a:p>
+            <a:endParaRPr lang="en-US" dirty="0"/>
+          </a:p>
+          <a:p>
+            <a:r>
+              <a:rPr lang="en-US" dirty="0" smtClean="0"/>
+              <a:t>Android specifics</a:t>
+            </a:r>
+            <a:endParaRPr lang="en-US" dirty="0"/>
+          </a:p>
+        </p:txBody>
+      </p:sp>
+    </p:spTree>
+    <p:extLst>
+      <p:ext uri="{BB962C8B-B14F-4D97-AF65-F5344CB8AC3E}">
+        <p14:creationId xmlns:p14="http://schemas.microsoft.com/office/powerpoint/2010/main" val="2899381959"/>
+      </p:ext>
+    </p:extLst>
+  </p:cSld>
+  <p:clrMapOvr>
+    <a:masterClrMapping/>
+  </p:clrMapOvr>
+  <p:timing>
+    <p:tnLst>
+      <p:par>
+        <p:cTn xmlns:p14="http://schemas.microsoft.com/office/powerpoint/2010/main" id="1" dur="indefinite" restart="never" nodeType="tmRoot"/>
+      </p:par>
+    </p:tnLst>
+  </p:timing>
+</p:sld>
+</file>
+
+<file path=ppt/slides/slide13.xml><?xml version="1.0" encoding="utf-8"?>
+<p:sld xmlns:a="http://schemas.openxmlformats.org/drawingml/2006/main" xmlns:r="http://schemas.openxmlformats.org/officeDocument/2006/relationships" xmlns:p="http://schemas.openxmlformats.org/presentationml/2006/main">
+  <p:cSld>
+    <p:spTree>
+      <p:nvGrpSpPr>
+        <p:cNvPr id="1" name=""/>
+        <p:cNvGrpSpPr/>
+        <p:nvPr/>
+      </p:nvGrpSpPr>
+      <p:grpSpPr>
+        <a:xfrm>
+          <a:off x="0" y="0"/>
+          <a:ext cx="0" cy="0"/>
+          <a:chOff x="0" y="0"/>
+          <a:chExt cx="0" cy="0"/>
+        </a:xfrm>
+      </p:grpSpPr>
+      <p:sp>
+        <p:nvSpPr>
+          <p:cNvPr id="2" name="Title 1"/>
+          <p:cNvSpPr>
+            <a:spLocks noGrp="1"/>
+          </p:cNvSpPr>
+          <p:nvPr>
+            <p:ph type="title"/>
+          </p:nvPr>
+        </p:nvSpPr>
+        <p:spPr/>
+        <p:txBody>
+          <a:bodyPr/>
+          <a:lstStyle/>
+          <a:p>
+            <a:r>
+              <a:rPr lang="en-US" dirty="0" err="1" smtClean="0"/>
+              <a:t>iOS</a:t>
+            </a:r>
+            <a:r>
+              <a:rPr lang="en-US" dirty="0" smtClean="0"/>
+              <a:t> Only Features</a:t>
+            </a:r>
+            <a:endParaRPr lang="en-US" dirty="0"/>
+          </a:p>
+        </p:txBody>
+      </p:sp>
+      <p:sp>
+        <p:nvSpPr>
+          <p:cNvPr id="3" name="Content Placeholder 2"/>
+          <p:cNvSpPr>
+            <a:spLocks noGrp="1"/>
+          </p:cNvSpPr>
+          <p:nvPr>
+            <p:ph idx="1"/>
+          </p:nvPr>
+        </p:nvSpPr>
+        <p:spPr/>
+        <p:txBody>
+          <a:bodyPr/>
+          <a:lstStyle/>
+          <a:p>
+            <a:r>
+              <a:rPr lang="en-US" dirty="0" smtClean="0"/>
+              <a:t>Edit mode</a:t>
+            </a:r>
+          </a:p>
+          <a:p>
+            <a:endParaRPr lang="en-US" dirty="0"/>
+          </a:p>
+          <a:p>
+            <a:r>
+              <a:rPr lang="en-US" dirty="0" smtClean="0"/>
+              <a:t>Moving </a:t>
+            </a:r>
+            <a:r>
+              <a:rPr lang="en-US" dirty="0" smtClean="0"/>
+              <a:t>rows</a:t>
+            </a:r>
+          </a:p>
+          <a:p>
+            <a:endParaRPr lang="en-US" dirty="0"/>
+          </a:p>
+          <a:p>
+            <a:r>
+              <a:rPr lang="en-US" dirty="0" smtClean="0"/>
+              <a:t>Grouped sections</a:t>
+            </a:r>
+          </a:p>
+          <a:p>
+            <a:endParaRPr lang="en-US" dirty="0"/>
+          </a:p>
+          <a:p>
+            <a:endParaRPr lang="en-US" dirty="0"/>
+          </a:p>
+          <a:p>
+            <a:endParaRPr lang="en-US" dirty="0"/>
+          </a:p>
+        </p:txBody>
+      </p:sp>
+      <p:grpSp>
+        <p:nvGrpSpPr>
+          <p:cNvPr id="13" name="Group 12"/>
+          <p:cNvGrpSpPr/>
+          <p:nvPr/>
+        </p:nvGrpSpPr>
+        <p:grpSpPr>
+          <a:xfrm>
+            <a:off x="396140" y="1419466"/>
+            <a:ext cx="8430576" cy="4520043"/>
+            <a:chOff x="1749825" y="2170257"/>
+            <a:chExt cx="8430576" cy="4520043"/>
+          </a:xfrm>
+        </p:grpSpPr>
+        <p:pic>
+          <p:nvPicPr>
+            <p:cNvPr id="4" name="Picture 3" descr="Screenshot_9.png"/>
+            <p:cNvPicPr>
+              <a:picLocks noChangeAspect="1"/>
+            </p:cNvPicPr>
+            <p:nvPr/>
+          </p:nvPicPr>
+          <p:blipFill>
+            <a:blip r:embed="rId2">
+              <a:extLst>
+                <a:ext uri="{28A0092B-C50C-407E-A947-70E740481C1C}">
+                  <a14:useLocalDpi xmlns:a14="http://schemas.microsoft.com/office/drawing/2010/main" val="0"/>
+                </a:ext>
+              </a:extLst>
+            </a:blip>
+            <a:stretch>
+              <a:fillRect/>
+            </a:stretch>
+          </p:blipFill>
+          <p:spPr>
+            <a:xfrm>
+              <a:off x="7132401" y="2170257"/>
+              <a:ext cx="3048000" cy="4381500"/>
+            </a:xfrm>
+            <a:prstGeom prst="rect">
+              <a:avLst/>
+            </a:prstGeom>
+          </p:spPr>
+        </p:pic>
+        <p:sp>
+          <p:nvSpPr>
+            <p:cNvPr id="5" name="TextBox 4"/>
+            <p:cNvSpPr txBox="1"/>
+            <p:nvPr/>
+          </p:nvSpPr>
+          <p:spPr>
+            <a:xfrm>
+              <a:off x="1749825" y="5859303"/>
+              <a:ext cx="6435911" cy="830997"/>
+            </a:xfrm>
+            <a:prstGeom prst="rect">
+              <a:avLst/>
+            </a:prstGeom>
+            <a:solidFill>
+              <a:schemeClr val="bg1"/>
+            </a:solidFill>
+            <a:effectLst>
+              <a:outerShdw blurRad="50800" dist="38100" dir="2700000" algn="tl" rotWithShape="0">
+                <a:prstClr val="black">
+                  <a:alpha val="40000"/>
+                </a:prstClr>
+              </a:outerShdw>
+            </a:effectLst>
+          </p:spPr>
+          <p:style>
+            <a:lnRef idx="2">
+              <a:schemeClr val="accent2"/>
+            </a:lnRef>
+            <a:fillRef idx="1">
+              <a:schemeClr val="lt1"/>
+            </a:fillRef>
+            <a:effectRef idx="0">
+              <a:schemeClr val="accent2"/>
+            </a:effectRef>
+            <a:fontRef idx="minor">
+              <a:schemeClr val="dk1"/>
+            </a:fontRef>
+          </p:style>
+          <p:txBody>
+            <a:bodyPr wrap="square" rtlCol="0">
+              <a:spAutoFit/>
+            </a:bodyPr>
+            <a:lstStyle/>
+            <a:p>
+              <a:r>
+                <a:rPr lang="en-US" sz="1600" dirty="0" err="1" smtClean="0">
+                  <a:latin typeface="Courier"/>
+                  <a:cs typeface="Courier"/>
+                </a:rPr>
+                <a:t>var</a:t>
+              </a:r>
+              <a:r>
+                <a:rPr lang="en-US" sz="1600" dirty="0" smtClean="0">
+                  <a:latin typeface="Courier"/>
+                  <a:cs typeface="Courier"/>
+                </a:rPr>
+                <a:t> </a:t>
+              </a:r>
+              <a:r>
+                <a:rPr lang="en-US" sz="1600" dirty="0" err="1" smtClean="0">
+                  <a:latin typeface="Courier"/>
+                  <a:cs typeface="Courier"/>
+                </a:rPr>
+                <a:t>tableView</a:t>
+              </a:r>
+              <a:r>
+                <a:rPr lang="en-US" sz="1600" dirty="0" smtClean="0">
+                  <a:latin typeface="Courier"/>
+                  <a:cs typeface="Courier"/>
+                </a:rPr>
+                <a:t> = </a:t>
+              </a:r>
+              <a:r>
+                <a:rPr lang="en-US" sz="1600" dirty="0" err="1" smtClean="0">
+                  <a:latin typeface="Courier"/>
+                  <a:cs typeface="Courier"/>
+                </a:rPr>
+                <a:t>Titanium.UI.createTableView</a:t>
+              </a:r>
+              <a:r>
+                <a:rPr lang="en-US" sz="1600" dirty="0" smtClean="0">
+                  <a:latin typeface="Courier"/>
+                  <a:cs typeface="Courier"/>
+                </a:rPr>
+                <a:t>({</a:t>
+              </a:r>
+            </a:p>
+            <a:p>
+              <a:r>
+                <a:rPr lang="en-US" sz="1600" dirty="0" smtClean="0">
+                  <a:latin typeface="Courier"/>
+                  <a:cs typeface="Courier"/>
+                </a:rPr>
+                <a:t>    </a:t>
+              </a:r>
+              <a:r>
+                <a:rPr lang="en-US" sz="1600" dirty="0" err="1" smtClean="0">
+                  <a:latin typeface="Courier"/>
+                  <a:cs typeface="Courier"/>
+                </a:rPr>
+                <a:t>style:Titanium.UI.iPhone.TableViewStyle.GROUPED</a:t>
+              </a:r>
+              <a:endParaRPr lang="en-US" sz="1600" dirty="0" smtClean="0">
+                <a:latin typeface="Courier"/>
+                <a:cs typeface="Courier"/>
+              </a:endParaRPr>
+            </a:p>
+            <a:p>
+              <a:r>
+                <a:rPr lang="en-US" sz="1600" dirty="0" smtClean="0">
+                  <a:latin typeface="Courier"/>
+                  <a:cs typeface="Courier"/>
+                </a:rPr>
+                <a:t>});</a:t>
+              </a:r>
+              <a:endParaRPr lang="en-US" sz="2800" dirty="0">
+                <a:latin typeface="Courier"/>
+                <a:cs typeface="Courier"/>
+              </a:endParaRPr>
+            </a:p>
+          </p:txBody>
+        </p:sp>
+      </p:grpSp>
+      <p:grpSp>
+        <p:nvGrpSpPr>
+          <p:cNvPr id="12" name="Group 11"/>
+          <p:cNvGrpSpPr/>
+          <p:nvPr/>
+        </p:nvGrpSpPr>
+        <p:grpSpPr>
+          <a:xfrm>
+            <a:off x="396140" y="1419466"/>
+            <a:ext cx="7755589" cy="4381500"/>
+            <a:chOff x="900812" y="1346200"/>
+            <a:chExt cx="7755589" cy="4381500"/>
+          </a:xfrm>
+        </p:grpSpPr>
+        <p:pic>
+          <p:nvPicPr>
+            <p:cNvPr id="10" name="Picture 9" descr="Screenshot_20.png"/>
+            <p:cNvPicPr>
+              <a:picLocks noChangeAspect="1"/>
+            </p:cNvPicPr>
+            <p:nvPr/>
+          </p:nvPicPr>
+          <p:blipFill>
+            <a:blip r:embed="rId3">
+              <a:extLst>
+                <a:ext uri="{28A0092B-C50C-407E-A947-70E740481C1C}">
+                  <a14:useLocalDpi xmlns:a14="http://schemas.microsoft.com/office/drawing/2010/main" val="0"/>
+                </a:ext>
+              </a:extLst>
+            </a:blip>
+            <a:stretch>
+              <a:fillRect/>
+            </a:stretch>
+          </p:blipFill>
+          <p:spPr>
+            <a:xfrm>
+              <a:off x="5608401" y="1346200"/>
+              <a:ext cx="3048000" cy="4381500"/>
+            </a:xfrm>
+            <a:prstGeom prst="rect">
+              <a:avLst/>
+            </a:prstGeom>
+          </p:spPr>
+        </p:pic>
+        <p:sp>
+          <p:nvSpPr>
+            <p:cNvPr id="11" name="TextBox 10"/>
+            <p:cNvSpPr txBox="1"/>
+            <p:nvPr/>
+          </p:nvSpPr>
+          <p:spPr>
+            <a:xfrm>
+              <a:off x="900812" y="4094577"/>
+              <a:ext cx="6435911" cy="1569660"/>
+            </a:xfrm>
+            <a:prstGeom prst="rect">
+              <a:avLst/>
+            </a:prstGeom>
+            <a:solidFill>
+              <a:schemeClr val="bg1"/>
+            </a:solidFill>
+            <a:effectLst>
+              <a:outerShdw blurRad="50800" dist="38100" dir="2700000" algn="tl" rotWithShape="0">
+                <a:prstClr val="black">
+                  <a:alpha val="40000"/>
+                </a:prstClr>
+              </a:outerShdw>
+            </a:effectLst>
+          </p:spPr>
+          <p:style>
+            <a:lnRef idx="2">
+              <a:schemeClr val="accent2"/>
+            </a:lnRef>
+            <a:fillRef idx="1">
+              <a:schemeClr val="lt1"/>
+            </a:fillRef>
+            <a:effectRef idx="0">
+              <a:schemeClr val="accent2"/>
+            </a:effectRef>
+            <a:fontRef idx="minor">
+              <a:schemeClr val="dk1"/>
+            </a:fontRef>
+          </p:style>
+          <p:txBody>
+            <a:bodyPr wrap="square" rtlCol="0">
+              <a:spAutoFit/>
+            </a:bodyPr>
+            <a:lstStyle/>
+            <a:p>
+              <a:r>
+                <a:rPr lang="en-US" sz="1600" dirty="0" err="1">
+                  <a:latin typeface="Courier"/>
+                  <a:cs typeface="Courier"/>
+                </a:rPr>
+                <a:t>editBtn.addEventListener</a:t>
+              </a:r>
+              <a:r>
+                <a:rPr lang="en-US" sz="1600" dirty="0">
+                  <a:latin typeface="Courier"/>
+                  <a:cs typeface="Courier"/>
+                </a:rPr>
+                <a:t>('click', function() {</a:t>
+              </a:r>
+            </a:p>
+            <a:p>
+              <a:r>
+                <a:rPr lang="en-US" sz="1600" dirty="0">
+                  <a:latin typeface="Courier"/>
+                  <a:cs typeface="Courier"/>
+                </a:rPr>
+                <a:t>	</a:t>
+              </a:r>
+              <a:r>
+                <a:rPr lang="en-US" sz="1600" dirty="0" err="1">
+                  <a:latin typeface="Courier"/>
+                  <a:cs typeface="Courier"/>
+                </a:rPr>
+                <a:t>tableview.moving</a:t>
+              </a:r>
+              <a:r>
+                <a:rPr lang="en-US" sz="1600" dirty="0">
+                  <a:latin typeface="Courier"/>
+                  <a:cs typeface="Courier"/>
+                </a:rPr>
+                <a:t> = true;</a:t>
+              </a:r>
+            </a:p>
+            <a:p>
+              <a:r>
+                <a:rPr lang="en-US" sz="1600" dirty="0">
+                  <a:latin typeface="Courier"/>
+                  <a:cs typeface="Courier"/>
+                </a:rPr>
+                <a:t>});</a:t>
+              </a:r>
+            </a:p>
+            <a:p>
+              <a:r>
+                <a:rPr lang="en-US" sz="1600" dirty="0" err="1">
+                  <a:latin typeface="Courier"/>
+                  <a:cs typeface="Courier"/>
+                </a:rPr>
+                <a:t>tableview.addEventListener</a:t>
+              </a:r>
+              <a:r>
+                <a:rPr lang="en-US" sz="1600" dirty="0">
+                  <a:latin typeface="Courier"/>
+                  <a:cs typeface="Courier"/>
+                </a:rPr>
+                <a:t>('</a:t>
+              </a:r>
+              <a:r>
+                <a:rPr lang="en-US" sz="1600" dirty="0" err="1">
+                  <a:latin typeface="Courier"/>
+                  <a:cs typeface="Courier"/>
+                </a:rPr>
+                <a:t>move',function</a:t>
+              </a:r>
+              <a:r>
+                <a:rPr lang="en-US" sz="1600" dirty="0">
+                  <a:latin typeface="Courier"/>
+                  <a:cs typeface="Courier"/>
+                </a:rPr>
+                <a:t>(e) {</a:t>
+              </a:r>
+            </a:p>
+            <a:p>
+              <a:r>
+                <a:rPr lang="en-US" sz="1600" dirty="0">
+                  <a:latin typeface="Courier"/>
+                  <a:cs typeface="Courier"/>
+                </a:rPr>
+                <a:t>	...</a:t>
+              </a:r>
+            </a:p>
+            <a:p>
+              <a:r>
+                <a:rPr lang="en-US" sz="1600" dirty="0">
+                  <a:latin typeface="Courier"/>
+                  <a:cs typeface="Courier"/>
+                </a:rPr>
+                <a:t>});</a:t>
+              </a:r>
+              <a:endParaRPr lang="en-US" sz="2800" dirty="0">
+                <a:latin typeface="Courier"/>
+                <a:cs typeface="Courier"/>
+              </a:endParaRPr>
+            </a:p>
+          </p:txBody>
+        </p:sp>
+      </p:grpSp>
+      <p:grpSp>
+        <p:nvGrpSpPr>
+          <p:cNvPr id="9" name="Group 8"/>
+          <p:cNvGrpSpPr/>
+          <p:nvPr/>
+        </p:nvGrpSpPr>
+        <p:grpSpPr>
+          <a:xfrm>
+            <a:off x="396140" y="1419466"/>
+            <a:ext cx="7605328" cy="4696672"/>
+            <a:chOff x="457200" y="0"/>
+            <a:chExt cx="7605328" cy="4696672"/>
+          </a:xfrm>
+        </p:grpSpPr>
+        <p:pic>
+          <p:nvPicPr>
+            <p:cNvPr id="7" name="Picture 6" descr="Screenshot_10.png"/>
+            <p:cNvPicPr>
+              <a:picLocks noChangeAspect="1"/>
+            </p:cNvPicPr>
+            <p:nvPr/>
+          </p:nvPicPr>
+          <p:blipFill>
+            <a:blip r:embed="rId4">
+              <a:extLst>
+                <a:ext uri="{28A0092B-C50C-407E-A947-70E740481C1C}">
+                  <a14:useLocalDpi xmlns:a14="http://schemas.microsoft.com/office/drawing/2010/main" val="0"/>
+                </a:ext>
+              </a:extLst>
+            </a:blip>
+            <a:stretch>
+              <a:fillRect/>
+            </a:stretch>
+          </p:blipFill>
+          <p:spPr>
+            <a:xfrm>
+              <a:off x="5014528" y="0"/>
+              <a:ext cx="3048000" cy="4381500"/>
+            </a:xfrm>
+            <a:prstGeom prst="rect">
+              <a:avLst/>
+            </a:prstGeom>
+          </p:spPr>
+        </p:pic>
+        <p:sp>
+          <p:nvSpPr>
+            <p:cNvPr id="8" name="TextBox 7"/>
+            <p:cNvSpPr txBox="1"/>
+            <p:nvPr/>
+          </p:nvSpPr>
+          <p:spPr>
+            <a:xfrm>
+              <a:off x="457200" y="3127012"/>
+              <a:ext cx="6435911" cy="1569660"/>
+            </a:xfrm>
+            <a:prstGeom prst="rect">
+              <a:avLst/>
+            </a:prstGeom>
+            <a:solidFill>
+              <a:schemeClr val="bg1"/>
+            </a:solidFill>
+            <a:effectLst>
+              <a:outerShdw blurRad="50800" dist="38100" dir="2700000" algn="tl" rotWithShape="0">
+                <a:prstClr val="black">
+                  <a:alpha val="40000"/>
+                </a:prstClr>
+              </a:outerShdw>
+            </a:effectLst>
+          </p:spPr>
+          <p:style>
+            <a:lnRef idx="2">
+              <a:schemeClr val="accent2"/>
+            </a:lnRef>
+            <a:fillRef idx="1">
+              <a:schemeClr val="lt1"/>
+            </a:fillRef>
+            <a:effectRef idx="0">
+              <a:schemeClr val="accent2"/>
+            </a:effectRef>
+            <a:fontRef idx="minor">
+              <a:schemeClr val="dk1"/>
+            </a:fontRef>
+          </p:style>
+          <p:txBody>
+            <a:bodyPr wrap="square" rtlCol="0">
+              <a:spAutoFit/>
+            </a:bodyPr>
+            <a:lstStyle/>
+            <a:p>
+              <a:r>
+                <a:rPr lang="en-US" sz="1600" dirty="0" err="1">
+                  <a:latin typeface="Courier"/>
+                  <a:cs typeface="Courier"/>
+                </a:rPr>
+                <a:t>var</a:t>
+              </a:r>
+              <a:r>
+                <a:rPr lang="en-US" sz="1600" dirty="0">
+                  <a:latin typeface="Courier"/>
+                  <a:cs typeface="Courier"/>
+                </a:rPr>
+                <a:t> </a:t>
+              </a:r>
+              <a:r>
+                <a:rPr lang="en-US" sz="1600" dirty="0" err="1">
+                  <a:latin typeface="Courier"/>
+                  <a:cs typeface="Courier"/>
+                </a:rPr>
+                <a:t>tableView</a:t>
+              </a:r>
+              <a:r>
+                <a:rPr lang="en-US" sz="1600" dirty="0">
+                  <a:latin typeface="Courier"/>
+                  <a:cs typeface="Courier"/>
+                </a:rPr>
+                <a:t> = </a:t>
+              </a:r>
+              <a:r>
+                <a:rPr lang="en-US" sz="1600" dirty="0" err="1">
+                  <a:latin typeface="Courier"/>
+                  <a:cs typeface="Courier"/>
+                </a:rPr>
+                <a:t>Titanium.UI.createTableView</a:t>
+              </a:r>
+              <a:r>
+                <a:rPr lang="en-US" sz="1600" dirty="0">
+                  <a:latin typeface="Courier"/>
+                  <a:cs typeface="Courier"/>
+                </a:rPr>
+                <a:t>({</a:t>
+              </a:r>
+              <a:endParaRPr lang="en-US" sz="1600" dirty="0" smtClean="0">
+                <a:latin typeface="Courier"/>
+                <a:cs typeface="Courier"/>
+              </a:endParaRPr>
+            </a:p>
+            <a:p>
+              <a:r>
+                <a:rPr lang="en-US" sz="1600" dirty="0" smtClean="0">
+                  <a:latin typeface="Courier"/>
+                  <a:cs typeface="Courier"/>
+                </a:rPr>
+                <a:t>   </a:t>
+              </a:r>
+              <a:r>
+                <a:rPr lang="en-US" sz="1600" dirty="0">
+                  <a:latin typeface="Courier"/>
+                  <a:cs typeface="Courier"/>
+                </a:rPr>
+                <a:t> </a:t>
+              </a:r>
+              <a:r>
+                <a:rPr lang="en-US" sz="1600" dirty="0" err="1">
+                  <a:latin typeface="Courier"/>
+                  <a:cs typeface="Courier"/>
+                </a:rPr>
+                <a:t>editable:true</a:t>
+              </a:r>
+              <a:endParaRPr lang="en-US" sz="1600" dirty="0" smtClean="0">
+                <a:latin typeface="Courier"/>
+                <a:cs typeface="Courier"/>
+              </a:endParaRPr>
+            </a:p>
+            <a:p>
+              <a:r>
+                <a:rPr lang="en-US" sz="1600" dirty="0" smtClean="0">
+                  <a:latin typeface="Courier"/>
+                  <a:cs typeface="Courier"/>
+                </a:rPr>
+                <a:t>});</a:t>
+              </a:r>
+            </a:p>
+            <a:p>
+              <a:r>
+                <a:rPr lang="en-US" sz="1600" dirty="0" err="1">
+                  <a:latin typeface="Courier"/>
+                  <a:cs typeface="Courier"/>
+                </a:rPr>
+                <a:t>tableview.addEventListener</a:t>
+              </a:r>
+              <a:r>
+                <a:rPr lang="en-US" sz="1600" dirty="0">
+                  <a:latin typeface="Courier"/>
+                  <a:cs typeface="Courier"/>
+                </a:rPr>
+                <a:t>('</a:t>
+              </a:r>
+              <a:r>
+                <a:rPr lang="en-US" sz="1600" dirty="0" err="1">
+                  <a:latin typeface="Courier"/>
+                  <a:cs typeface="Courier"/>
+                </a:rPr>
+                <a:t>delete',function</a:t>
+              </a:r>
+              <a:r>
+                <a:rPr lang="en-US" sz="1600" dirty="0">
+                  <a:latin typeface="Courier"/>
+                  <a:cs typeface="Courier"/>
+                </a:rPr>
+                <a:t>(e</a:t>
+              </a:r>
+              <a:r>
+                <a:rPr lang="en-US" sz="1600" dirty="0" smtClean="0">
+                  <a:latin typeface="Courier"/>
+                  <a:cs typeface="Courier"/>
+                </a:rPr>
+                <a:t>) {</a:t>
+              </a:r>
+            </a:p>
+            <a:p>
+              <a:r>
+                <a:rPr lang="en-US" sz="1600" dirty="0">
+                  <a:latin typeface="Courier"/>
+                  <a:cs typeface="Courier"/>
+                </a:rPr>
+                <a:t> </a:t>
+              </a:r>
+              <a:r>
+                <a:rPr lang="en-US" sz="1600" dirty="0" smtClean="0">
+                  <a:latin typeface="Courier"/>
+                  <a:cs typeface="Courier"/>
+                </a:rPr>
+                <a:t> ...</a:t>
+              </a:r>
+            </a:p>
+            <a:p>
+              <a:r>
+                <a:rPr lang="en-US" sz="1600" dirty="0" smtClean="0">
+                  <a:latin typeface="Courier"/>
+                  <a:cs typeface="Courier"/>
+                </a:rPr>
+                <a:t>});</a:t>
+              </a:r>
+              <a:endParaRPr lang="en-US" sz="1600" dirty="0">
+                <a:latin typeface="Courier"/>
+                <a:cs typeface="Courier"/>
+              </a:endParaRPr>
+            </a:p>
+          </p:txBody>
+        </p:sp>
+      </p:grpSp>
+      <p:pic>
+        <p:nvPicPr>
+          <p:cNvPr id="14" name="Picture 36" descr="tv_advert.png"/>
+          <p:cNvPicPr>
+            <a:picLocks noChangeAspect="1"/>
+          </p:cNvPicPr>
+          <p:nvPr/>
+        </p:nvPicPr>
+        <p:blipFill>
+          <a:blip r:embed="rId5">
+            <a:extLst>
+              <a:ext uri="{28A0092B-C50C-407E-A947-70E740481C1C}">
+                <a14:useLocalDpi xmlns:a14="http://schemas.microsoft.com/office/drawing/2010/main" val="0"/>
+              </a:ext>
+            </a:extLst>
+          </a:blip>
+          <a:srcRect/>
+          <a:stretch>
+            <a:fillRect/>
+          </a:stretch>
+        </p:blipFill>
+        <p:spPr bwMode="auto">
+          <a:xfrm>
+            <a:off x="8543606" y="0"/>
+            <a:ext cx="480315" cy="481263"/>
+          </a:xfrm>
+          <a:prstGeom prst="rect">
+            <a:avLst/>
+          </a:prstGeom>
+          <a:noFill/>
+          <a:ln>
+            <a:noFill/>
+          </a:ln>
+          <a:extLst>
+            <a:ext uri="{909E8E84-426E-40dd-AFC4-6F175D3DCCD1}">
+              <a14:hiddenFill xmlns:a14="http://schemas.microsoft.com/office/drawing/2010/main">
+                <a:solidFill>
+                  <a:srgbClr val="FFFFFF"/>
+                </a:solidFill>
+              </a14:hiddenFill>
+            </a:ext>
+            <a:ext uri="{91240B29-F687-4f45-9708-019B960494DF}">
+              <a14:hiddenLine xmlns:a14="http://schemas.microsoft.com/office/drawing/2010/main" w="9525">
+                <a:solidFill>
+                  <a:srgbClr val="000000"/>
+                </a:solidFill>
+                <a:miter lim="800000"/>
+                <a:headEnd/>
+                <a:tailEnd/>
+              </a14:hiddenLine>
+            </a:ext>
+          </a:extLst>
+        </p:spPr>
+      </p:pic>
+    </p:spTree>
+    <p:extLst>
+      <p:ext uri="{BB962C8B-B14F-4D97-AF65-F5344CB8AC3E}">
+        <p14:creationId xmlns:p14="http://schemas.microsoft.com/office/powerpoint/2010/main" val="2726539788"/>
+      </p:ext>
+    </p:extLst>
+  </p:cSld>
+  <p:clrMapOvr>
+    <a:masterClrMapping/>
+  </p:clrMapOvr>
+  <p:timing>
+    <p:tnLst>
+      <p:par>
+        <p:cTn xmlns:p14="http://schemas.microsoft.com/office/powerpoint/2010/main" id="1" dur="indefinite" restart="never" nodeType="tmRoot">
+          <p:childTnLst>
+            <p:seq concurrent="1" nextAc="seek">
+              <p:cTn id="2" dur="indefinite" nodeType="mainSeq">
+                <p:childTnLst>
+                  <p:par>
+                    <p:cTn id="3" fill="hold">
+                      <p:stCondLst>
+                        <p:cond delay="indefinite"/>
+                      </p:stCondLst>
+                      <p:childTnLst>
+                        <p:par>
+                          <p:cTn id="4" fill="hold">
+                            <p:stCondLst>
+                              <p:cond delay="0"/>
+                            </p:stCondLst>
+                            <p:childTnLst>
+                              <p:par>
+                                <p:cTn id="5" presetID="2" presetClass="entr" presetSubtype="4" fill="hold" grpId="0" nodeType="clickEffect">
+                                  <p:stCondLst>
+                                    <p:cond delay="0"/>
+                                  </p:stCondLst>
+                                  <p:childTnLst>
+                                    <p:set>
+                                      <p:cBhvr>
+                                        <p:cTn id="6" dur="1" fill="hold">
+                                          <p:stCondLst>
+                                            <p:cond delay="0"/>
+                                          </p:stCondLst>
+                                        </p:cTn>
+                                        <p:tgtEl>
+                                          <p:spTgt spid="3">
+                                            <p:txEl>
+                                              <p:pRg st="0" end="0"/>
+                                            </p:txEl>
+                                          </p:spTgt>
+                                        </p:tgtEl>
+                                        <p:attrNameLst>
+                                          <p:attrName>style.visibility</p:attrName>
+                                        </p:attrNameLst>
+                                      </p:cBhvr>
+                                      <p:to>
+                                        <p:strVal val="visible"/>
+                                      </p:to>
+                                    </p:set>
+                                    <p:anim calcmode="lin" valueType="num">
+                                      <p:cBhvr additive="base">
+                                        <p:cTn id="7" dur="500" fill="hold"/>
+                                        <p:tgtEl>
+                                          <p:spTgt spid="3">
+                                            <p:txEl>
+                                              <p:pRg st="0" end="0"/>
+                                            </p:txEl>
+                                          </p:spTgt>
+                                        </p:tgtEl>
+                                        <p:attrNameLst>
+                                          <p:attrName>ppt_x</p:attrName>
+                                        </p:attrNameLst>
+                                      </p:cBhvr>
+                                      <p:tavLst>
+                                        <p:tav tm="0">
+                                          <p:val>
+                                            <p:strVal val="#ppt_x"/>
+                                          </p:val>
+                                        </p:tav>
+                                        <p:tav tm="100000">
+                                          <p:val>
+                                            <p:strVal val="#ppt_x"/>
+                                          </p:val>
+                                        </p:tav>
+                                      </p:tavLst>
+                                    </p:anim>
+                                    <p:anim calcmode="lin" valueType="num">
+                                      <p:cBhvr additive="base">
+                                        <p:cTn id="8" dur="500" fill="hold"/>
+                                        <p:tgtEl>
+                                          <p:spTgt spid="3">
+                                            <p:txEl>
+                                              <p:pRg st="0" end="0"/>
+                                            </p:txEl>
+                                          </p:spTgt>
+                                        </p:tgtEl>
+                                        <p:attrNameLst>
+                                          <p:attrName>ppt_y</p:attrName>
+                                        </p:attrNameLst>
+                                      </p:cBhvr>
+                                      <p:tavLst>
+                                        <p:tav tm="0">
+                                          <p:val>
+                                            <p:strVal val="1+#ppt_h/2"/>
+                                          </p:val>
+                                        </p:tav>
+                                        <p:tav tm="100000">
+                                          <p:val>
+                                            <p:strVal val="#ppt_y"/>
+                                          </p:val>
+                                        </p:tav>
+                                      </p:tavLst>
+                                    </p:anim>
+                                  </p:childTnLst>
+                                </p:cTn>
+                              </p:par>
+                              <p:par>
+                                <p:cTn id="9" presetID="9" presetClass="entr" presetSubtype="0" fill="hold" nodeType="withEffect">
+                                  <p:stCondLst>
+                                    <p:cond delay="0"/>
+                                  </p:stCondLst>
+                                  <p:childTnLst>
+                                    <p:set>
+                                      <p:cBhvr>
+                                        <p:cTn id="10" dur="1" fill="hold">
+                                          <p:stCondLst>
+                                            <p:cond delay="0"/>
+                                          </p:stCondLst>
+                                        </p:cTn>
+                                        <p:tgtEl>
+                                          <p:spTgt spid="9"/>
+                                        </p:tgtEl>
+                                        <p:attrNameLst>
+                                          <p:attrName>style.visibility</p:attrName>
+                                        </p:attrNameLst>
+                                      </p:cBhvr>
+                                      <p:to>
+                                        <p:strVal val="visible"/>
+                                      </p:to>
+                                    </p:set>
+                                    <p:animEffect transition="in" filter="dissolve">
+                                      <p:cBhvr>
+                                        <p:cTn id="11" dur="500"/>
+                                        <p:tgtEl>
+                                          <p:spTgt spid="9"/>
+                                        </p:tgtEl>
+                                      </p:cBhvr>
+                                    </p:animEffect>
+                                  </p:childTnLst>
+                                </p:cTn>
+                              </p:par>
+                            </p:childTnLst>
+                          </p:cTn>
+                        </p:par>
+                      </p:childTnLst>
+                    </p:cTn>
+                  </p:par>
+                  <p:par>
+                    <p:cTn id="12" fill="hold">
+                      <p:stCondLst>
+                        <p:cond delay="indefinite"/>
+                      </p:stCondLst>
+                      <p:childTnLst>
+                        <p:par>
+                          <p:cTn id="13" fill="hold">
+                            <p:stCondLst>
+                              <p:cond delay="0"/>
+                            </p:stCondLst>
+                            <p:childTnLst>
+                              <p:par>
+                                <p:cTn id="14" presetID="2" presetClass="entr" presetSubtype="4" fill="hold" grpId="0" nodeType="clickEffect">
+                                  <p:stCondLst>
+                                    <p:cond delay="0"/>
+                                  </p:stCondLst>
+                                  <p:childTnLst>
+                                    <p:set>
+                                      <p:cBhvr>
+                                        <p:cTn id="15" dur="1" fill="hold">
+                                          <p:stCondLst>
+                                            <p:cond delay="0"/>
+                                          </p:stCondLst>
+                                        </p:cTn>
+                                        <p:tgtEl>
+                                          <p:spTgt spid="3">
+                                            <p:txEl>
+                                              <p:pRg st="2" end="2"/>
+                                            </p:txEl>
+                                          </p:spTgt>
+                                        </p:tgtEl>
+                                        <p:attrNameLst>
+                                          <p:attrName>style.visibility</p:attrName>
+                                        </p:attrNameLst>
+                                      </p:cBhvr>
+                                      <p:to>
+                                        <p:strVal val="visible"/>
+                                      </p:to>
+                                    </p:set>
+                                    <p:anim calcmode="lin" valueType="num">
+                                      <p:cBhvr additive="base">
+                                        <p:cTn id="16" dur="500" fill="hold"/>
+                                        <p:tgtEl>
+                                          <p:spTgt spid="3">
+                                            <p:txEl>
+                                              <p:pRg st="2" end="2"/>
+                                            </p:txEl>
+                                          </p:spTgt>
+                                        </p:tgtEl>
+                                        <p:attrNameLst>
+                                          <p:attrName>ppt_x</p:attrName>
+                                        </p:attrNameLst>
+                                      </p:cBhvr>
+                                      <p:tavLst>
+                                        <p:tav tm="0">
+                                          <p:val>
+                                            <p:strVal val="#ppt_x"/>
+                                          </p:val>
+                                        </p:tav>
+                                        <p:tav tm="100000">
+                                          <p:val>
+                                            <p:strVal val="#ppt_x"/>
+                                          </p:val>
+                                        </p:tav>
+                                      </p:tavLst>
+                                    </p:anim>
+                                    <p:anim calcmode="lin" valueType="num">
+                                      <p:cBhvr additive="base">
+                                        <p:cTn id="17" dur="500" fill="hold"/>
+                                        <p:tgtEl>
+                                          <p:spTgt spid="3">
+                                            <p:txEl>
+                                              <p:pRg st="2" end="2"/>
+                                            </p:txEl>
+                                          </p:spTgt>
+                                        </p:tgtEl>
+                                        <p:attrNameLst>
+                                          <p:attrName>ppt_y</p:attrName>
+                                        </p:attrNameLst>
+                                      </p:cBhvr>
+                                      <p:tavLst>
+                                        <p:tav tm="0">
+                                          <p:val>
+                                            <p:strVal val="1+#ppt_h/2"/>
+                                          </p:val>
+                                        </p:tav>
+                                        <p:tav tm="100000">
+                                          <p:val>
+                                            <p:strVal val="#ppt_y"/>
+                                          </p:val>
+                                        </p:tav>
+                                      </p:tavLst>
+                                    </p:anim>
+                                  </p:childTnLst>
+                                </p:cTn>
+                              </p:par>
+                              <p:par>
+                                <p:cTn id="18" presetID="9" presetClass="exit" presetSubtype="0" fill="hold" nodeType="withEffect">
+                                  <p:stCondLst>
+                                    <p:cond delay="0"/>
+                                  </p:stCondLst>
+                                  <p:childTnLst>
+                                    <p:animEffect transition="out" filter="dissolve">
+                                      <p:cBhvr>
+                                        <p:cTn id="19" dur="500"/>
+                                        <p:tgtEl>
+                                          <p:spTgt spid="9"/>
+                                        </p:tgtEl>
+                                      </p:cBhvr>
+                                    </p:animEffect>
+                                    <p:set>
+                                      <p:cBhvr>
+                                        <p:cTn id="20" dur="1" fill="hold">
+                                          <p:stCondLst>
+                                            <p:cond delay="499"/>
+                                          </p:stCondLst>
+                                        </p:cTn>
+                                        <p:tgtEl>
+                                          <p:spTgt spid="9"/>
+                                        </p:tgtEl>
+                                        <p:attrNameLst>
+                                          <p:attrName>style.visibility</p:attrName>
+                                        </p:attrNameLst>
+                                      </p:cBhvr>
+                                      <p:to>
+                                        <p:strVal val="hidden"/>
+                                      </p:to>
+                                    </p:set>
+                                  </p:childTnLst>
+                                </p:cTn>
+                              </p:par>
+                              <p:par>
+                                <p:cTn id="21" presetID="9" presetClass="entr" presetSubtype="0" fill="hold" nodeType="withEffect">
+                                  <p:stCondLst>
+                                    <p:cond delay="0"/>
+                                  </p:stCondLst>
+                                  <p:childTnLst>
+                                    <p:set>
+                                      <p:cBhvr>
+                                        <p:cTn id="22" dur="1" fill="hold">
+                                          <p:stCondLst>
+                                            <p:cond delay="0"/>
+                                          </p:stCondLst>
+                                        </p:cTn>
+                                        <p:tgtEl>
+                                          <p:spTgt spid="12"/>
+                                        </p:tgtEl>
+                                        <p:attrNameLst>
+                                          <p:attrName>style.visibility</p:attrName>
+                                        </p:attrNameLst>
+                                      </p:cBhvr>
+                                      <p:to>
+                                        <p:strVal val="visible"/>
+                                      </p:to>
+                                    </p:set>
+                                    <p:animEffect transition="in" filter="dissolve">
+                                      <p:cBhvr>
+                                        <p:cTn id="23" dur="500"/>
+                                        <p:tgtEl>
+                                          <p:spTgt spid="12"/>
+                                        </p:tgtEl>
+                                      </p:cBhvr>
+                                    </p:animEffect>
+                                  </p:childTnLst>
+                                </p:cTn>
+                              </p:par>
+                            </p:childTnLst>
+                          </p:cTn>
+                        </p:par>
+                      </p:childTnLst>
+                    </p:cTn>
+                  </p:par>
+                  <p:par>
+                    <p:cTn id="24" fill="hold">
+                      <p:stCondLst>
+                        <p:cond delay="indefinite"/>
+                      </p:stCondLst>
+                      <p:childTnLst>
+                        <p:par>
+                          <p:cTn id="25" fill="hold">
+                            <p:stCondLst>
+                              <p:cond delay="0"/>
+                            </p:stCondLst>
+                            <p:childTnLst>
+                              <p:par>
+                                <p:cTn id="26" presetID="2" presetClass="entr" presetSubtype="4" fill="hold" grpId="0" nodeType="clickEffect">
+                                  <p:stCondLst>
+                                    <p:cond delay="0"/>
+                                  </p:stCondLst>
+                                  <p:childTnLst>
+                                    <p:set>
+                                      <p:cBhvr>
+                                        <p:cTn id="27" dur="1" fill="hold">
+                                          <p:stCondLst>
+                                            <p:cond delay="0"/>
+                                          </p:stCondLst>
+                                        </p:cTn>
+                                        <p:tgtEl>
+                                          <p:spTgt spid="3">
+                                            <p:txEl>
+                                              <p:pRg st="4" end="4"/>
+                                            </p:txEl>
+                                          </p:spTgt>
+                                        </p:tgtEl>
+                                        <p:attrNameLst>
+                                          <p:attrName>style.visibility</p:attrName>
+                                        </p:attrNameLst>
+                                      </p:cBhvr>
+                                      <p:to>
+                                        <p:strVal val="visible"/>
+                                      </p:to>
+                                    </p:set>
+                                    <p:anim calcmode="lin" valueType="num">
+                                      <p:cBhvr additive="base">
+                                        <p:cTn id="28" dur="500" fill="hold"/>
+                                        <p:tgtEl>
+                                          <p:spTgt spid="3">
+                                            <p:txEl>
+                                              <p:pRg st="4" end="4"/>
+                                            </p:txEl>
+                                          </p:spTgt>
+                                        </p:tgtEl>
+                                        <p:attrNameLst>
+                                          <p:attrName>ppt_x</p:attrName>
+                                        </p:attrNameLst>
+                                      </p:cBhvr>
+                                      <p:tavLst>
+                                        <p:tav tm="0">
+                                          <p:val>
+                                            <p:strVal val="#ppt_x"/>
+                                          </p:val>
+                                        </p:tav>
+                                        <p:tav tm="100000">
+                                          <p:val>
+                                            <p:strVal val="#ppt_x"/>
+                                          </p:val>
+                                        </p:tav>
+                                      </p:tavLst>
+                                    </p:anim>
+                                    <p:anim calcmode="lin" valueType="num">
+                                      <p:cBhvr additive="base">
+                                        <p:cTn id="29" dur="500" fill="hold"/>
+                                        <p:tgtEl>
+                                          <p:spTgt spid="3">
+                                            <p:txEl>
+                                              <p:pRg st="4" end="4"/>
+                                            </p:txEl>
+                                          </p:spTgt>
+                                        </p:tgtEl>
+                                        <p:attrNameLst>
+                                          <p:attrName>ppt_y</p:attrName>
+                                        </p:attrNameLst>
+                                      </p:cBhvr>
+                                      <p:tavLst>
+                                        <p:tav tm="0">
+                                          <p:val>
+                                            <p:strVal val="1+#ppt_h/2"/>
+                                          </p:val>
+                                        </p:tav>
+                                        <p:tav tm="100000">
+                                          <p:val>
+                                            <p:strVal val="#ppt_y"/>
+                                          </p:val>
+                                        </p:tav>
+                                      </p:tavLst>
+                                    </p:anim>
+                                  </p:childTnLst>
+                                </p:cTn>
+                              </p:par>
+                              <p:par>
+                                <p:cTn id="30" presetID="9" presetClass="exit" presetSubtype="0" fill="hold" nodeType="withEffect">
+                                  <p:stCondLst>
+                                    <p:cond delay="0"/>
+                                  </p:stCondLst>
+                                  <p:childTnLst>
+                                    <p:animEffect transition="out" filter="dissolve">
+                                      <p:cBhvr>
+                                        <p:cTn id="31" dur="500"/>
+                                        <p:tgtEl>
+                                          <p:spTgt spid="12"/>
+                                        </p:tgtEl>
+                                      </p:cBhvr>
+                                    </p:animEffect>
+                                    <p:set>
+                                      <p:cBhvr>
+                                        <p:cTn id="32" dur="1" fill="hold">
+                                          <p:stCondLst>
+                                            <p:cond delay="499"/>
+                                          </p:stCondLst>
+                                        </p:cTn>
+                                        <p:tgtEl>
+                                          <p:spTgt spid="12"/>
+                                        </p:tgtEl>
+                                        <p:attrNameLst>
+                                          <p:attrName>style.visibility</p:attrName>
+                                        </p:attrNameLst>
+                                      </p:cBhvr>
+                                      <p:to>
+                                        <p:strVal val="hidden"/>
+                                      </p:to>
+                                    </p:set>
+                                  </p:childTnLst>
+                                </p:cTn>
+                              </p:par>
+                              <p:par>
+                                <p:cTn id="33" presetID="9" presetClass="entr" presetSubtype="0" fill="hold" nodeType="withEffect">
+                                  <p:stCondLst>
+                                    <p:cond delay="0"/>
+                                  </p:stCondLst>
+                                  <p:childTnLst>
+                                    <p:set>
+                                      <p:cBhvr>
+                                        <p:cTn id="34" dur="1" fill="hold">
+                                          <p:stCondLst>
+                                            <p:cond delay="0"/>
+                                          </p:stCondLst>
+                                        </p:cTn>
+                                        <p:tgtEl>
+                                          <p:spTgt spid="13"/>
+                                        </p:tgtEl>
+                                        <p:attrNameLst>
+                                          <p:attrName>style.visibility</p:attrName>
+                                        </p:attrNameLst>
+                                      </p:cBhvr>
+                                      <p:to>
+                                        <p:strVal val="visible"/>
+                                      </p:to>
+                                    </p:set>
+                                    <p:animEffect transition="in" filter="dissolve">
+                                      <p:cBhvr>
+                                        <p:cTn id="35" dur="500"/>
+                                        <p:tgtEl>
+                                          <p:spTgt spid="13"/>
+                                        </p:tgtEl>
+                                      </p:cBhvr>
+                                    </p:animEffect>
+                                  </p:childTnLst>
+                                </p:cTn>
+                              </p:par>
+                              <p:par>
+                                <p:cTn id="36" presetID="9" presetClass="exit" presetSubtype="0" fill="hold" nodeType="withEffect">
+                                  <p:stCondLst>
+                                    <p:cond delay="0"/>
+                                  </p:stCondLst>
+                                  <p:childTnLst>
+                                    <p:animEffect transition="out" filter="dissolve">
+                                      <p:cBhvr>
+                                        <p:cTn id="37" dur="500"/>
+                                        <p:tgtEl>
+                                          <p:spTgt spid="14"/>
+                                        </p:tgtEl>
+                                      </p:cBhvr>
+                                    </p:animEffect>
+                                    <p:set>
+                                      <p:cBhvr>
+                                        <p:cTn id="38" dur="1" fill="hold">
+                                          <p:stCondLst>
+                                            <p:cond delay="499"/>
+                                          </p:stCondLst>
+                                        </p:cTn>
+                                        <p:tgtEl>
+                                          <p:spTgt spid="14"/>
+                                        </p:tgtEl>
+                                        <p:attrNameLst>
+                                          <p:attrName>style.visibility</p:attrName>
+                                        </p:attrNameLst>
+                                      </p:cBhvr>
+                                      <p:to>
+                                        <p:strVal val="hidden"/>
+                                      </p:to>
+                                    </p:set>
+                                  </p:childTnLst>
+                                </p:cTn>
+                              </p:par>
+                            </p:childTnLst>
+                          </p:cTn>
+                        </p:par>
+                      </p:childTnLst>
+                    </p:cTn>
+                  </p:par>
+                </p:childTnLst>
+              </p:cTn>
+              <p:prevCondLst>
+                <p:cond evt="onPrev" delay="0">
+                  <p:tgtEl>
+                    <p:sldTgt/>
+                  </p:tgtEl>
+                </p:cond>
+              </p:prevCondLst>
+              <p:nextCondLst>
+                <p:cond evt="onNext" delay="0">
+                  <p:tgtEl>
+                    <p:sldTgt/>
+                  </p:tgtEl>
+                </p:cond>
+              </p:nextCondLst>
+            </p:seq>
+          </p:childTnLst>
+        </p:cTn>
+      </p:par>
+    </p:tnLst>
+    <p:bldLst>
+      <p:bldP spid="3" grpId="0" uiExpand="1" build="p"/>
+    </p:bldLst>
+  </p:timing>
+</p:sld>
+</file>
+
+<file path=ppt/slides/slide14.xml><?xml version="1.0" encoding="utf-8"?>
+<p:sld xmlns:a="http://schemas.openxmlformats.org/drawingml/2006/main" xmlns:r="http://schemas.openxmlformats.org/officeDocument/2006/relationships" xmlns:p="http://schemas.openxmlformats.org/presentationml/2006/main">
+  <p:cSld>
+    <p:spTree>
+      <p:nvGrpSpPr>
+        <p:cNvPr id="1" name=""/>
+        <p:cNvGrpSpPr/>
+        <p:nvPr/>
+      </p:nvGrpSpPr>
+      <p:grpSpPr>
+        <a:xfrm>
+          <a:off x="0" y="0"/>
+          <a:ext cx="0" cy="0"/>
+          <a:chOff x="0" y="0"/>
+          <a:chExt cx="0" cy="0"/>
+        </a:xfrm>
+      </p:grpSpPr>
+      <p:sp>
+        <p:nvSpPr>
+          <p:cNvPr id="2" name="Title 1"/>
+          <p:cNvSpPr>
+            <a:spLocks noGrp="1"/>
+          </p:cNvSpPr>
+          <p:nvPr>
+            <p:ph type="title"/>
+          </p:nvPr>
+        </p:nvSpPr>
+        <p:spPr/>
+        <p:txBody>
+          <a:bodyPr/>
+          <a:lstStyle/>
+          <a:p>
+            <a:r>
+              <a:rPr lang="en-US" dirty="0" err="1" smtClean="0"/>
+              <a:t>TableView</a:t>
+            </a:r>
+            <a:r>
+              <a:rPr lang="en-US" dirty="0" smtClean="0"/>
+              <a:t> Methods</a:t>
+            </a:r>
+            <a:endParaRPr lang="en-US" dirty="0"/>
+          </a:p>
+        </p:txBody>
+      </p:sp>
+      <p:sp>
+        <p:nvSpPr>
+          <p:cNvPr id="3" name="Content Placeholder 2"/>
+          <p:cNvSpPr>
+            <a:spLocks noGrp="1"/>
+          </p:cNvSpPr>
+          <p:nvPr>
+            <p:ph idx="1"/>
+          </p:nvPr>
+        </p:nvSpPr>
+        <p:spPr/>
+        <p:txBody>
+          <a:bodyPr/>
+          <a:lstStyle/>
+          <a:p>
+            <a:r>
+              <a:rPr lang="en-US" dirty="0" smtClean="0"/>
+              <a:t>Key methods of tables:</a:t>
+            </a:r>
+            <a:endParaRPr lang="en-US" dirty="0"/>
+          </a:p>
+          <a:p>
+            <a:pPr marL="800100" lvl="1" indent="-342900">
+              <a:buFont typeface="Arial"/>
+              <a:buChar char="•"/>
+            </a:pPr>
+            <a:r>
+              <a:rPr lang="en-US" dirty="0" err="1" smtClean="0"/>
+              <a:t>setData</a:t>
+            </a:r>
+            <a:endParaRPr lang="en-US" dirty="0" smtClean="0"/>
+          </a:p>
+          <a:p>
+            <a:pPr marL="800100" lvl="1" indent="-342900">
+              <a:buFont typeface="Arial"/>
+              <a:buChar char="•"/>
+            </a:pPr>
+            <a:r>
+              <a:rPr lang="en-US" dirty="0" err="1" smtClean="0"/>
+              <a:t>insertRowBefore</a:t>
+            </a:r>
+            <a:r>
+              <a:rPr lang="en-US" dirty="0" smtClean="0"/>
+              <a:t> </a:t>
+            </a:r>
+            <a:r>
+              <a:rPr lang="en-US" dirty="0"/>
+              <a:t>/ </a:t>
+            </a:r>
+            <a:r>
+              <a:rPr lang="en-US" dirty="0" err="1"/>
+              <a:t>insertRowAfter</a:t>
+            </a:r>
+            <a:r>
+              <a:rPr lang="en-US" dirty="0"/>
+              <a:t> / </a:t>
+            </a:r>
+            <a:r>
+              <a:rPr lang="en-US" dirty="0" err="1"/>
+              <a:t>appendRow</a:t>
+            </a:r>
+            <a:endParaRPr lang="en-US" dirty="0"/>
+          </a:p>
+          <a:p>
+            <a:pPr marL="800100" lvl="1" indent="-342900">
+              <a:buFont typeface="Arial"/>
+              <a:buChar char="•"/>
+            </a:pPr>
+            <a:r>
+              <a:rPr lang="en-US" dirty="0" err="1"/>
+              <a:t>deleteRow</a:t>
+            </a:r>
+            <a:endParaRPr lang="en-US" dirty="0"/>
+          </a:p>
+          <a:p>
+            <a:pPr marL="800100" lvl="1" indent="-342900">
+              <a:buFont typeface="Arial"/>
+              <a:buChar char="•"/>
+            </a:pPr>
+            <a:r>
+              <a:rPr lang="en-US" dirty="0"/>
+              <a:t>show / hide</a:t>
+            </a:r>
+          </a:p>
+          <a:p>
+            <a:pPr marL="800100" lvl="1" indent="-342900">
+              <a:buFont typeface="Arial"/>
+              <a:buChar char="•"/>
+            </a:pPr>
+            <a:r>
+              <a:rPr lang="en-US" dirty="0" err="1" smtClean="0"/>
+              <a:t>scrollToIndex</a:t>
+            </a:r>
+            <a:endParaRPr lang="en-US" dirty="0" smtClean="0"/>
+          </a:p>
+          <a:p>
+            <a:pPr marL="800100" lvl="1" indent="-342900">
+              <a:buFont typeface="Arial"/>
+              <a:buChar char="•"/>
+            </a:pPr>
+            <a:r>
+              <a:rPr lang="en-US" dirty="0" err="1" smtClean="0"/>
+              <a:t>scrollToTop</a:t>
+            </a:r>
+            <a:endParaRPr lang="en-US" dirty="0" smtClean="0"/>
+          </a:p>
+          <a:p>
+            <a:pPr marL="800100" lvl="1" indent="-342900">
+              <a:buFont typeface="Arial"/>
+              <a:buChar char="•"/>
+            </a:pPr>
+            <a:r>
+              <a:rPr lang="en-US" dirty="0" err="1" smtClean="0"/>
+              <a:t>selectRow</a:t>
+            </a:r>
+            <a:r>
+              <a:rPr lang="en-US" dirty="0" smtClean="0"/>
+              <a:t> / </a:t>
+            </a:r>
+            <a:r>
+              <a:rPr lang="en-US" dirty="0" err="1" smtClean="0"/>
+              <a:t>deselectRow</a:t>
+            </a:r>
+            <a:endParaRPr lang="en-US" dirty="0" smtClean="0"/>
+          </a:p>
+        </p:txBody>
+      </p:sp>
+    </p:spTree>
+    <p:extLst>
+      <p:ext uri="{BB962C8B-B14F-4D97-AF65-F5344CB8AC3E}">
+        <p14:creationId xmlns:p14="http://schemas.microsoft.com/office/powerpoint/2010/main" val="3047661367"/>
+      </p:ext>
+    </p:extLst>
+  </p:cSld>
+  <p:clrMapOvr>
+    <a:masterClrMapping/>
+  </p:clrMapOvr>
+  <p:timing>
+    <p:tnLst>
+      <p:par>
+        <p:cTn xmlns:p14="http://schemas.microsoft.com/office/powerpoint/2010/main" id="1" dur="indefinite" restart="never" nodeType="tmRoot"/>
+      </p:par>
+    </p:tnLst>
+  </p:timing>
+</p:sld>
+</file>
+
+<file path=ppt/slides/slide15.xml><?xml version="1.0" encoding="utf-8"?>
+<p:sld xmlns:a="http://schemas.openxmlformats.org/drawingml/2006/main" xmlns:r="http://schemas.openxmlformats.org/officeDocument/2006/relationships" xmlns:p="http://schemas.openxmlformats.org/presentationml/2006/main">
+  <p:cSld>
+    <p:spTree>
+      <p:nvGrpSpPr>
+        <p:cNvPr id="1" name=""/>
+        <p:cNvGrpSpPr/>
+        <p:nvPr/>
+      </p:nvGrpSpPr>
+      <p:grpSpPr>
+        <a:xfrm>
+          <a:off x="0" y="0"/>
+          <a:ext cx="0" cy="0"/>
+          <a:chOff x="0" y="0"/>
+          <a:chExt cx="0" cy="0"/>
+        </a:xfrm>
+      </p:grpSpPr>
+      <p:sp>
+        <p:nvSpPr>
+          <p:cNvPr id="2" name="Title 1"/>
+          <p:cNvSpPr>
+            <a:spLocks noGrp="1"/>
+          </p:cNvSpPr>
+          <p:nvPr>
+            <p:ph type="title"/>
+          </p:nvPr>
+        </p:nvSpPr>
+        <p:spPr/>
+        <p:txBody>
+          <a:bodyPr/>
+          <a:lstStyle/>
+          <a:p>
+            <a:r>
+              <a:rPr lang="en-US" dirty="0" err="1" smtClean="0"/>
+              <a:t>TableViewRow</a:t>
+            </a:r>
+            <a:r>
+              <a:rPr lang="en-US" dirty="0" smtClean="0"/>
+              <a:t> methods</a:t>
+            </a:r>
+            <a:endParaRPr lang="en-US" dirty="0"/>
+          </a:p>
+        </p:txBody>
+      </p:sp>
+      <p:sp>
+        <p:nvSpPr>
+          <p:cNvPr id="3" name="Content Placeholder 2"/>
+          <p:cNvSpPr>
+            <a:spLocks noGrp="1"/>
+          </p:cNvSpPr>
+          <p:nvPr>
+            <p:ph idx="1"/>
+          </p:nvPr>
+        </p:nvSpPr>
+        <p:spPr/>
+        <p:txBody>
+          <a:bodyPr/>
+          <a:lstStyle/>
+          <a:p>
+            <a:r>
               <a:rPr lang="en-US" dirty="0"/>
               <a:t>Key methods of </a:t>
             </a:r>
@@ -7672,10 +8716,304 @@
   <p:clrMapOvr>
     <a:masterClrMapping/>
   </p:clrMapOvr>
+  <p:timing>
+    <p:tnLst>
+      <p:par>
+        <p:cTn xmlns:p14="http://schemas.microsoft.com/office/powerpoint/2010/main" id="1" dur="indefinite" restart="never" nodeType="tmRoot"/>
+      </p:par>
+    </p:tnLst>
+  </p:timing>
 </p:sld>
 </file>
 
-<file path=ppt/slides/slide13.xml><?xml version="1.0" encoding="utf-8"?>
+<file path=ppt/slides/slide16.xml><?xml version="1.0" encoding="utf-8"?>
+<p:sld xmlns:a="http://schemas.openxmlformats.org/drawingml/2006/main" xmlns:r="http://schemas.openxmlformats.org/officeDocument/2006/relationships" xmlns:p="http://schemas.openxmlformats.org/presentationml/2006/main">
+  <p:cSld>
+    <p:spTree>
+      <p:nvGrpSpPr>
+        <p:cNvPr id="1" name=""/>
+        <p:cNvGrpSpPr/>
+        <p:nvPr/>
+      </p:nvGrpSpPr>
+      <p:grpSpPr>
+        <a:xfrm>
+          <a:off x="0" y="0"/>
+          <a:ext cx="0" cy="0"/>
+          <a:chOff x="0" y="0"/>
+          <a:chExt cx="0" cy="0"/>
+        </a:xfrm>
+      </p:grpSpPr>
+      <p:sp>
+        <p:nvSpPr>
+          <p:cNvPr id="2" name="Title 1"/>
+          <p:cNvSpPr>
+            <a:spLocks noGrp="1"/>
+          </p:cNvSpPr>
+          <p:nvPr>
+            <p:ph type="title"/>
+          </p:nvPr>
+        </p:nvSpPr>
+        <p:spPr/>
+        <p:txBody>
+          <a:bodyPr/>
+          <a:lstStyle/>
+          <a:p>
+            <a:r>
+              <a:rPr lang="en-US" dirty="0" smtClean="0"/>
+              <a:t>Table events</a:t>
+            </a:r>
+            <a:endParaRPr lang="en-US" dirty="0"/>
+          </a:p>
+        </p:txBody>
+      </p:sp>
+      <p:sp>
+        <p:nvSpPr>
+          <p:cNvPr id="3" name="Content Placeholder 2"/>
+          <p:cNvSpPr>
+            <a:spLocks noGrp="1"/>
+          </p:cNvSpPr>
+          <p:nvPr>
+            <p:ph idx="1"/>
+          </p:nvPr>
+        </p:nvSpPr>
+        <p:spPr/>
+        <p:txBody>
+          <a:bodyPr/>
+          <a:lstStyle/>
+          <a:p>
+            <a:pPr>
+              <a:spcBef>
+                <a:spcPts val="600"/>
+              </a:spcBef>
+              <a:buClrTx/>
+              <a:buFontTx/>
+              <a:buNone/>
+            </a:pPr>
+            <a:r>
+              <a:rPr lang="en-US" sz="2000" dirty="0" err="1">
+                <a:latin typeface="Monaco" charset="0"/>
+              </a:rPr>
+              <a:t>table.addEventListener</a:t>
+            </a:r>
+            <a:r>
+              <a:rPr lang="en-US" sz="2000" dirty="0">
+                <a:latin typeface="Monaco" charset="0"/>
+              </a:rPr>
+              <a:t>('click', function(e){</a:t>
+            </a:r>
+          </a:p>
+          <a:p>
+            <a:pPr>
+              <a:spcBef>
+                <a:spcPts val="600"/>
+              </a:spcBef>
+              <a:buClrTx/>
+              <a:buFontTx/>
+              <a:buNone/>
+            </a:pPr>
+            <a:r>
+              <a:rPr lang="en-US" sz="2000" dirty="0">
+                <a:latin typeface="Monaco" charset="0"/>
+              </a:rPr>
+              <a:t>	alert('You clicked row '+</a:t>
+            </a:r>
+            <a:r>
+              <a:rPr lang="en-US" sz="2000" dirty="0" err="1">
+                <a:latin typeface="Monaco" charset="0"/>
+              </a:rPr>
+              <a:t>e.index</a:t>
+            </a:r>
+            <a:r>
+              <a:rPr lang="en-US" sz="2000" dirty="0">
+                <a:latin typeface="Monaco" charset="0"/>
+              </a:rPr>
+              <a:t>);</a:t>
+            </a:r>
+          </a:p>
+          <a:p>
+            <a:pPr>
+              <a:spcBef>
+                <a:spcPts val="600"/>
+              </a:spcBef>
+              <a:buClrTx/>
+              <a:buFontTx/>
+              <a:buNone/>
+            </a:pPr>
+            <a:r>
+              <a:rPr lang="en-US" sz="2000" dirty="0">
+                <a:latin typeface="Monaco" charset="0"/>
+              </a:rPr>
+              <a:t>});</a:t>
+            </a:r>
+          </a:p>
+          <a:p>
+            <a:endParaRPr lang="en-US" dirty="0" smtClean="0"/>
+          </a:p>
+          <a:p>
+            <a:r>
+              <a:rPr lang="en-US" dirty="0" smtClean="0"/>
+              <a:t>Key event object properties:</a:t>
+            </a:r>
+          </a:p>
+          <a:p>
+            <a:pPr marL="342900" indent="-342900">
+              <a:buFont typeface="Arial"/>
+              <a:buChar char="•"/>
+            </a:pPr>
+            <a:r>
+              <a:rPr lang="en-US" sz="2000" dirty="0" smtClean="0"/>
+              <a:t>index</a:t>
+            </a:r>
+          </a:p>
+          <a:p>
+            <a:pPr marL="342900" indent="-342900">
+              <a:buFont typeface="Arial"/>
+              <a:buChar char="•"/>
+            </a:pPr>
+            <a:r>
+              <a:rPr lang="en-US" sz="2000" dirty="0" smtClean="0"/>
+              <a:t>row</a:t>
+            </a:r>
+          </a:p>
+          <a:p>
+            <a:pPr marL="342900" indent="-342900">
+              <a:buFont typeface="Arial"/>
+              <a:buChar char="•"/>
+            </a:pPr>
+            <a:r>
+              <a:rPr lang="en-US" sz="2000" dirty="0" err="1" smtClean="0"/>
+              <a:t>rowData</a:t>
+            </a:r>
+            <a:endParaRPr lang="en-US" sz="2000" dirty="0" smtClean="0"/>
+          </a:p>
+          <a:p>
+            <a:pPr marL="342900" indent="-342900">
+              <a:buFont typeface="Arial"/>
+              <a:buChar char="•"/>
+            </a:pPr>
+            <a:r>
+              <a:rPr lang="en-US" sz="2000" dirty="0" smtClean="0"/>
+              <a:t>source</a:t>
+            </a:r>
+            <a:endParaRPr lang="en-US" sz="2000" dirty="0"/>
+          </a:p>
+          <a:p>
+            <a:endParaRPr lang="en-US" sz="2000" dirty="0"/>
+          </a:p>
+        </p:txBody>
+      </p:sp>
+    </p:spTree>
+    <p:extLst>
+      <p:ext uri="{BB962C8B-B14F-4D97-AF65-F5344CB8AC3E}">
+        <p14:creationId xmlns:p14="http://schemas.microsoft.com/office/powerpoint/2010/main" val="2425365866"/>
+      </p:ext>
+    </p:extLst>
+  </p:cSld>
+  <p:clrMapOvr>
+    <a:masterClrMapping/>
+  </p:clrMapOvr>
+  <p:timing>
+    <p:tnLst>
+      <p:par>
+        <p:cTn xmlns:p14="http://schemas.microsoft.com/office/powerpoint/2010/main" id="1" dur="indefinite" restart="never" nodeType="tmRoot"/>
+      </p:par>
+    </p:tnLst>
+  </p:timing>
+</p:sld>
+</file>
+
+<file path=ppt/slides/slide17.xml><?xml version="1.0" encoding="utf-8"?>
+<p:sld xmlns:a="http://schemas.openxmlformats.org/drawingml/2006/main" xmlns:r="http://schemas.openxmlformats.org/officeDocument/2006/relationships" xmlns:p="http://schemas.openxmlformats.org/presentationml/2006/main">
+  <p:cSld>
+    <p:spTree>
+      <p:nvGrpSpPr>
+        <p:cNvPr id="1" name=""/>
+        <p:cNvGrpSpPr/>
+        <p:nvPr/>
+      </p:nvGrpSpPr>
+      <p:grpSpPr>
+        <a:xfrm>
+          <a:off x="0" y="0"/>
+          <a:ext cx="0" cy="0"/>
+          <a:chOff x="0" y="0"/>
+          <a:chExt cx="0" cy="0"/>
+        </a:xfrm>
+      </p:grpSpPr>
+      <p:sp>
+        <p:nvSpPr>
+          <p:cNvPr id="2" name="Title 1"/>
+          <p:cNvSpPr>
+            <a:spLocks noGrp="1"/>
+          </p:cNvSpPr>
+          <p:nvPr>
+            <p:ph type="title"/>
+          </p:nvPr>
+        </p:nvSpPr>
+        <p:spPr/>
+        <p:txBody>
+          <a:bodyPr/>
+          <a:lstStyle/>
+          <a:p>
+            <a:r>
+              <a:rPr lang="en-US" dirty="0" smtClean="0"/>
+              <a:t>Table Extras</a:t>
+            </a:r>
+            <a:endParaRPr lang="en-US" dirty="0"/>
+          </a:p>
+        </p:txBody>
+      </p:sp>
+      <p:sp>
+        <p:nvSpPr>
+          <p:cNvPr id="3" name="Content Placeholder 2"/>
+          <p:cNvSpPr>
+            <a:spLocks noGrp="1"/>
+          </p:cNvSpPr>
+          <p:nvPr>
+            <p:ph idx="1"/>
+          </p:nvPr>
+        </p:nvSpPr>
+        <p:spPr/>
+        <p:txBody>
+          <a:bodyPr/>
+          <a:lstStyle/>
+          <a:p>
+            <a:r>
+              <a:rPr lang="en-US" dirty="0" smtClean="0"/>
+              <a:t>Pull to refresh</a:t>
+            </a:r>
+          </a:p>
+          <a:p>
+            <a:endParaRPr lang="en-US" dirty="0"/>
+          </a:p>
+          <a:p>
+            <a:r>
+              <a:rPr lang="en-US" dirty="0" smtClean="0"/>
+              <a:t>Dynamic scrolling</a:t>
+            </a:r>
+          </a:p>
+        </p:txBody>
+      </p:sp>
+    </p:spTree>
+    <p:extLst>
+      <p:ext uri="{BB962C8B-B14F-4D97-AF65-F5344CB8AC3E}">
+        <p14:creationId xmlns:p14="http://schemas.microsoft.com/office/powerpoint/2010/main" val="3958738375"/>
+      </p:ext>
+    </p:extLst>
+  </p:cSld>
+  <p:clrMapOvr>
+    <a:masterClrMapping/>
+  </p:clrMapOvr>
+  <p:timing>
+    <p:tnLst>
+      <p:par>
+        <p:cTn xmlns:p14="http://schemas.microsoft.com/office/powerpoint/2010/main" id="1" dur="indefinite" restart="never" nodeType="tmRoot"/>
+      </p:par>
+    </p:tnLst>
+  </p:timing>
+</p:sld>
+</file>
+
+<file path=ppt/slides/slide18.xml><?xml version="1.0" encoding="utf-8"?>
 <p:sld xmlns:a="http://schemas.openxmlformats.org/drawingml/2006/main" xmlns:r="http://schemas.openxmlformats.org/officeDocument/2006/relationships" xmlns:p="http://schemas.openxmlformats.org/presentationml/2006/main">
   <p:cSld>
     <p:spTree>
@@ -7774,7 +9112,7 @@
                 </a:solidFill>
                 <a:latin typeface="Trebuchet MS" charset="0"/>
               </a:rPr>
-              <a:t>Events</a:t>
+              <a:t>Q&amp;A</a:t>
             </a:r>
             <a:endParaRPr lang="en-US" sz="4800" i="1" dirty="0">
               <a:solidFill>
@@ -7786,6 +9124,11 @@
         </p:txBody>
       </p:sp>
     </p:spTree>
+    <p:extLst>
+      <p:ext uri="{BB962C8B-B14F-4D97-AF65-F5344CB8AC3E}">
+        <p14:creationId xmlns:p14="http://schemas.microsoft.com/office/powerpoint/2010/main" val="4095999683"/>
+      </p:ext>
+    </p:extLst>
   </p:cSld>
   <p:clrMapOvr>
     <a:masterClrMapping/>
@@ -7793,7 +9136,7 @@
 </p:sld>
 </file>
 
-<file path=ppt/slides/slide14.xml><?xml version="1.0" encoding="utf-8"?>
+<file path=ppt/slides/slide19.xml><?xml version="1.0" encoding="utf-8"?>
 <p:sld xmlns:a="http://schemas.openxmlformats.org/drawingml/2006/main" xmlns:r="http://schemas.openxmlformats.org/officeDocument/2006/relationships" xmlns:p="http://schemas.openxmlformats.org/presentationml/2006/main">
   <p:cSld>
     <p:spTree>
@@ -7827,7 +9170,128 @@
           <a:p>
             <a:r>
               <a:rPr lang="en-US" dirty="0" smtClean="0"/>
-              <a:t>Table events</a:t>
+              <a:t>Lab goals</a:t>
+            </a:r>
+            <a:endParaRPr lang="en-US" dirty="0"/>
+          </a:p>
+        </p:txBody>
+      </p:sp>
+      <p:pic>
+        <p:nvPicPr>
+          <p:cNvPr id="4" name="Picture 2"/>
+          <p:cNvPicPr>
+            <a:picLocks noGrp="1" noChangeAspect="1" noChangeArrowheads="1"/>
+          </p:cNvPicPr>
+          <p:nvPr>
+            <p:ph idx="1"/>
+          </p:nvPr>
+        </p:nvPicPr>
+        <p:blipFill>
+          <a:blip r:embed="rId3">
+            <a:extLst>
+              <a:ext uri="{28A0092B-C50C-407E-A947-70E740481C1C}">
+                <a14:useLocalDpi xmlns:a14="http://schemas.microsoft.com/office/drawing/2010/main" val="0"/>
+              </a:ext>
+            </a:extLst>
+          </a:blip>
+          <a:srcRect l="-79233" r="-79233"/>
+          <a:stretch>
+            <a:fillRect/>
+          </a:stretch>
+        </p:blipFill>
+        <p:spPr bwMode="auto">
+          <a:prstGeom prst="rect">
+            <a:avLst/>
+          </a:prstGeom>
+          <a:noFill/>
+          <a:ln>
+            <a:noFill/>
+          </a:ln>
+          <a:effectLst/>
+          <a:extLst>
+            <a:ext uri="{909E8E84-426E-40dd-AFC4-6F175D3DCCD1}">
+              <a14:hiddenFill xmlns:a14="http://schemas.microsoft.com/office/drawing/2010/main">
+                <a:blipFill dpi="0" rotWithShape="0">
+                  <a:blip/>
+                  <a:srcRect/>
+                  <a:stretch>
+                    <a:fillRect/>
+                  </a:stretch>
+                </a:blipFill>
+              </a14:hiddenFill>
+            </a:ext>
+            <a:ext uri="{91240B29-F687-4f45-9708-019B960494DF}">
+              <a14:hiddenLine xmlns:a14="http://schemas.microsoft.com/office/drawing/2010/main" w="9525">
+                <a:solidFill>
+                  <a:srgbClr val="000000"/>
+                </a:solidFill>
+                <a:round/>
+                <a:headEnd/>
+                <a:tailEnd/>
+              </a14:hiddenLine>
+            </a:ext>
+            <a:ext uri="{AF507438-7753-43e0-B8FC-AC1667EBCBE1}">
+              <a14:hiddenEffects xmlns:a14="http://schemas.microsoft.com/office/drawing/2010/main">
+                <a:effectLst>
+                  <a:outerShdw blurRad="63500" dist="38099" dir="2700000" algn="ctr" rotWithShape="0">
+                    <a:srgbClr val="000000">
+                      <a:alpha val="74998"/>
+                    </a:srgbClr>
+                  </a:outerShdw>
+                </a:effectLst>
+              </a14:hiddenEffects>
+            </a:ext>
+          </a:extLst>
+        </p:spPr>
+      </p:pic>
+    </p:spTree>
+    <p:extLst>
+      <p:ext uri="{BB962C8B-B14F-4D97-AF65-F5344CB8AC3E}">
+        <p14:creationId xmlns:p14="http://schemas.microsoft.com/office/powerpoint/2010/main" val="1237345480"/>
+      </p:ext>
+    </p:extLst>
+  </p:cSld>
+  <p:clrMapOvr>
+    <a:masterClrMapping/>
+  </p:clrMapOvr>
+</p:sld>
+</file>
+
+<file path=ppt/slides/slide2.xml><?xml version="1.0" encoding="utf-8"?>
+<p:sld xmlns:a="http://schemas.openxmlformats.org/drawingml/2006/main" xmlns:r="http://schemas.openxmlformats.org/officeDocument/2006/relationships" xmlns:p="http://schemas.openxmlformats.org/presentationml/2006/main">
+  <p:cSld>
+    <p:spTree>
+      <p:nvGrpSpPr>
+        <p:cNvPr id="1" name=""/>
+        <p:cNvGrpSpPr/>
+        <p:nvPr/>
+      </p:nvGrpSpPr>
+      <p:grpSpPr>
+        <a:xfrm>
+          <a:off x="0" y="0"/>
+          <a:ext cx="0" cy="0"/>
+          <a:chOff x="0" y="0"/>
+          <a:chExt cx="0" cy="0"/>
+        </a:xfrm>
+      </p:grpSpPr>
+      <p:sp>
+        <p:nvSpPr>
+          <p:cNvPr id="2" name="Title 1"/>
+          <p:cNvSpPr>
+            <a:spLocks noGrp="1"/>
+          </p:cNvSpPr>
+          <p:nvPr>
+            <p:ph type="title"/>
+          </p:nvPr>
+        </p:nvSpPr>
+        <p:spPr/>
+        <p:txBody>
+          <a:bodyPr/>
+          <a:lstStyle/>
+          <a:p>
+            <a:r>
+              <a:rPr lang="en-US" dirty="0" smtClean="0"/>
+              <a:t>Agenda</a:t>
             </a:r>
             <a:endParaRPr lang="en-US" dirty="0"/>
           </a:p>
@@ -7848,141 +9312,94 @@
           <a:bodyPr/>
           <a:lstStyle/>
           <a:p>
-            <a:pPr>
-              <a:spcBef>
-                <a:spcPts val="600"/>
-              </a:spcBef>
-              <a:buClrTx/>
-              <a:buFontTx/>
-              <a:buNone/>
-            </a:pPr>
-            <a:r>
-              <a:rPr lang="en-US" sz="2000" dirty="0" err="1">
-                <a:latin typeface="Monaco" charset="0"/>
-              </a:rPr>
-              <a:t>table.addEventListener</a:t>
-            </a:r>
-            <a:r>
-              <a:rPr lang="en-US" sz="2000" dirty="0">
-                <a:latin typeface="Monaco" charset="0"/>
-              </a:rPr>
-              <a:t>('click', function(e){</a:t>
-            </a:r>
-          </a:p>
-          <a:p>
-            <a:pPr>
-              <a:spcBef>
-                <a:spcPts val="600"/>
-              </a:spcBef>
-              <a:buClrTx/>
-              <a:buFontTx/>
-              <a:buNone/>
-            </a:pPr>
-            <a:r>
-              <a:rPr lang="en-US" sz="2000" dirty="0">
-                <a:latin typeface="Monaco" charset="0"/>
-              </a:rPr>
-              <a:t>	alert('You clicked row '+</a:t>
-            </a:r>
-            <a:r>
-              <a:rPr lang="en-US" sz="2000" dirty="0" err="1">
-                <a:latin typeface="Monaco" charset="0"/>
-              </a:rPr>
-              <a:t>e.index</a:t>
-            </a:r>
-            <a:r>
-              <a:rPr lang="en-US" sz="2000" dirty="0">
-                <a:latin typeface="Monaco" charset="0"/>
-              </a:rPr>
-              <a:t>);</a:t>
-            </a:r>
-          </a:p>
-          <a:p>
-            <a:pPr>
-              <a:spcBef>
-                <a:spcPts val="600"/>
-              </a:spcBef>
-              <a:buClrTx/>
-              <a:buFontTx/>
-              <a:buNone/>
-            </a:pPr>
-            <a:r>
-              <a:rPr lang="en-US" sz="2000" dirty="0">
-                <a:latin typeface="Monaco" charset="0"/>
-              </a:rPr>
-              <a:t>});</a:t>
-            </a:r>
-          </a:p>
-          <a:p>
-            <a:endParaRPr lang="en-US" dirty="0" smtClean="0"/>
-          </a:p>
-          <a:p>
+            <a:r>
+              <a:rPr lang="en-US" dirty="0" err="1" smtClean="0"/>
+              <a:t>TableView</a:t>
+            </a:r>
             <a:r>
               <a:rPr lang="en-US" dirty="0" smtClean="0"/>
-              <a:t>Key event object properties:</a:t>
-            </a:r>
-          </a:p>
-          <a:p>
-            <a:pPr marL="342900" indent="-342900">
-              <a:buFont typeface="Arial"/>
-              <a:buChar char="•"/>
-            </a:pPr>
-            <a:r>
-              <a:rPr lang="en-US" sz="2000" dirty="0" smtClean="0"/>
-              <a:t>index</a:t>
-            </a:r>
-          </a:p>
-          <a:p>
-            <a:pPr marL="342900" indent="-342900">
-              <a:buFont typeface="Arial"/>
-              <a:buChar char="•"/>
-            </a:pPr>
-            <a:r>
-              <a:rPr lang="en-US" sz="2000" dirty="0" smtClean="0"/>
-              <a:t>row</a:t>
-            </a:r>
-          </a:p>
-          <a:p>
-            <a:pPr marL="342900" indent="-342900">
-              <a:buFont typeface="Arial"/>
-              <a:buChar char="•"/>
-            </a:pPr>
-            <a:r>
-              <a:rPr lang="en-US" sz="2000" dirty="0" err="1" smtClean="0"/>
-              <a:t>rowData</a:t>
-            </a:r>
-            <a:endParaRPr lang="en-US" sz="2000" dirty="0" smtClean="0"/>
-          </a:p>
-          <a:p>
-            <a:pPr marL="342900" indent="-342900">
-              <a:buFont typeface="Arial"/>
-              <a:buChar char="•"/>
-            </a:pPr>
-            <a:r>
-              <a:rPr lang="en-US" sz="2000" dirty="0" smtClean="0"/>
-              <a:t>source</a:t>
-            </a:r>
-            <a:endParaRPr lang="en-US" sz="2000" dirty="0"/>
-          </a:p>
-          <a:p>
-            <a:endParaRPr lang="en-US" sz="2000" dirty="0"/>
+              <a:t> Examples</a:t>
+            </a:r>
+          </a:p>
+          <a:p>
+            <a:endParaRPr lang="en-US" dirty="0"/>
+          </a:p>
+          <a:p>
+            <a:r>
+              <a:rPr lang="en-US" dirty="0" err="1" smtClean="0"/>
+              <a:t>TableView</a:t>
+            </a:r>
+            <a:r>
+              <a:rPr lang="en-US" dirty="0"/>
+              <a:t> </a:t>
+            </a:r>
+            <a:r>
+              <a:rPr lang="en-US" dirty="0" smtClean="0"/>
+              <a:t>Basics and Beyond</a:t>
+            </a:r>
+          </a:p>
+          <a:p>
+            <a:endParaRPr lang="en-US" dirty="0"/>
+          </a:p>
+          <a:p>
+            <a:r>
+              <a:rPr lang="en-US" dirty="0" smtClean="0"/>
+              <a:t>Event Handling</a:t>
+            </a:r>
+          </a:p>
+          <a:p>
+            <a:endParaRPr lang="en-US" dirty="0"/>
+          </a:p>
+          <a:p>
+            <a:r>
+              <a:rPr lang="en-US" dirty="0" smtClean="0"/>
+              <a:t>Special Features (?)</a:t>
+            </a:r>
           </a:p>
         </p:txBody>
       </p:sp>
     </p:spTree>
     <p:extLst>
       <p:ext uri="{BB962C8B-B14F-4D97-AF65-F5344CB8AC3E}">
-        <p14:creationId xmlns:p14="http://schemas.microsoft.com/office/powerpoint/2010/main" val="2425365866"/>
+        <p14:creationId xmlns:p14="http://schemas.microsoft.com/office/powerpoint/2010/main" val="3892387562"/>
       </p:ext>
     </p:extLst>
   </p:cSld>
   <p:clrMapOvr>
     <a:masterClrMapping/>
   </p:clrMapOvr>
+  <p:transition xmlns:p14="http://schemas.microsoft.com/office/powerpoint/2010/main" spd="med"/>
+  <p:timing>
+    <p:tnLst>
+      <p:par>
+        <p:cTn xmlns:p14="http://schemas.microsoft.com/office/powerpoint/2010/main" id="1" dur="indefinite" restart="never" nodeType="tmRoot">
+          <p:childTnLst>
+            <p:seq concurrent="1" nextAc="seek">
+              <p:cTn id="2" dur="indefinite" nodeType="mainSeq"/>
+              <p:prevCondLst>
+                <p:cond evt="onPrev" delay="0">
+                  <p:tgtEl>
+                    <p:sldTgt/>
+                  </p:tgtEl>
+                </p:cond>
+              </p:prevCondLst>
+              <p:nextCondLst>
+                <p:cond evt="onNext" delay="0">
+                  <p:tgtEl>
+                    <p:sldTgt/>
+                  </p:tgtEl>
+                </p:cond>
+              </p:nextCondLst>
+            </p:seq>
+          </p:childTnLst>
+        </p:cTn>
+      </p:par>
+    </p:tnLst>
+  </p:timing>
 </p:sld>
 </file>
 
-<file path=ppt/slides/slide15.xml><?xml version="1.0" encoding="utf-8"?>
+<file path=ppt/slides/slide20.xml><?xml version="1.0" encoding="utf-8"?>
 <p:sld xmlns:a="http://schemas.openxmlformats.org/drawingml/2006/main" xmlns:r="http://schemas.openxmlformats.org/officeDocument/2006/relationships" xmlns:p="http://schemas.openxmlformats.org/presentationml/2006/main">
   <p:cSld>
     <p:spTree>
@@ -8081,250 +9498,6 @@
                 </a:solidFill>
                 <a:latin typeface="Trebuchet MS" charset="0"/>
               </a:rPr>
-              <a:t>Q&amp;A</a:t>
-            </a:r>
-            <a:endParaRPr lang="en-US" sz="4800" i="1" dirty="0">
-              <a:solidFill>
-                <a:srgbClr val="122956"/>
-              </a:solidFill>
-              <a:latin typeface="Trebuchet MS" charset="0"/>
-            </a:endParaRPr>
-          </a:p>
-        </p:txBody>
-      </p:sp>
-    </p:spTree>
-    <p:extLst>
-      <p:ext uri="{BB962C8B-B14F-4D97-AF65-F5344CB8AC3E}">
-        <p14:creationId xmlns:p14="http://schemas.microsoft.com/office/powerpoint/2010/main" val="4095999683"/>
-      </p:ext>
-    </p:extLst>
-  </p:cSld>
-  <p:clrMapOvr>
-    <a:masterClrMapping/>
-  </p:clrMapOvr>
-</p:sld>
-</file>
-
-<file path=ppt/slides/slide16.xml><?xml version="1.0" encoding="utf-8"?>
-<p:sld xmlns:a="http://schemas.openxmlformats.org/drawingml/2006/main" xmlns:r="http://schemas.openxmlformats.org/officeDocument/2006/relationships" xmlns:p="http://schemas.openxmlformats.org/presentationml/2006/main">
-  <p:cSld>
-    <p:spTree>
-      <p:nvGrpSpPr>
-        <p:cNvPr id="1" name=""/>
-        <p:cNvGrpSpPr/>
-        <p:nvPr/>
-      </p:nvGrpSpPr>
-      <p:grpSpPr>
-        <a:xfrm>
-          <a:off x="0" y="0"/>
-          <a:ext cx="0" cy="0"/>
-          <a:chOff x="0" y="0"/>
-          <a:chExt cx="0" cy="0"/>
-        </a:xfrm>
-      </p:grpSpPr>
-      <p:sp>
-        <p:nvSpPr>
-          <p:cNvPr id="2" name="Title 1"/>
-          <p:cNvSpPr>
-            <a:spLocks noGrp="1"/>
-          </p:cNvSpPr>
-          <p:nvPr>
-            <p:ph type="title"/>
-          </p:nvPr>
-        </p:nvSpPr>
-        <p:spPr/>
-        <p:txBody>
-          <a:bodyPr/>
-          <a:lstStyle/>
-          <a:p>
-            <a:r>
-              <a:rPr lang="en-US" dirty="0" smtClean="0"/>
-              <a:t>Lab goals</a:t>
-            </a:r>
-            <a:endParaRPr lang="en-US" dirty="0"/>
-          </a:p>
-        </p:txBody>
-      </p:sp>
-      <p:pic>
-        <p:nvPicPr>
-          <p:cNvPr id="4" name="Picture 2"/>
-          <p:cNvPicPr>
-            <a:picLocks noGrp="1" noChangeAspect="1" noChangeArrowheads="1"/>
-          </p:cNvPicPr>
-          <p:nvPr>
-            <p:ph idx="1"/>
-          </p:nvPr>
-        </p:nvPicPr>
-        <p:blipFill>
-          <a:blip r:embed="rId3">
-            <a:extLst>
-              <a:ext uri="{28A0092B-C50C-407E-A947-70E740481C1C}">
-                <a14:useLocalDpi xmlns:a14="http://schemas.microsoft.com/office/drawing/2010/main" val="0"/>
-              </a:ext>
-            </a:extLst>
-          </a:blip>
-          <a:srcRect l="-79233" r="-79233"/>
-          <a:stretch>
-            <a:fillRect/>
-          </a:stretch>
-        </p:blipFill>
-        <p:spPr bwMode="auto">
-          <a:prstGeom prst="rect">
-            <a:avLst/>
-          </a:prstGeom>
-          <a:noFill/>
-          <a:ln>
-            <a:noFill/>
-          </a:ln>
-          <a:effectLst/>
-          <a:extLst>
-            <a:ext uri="{909E8E84-426E-40dd-AFC4-6F175D3DCCD1}">
-              <a14:hiddenFill xmlns:a14="http://schemas.microsoft.com/office/drawing/2010/main">
-                <a:blipFill dpi="0" rotWithShape="0">
-                  <a:blip/>
-                  <a:srcRect/>
-                  <a:stretch>
-                    <a:fillRect/>
-                  </a:stretch>
-                </a:blipFill>
-              </a14:hiddenFill>
-            </a:ext>
-            <a:ext uri="{91240B29-F687-4f45-9708-019B960494DF}">
-              <a14:hiddenLine xmlns:a14="http://schemas.microsoft.com/office/drawing/2010/main" w="9525">
-                <a:solidFill>
-                  <a:srgbClr val="000000"/>
-                </a:solidFill>
-                <a:round/>
-                <a:headEnd/>
-                <a:tailEnd/>
-              </a14:hiddenLine>
-            </a:ext>
-            <a:ext uri="{AF507438-7753-43e0-B8FC-AC1667EBCBE1}">
-              <a14:hiddenEffects xmlns:a14="http://schemas.microsoft.com/office/drawing/2010/main">
-                <a:effectLst>
-                  <a:outerShdw blurRad="63500" dist="38099" dir="2700000" algn="ctr" rotWithShape="0">
-                    <a:srgbClr val="000000">
-                      <a:alpha val="74998"/>
-                    </a:srgbClr>
-                  </a:outerShdw>
-                </a:effectLst>
-              </a14:hiddenEffects>
-            </a:ext>
-          </a:extLst>
-        </p:spPr>
-      </p:pic>
-    </p:spTree>
-    <p:extLst>
-      <p:ext uri="{BB962C8B-B14F-4D97-AF65-F5344CB8AC3E}">
-        <p14:creationId xmlns:p14="http://schemas.microsoft.com/office/powerpoint/2010/main" val="1237345480"/>
-      </p:ext>
-    </p:extLst>
-  </p:cSld>
-  <p:clrMapOvr>
-    <a:masterClrMapping/>
-  </p:clrMapOvr>
-</p:sld>
-</file>
-
-<file path=ppt/slides/slide17.xml><?xml version="1.0" encoding="utf-8"?>
-<p:sld xmlns:a="http://schemas.openxmlformats.org/drawingml/2006/main" xmlns:r="http://schemas.openxmlformats.org/officeDocument/2006/relationships" xmlns:p="http://schemas.openxmlformats.org/presentationml/2006/main">
-  <p:cSld>
-    <p:spTree>
-      <p:nvGrpSpPr>
-        <p:cNvPr id="1" name=""/>
-        <p:cNvGrpSpPr/>
-        <p:nvPr/>
-      </p:nvGrpSpPr>
-      <p:grpSpPr>
-        <a:xfrm>
-          <a:off x="0" y="0"/>
-          <a:ext cx="0" cy="0"/>
-          <a:chOff x="0" y="0"/>
-          <a:chExt cx="0" cy="0"/>
-        </a:xfrm>
-      </p:grpSpPr>
-      <p:pic>
-        <p:nvPicPr>
-          <p:cNvPr id="23553" name="Picture 5" descr="raised_paper.png"/>
-          <p:cNvPicPr>
-            <a:picLocks noChangeAspect="1"/>
-          </p:cNvPicPr>
-          <p:nvPr/>
-        </p:nvPicPr>
-        <p:blipFill>
-          <a:blip r:embed="rId2">
-            <a:extLst>
-              <a:ext uri="{28A0092B-C50C-407E-A947-70E740481C1C}">
-                <a14:useLocalDpi xmlns:a14="http://schemas.microsoft.com/office/drawing/2010/main" val="0"/>
-              </a:ext>
-            </a:extLst>
-          </a:blip>
-          <a:srcRect/>
-          <a:stretch>
-            <a:fillRect/>
-          </a:stretch>
-        </p:blipFill>
-        <p:spPr bwMode="auto">
-          <a:xfrm>
-            <a:off x="1336675" y="2106613"/>
-            <a:ext cx="6456363" cy="2189162"/>
-          </a:xfrm>
-          <a:prstGeom prst="rect">
-            <a:avLst/>
-          </a:prstGeom>
-          <a:noFill/>
-          <a:ln>
-            <a:noFill/>
-          </a:ln>
-          <a:extLst>
-            <a:ext uri="{909E8E84-426E-40dd-AFC4-6F175D3DCCD1}">
-              <a14:hiddenFill xmlns:a14="http://schemas.microsoft.com/office/drawing/2010/main">
-                <a:solidFill>
-                  <a:srgbClr val="FFFFFF"/>
-                </a:solidFill>
-              </a14:hiddenFill>
-            </a:ext>
-            <a:ext uri="{91240B29-F687-4f45-9708-019B960494DF}">
-              <a14:hiddenLine xmlns:a14="http://schemas.microsoft.com/office/drawing/2010/main" w="9525">
-                <a:solidFill>
-                  <a:srgbClr val="000000"/>
-                </a:solidFill>
-                <a:miter lim="800000"/>
-                <a:headEnd/>
-                <a:tailEnd/>
-              </a14:hiddenLine>
-            </a:ext>
-          </a:extLst>
-        </p:spPr>
-      </p:pic>
-      <p:sp>
-        <p:nvSpPr>
-          <p:cNvPr id="23554" name="Title 1"/>
-          <p:cNvSpPr>
-            <a:spLocks noGrp="1"/>
-          </p:cNvSpPr>
-          <p:nvPr>
-            <p:ph type="ctrTitle" idx="4294967295"/>
-          </p:nvPr>
-        </p:nvSpPr>
-        <p:spPr>
-          <a:xfrm>
-            <a:off x="766763" y="2330450"/>
-            <a:ext cx="7772400" cy="1470025"/>
-          </a:xfrm>
-        </p:spPr>
-        <p:txBody>
-          <a:bodyPr/>
-          <a:lstStyle/>
-          <a:p>
-            <a:pPr algn="ctr"/>
-            <a:r>
-              <a:rPr lang="en-US" sz="4800" i="1" dirty="0" smtClean="0">
-                <a:solidFill>
-                  <a:srgbClr val="122956"/>
-                </a:solidFill>
-                <a:latin typeface="Trebuchet MS" charset="0"/>
-              </a:rPr>
               <a:t>Lab Exercise</a:t>
             </a:r>
             <a:endParaRPr lang="en-US" sz="4800" i="1" dirty="0">
@@ -8346,153 +9519,6 @@
   <p:clrMapOvr>
     <a:masterClrMapping/>
   </p:clrMapOvr>
-</p:sld>
-</file>
-
-<file path=ppt/slides/slide2.xml><?xml version="1.0" encoding="utf-8"?>
-<p:sld xmlns:a="http://schemas.openxmlformats.org/drawingml/2006/main" xmlns:r="http://schemas.openxmlformats.org/officeDocument/2006/relationships" xmlns:p="http://schemas.openxmlformats.org/presentationml/2006/main">
-  <p:cSld>
-    <p:spTree>
-      <p:nvGrpSpPr>
-        <p:cNvPr id="1" name=""/>
-        <p:cNvGrpSpPr/>
-        <p:nvPr/>
-      </p:nvGrpSpPr>
-      <p:grpSpPr>
-        <a:xfrm>
-          <a:off x="0" y="0"/>
-          <a:ext cx="0" cy="0"/>
-          <a:chOff x="0" y="0"/>
-          <a:chExt cx="0" cy="0"/>
-        </a:xfrm>
-      </p:grpSpPr>
-      <p:sp>
-        <p:nvSpPr>
-          <p:cNvPr id="2" name="Title 1"/>
-          <p:cNvSpPr>
-            <a:spLocks noGrp="1"/>
-          </p:cNvSpPr>
-          <p:nvPr>
-            <p:ph type="title"/>
-          </p:nvPr>
-        </p:nvSpPr>
-        <p:spPr/>
-        <p:txBody>
-          <a:bodyPr/>
-          <a:lstStyle/>
-          <a:p>
-            <a:r>
-              <a:rPr lang="en-US" dirty="0" smtClean="0"/>
-              <a:t>Agenda</a:t>
-            </a:r>
-            <a:endParaRPr lang="en-US" dirty="0"/>
-          </a:p>
-        </p:txBody>
-      </p:sp>
-      <p:sp>
-        <p:nvSpPr>
-          <p:cNvPr id="3" name="Content Placeholder 2"/>
-          <p:cNvSpPr>
-            <a:spLocks noGrp="1"/>
-          </p:cNvSpPr>
-          <p:nvPr>
-            <p:ph idx="1"/>
-          </p:nvPr>
-        </p:nvSpPr>
-        <p:spPr/>
-        <p:txBody>
-          <a:bodyPr/>
-          <a:lstStyle/>
-          <a:p>
-            <a:r>
-              <a:rPr lang="en-US" dirty="0" err="1" smtClean="0"/>
-              <a:t>TableView</a:t>
-            </a:r>
-            <a:r>
-              <a:rPr lang="en-US" dirty="0" smtClean="0"/>
-              <a:t> Examples</a:t>
-            </a:r>
-          </a:p>
-          <a:p>
-            <a:endParaRPr lang="en-US" dirty="0"/>
-          </a:p>
-          <a:p>
-            <a:r>
-              <a:rPr lang="en-US" dirty="0" err="1" smtClean="0"/>
-              <a:t>TableView</a:t>
-            </a:r>
-            <a:r>
-              <a:rPr lang="en-US" dirty="0"/>
-              <a:t> </a:t>
-            </a:r>
-            <a:r>
-              <a:rPr lang="en-US" dirty="0" smtClean="0"/>
-              <a:t>basics and beyond</a:t>
-            </a:r>
-          </a:p>
-          <a:p>
-            <a:endParaRPr lang="en-US" dirty="0"/>
-          </a:p>
-          <a:p>
-            <a:r>
-              <a:rPr lang="en-US" dirty="0" smtClean="0"/>
-              <a:t>Event </a:t>
-            </a:r>
-            <a:r>
-              <a:rPr lang="en-US" dirty="0" smtClean="0"/>
-              <a:t>handling</a:t>
-            </a:r>
-          </a:p>
-          <a:p>
-            <a:endParaRPr lang="en-US" dirty="0"/>
-          </a:p>
-          <a:p>
-            <a:r>
-              <a:rPr lang="en-US" dirty="0" smtClean="0"/>
-              <a:t>Special features (?)</a:t>
-            </a:r>
-            <a:endParaRPr lang="en-US" dirty="0" smtClean="0"/>
-          </a:p>
-        </p:txBody>
-      </p:sp>
-    </p:spTree>
-    <p:extLst>
-      <p:ext uri="{BB962C8B-B14F-4D97-AF65-F5344CB8AC3E}">
-        <p14:creationId xmlns:p14="http://schemas.microsoft.com/office/powerpoint/2010/main" val="3892387562"/>
-      </p:ext>
-    </p:extLst>
-  </p:cSld>
-  <p:clrMapOvr>
-    <a:masterClrMapping/>
-  </p:clrMapOvr>
-  <p:transition xmlns:p14="http://schemas.microsoft.com/office/powerpoint/2010/main" spd="med"/>
-  <p:timing>
-    <p:tnLst>
-      <p:par>
-        <p:cTn xmlns:p14="http://schemas.microsoft.com/office/powerpoint/2010/main" id="1" dur="indefinite" restart="never" nodeType="tmRoot">
-          <p:childTnLst>
-            <p:seq concurrent="1" nextAc="seek">
-              <p:cTn id="2" dur="indefinite" nodeType="mainSeq"/>
-              <p:prevCondLst>
-                <p:cond evt="onPrev" delay="0">
-                  <p:tgtEl>
-                    <p:sldTgt/>
-                  </p:tgtEl>
-                </p:cond>
-              </p:prevCondLst>
-              <p:nextCondLst>
-                <p:cond evt="onNext" delay="0">
-                  <p:tgtEl>
-                    <p:sldTgt/>
-                  </p:tgtEl>
-                </p:cond>
-              </p:nextCondLst>
-            </p:seq>
-          </p:childTnLst>
-        </p:cTn>
-      </p:par>
-    </p:tnLst>
-  </p:timing>
 </p:sld>
 </file>
 
@@ -8560,7 +9586,7 @@
           <a:p>
             <a:r>
               <a:rPr lang="en-US" dirty="0" smtClean="0"/>
-              <a:t>Examples of tables</a:t>
+              <a:t>Examples</a:t>
             </a:r>
             <a:endParaRPr lang="en-US" dirty="0"/>
           </a:p>
@@ -9707,15 +10733,7 @@
           <a:p>
             <a:r>
               <a:rPr lang="en-US" dirty="0" smtClean="0"/>
-              <a:t>Table rows </a:t>
-            </a:r>
-            <a:r>
-              <a:rPr lang="en-US" dirty="0" smtClean="0"/>
-              <a:t>– </a:t>
-            </a:r>
-            <a:r>
-              <a:rPr lang="en-US" dirty="0" smtClean="0"/>
-              <a:t>anonymous objects</a:t>
+              <a:t>Table Rows with Anonymous Objects</a:t>
             </a:r>
             <a:endParaRPr lang="en-US" dirty="0"/>
           </a:p>
@@ -9933,14 +10951,7 @@
                 <a:latin typeface="Courier"/>
                 <a:cs typeface="Courier"/>
               </a:rPr>
-              <a:t>tbl</a:t>
-            </a:r>
-            <a:r>
-              <a:rPr lang="en-US" sz="2000" dirty="0" err="1" smtClean="0">
-                <a:latin typeface="Courier"/>
-                <a:cs typeface="Courier"/>
-              </a:rPr>
-              <a:t>_data</a:t>
+              <a:t>tbl_data</a:t>
             </a:r>
             <a:r>
               <a:rPr lang="en-US" sz="2000" dirty="0" smtClean="0">
@@ -10012,6 +11023,10 @@
               <a:rPr lang="en-US" dirty="0" err="1" smtClean="0"/>
               <a:t>TableViewRow</a:t>
             </a:r>
+            <a:r>
+              <a:rPr lang="en-US" dirty="0" smtClean="0"/>
+              <a:t> Object</a:t>
+            </a:r>
             <a:endParaRPr lang="en-US" dirty="0"/>
           </a:p>
         </p:txBody>
@@ -10134,18 +11149,30 @@
             </a:r>
           </a:p>
           <a:p>
+            <a:pPr marL="800100" lvl="1" indent="-342900">
+              <a:buFont typeface="Arial"/>
+              <a:buChar char="•"/>
+            </a:pPr>
             <a:r>
               <a:rPr lang="en-US" dirty="0" smtClean="0"/>
               <a:t>title</a:t>
             </a:r>
           </a:p>
           <a:p>
+            <a:pPr marL="800100" lvl="1" indent="-342900">
+              <a:buFont typeface="Arial"/>
+              <a:buChar char="•"/>
+            </a:pPr>
             <a:r>
               <a:rPr lang="en-US" dirty="0" smtClean="0"/>
               <a:t>height / width / top / left</a:t>
             </a:r>
           </a:p>
           <a:p>
+            <a:pPr marL="800100" lvl="1" indent="-342900">
+              <a:buFont typeface="Arial"/>
+              <a:buChar char="•"/>
+            </a:pPr>
             <a:r>
               <a:rPr lang="en-US" dirty="0" smtClean="0"/>
               <a:t>color / </a:t>
@@ -10157,17 +11184,17 @@
             <a:endParaRPr lang="en-US" dirty="0" smtClean="0"/>
           </a:p>
           <a:p>
+            <a:pPr marL="800100" lvl="1" indent="-342900">
+              <a:buFont typeface="Arial"/>
+              <a:buChar char="•"/>
+            </a:pPr>
             <a:r>
               <a:rPr lang="en-US" dirty="0" err="1" smtClean="0"/>
               <a:t>leftImage</a:t>
             </a:r>
             <a:r>
               <a:rPr lang="en-US" dirty="0" smtClean="0"/>
-              <a:t> </a:t>
-            </a:r>
-            <a:r>
-              <a:rPr lang="en-US" dirty="0" smtClean="0"/>
-              <a:t>/ </a:t>
+              <a:t> / </a:t>
             </a:r>
             <a:r>
               <a:rPr lang="en-US" dirty="0" err="1" smtClean="0"/>
@@ -10294,7 +11321,7 @@
           <a:p>
             <a:r>
               <a:rPr lang="en-US" dirty="0" smtClean="0"/>
-              <a:t>Row indicators</a:t>
+              <a:t>Row Indicators</a:t>
             </a:r>
             <a:endParaRPr lang="en-US" dirty="0"/>
           </a:p>
@@ -10708,7 +11735,7 @@
           <a:p>
             <a:r>
               <a:rPr lang="en-US" dirty="0" smtClean="0"/>
-              <a:t>Basic table and row properties</a:t>
+              <a:t>Basic Table and Row Properties</a:t>
             </a:r>
             <a:endParaRPr lang="en-US" dirty="0"/>
           </a:p>
@@ -11543,6 +12570,13 @@
   <p:clrMapOvr>
     <a:masterClrMapping/>
   </p:clrMapOvr>
+  <p:timing>
+    <p:tnLst>
+      <p:par>
+        <p:cTn xmlns:p14="http://schemas.microsoft.com/office/powerpoint/2010/main" id="1" dur="indefinite" restart="never" nodeType="tmRoot"/>
+      </p:par>
+    </p:tnLst>
+  </p:timing>
 </p:sld>
 </file>
 
@@ -11580,7 +12614,7 @@
           <a:p>
             <a:r>
               <a:rPr lang="en-US" dirty="0" smtClean="0"/>
-              <a:t>Custom table rows</a:t>
+              <a:t>Custom Table Rows</a:t>
             </a:r>
             <a:endParaRPr lang="en-US" dirty="0"/>
           </a:p>
@@ -11621,7 +12655,15 @@
           <a:p>
             <a:r>
               <a:rPr lang="en-US" dirty="0" smtClean="0"/>
-              <a:t>Elements accessible via children[]</a:t>
+              <a:t>Elements </a:t>
+            </a:r>
+            <a:r>
+              <a:rPr lang="en-US" dirty="0"/>
+              <a:t>a</a:t>
+            </a:r>
+            <a:r>
+              <a:rPr lang="en-US" dirty="0" smtClean="0"/>
+              <a:t>ccessible via children[]</a:t>
             </a:r>
             <a:endParaRPr lang="en-US" dirty="0"/>
           </a:p>
@@ -11636,7 +12678,7 @@
           <p:nvPr/>
         </p:nvPicPr>
         <p:blipFill>
-          <a:blip r:embed="rId2">
+          <a:blip r:embed="rId3">
             <a:extLst>
               <a:ext uri="{28A0092B-C50C-407E-A947-70E740481C1C}">
                 <a14:useLocalDpi xmlns:a14="http://schemas.microsoft.com/office/drawing/2010/main" val="0"/>
@@ -11697,6 +12739,422 @@
           </a:extLst>
         </p:spPr>
       </p:pic>
+      <p:pic>
+        <p:nvPicPr>
+          <p:cNvPr id="5" name="Picture 36" descr="tv_advert.png"/>
+          <p:cNvPicPr>
+            <a:picLocks noChangeAspect="1"/>
+          </p:cNvPicPr>
+          <p:nvPr/>
+        </p:nvPicPr>
+        <p:blipFill>
+          <a:blip r:embed="rId4">
+            <a:extLst>
+              <a:ext uri="{28A0092B-C50C-407E-A947-70E740481C1C}">
+                <a14:useLocalDpi xmlns:a14="http://schemas.microsoft.com/office/drawing/2010/main" val="0"/>
+              </a:ext>
+            </a:extLst>
+          </a:blip>
+          <a:srcRect/>
+          <a:stretch>
+            <a:fillRect/>
+          </a:stretch>
+        </p:blipFill>
+        <p:spPr bwMode="auto">
+          <a:xfrm>
+            <a:off x="8543606" y="0"/>
+            <a:ext cx="480315" cy="481263"/>
+          </a:xfrm>
+          <a:prstGeom prst="rect">
+            <a:avLst/>
+          </a:prstGeom>
+          <a:noFill/>
+          <a:ln>
+            <a:noFill/>
+          </a:ln>
+          <a:extLst>
+            <a:ext uri="{909E8E84-426E-40dd-AFC4-6F175D3DCCD1}">
+              <a14:hiddenFill xmlns:a14="http://schemas.microsoft.com/office/drawing/2010/main">
+                <a:solidFill>
+                  <a:srgbClr val="FFFFFF"/>
+                </a:solidFill>
+              </a14:hiddenFill>
+            </a:ext>
+            <a:ext uri="{91240B29-F687-4f45-9708-019B960494DF}">
+              <a14:hiddenLine xmlns:a14="http://schemas.microsoft.com/office/drawing/2010/main" w="9525">
+                <a:solidFill>
+                  <a:srgbClr val="000000"/>
+                </a:solidFill>
+                <a:miter lim="800000"/>
+                <a:headEnd/>
+                <a:tailEnd/>
+              </a14:hiddenLine>
+            </a:ext>
+          </a:extLst>
+        </p:spPr>
+      </p:pic>
+      <p:grpSp>
+        <p:nvGrpSpPr>
+          <p:cNvPr id="15" name="Group 14"/>
+          <p:cNvGrpSpPr/>
+          <p:nvPr/>
+        </p:nvGrpSpPr>
+        <p:grpSpPr>
+          <a:xfrm>
+            <a:off x="6201623" y="1732842"/>
+            <a:ext cx="2585751" cy="2000957"/>
+            <a:chOff x="6201623" y="1732842"/>
+            <a:chExt cx="2585751" cy="2000957"/>
+          </a:xfrm>
+        </p:grpSpPr>
+        <p:sp>
+          <p:nvSpPr>
+            <p:cNvPr id="7" name="Line 8"/>
+            <p:cNvSpPr>
+              <a:spLocks noChangeShapeType="1"/>
+            </p:cNvSpPr>
+            <p:nvPr/>
+          </p:nvSpPr>
+          <p:spPr bwMode="auto">
+            <a:xfrm flipV="1">
+              <a:off x="6902599" y="2182232"/>
+              <a:ext cx="593848" cy="1037138"/>
+            </a:xfrm>
+            <a:prstGeom prst="line">
+              <a:avLst/>
+            </a:prstGeom>
+            <a:noFill/>
+            <a:ln w="38100">
+              <a:solidFill>
+                <a:srgbClr val="9C030B"/>
+              </a:solidFill>
+              <a:round/>
+              <a:headEnd type="stealth" w="med" len="med"/>
+              <a:tailEnd/>
+            </a:ln>
+            <a:extLst>
+              <a:ext uri="{909E8E84-426E-40dd-AFC4-6F175D3DCCD1}">
+                <a14:hiddenFill xmlns:a14="http://schemas.microsoft.com/office/drawing/2010/main">
+                  <a:noFill/>
+                </a14:hiddenFill>
+              </a:ext>
+            </a:extLst>
+          </p:spPr>
+          <p:txBody>
+            <a:bodyPr lIns="0" tIns="0" rIns="0" bIns="0"/>
+            <a:lstStyle/>
+            <a:p>
+              <a:endParaRPr lang="en-US"/>
+            </a:p>
+          </p:txBody>
+        </p:sp>
+        <p:sp>
+          <p:nvSpPr>
+            <p:cNvPr id="9" name="Rectangle 3"/>
+            <p:cNvSpPr>
+              <a:spLocks/>
+            </p:cNvSpPr>
+            <p:nvPr/>
+          </p:nvSpPr>
+          <p:spPr bwMode="auto">
+            <a:xfrm>
+              <a:off x="6201623" y="1732842"/>
+              <a:ext cx="2585751" cy="461665"/>
+            </a:xfrm>
+            <a:prstGeom prst="rect">
+              <a:avLst/>
+            </a:prstGeom>
+            <a:solidFill>
+              <a:srgbClr val="9C030B"/>
+            </a:solidFill>
+            <a:ln>
+              <a:noFill/>
+            </a:ln>
+            <a:effectLst>
+              <a:outerShdw blurRad="50800" dist="38100" dir="2700000" algn="tl" rotWithShape="0">
+                <a:prstClr val="black">
+                  <a:alpha val="40000"/>
+                </a:prstClr>
+              </a:outerShdw>
+            </a:effectLst>
+            <a:extLst>
+              <a:ext uri="{91240B29-F687-4f45-9708-019B960494DF}">
+                <a14:hiddenLine xmlns:a14="http://schemas.microsoft.com/office/drawing/2010/main" w="9525">
+                  <a:solidFill>
+                    <a:srgbClr val="000000"/>
+                  </a:solidFill>
+                  <a:miter lim="800000"/>
+                  <a:headEnd/>
+                  <a:tailEnd/>
+                </a14:hiddenLine>
+              </a:ext>
+            </a:extLst>
+          </p:spPr>
+          <p:txBody>
+            <a:bodyPr wrap="square" tIns="91440" bIns="91440" anchor="ctr">
+              <a:spAutoFit/>
+            </a:bodyPr>
+            <a:lstStyle/>
+            <a:p>
+              <a:pPr marL="39688" algn="ctr"/>
+              <a:r>
+                <a:rPr lang="en-US" sz="1800" dirty="0" smtClean="0">
+                  <a:solidFill>
+                    <a:schemeClr val="bg1"/>
+                  </a:solidFill>
+                  <a:cs typeface="Trebuchet MS" charset="0"/>
+                </a:rPr>
+                <a:t>Labels</a:t>
+              </a:r>
+              <a:endParaRPr lang="en-US" sz="1800" dirty="0">
+                <a:solidFill>
+                  <a:schemeClr val="bg1"/>
+                </a:solidFill>
+                <a:cs typeface="Trebuchet MS" charset="0"/>
+              </a:endParaRPr>
+            </a:p>
+          </p:txBody>
+        </p:sp>
+        <p:sp>
+          <p:nvSpPr>
+            <p:cNvPr id="10" name="Line 8"/>
+            <p:cNvSpPr>
+              <a:spLocks noChangeShapeType="1"/>
+            </p:cNvSpPr>
+            <p:nvPr/>
+          </p:nvSpPr>
+          <p:spPr bwMode="auto">
+            <a:xfrm flipV="1">
+              <a:off x="7315200" y="2194506"/>
+              <a:ext cx="181247" cy="1539293"/>
+            </a:xfrm>
+            <a:prstGeom prst="line">
+              <a:avLst/>
+            </a:prstGeom>
+            <a:noFill/>
+            <a:ln w="38100">
+              <a:solidFill>
+                <a:srgbClr val="9C030B"/>
+              </a:solidFill>
+              <a:round/>
+              <a:headEnd type="stealth" w="med" len="med"/>
+              <a:tailEnd/>
+            </a:ln>
+            <a:extLst>
+              <a:ext uri="{909E8E84-426E-40dd-AFC4-6F175D3DCCD1}">
+                <a14:hiddenFill xmlns:a14="http://schemas.microsoft.com/office/drawing/2010/main">
+                  <a:noFill/>
+                </a14:hiddenFill>
+              </a:ext>
+            </a:extLst>
+          </p:spPr>
+          <p:txBody>
+            <a:bodyPr lIns="0" tIns="0" rIns="0" bIns="0"/>
+            <a:lstStyle/>
+            <a:p>
+              <a:endParaRPr lang="en-US"/>
+            </a:p>
+          </p:txBody>
+        </p:sp>
+        <p:sp>
+          <p:nvSpPr>
+            <p:cNvPr id="11" name="Line 8"/>
+            <p:cNvSpPr>
+              <a:spLocks noChangeShapeType="1"/>
+            </p:cNvSpPr>
+            <p:nvPr/>
+          </p:nvSpPr>
+          <p:spPr bwMode="auto">
+            <a:xfrm flipH="1" flipV="1">
+              <a:off x="7496447" y="2194507"/>
+              <a:ext cx="197274" cy="1306926"/>
+            </a:xfrm>
+            <a:prstGeom prst="line">
+              <a:avLst/>
+            </a:prstGeom>
+            <a:noFill/>
+            <a:ln w="38100">
+              <a:solidFill>
+                <a:srgbClr val="9C030B"/>
+              </a:solidFill>
+              <a:round/>
+              <a:headEnd type="stealth" w="med" len="med"/>
+              <a:tailEnd/>
+            </a:ln>
+            <a:extLst>
+              <a:ext uri="{909E8E84-426E-40dd-AFC4-6F175D3DCCD1}">
+                <a14:hiddenFill xmlns:a14="http://schemas.microsoft.com/office/drawing/2010/main">
+                  <a:noFill/>
+                </a14:hiddenFill>
+              </a:ext>
+            </a:extLst>
+          </p:spPr>
+          <p:txBody>
+            <a:bodyPr lIns="0" tIns="0" rIns="0" bIns="0"/>
+            <a:lstStyle/>
+            <a:p>
+              <a:endParaRPr lang="en-US"/>
+            </a:p>
+          </p:txBody>
+        </p:sp>
+      </p:grpSp>
+      <p:grpSp>
+        <p:nvGrpSpPr>
+          <p:cNvPr id="14" name="Group 13"/>
+          <p:cNvGrpSpPr/>
+          <p:nvPr/>
+        </p:nvGrpSpPr>
+        <p:grpSpPr>
+          <a:xfrm>
+            <a:off x="3180035" y="3612394"/>
+            <a:ext cx="3601764" cy="1073656"/>
+            <a:chOff x="3180035" y="3612394"/>
+            <a:chExt cx="3601764" cy="1073656"/>
+          </a:xfrm>
+        </p:grpSpPr>
+        <p:sp>
+          <p:nvSpPr>
+            <p:cNvPr id="6" name="Rectangle 3"/>
+            <p:cNvSpPr>
+              <a:spLocks/>
+            </p:cNvSpPr>
+            <p:nvPr/>
+          </p:nvSpPr>
+          <p:spPr bwMode="auto">
+            <a:xfrm>
+              <a:off x="3180035" y="4224385"/>
+              <a:ext cx="2619185" cy="461665"/>
+            </a:xfrm>
+            <a:prstGeom prst="rect">
+              <a:avLst/>
+            </a:prstGeom>
+            <a:solidFill>
+              <a:srgbClr val="9C030B"/>
+            </a:solidFill>
+            <a:ln>
+              <a:noFill/>
+            </a:ln>
+            <a:extLst>
+              <a:ext uri="{91240B29-F687-4f45-9708-019B960494DF}">
+                <a14:hiddenLine xmlns:a14="http://schemas.microsoft.com/office/drawing/2010/main" w="9525">
+                  <a:solidFill>
+                    <a:srgbClr val="000000"/>
+                  </a:solidFill>
+                  <a:miter lim="800000"/>
+                  <a:headEnd/>
+                  <a:tailEnd/>
+                </a14:hiddenLine>
+              </a:ext>
+            </a:extLst>
+          </p:spPr>
+          <p:txBody>
+            <a:bodyPr wrap="square" tIns="91440" bIns="91440" anchor="ctr">
+              <a:spAutoFit/>
+            </a:bodyPr>
+            <a:lstStyle/>
+            <a:p>
+              <a:pPr marL="39688" algn="ctr"/>
+              <a:r>
+                <a:rPr lang="en-US" sz="1800" dirty="0" err="1" smtClean="0">
+                  <a:solidFill>
+                    <a:schemeClr val="bg1"/>
+                  </a:solidFill>
+                  <a:cs typeface="Trebuchet MS" charset="0"/>
+                </a:rPr>
+                <a:t>ImageViews</a:t>
+              </a:r>
+              <a:endParaRPr lang="en-US" sz="1800" dirty="0">
+                <a:solidFill>
+                  <a:schemeClr val="bg1"/>
+                </a:solidFill>
+                <a:cs typeface="Trebuchet MS" charset="0"/>
+              </a:endParaRPr>
+            </a:p>
+          </p:txBody>
+        </p:sp>
+        <p:sp>
+          <p:nvSpPr>
+            <p:cNvPr id="12" name="Line 8"/>
+            <p:cNvSpPr>
+              <a:spLocks noChangeShapeType="1"/>
+            </p:cNvSpPr>
+            <p:nvPr/>
+          </p:nvSpPr>
+          <p:spPr bwMode="auto">
+            <a:xfrm flipH="1">
+              <a:off x="5799220" y="3612394"/>
+              <a:ext cx="612213" cy="842824"/>
+            </a:xfrm>
+            <a:prstGeom prst="line">
+              <a:avLst/>
+            </a:prstGeom>
+            <a:noFill/>
+            <a:ln w="38100">
+              <a:solidFill>
+                <a:srgbClr val="9C030B"/>
+              </a:solidFill>
+              <a:round/>
+              <a:headEnd type="stealth" w="med" len="med"/>
+              <a:tailEnd/>
+            </a:ln>
+            <a:extLst>
+              <a:ext uri="{909E8E84-426E-40dd-AFC4-6F175D3DCCD1}">
+                <a14:hiddenFill xmlns:a14="http://schemas.microsoft.com/office/drawing/2010/main">
+                  <a:noFill/>
+                </a14:hiddenFill>
+              </a:ext>
+            </a:extLst>
+          </p:spPr>
+          <p:txBody>
+            <a:bodyPr lIns="0" tIns="0" rIns="0" bIns="0"/>
+            <a:lstStyle/>
+            <a:p>
+              <a:endParaRPr lang="en-US"/>
+            </a:p>
+          </p:txBody>
+        </p:sp>
+        <p:sp>
+          <p:nvSpPr>
+            <p:cNvPr id="13" name="Line 8"/>
+            <p:cNvSpPr>
+              <a:spLocks noChangeShapeType="1"/>
+            </p:cNvSpPr>
+            <p:nvPr/>
+          </p:nvSpPr>
+          <p:spPr bwMode="auto">
+            <a:xfrm flipH="1">
+              <a:off x="5791329" y="3886200"/>
+              <a:ext cx="990470" cy="573470"/>
+            </a:xfrm>
+            <a:prstGeom prst="line">
+              <a:avLst/>
+            </a:prstGeom>
+            <a:noFill/>
+            <a:ln w="38100">
+              <a:solidFill>
+                <a:srgbClr val="9C030B"/>
+              </a:solidFill>
+              <a:round/>
+              <a:headEnd type="stealth" w="med" len="med"/>
+              <a:tailEnd/>
+            </a:ln>
+            <a:extLst>
+              <a:ext uri="{909E8E84-426E-40dd-AFC4-6F175D3DCCD1}">
+                <a14:hiddenFill xmlns:a14="http://schemas.microsoft.com/office/drawing/2010/main">
+                  <a:noFill/>
+                </a14:hiddenFill>
+              </a:ext>
+            </a:extLst>
+          </p:spPr>
+          <p:txBody>
+            <a:bodyPr lIns="0" tIns="0" rIns="0" bIns="0"/>
+            <a:lstStyle/>
+            <a:p>
+              <a:endParaRPr lang="en-US"/>
+            </a:p>
+          </p:txBody>
+        </p:sp>
+      </p:grpSp>
     </p:spTree>
     <p:extLst>
       <p:ext uri="{BB962C8B-B14F-4D97-AF65-F5344CB8AC3E}">
@@ -11707,6 +13165,489 @@
   <p:clrMapOvr>
     <a:masterClrMapping/>
   </p:clrMapOvr>
+  <p:timing>
+    <p:tnLst>
+      <p:par>
+        <p:cTn xmlns:p14="http://schemas.microsoft.com/office/powerpoint/2010/main" id="1" dur="indefinite" restart="never" nodeType="tmRoot">
+          <p:childTnLst>
+            <p:seq concurrent="1" nextAc="seek">
+              <p:cTn id="2" dur="indefinite" nodeType="mainSeq">
+                <p:childTnLst>
+                  <p:par>
+                    <p:cTn id="3" fill="hold">
+                      <p:stCondLst>
+                        <p:cond delay="indefinite"/>
+                      </p:stCondLst>
+                      <p:childTnLst>
+                        <p:par>
+                          <p:cTn id="4" fill="hold">
+                            <p:stCondLst>
+                              <p:cond delay="0"/>
+                            </p:stCondLst>
+                            <p:childTnLst>
+                              <p:par>
+                                <p:cTn id="5" presetID="2" presetClass="entr" presetSubtype="4" fill="hold" grpId="0" nodeType="clickEffect">
+                                  <p:stCondLst>
+                                    <p:cond delay="0"/>
+                                  </p:stCondLst>
+                                  <p:childTnLst>
+                                    <p:set>
+                                      <p:cBhvr>
+                                        <p:cTn id="6" dur="1" fill="hold">
+                                          <p:stCondLst>
+                                            <p:cond delay="0"/>
+                                          </p:stCondLst>
+                                        </p:cTn>
+                                        <p:tgtEl>
+                                          <p:spTgt spid="3">
+                                            <p:txEl>
+                                              <p:pRg st="0" end="0"/>
+                                            </p:txEl>
+                                          </p:spTgt>
+                                        </p:tgtEl>
+                                        <p:attrNameLst>
+                                          <p:attrName>style.visibility</p:attrName>
+                                        </p:attrNameLst>
+                                      </p:cBhvr>
+                                      <p:to>
+                                        <p:strVal val="visible"/>
+                                      </p:to>
+                                    </p:set>
+                                    <p:anim calcmode="lin" valueType="num">
+                                      <p:cBhvr additive="base">
+                                        <p:cTn id="7" dur="500" fill="hold"/>
+                                        <p:tgtEl>
+                                          <p:spTgt spid="3">
+                                            <p:txEl>
+                                              <p:pRg st="0" end="0"/>
+                                            </p:txEl>
+                                          </p:spTgt>
+                                        </p:tgtEl>
+                                        <p:attrNameLst>
+                                          <p:attrName>ppt_x</p:attrName>
+                                        </p:attrNameLst>
+                                      </p:cBhvr>
+                                      <p:tavLst>
+                                        <p:tav tm="0">
+                                          <p:val>
+                                            <p:strVal val="#ppt_x"/>
+                                          </p:val>
+                                        </p:tav>
+                                        <p:tav tm="100000">
+                                          <p:val>
+                                            <p:strVal val="#ppt_x"/>
+                                          </p:val>
+                                        </p:tav>
+                                      </p:tavLst>
+                                    </p:anim>
+                                    <p:anim calcmode="lin" valueType="num">
+                                      <p:cBhvr additive="base">
+                                        <p:cTn id="8" dur="500" fill="hold"/>
+                                        <p:tgtEl>
+                                          <p:spTgt spid="3">
+                                            <p:txEl>
+                                              <p:pRg st="0" end="0"/>
+                                            </p:txEl>
+                                          </p:spTgt>
+                                        </p:tgtEl>
+                                        <p:attrNameLst>
+                                          <p:attrName>ppt_y</p:attrName>
+                                        </p:attrNameLst>
+                                      </p:cBhvr>
+                                      <p:tavLst>
+                                        <p:tav tm="0">
+                                          <p:val>
+                                            <p:strVal val="1+#ppt_h/2"/>
+                                          </p:val>
+                                        </p:tav>
+                                        <p:tav tm="100000">
+                                          <p:val>
+                                            <p:strVal val="#ppt_y"/>
+                                          </p:val>
+                                        </p:tav>
+                                      </p:tavLst>
+                                    </p:anim>
+                                  </p:childTnLst>
+                                </p:cTn>
+                              </p:par>
+                            </p:childTnLst>
+                          </p:cTn>
+                        </p:par>
+                      </p:childTnLst>
+                    </p:cTn>
+                  </p:par>
+                  <p:par>
+                    <p:cTn id="9" fill="hold">
+                      <p:stCondLst>
+                        <p:cond delay="indefinite"/>
+                      </p:stCondLst>
+                      <p:childTnLst>
+                        <p:par>
+                          <p:cTn id="10" fill="hold">
+                            <p:stCondLst>
+                              <p:cond delay="0"/>
+                            </p:stCondLst>
+                            <p:childTnLst>
+                              <p:par>
+                                <p:cTn id="11" presetID="9" presetClass="entr" presetSubtype="0" fill="hold" nodeType="clickEffect">
+                                  <p:stCondLst>
+                                    <p:cond delay="0"/>
+                                  </p:stCondLst>
+                                  <p:childTnLst>
+                                    <p:set>
+                                      <p:cBhvr>
+                                        <p:cTn id="12" dur="1" fill="hold">
+                                          <p:stCondLst>
+                                            <p:cond delay="0"/>
+                                          </p:stCondLst>
+                                        </p:cTn>
+                                        <p:tgtEl>
+                                          <p:spTgt spid="15"/>
+                                        </p:tgtEl>
+                                        <p:attrNameLst>
+                                          <p:attrName>style.visibility</p:attrName>
+                                        </p:attrNameLst>
+                                      </p:cBhvr>
+                                      <p:to>
+                                        <p:strVal val="visible"/>
+                                      </p:to>
+                                    </p:set>
+                                    <p:animEffect transition="in" filter="dissolve">
+                                      <p:cBhvr>
+                                        <p:cTn id="13" dur="500"/>
+                                        <p:tgtEl>
+                                          <p:spTgt spid="15"/>
+                                        </p:tgtEl>
+                                      </p:cBhvr>
+                                    </p:animEffect>
+                                  </p:childTnLst>
+                                </p:cTn>
+                              </p:par>
+                            </p:childTnLst>
+                          </p:cTn>
+                        </p:par>
+                      </p:childTnLst>
+                    </p:cTn>
+                  </p:par>
+                  <p:par>
+                    <p:cTn id="14" fill="hold">
+                      <p:stCondLst>
+                        <p:cond delay="indefinite"/>
+                      </p:stCondLst>
+                      <p:childTnLst>
+                        <p:par>
+                          <p:cTn id="15" fill="hold">
+                            <p:stCondLst>
+                              <p:cond delay="0"/>
+                            </p:stCondLst>
+                            <p:childTnLst>
+                              <p:par>
+                                <p:cTn id="16" presetID="9" presetClass="entr" presetSubtype="0" fill="hold" nodeType="clickEffect">
+                                  <p:stCondLst>
+                                    <p:cond delay="0"/>
+                                  </p:stCondLst>
+                                  <p:childTnLst>
+                                    <p:set>
+                                      <p:cBhvr>
+                                        <p:cTn id="17" dur="1" fill="hold">
+                                          <p:stCondLst>
+                                            <p:cond delay="0"/>
+                                          </p:stCondLst>
+                                        </p:cTn>
+                                        <p:tgtEl>
+                                          <p:spTgt spid="14"/>
+                                        </p:tgtEl>
+                                        <p:attrNameLst>
+                                          <p:attrName>style.visibility</p:attrName>
+                                        </p:attrNameLst>
+                                      </p:cBhvr>
+                                      <p:to>
+                                        <p:strVal val="visible"/>
+                                      </p:to>
+                                    </p:set>
+                                    <p:animEffect transition="in" filter="dissolve">
+                                      <p:cBhvr>
+                                        <p:cTn id="18" dur="500"/>
+                                        <p:tgtEl>
+                                          <p:spTgt spid="14"/>
+                                        </p:tgtEl>
+                                      </p:cBhvr>
+                                    </p:animEffect>
+                                  </p:childTnLst>
+                                </p:cTn>
+                              </p:par>
+                            </p:childTnLst>
+                          </p:cTn>
+                        </p:par>
+                      </p:childTnLst>
+                    </p:cTn>
+                  </p:par>
+                  <p:par>
+                    <p:cTn id="19" fill="hold">
+                      <p:stCondLst>
+                        <p:cond delay="indefinite"/>
+                      </p:stCondLst>
+                      <p:childTnLst>
+                        <p:par>
+                          <p:cTn id="20" fill="hold">
+                            <p:stCondLst>
+                              <p:cond delay="0"/>
+                            </p:stCondLst>
+                            <p:childTnLst>
+                              <p:par>
+                                <p:cTn id="21" presetID="2" presetClass="entr" presetSubtype="4" fill="hold" grpId="0" nodeType="clickEffect">
+                                  <p:stCondLst>
+                                    <p:cond delay="0"/>
+                                  </p:stCondLst>
+                                  <p:childTnLst>
+                                    <p:set>
+                                      <p:cBhvr>
+                                        <p:cTn id="22" dur="1" fill="hold">
+                                          <p:stCondLst>
+                                            <p:cond delay="0"/>
+                                          </p:stCondLst>
+                                        </p:cTn>
+                                        <p:tgtEl>
+                                          <p:spTgt spid="3">
+                                            <p:txEl>
+                                              <p:pRg st="2" end="2"/>
+                                            </p:txEl>
+                                          </p:spTgt>
+                                        </p:tgtEl>
+                                        <p:attrNameLst>
+                                          <p:attrName>style.visibility</p:attrName>
+                                        </p:attrNameLst>
+                                      </p:cBhvr>
+                                      <p:to>
+                                        <p:strVal val="visible"/>
+                                      </p:to>
+                                    </p:set>
+                                    <p:anim calcmode="lin" valueType="num">
+                                      <p:cBhvr additive="base">
+                                        <p:cTn id="23" dur="500" fill="hold"/>
+                                        <p:tgtEl>
+                                          <p:spTgt spid="3">
+                                            <p:txEl>
+                                              <p:pRg st="2" end="2"/>
+                                            </p:txEl>
+                                          </p:spTgt>
+                                        </p:tgtEl>
+                                        <p:attrNameLst>
+                                          <p:attrName>ppt_x</p:attrName>
+                                        </p:attrNameLst>
+                                      </p:cBhvr>
+                                      <p:tavLst>
+                                        <p:tav tm="0">
+                                          <p:val>
+                                            <p:strVal val="#ppt_x"/>
+                                          </p:val>
+                                        </p:tav>
+                                        <p:tav tm="100000">
+                                          <p:val>
+                                            <p:strVal val="#ppt_x"/>
+                                          </p:val>
+                                        </p:tav>
+                                      </p:tavLst>
+                                    </p:anim>
+                                    <p:anim calcmode="lin" valueType="num">
+                                      <p:cBhvr additive="base">
+                                        <p:cTn id="24" dur="500" fill="hold"/>
+                                        <p:tgtEl>
+                                          <p:spTgt spid="3">
+                                            <p:txEl>
+                                              <p:pRg st="2" end="2"/>
+                                            </p:txEl>
+                                          </p:spTgt>
+                                        </p:tgtEl>
+                                        <p:attrNameLst>
+                                          <p:attrName>ppt_y</p:attrName>
+                                        </p:attrNameLst>
+                                      </p:cBhvr>
+                                      <p:tavLst>
+                                        <p:tav tm="0">
+                                          <p:val>
+                                            <p:strVal val="1+#ppt_h/2"/>
+                                          </p:val>
+                                        </p:tav>
+                                        <p:tav tm="100000">
+                                          <p:val>
+                                            <p:strVal val="#ppt_y"/>
+                                          </p:val>
+                                        </p:tav>
+                                      </p:tavLst>
+                                    </p:anim>
+                                  </p:childTnLst>
+                                </p:cTn>
+                              </p:par>
+                            </p:childTnLst>
+                          </p:cTn>
+                        </p:par>
+                      </p:childTnLst>
+                    </p:cTn>
+                  </p:par>
+                  <p:par>
+                    <p:cTn id="25" fill="hold">
+                      <p:stCondLst>
+                        <p:cond delay="indefinite"/>
+                      </p:stCondLst>
+                      <p:childTnLst>
+                        <p:par>
+                          <p:cTn id="26" fill="hold">
+                            <p:stCondLst>
+                              <p:cond delay="0"/>
+                            </p:stCondLst>
+                            <p:childTnLst>
+                              <p:par>
+                                <p:cTn id="27" presetID="2" presetClass="entr" presetSubtype="4" fill="hold" grpId="0" nodeType="clickEffect">
+                                  <p:stCondLst>
+                                    <p:cond delay="0"/>
+                                  </p:stCondLst>
+                                  <p:childTnLst>
+                                    <p:set>
+                                      <p:cBhvr>
+                                        <p:cTn id="28" dur="1" fill="hold">
+                                          <p:stCondLst>
+                                            <p:cond delay="0"/>
+                                          </p:stCondLst>
+                                        </p:cTn>
+                                        <p:tgtEl>
+                                          <p:spTgt spid="3">
+                                            <p:txEl>
+                                              <p:pRg st="4" end="4"/>
+                                            </p:txEl>
+                                          </p:spTgt>
+                                        </p:tgtEl>
+                                        <p:attrNameLst>
+                                          <p:attrName>style.visibility</p:attrName>
+                                        </p:attrNameLst>
+                                      </p:cBhvr>
+                                      <p:to>
+                                        <p:strVal val="visible"/>
+                                      </p:to>
+                                    </p:set>
+                                    <p:anim calcmode="lin" valueType="num">
+                                      <p:cBhvr additive="base">
+                                        <p:cTn id="29" dur="500" fill="hold"/>
+                                        <p:tgtEl>
+                                          <p:spTgt spid="3">
+                                            <p:txEl>
+                                              <p:pRg st="4" end="4"/>
+                                            </p:txEl>
+                                          </p:spTgt>
+                                        </p:tgtEl>
+                                        <p:attrNameLst>
+                                          <p:attrName>ppt_x</p:attrName>
+                                        </p:attrNameLst>
+                                      </p:cBhvr>
+                                      <p:tavLst>
+                                        <p:tav tm="0">
+                                          <p:val>
+                                            <p:strVal val="#ppt_x"/>
+                                          </p:val>
+                                        </p:tav>
+                                        <p:tav tm="100000">
+                                          <p:val>
+                                            <p:strVal val="#ppt_x"/>
+                                          </p:val>
+                                        </p:tav>
+                                      </p:tavLst>
+                                    </p:anim>
+                                    <p:anim calcmode="lin" valueType="num">
+                                      <p:cBhvr additive="base">
+                                        <p:cTn id="30" dur="500" fill="hold"/>
+                                        <p:tgtEl>
+                                          <p:spTgt spid="3">
+                                            <p:txEl>
+                                              <p:pRg st="4" end="4"/>
+                                            </p:txEl>
+                                          </p:spTgt>
+                                        </p:tgtEl>
+                                        <p:attrNameLst>
+                                          <p:attrName>ppt_y</p:attrName>
+                                        </p:attrNameLst>
+                                      </p:cBhvr>
+                                      <p:tavLst>
+                                        <p:tav tm="0">
+                                          <p:val>
+                                            <p:strVal val="1+#ppt_h/2"/>
+                                          </p:val>
+                                        </p:tav>
+                                        <p:tav tm="100000">
+                                          <p:val>
+                                            <p:strVal val="#ppt_y"/>
+                                          </p:val>
+                                        </p:tav>
+                                      </p:tavLst>
+                                    </p:anim>
+                                  </p:childTnLst>
+                                </p:cTn>
+                              </p:par>
+                              <p:par>
+                                <p:cTn id="31" presetID="9" presetClass="exit" presetSubtype="0" fill="hold" nodeType="withEffect">
+                                  <p:stCondLst>
+                                    <p:cond delay="0"/>
+                                  </p:stCondLst>
+                                  <p:childTnLst>
+                                    <p:animEffect transition="out" filter="dissolve">
+                                      <p:cBhvr>
+                                        <p:cTn id="32" dur="500"/>
+                                        <p:tgtEl>
+                                          <p:spTgt spid="5"/>
+                                        </p:tgtEl>
+                                      </p:cBhvr>
+                                    </p:animEffect>
+                                    <p:set>
+                                      <p:cBhvr>
+                                        <p:cTn id="33" dur="1" fill="hold">
+                                          <p:stCondLst>
+                                            <p:cond delay="499"/>
+                                          </p:stCondLst>
+                                        </p:cTn>
+                                        <p:tgtEl>
+                                          <p:spTgt spid="5"/>
+                                        </p:tgtEl>
+                                        <p:attrNameLst>
+                                          <p:attrName>style.visibility</p:attrName>
+                                        </p:attrNameLst>
+                                      </p:cBhvr>
+                                      <p:to>
+                                        <p:strVal val="hidden"/>
+                                      </p:to>
+                                    </p:set>
+                                  </p:childTnLst>
+                                </p:cTn>
+                              </p:par>
+                            </p:childTnLst>
+                          </p:cTn>
+                        </p:par>
+                      </p:childTnLst>
+                    </p:cTn>
+                  </p:par>
+                </p:childTnLst>
+              </p:cTn>
+              <p:prevCondLst>
+                <p:cond evt="onPrev" delay="0">
+                  <p:tgtEl>
+                    <p:sldTgt/>
+                  </p:tgtEl>
+                </p:cond>
+              </p:prevCondLst>
+              <p:nextCondLst>
+                <p:cond evt="onNext" delay="0">
+                  <p:tgtEl>
+                    <p:sldTgt/>
+                  </p:tgtEl>
+                </p:cond>
+              </p:nextCondLst>
+            </p:seq>
+          </p:childTnLst>
+        </p:cTn>
+      </p:par>
+    </p:tnLst>
+    <p:bldLst>
+      <p:bldP spid="3" grpId="0" build="p"/>
+    </p:bldLst>
+  </p:timing>
 </p:sld>
 </file>
 

--- a/345/345.pptx
+++ b/345/345.pptx
@@ -5,10 +5,10 @@
     <p:sldMasterId id="2147483801" r:id="rId1"/>
   </p:sldMasterIdLst>
   <p:notesMasterIdLst>
-    <p:notesMasterId r:id="rId22"/>
+    <p:notesMasterId r:id="rId20"/>
   </p:notesMasterIdLst>
   <p:handoutMasterIdLst>
-    <p:handoutMasterId r:id="rId23"/>
+    <p:handoutMasterId r:id="rId21"/>
   </p:handoutMasterIdLst>
   <p:sldIdLst>
     <p:sldId id="256" r:id="rId2"/>
@@ -24,13 +24,11 @@
     <p:sldId id="337" r:id="rId12"/>
     <p:sldId id="339" r:id="rId13"/>
     <p:sldId id="340" r:id="rId14"/>
-    <p:sldId id="334" r:id="rId15"/>
-    <p:sldId id="335" r:id="rId16"/>
-    <p:sldId id="327" r:id="rId17"/>
-    <p:sldId id="336" r:id="rId18"/>
-    <p:sldId id="333" r:id="rId19"/>
-    <p:sldId id="328" r:id="rId20"/>
-    <p:sldId id="329" r:id="rId21"/>
+    <p:sldId id="327" r:id="rId15"/>
+    <p:sldId id="336" r:id="rId16"/>
+    <p:sldId id="333" r:id="rId17"/>
+    <p:sldId id="328" r:id="rId18"/>
+    <p:sldId id="329" r:id="rId19"/>
   </p:sldIdLst>
   <p:sldSz cx="9144000" cy="6858000" type="screen4x3"/>
   <p:notesSz cx="6858000" cy="9144000"/>
@@ -253,7 +251,7 @@
               <a:pPr>
                 <a:defRPr/>
               </a:pPr>
-              <a:t>6/8/11</a:t>
+              <a:t>6/10/11</a:t>
             </a:fld>
             <a:endParaRPr lang="en-US"/>
           </a:p>
@@ -436,7 +434,7 @@
               <a:pPr>
                 <a:defRPr/>
               </a:pPr>
-              <a:t>6/8/11</a:t>
+              <a:t>6/10/11</a:t>
             </a:fld>
             <a:endParaRPr lang="en-US"/>
           </a:p>
@@ -1193,7 +1191,7 @@
               <a:pPr>
                 <a:defRPr/>
               </a:pPr>
-              <a:t>14</a:t>
+              <a:t>10</a:t>
             </a:fld>
             <a:endParaRPr lang="en-US"/>
           </a:p>
@@ -1202,7 +1200,7 @@
     </p:spTree>
     <p:extLst>
       <p:ext uri="{BB962C8B-B14F-4D97-AF65-F5344CB8AC3E}">
-        <p14:creationId xmlns:p14="http://schemas.microsoft.com/office/powerpoint/2010/main" val="4204766383"/>
+        <p14:creationId xmlns:p14="http://schemas.microsoft.com/office/powerpoint/2010/main" val="2409677959"/>
       </p:ext>
     </p:extLst>
   </p:cSld>
@@ -1256,32 +1254,16 @@
           <a:bodyPr/>
           <a:lstStyle/>
           <a:p>
-            <a:pPr marL="0" marR="0" indent="0" algn="l" defTabSz="457200" rtl="0" eaLnBrk="1" fontAlgn="base" latinLnBrk="0" hangingPunct="1">
-              <a:lnSpc>
-                <a:spcPct val="100000"/>
-              </a:lnSpc>
-              <a:spcBef>
-                <a:spcPct val="30000"/>
-              </a:spcBef>
-              <a:spcAft>
-                <a:spcPct val="0"/>
-              </a:spcAft>
-              <a:buClrTx/>
-              <a:buSzTx/>
-              <a:buFontTx/>
-              <a:buNone/>
-              <a:tabLst/>
-              <a:defRPr/>
-            </a:pPr>
-            <a:r>
-              <a:rPr lang="en-US" dirty="0" smtClean="0">
-                <a:ea typeface="SimSun" charset="0"/>
-                <a:cs typeface="SimSun" charset="0"/>
-              </a:rPr>
-              <a:t>In this lab, you'll add an event listener. You'll define that listener to show an alert with the row's text. That means you'll have to take special steps for the row containing the image and label.</a:t>
-            </a:r>
-          </a:p>
-          <a:p>
+            <a:r>
+              <a:rPr lang="en-US" dirty="0" smtClean="0"/>
+              <a:t>Create sections, add rows to them</a:t>
+            </a:r>
+          </a:p>
+          <a:p>
+            <a:r>
+              <a:rPr lang="en-US" dirty="0" smtClean="0"/>
+              <a:t>assign sections to table via an array added to the data property</a:t>
+            </a:r>
             <a:endParaRPr lang="en-US" dirty="0"/>
           </a:p>
         </p:txBody>
@@ -1309,7 +1291,306 @@
               <a:pPr>
                 <a:defRPr/>
               </a:pPr>
-              <a:t>19</a:t>
+              <a:t>11</a:t>
+            </a:fld>
+            <a:endParaRPr lang="en-US"/>
+          </a:p>
+        </p:txBody>
+      </p:sp>
+    </p:spTree>
+    <p:extLst>
+      <p:ext uri="{BB962C8B-B14F-4D97-AF65-F5344CB8AC3E}">
+        <p14:creationId xmlns:p14="http://schemas.microsoft.com/office/powerpoint/2010/main" val="2984820988"/>
+      </p:ext>
+    </p:extLst>
+  </p:cSld>
+  <p:clrMapOvr>
+    <a:masterClrMapping/>
+  </p:clrMapOvr>
+</p:notes>
+</file>
+
+<file path=ppt/notesSlides/notesSlide12.xml><?xml version="1.0" encoding="utf-8"?>
+<p:notes xmlns:a="http://schemas.openxmlformats.org/drawingml/2006/main" xmlns:r="http://schemas.openxmlformats.org/officeDocument/2006/relationships" xmlns:p="http://schemas.openxmlformats.org/presentationml/2006/main">
+  <p:cSld>
+    <p:spTree>
+      <p:nvGrpSpPr>
+        <p:cNvPr id="1" name=""/>
+        <p:cNvGrpSpPr/>
+        <p:nvPr/>
+      </p:nvGrpSpPr>
+      <p:grpSpPr>
+        <a:xfrm>
+          <a:off x="0" y="0"/>
+          <a:ext cx="0" cy="0"/>
+          <a:chOff x="0" y="0"/>
+          <a:chExt cx="0" cy="0"/>
+        </a:xfrm>
+      </p:grpSpPr>
+      <p:sp>
+        <p:nvSpPr>
+          <p:cNvPr id="2" name="Slide Image Placeholder 1"/>
+          <p:cNvSpPr>
+            <a:spLocks noGrp="1" noRot="1" noChangeAspect="1"/>
+          </p:cNvSpPr>
+          <p:nvPr>
+            <p:ph type="sldImg"/>
+          </p:nvPr>
+        </p:nvSpPr>
+        <p:spPr/>
+      </p:sp>
+      <p:sp>
+        <p:nvSpPr>
+          <p:cNvPr id="3" name="Notes Placeholder 2"/>
+          <p:cNvSpPr>
+            <a:spLocks noGrp="1"/>
+          </p:cNvSpPr>
+          <p:nvPr>
+            <p:ph type="body" idx="1"/>
+          </p:nvPr>
+        </p:nvSpPr>
+        <p:spPr/>
+        <p:txBody>
+          <a:bodyPr/>
+          <a:lstStyle/>
+          <a:p>
+            <a:r>
+              <a:rPr lang="en-US" dirty="0" smtClean="0"/>
+              <a:t>Same code, but different looks</a:t>
+            </a:r>
+            <a:endParaRPr lang="en-US" dirty="0"/>
+          </a:p>
+        </p:txBody>
+      </p:sp>
+      <p:sp>
+        <p:nvSpPr>
+          <p:cNvPr id="4" name="Slide Number Placeholder 3"/>
+          <p:cNvSpPr>
+            <a:spLocks noGrp="1"/>
+          </p:cNvSpPr>
+          <p:nvPr>
+            <p:ph type="sldNum" sz="quarter" idx="10"/>
+          </p:nvPr>
+        </p:nvSpPr>
+        <p:spPr/>
+        <p:txBody>
+          <a:bodyPr/>
+          <a:lstStyle/>
+          <a:p>
+            <a:pPr>
+              <a:defRPr/>
+            </a:pPr>
+            <a:fld id="{C704D923-8FB6-2040-A5D7-BD75ED8E8368}" type="slidenum">
+              <a:rPr lang="en-US" smtClean="0"/>
+              <a:pPr>
+                <a:defRPr/>
+              </a:pPr>
+              <a:t>12</a:t>
+            </a:fld>
+            <a:endParaRPr lang="en-US"/>
+          </a:p>
+        </p:txBody>
+      </p:sp>
+    </p:spTree>
+    <p:extLst>
+      <p:ext uri="{BB962C8B-B14F-4D97-AF65-F5344CB8AC3E}">
+        <p14:creationId xmlns:p14="http://schemas.microsoft.com/office/powerpoint/2010/main" val="394737426"/>
+      </p:ext>
+    </p:extLst>
+  </p:cSld>
+  <p:clrMapOvr>
+    <a:masterClrMapping/>
+  </p:clrMapOvr>
+</p:notes>
+</file>
+
+<file path=ppt/notesSlides/notesSlide13.xml><?xml version="1.0" encoding="utf-8"?>
+<p:notes xmlns:a="http://schemas.openxmlformats.org/drawingml/2006/main" xmlns:r="http://schemas.openxmlformats.org/officeDocument/2006/relationships" xmlns:p="http://schemas.openxmlformats.org/presentationml/2006/main">
+  <p:cSld>
+    <p:spTree>
+      <p:nvGrpSpPr>
+        <p:cNvPr id="1" name=""/>
+        <p:cNvGrpSpPr/>
+        <p:nvPr/>
+      </p:nvGrpSpPr>
+      <p:grpSpPr>
+        <a:xfrm>
+          <a:off x="0" y="0"/>
+          <a:ext cx="0" cy="0"/>
+          <a:chOff x="0" y="0"/>
+          <a:chExt cx="0" cy="0"/>
+        </a:xfrm>
+      </p:grpSpPr>
+      <p:sp>
+        <p:nvSpPr>
+          <p:cNvPr id="2" name="Slide Image Placeholder 1"/>
+          <p:cNvSpPr>
+            <a:spLocks noGrp="1" noRot="1" noChangeAspect="1"/>
+          </p:cNvSpPr>
+          <p:nvPr>
+            <p:ph type="sldImg"/>
+          </p:nvPr>
+        </p:nvSpPr>
+        <p:spPr/>
+      </p:sp>
+      <p:sp>
+        <p:nvSpPr>
+          <p:cNvPr id="3" name="Notes Placeholder 2"/>
+          <p:cNvSpPr>
+            <a:spLocks noGrp="1"/>
+          </p:cNvSpPr>
+          <p:nvPr>
+            <p:ph type="body" idx="1"/>
+          </p:nvPr>
+        </p:nvSpPr>
+        <p:spPr/>
+        <p:txBody>
+          <a:bodyPr/>
+          <a:lstStyle/>
+          <a:p>
+            <a:r>
+              <a:rPr lang="en-US" dirty="0" smtClean="0"/>
+              <a:t>Use these events to create dynamic scrolling, also called continuous or infinite scrolling</a:t>
+            </a:r>
+          </a:p>
+          <a:p>
+            <a:endParaRPr lang="en-US" dirty="0" smtClean="0"/>
+          </a:p>
+          <a:p>
+            <a:r>
+              <a:rPr lang="en-US" dirty="0" smtClean="0"/>
+              <a:t>See these</a:t>
+            </a:r>
+            <a:r>
+              <a:rPr lang="en-US" baseline="0" dirty="0" smtClean="0"/>
+              <a:t> </a:t>
+            </a:r>
+            <a:r>
+              <a:rPr lang="en-US" baseline="0" dirty="0" err="1" smtClean="0"/>
+              <a:t>gists</a:t>
+            </a:r>
+            <a:r>
+              <a:rPr lang="en-US" baseline="0" dirty="0" smtClean="0"/>
+              <a:t> as well as the Q&amp;A forums for more info on creating cross-platform infinite scrolling solutions</a:t>
+            </a:r>
+            <a:endParaRPr lang="en-US" dirty="0"/>
+          </a:p>
+        </p:txBody>
+      </p:sp>
+      <p:sp>
+        <p:nvSpPr>
+          <p:cNvPr id="4" name="Slide Number Placeholder 3"/>
+          <p:cNvSpPr>
+            <a:spLocks noGrp="1"/>
+          </p:cNvSpPr>
+          <p:nvPr>
+            <p:ph type="sldNum" sz="quarter" idx="10"/>
+          </p:nvPr>
+        </p:nvSpPr>
+        <p:spPr/>
+        <p:txBody>
+          <a:bodyPr/>
+          <a:lstStyle/>
+          <a:p>
+            <a:pPr>
+              <a:defRPr/>
+            </a:pPr>
+            <a:fld id="{C704D923-8FB6-2040-A5D7-BD75ED8E8368}" type="slidenum">
+              <a:rPr lang="en-US" smtClean="0"/>
+              <a:pPr>
+                <a:defRPr/>
+              </a:pPr>
+              <a:t>15</a:t>
+            </a:fld>
+            <a:endParaRPr lang="en-US"/>
+          </a:p>
+        </p:txBody>
+      </p:sp>
+    </p:spTree>
+    <p:extLst>
+      <p:ext uri="{BB962C8B-B14F-4D97-AF65-F5344CB8AC3E}">
+        <p14:creationId xmlns:p14="http://schemas.microsoft.com/office/powerpoint/2010/main" val="3273908932"/>
+      </p:ext>
+    </p:extLst>
+  </p:cSld>
+  <p:clrMapOvr>
+    <a:masterClrMapping/>
+  </p:clrMapOvr>
+</p:notes>
+</file>
+
+<file path=ppt/notesSlides/notesSlide14.xml><?xml version="1.0" encoding="utf-8"?>
+<p:notes xmlns:a="http://schemas.openxmlformats.org/drawingml/2006/main" xmlns:r="http://schemas.openxmlformats.org/officeDocument/2006/relationships" xmlns:p="http://schemas.openxmlformats.org/presentationml/2006/main">
+  <p:cSld>
+    <p:spTree>
+      <p:nvGrpSpPr>
+        <p:cNvPr id="1" name=""/>
+        <p:cNvGrpSpPr/>
+        <p:nvPr/>
+      </p:nvGrpSpPr>
+      <p:grpSpPr>
+        <a:xfrm>
+          <a:off x="0" y="0"/>
+          <a:ext cx="0" cy="0"/>
+          <a:chOff x="0" y="0"/>
+          <a:chExt cx="0" cy="0"/>
+        </a:xfrm>
+      </p:grpSpPr>
+      <p:sp>
+        <p:nvSpPr>
+          <p:cNvPr id="2" name="Slide Image Placeholder 1"/>
+          <p:cNvSpPr>
+            <a:spLocks noGrp="1" noRot="1" noChangeAspect="1"/>
+          </p:cNvSpPr>
+          <p:nvPr>
+            <p:ph type="sldImg"/>
+          </p:nvPr>
+        </p:nvSpPr>
+        <p:spPr/>
+      </p:sp>
+      <p:sp>
+        <p:nvSpPr>
+          <p:cNvPr id="3" name="Notes Placeholder 2"/>
+          <p:cNvSpPr>
+            <a:spLocks noGrp="1"/>
+          </p:cNvSpPr>
+          <p:nvPr>
+            <p:ph type="body" idx="1"/>
+          </p:nvPr>
+        </p:nvSpPr>
+        <p:spPr/>
+        <p:txBody>
+          <a:bodyPr/>
+          <a:lstStyle/>
+          <a:p>
+            <a:endParaRPr lang="en-US" dirty="0"/>
+          </a:p>
+        </p:txBody>
+      </p:sp>
+      <p:sp>
+        <p:nvSpPr>
+          <p:cNvPr id="4" name="Slide Number Placeholder 3"/>
+          <p:cNvSpPr>
+            <a:spLocks noGrp="1"/>
+          </p:cNvSpPr>
+          <p:nvPr>
+            <p:ph type="sldNum" sz="quarter" idx="10"/>
+          </p:nvPr>
+        </p:nvSpPr>
+        <p:spPr/>
+        <p:txBody>
+          <a:bodyPr/>
+          <a:lstStyle/>
+          <a:p>
+            <a:pPr>
+              <a:defRPr/>
+            </a:pPr>
+            <a:fld id="{C704D923-8FB6-2040-A5D7-BD75ED8E8368}" type="slidenum">
+              <a:rPr lang="en-US" smtClean="0"/>
+              <a:pPr>
+                <a:defRPr/>
+              </a:pPr>
+              <a:t>17</a:t>
             </a:fld>
             <a:endParaRPr lang="en-US"/>
           </a:p>
@@ -1843,7 +2124,86 @@
               <a:buFontTx/>
               <a:buNone/>
             </a:pPr>
-            <a:endParaRPr lang="en-US">
+            <a:r>
+              <a:rPr lang="en-US" dirty="0" smtClean="0">
+                <a:latin typeface="Calibri" charset="0"/>
+                <a:cs typeface="ＭＳ Ｐゴシック" charset="0"/>
+              </a:rPr>
+              <a:t>In this module, we’ll look at some table examples</a:t>
+            </a:r>
+          </a:p>
+          <a:p>
+            <a:pPr eaLnBrk="1" hangingPunct="1">
+              <a:spcBef>
+                <a:spcPct val="0"/>
+              </a:spcBef>
+              <a:buClrTx/>
+              <a:buFontTx/>
+              <a:buNone/>
+            </a:pPr>
+            <a:r>
+              <a:rPr lang="en-US" dirty="0" smtClean="0">
+                <a:latin typeface="Calibri" charset="0"/>
+                <a:cs typeface="ＭＳ Ｐゴシック" charset="0"/>
+              </a:rPr>
+              <a:t>review </a:t>
+            </a:r>
+            <a:r>
+              <a:rPr lang="en-US" dirty="0" err="1" smtClean="0">
+                <a:latin typeface="Calibri" charset="0"/>
+                <a:cs typeface="ＭＳ Ｐゴシック" charset="0"/>
+              </a:rPr>
+              <a:t>tableview</a:t>
+            </a:r>
+            <a:r>
+              <a:rPr lang="en-US" dirty="0" smtClean="0">
+                <a:latin typeface="Calibri" charset="0"/>
+                <a:cs typeface="ＭＳ Ｐゴシック" charset="0"/>
+              </a:rPr>
+              <a:t> basics then</a:t>
+            </a:r>
+            <a:r>
+              <a:rPr lang="en-US" baseline="0" dirty="0" smtClean="0">
+                <a:latin typeface="Calibri" charset="0"/>
+                <a:cs typeface="ＭＳ Ｐゴシック" charset="0"/>
+              </a:rPr>
+              <a:t> go a bit further into what you can do with tables</a:t>
+            </a:r>
+          </a:p>
+          <a:p>
+            <a:pPr eaLnBrk="1" hangingPunct="1">
+              <a:spcBef>
+                <a:spcPct val="0"/>
+              </a:spcBef>
+              <a:buClrTx/>
+              <a:buFontTx/>
+              <a:buNone/>
+            </a:pPr>
+            <a:r>
+              <a:rPr lang="en-US" baseline="0" dirty="0" smtClean="0">
+                <a:latin typeface="Calibri" charset="0"/>
+                <a:cs typeface="ＭＳ Ｐゴシック" charset="0"/>
+              </a:rPr>
+              <a:t>we’ll look at headers, footers, and sections</a:t>
+            </a:r>
+          </a:p>
+          <a:p>
+            <a:pPr eaLnBrk="1" hangingPunct="1">
+              <a:spcBef>
+                <a:spcPct val="0"/>
+              </a:spcBef>
+              <a:buClrTx/>
+              <a:buFontTx/>
+              <a:buNone/>
+            </a:pPr>
+            <a:r>
+              <a:rPr lang="en-US" baseline="0" dirty="0" smtClean="0">
+                <a:latin typeface="Calibri" charset="0"/>
+                <a:cs typeface="ＭＳ Ｐゴシック" charset="0"/>
+              </a:rPr>
+              <a:t>we’ll wrap up with another look at events as well as some cross platform continuous scrolling solution</a:t>
+            </a:r>
+            <a:endParaRPr lang="en-US" dirty="0">
               <a:latin typeface="Calibri" charset="0"/>
               <a:cs typeface="ＭＳ Ｐゴシック" charset="0"/>
             </a:endParaRPr>
@@ -2418,6 +2778,10 @@
           <a:bodyPr/>
           <a:lstStyle/>
           <a:p>
+            <a:r>
+              <a:rPr lang="en-US" dirty="0" smtClean="0"/>
+              <a:t>This is probably all review from BNAPPs</a:t>
+            </a:r>
             <a:endParaRPr lang="en-US" dirty="0"/>
           </a:p>
         </p:txBody>
@@ -3373,7 +3737,7 @@
               <a:pPr>
                 <a:defRPr/>
               </a:pPr>
-              <a:t>6/8/11</a:t>
+              <a:t>6/10/11</a:t>
             </a:fld>
             <a:endParaRPr lang="en-US"/>
           </a:p>
@@ -3861,7 +4225,7 @@
               <a:pPr>
                 <a:defRPr/>
               </a:pPr>
-              <a:t>6/8/11</a:t>
+              <a:t>6/10/11</a:t>
             </a:fld>
             <a:endParaRPr lang="en-US"/>
           </a:p>
@@ -4423,7 +4787,7 @@
               <a:pPr>
                 <a:defRPr/>
               </a:pPr>
-              <a:t>6/8/11</a:t>
+              <a:t>6/10/11</a:t>
             </a:fld>
             <a:endParaRPr lang="en-US"/>
           </a:p>
@@ -5033,7 +5397,7 @@
               <a:pPr>
                 <a:defRPr/>
               </a:pPr>
-              <a:t>6/8/11</a:t>
+              <a:t>6/10/11</a:t>
             </a:fld>
             <a:endParaRPr lang="en-US"/>
           </a:p>
@@ -5155,7 +5519,7 @@
               <a:pPr>
                 <a:defRPr/>
               </a:pPr>
-              <a:t>6/8/11</a:t>
+              <a:t>6/10/11</a:t>
             </a:fld>
             <a:endParaRPr lang="en-US"/>
           </a:p>
@@ -5442,7 +5806,7 @@
               <a:pPr>
                 <a:defRPr/>
               </a:pPr>
-              <a:t>6/8/11</a:t>
+              <a:t>6/10/11</a:t>
             </a:fld>
             <a:endParaRPr lang="en-US"/>
           </a:p>
@@ -6915,10 +7279,706 @@
           <a:bodyPr/>
           <a:lstStyle/>
           <a:p>
-            <a:endParaRPr lang="en-US" dirty="0" smtClean="0"/>
+            <a:r>
+              <a:rPr lang="en-US" dirty="0" smtClean="0"/>
+              <a:t>Row headers and footers</a:t>
+            </a:r>
+          </a:p>
+          <a:p>
+            <a:endParaRPr lang="en-US" dirty="0"/>
+          </a:p>
+          <a:p>
+            <a:r>
+              <a:rPr lang="en-US" dirty="0" smtClean="0"/>
+              <a:t>Table headers and </a:t>
+            </a:r>
+            <a:r>
+              <a:rPr lang="en-US" dirty="0" smtClean="0"/>
+              <a:t>footers</a:t>
+            </a:r>
           </a:p>
         </p:txBody>
       </p:sp>
+      <p:grpSp>
+        <p:nvGrpSpPr>
+          <p:cNvPr id="11" name="Group 10"/>
+          <p:cNvGrpSpPr/>
+          <p:nvPr/>
+        </p:nvGrpSpPr>
+        <p:grpSpPr>
+          <a:xfrm>
+            <a:off x="396140" y="1332376"/>
+            <a:ext cx="8124369" cy="5276205"/>
+            <a:chOff x="396140" y="1332376"/>
+            <a:chExt cx="8124369" cy="5276205"/>
+          </a:xfrm>
+        </p:grpSpPr>
+        <p:pic>
+          <p:nvPicPr>
+            <p:cNvPr id="4" name="Picture 3" descr="Screenshot_4.png"/>
+            <p:cNvPicPr>
+              <a:picLocks noChangeAspect="1"/>
+            </p:cNvPicPr>
+            <p:nvPr/>
+          </p:nvPicPr>
+          <p:blipFill>
+            <a:blip r:embed="rId3">
+              <a:extLst>
+                <a:ext uri="{28A0092B-C50C-407E-A947-70E740481C1C}">
+                  <a14:useLocalDpi xmlns:a14="http://schemas.microsoft.com/office/drawing/2010/main" val="0"/>
+                </a:ext>
+              </a:extLst>
+            </a:blip>
+            <a:stretch>
+              <a:fillRect/>
+            </a:stretch>
+          </p:blipFill>
+          <p:spPr>
+            <a:xfrm>
+              <a:off x="5472509" y="1332376"/>
+              <a:ext cx="3048000" cy="4381500"/>
+            </a:xfrm>
+            <a:prstGeom prst="rect">
+              <a:avLst/>
+            </a:prstGeom>
+            <a:ln>
+              <a:noFill/>
+            </a:ln>
+            <a:effectLst>
+              <a:outerShdw blurRad="292100" dist="139700" dir="2700000" algn="tl" rotWithShape="0">
+                <a:srgbClr val="333333">
+                  <a:alpha val="65000"/>
+                </a:srgbClr>
+              </a:outerShdw>
+            </a:effectLst>
+          </p:spPr>
+        </p:pic>
+        <p:sp>
+          <p:nvSpPr>
+            <p:cNvPr id="7" name="TextBox 6"/>
+            <p:cNvSpPr txBox="1"/>
+            <p:nvPr/>
+          </p:nvSpPr>
+          <p:spPr>
+            <a:xfrm>
+              <a:off x="396140" y="4546478"/>
+              <a:ext cx="6435911" cy="2062103"/>
+            </a:xfrm>
+            <a:prstGeom prst="rect">
+              <a:avLst/>
+            </a:prstGeom>
+            <a:solidFill>
+              <a:schemeClr val="bg1"/>
+            </a:solidFill>
+            <a:effectLst>
+              <a:outerShdw blurRad="50800" dist="38100" dir="2700000" algn="tl" rotWithShape="0">
+                <a:prstClr val="black">
+                  <a:alpha val="40000"/>
+                </a:prstClr>
+              </a:outerShdw>
+            </a:effectLst>
+          </p:spPr>
+          <p:style>
+            <a:lnRef idx="2">
+              <a:schemeClr val="accent2"/>
+            </a:lnRef>
+            <a:fillRef idx="1">
+              <a:schemeClr val="lt1"/>
+            </a:fillRef>
+            <a:effectRef idx="0">
+              <a:schemeClr val="accent2"/>
+            </a:effectRef>
+            <a:fontRef idx="minor">
+              <a:schemeClr val="dk1"/>
+            </a:fontRef>
+          </p:style>
+          <p:txBody>
+            <a:bodyPr wrap="square" rtlCol="0">
+              <a:spAutoFit/>
+            </a:bodyPr>
+            <a:lstStyle/>
+            <a:p>
+              <a:r>
+                <a:rPr lang="en-US" sz="1600" dirty="0" err="1" smtClean="0">
+                  <a:latin typeface="Courier"/>
+                  <a:cs typeface="Courier"/>
+                </a:rPr>
+                <a:t>var</a:t>
+              </a:r>
+              <a:r>
+                <a:rPr lang="en-US" sz="1600" dirty="0" smtClean="0">
+                  <a:latin typeface="Courier"/>
+                  <a:cs typeface="Courier"/>
+                </a:rPr>
+                <a:t> </a:t>
+              </a:r>
+              <a:r>
+                <a:rPr lang="en-US" sz="1600" dirty="0" err="1" smtClean="0">
+                  <a:latin typeface="Courier"/>
+                  <a:cs typeface="Courier"/>
+                </a:rPr>
+                <a:t>alanrow</a:t>
+              </a:r>
+              <a:r>
+                <a:rPr lang="en-US" sz="1600" dirty="0" smtClean="0">
+                  <a:latin typeface="Courier"/>
+                  <a:cs typeface="Courier"/>
+                </a:rPr>
+                <a:t> = </a:t>
+              </a:r>
+              <a:r>
+                <a:rPr lang="en-US" sz="1600" dirty="0" err="1" smtClean="0">
+                  <a:latin typeface="Courier"/>
+                  <a:cs typeface="Courier"/>
+                </a:rPr>
+                <a:t>Titanium.UI.createTableViewRow</a:t>
+              </a:r>
+              <a:r>
+                <a:rPr lang="en-US" sz="1600" dirty="0" smtClean="0">
+                  <a:latin typeface="Courier"/>
+                  <a:cs typeface="Courier"/>
+                </a:rPr>
+                <a:t>(</a:t>
+              </a:r>
+              <a:r>
+                <a:rPr lang="en-US" sz="1600" dirty="0">
+                  <a:latin typeface="Courier"/>
+                  <a:cs typeface="Courier"/>
+                </a:rPr>
+                <a:t>{</a:t>
+              </a:r>
+              <a:endParaRPr lang="en-US" sz="1600" dirty="0" smtClean="0">
+                <a:latin typeface="Courier"/>
+                <a:cs typeface="Courier"/>
+              </a:endParaRPr>
+            </a:p>
+            <a:p>
+              <a:r>
+                <a:rPr lang="en-US" sz="1600" dirty="0" smtClean="0">
+                  <a:latin typeface="Courier"/>
+                  <a:cs typeface="Courier"/>
+                </a:rPr>
+                <a:t>   </a:t>
+              </a:r>
+              <a:r>
+                <a:rPr lang="en-US" sz="1600" dirty="0">
+                  <a:latin typeface="Courier"/>
+                  <a:cs typeface="Courier"/>
+                </a:rPr>
+                <a:t> </a:t>
+              </a:r>
+              <a:r>
+                <a:rPr lang="en-US" sz="1600" dirty="0" smtClean="0">
+                  <a:latin typeface="Courier"/>
+                  <a:cs typeface="Courier"/>
+                </a:rPr>
+                <a:t>title: ‘Alan’,</a:t>
+              </a:r>
+            </a:p>
+            <a:p>
+              <a:r>
+                <a:rPr lang="en-US" sz="1600" dirty="0">
+                  <a:latin typeface="Courier"/>
+                  <a:cs typeface="Courier"/>
+                </a:rPr>
+                <a:t>	</a:t>
+              </a:r>
+              <a:r>
+                <a:rPr lang="en-US" sz="1600" dirty="0" smtClean="0">
+                  <a:latin typeface="Courier"/>
+                  <a:cs typeface="Courier"/>
+                </a:rPr>
+                <a:t>header: ‘header’</a:t>
+              </a:r>
+              <a:endParaRPr lang="en-US" sz="1600" dirty="0" smtClean="0">
+                <a:latin typeface="Courier"/>
+                <a:cs typeface="Courier"/>
+              </a:endParaRPr>
+            </a:p>
+            <a:p>
+              <a:r>
+                <a:rPr lang="en-US" sz="1600" dirty="0" smtClean="0">
+                  <a:latin typeface="Courier"/>
+                  <a:cs typeface="Courier"/>
+                </a:rPr>
+                <a:t>})</a:t>
+              </a:r>
+              <a:r>
+                <a:rPr lang="en-US" sz="1600" dirty="0" smtClean="0">
+                  <a:latin typeface="Courier"/>
+                  <a:cs typeface="Courier"/>
+                </a:rPr>
+                <a:t>;</a:t>
+              </a:r>
+            </a:p>
+            <a:p>
+              <a:r>
+                <a:rPr lang="en-US" sz="1600" dirty="0" err="1">
+                  <a:latin typeface="Courier"/>
+                  <a:cs typeface="Courier"/>
+                </a:rPr>
+                <a:t>var</a:t>
+              </a:r>
+              <a:r>
+                <a:rPr lang="en-US" sz="1600" dirty="0">
+                  <a:latin typeface="Courier"/>
+                  <a:cs typeface="Courier"/>
+                </a:rPr>
+                <a:t> </a:t>
+              </a:r>
+              <a:r>
+                <a:rPr lang="en-US" sz="1600" dirty="0" err="1" smtClean="0">
+                  <a:latin typeface="Courier"/>
+                  <a:cs typeface="Courier"/>
+                </a:rPr>
+                <a:t>alonzorow</a:t>
+              </a:r>
+              <a:r>
+                <a:rPr lang="en-US" sz="1600" dirty="0" smtClean="0">
+                  <a:latin typeface="Courier"/>
+                  <a:cs typeface="Courier"/>
+                </a:rPr>
+                <a:t> </a:t>
+              </a:r>
+              <a:r>
+                <a:rPr lang="en-US" sz="1600" dirty="0">
+                  <a:latin typeface="Courier"/>
+                  <a:cs typeface="Courier"/>
+                </a:rPr>
+                <a:t>= </a:t>
+              </a:r>
+              <a:r>
+                <a:rPr lang="en-US" sz="1600" dirty="0" err="1">
+                  <a:latin typeface="Courier"/>
+                  <a:cs typeface="Courier"/>
+                </a:rPr>
+                <a:t>Titanium.UI.createTableViewRow</a:t>
+              </a:r>
+              <a:r>
+                <a:rPr lang="en-US" sz="1600" dirty="0">
+                  <a:latin typeface="Courier"/>
+                  <a:cs typeface="Courier"/>
+                </a:rPr>
+                <a:t>({</a:t>
+              </a:r>
+            </a:p>
+            <a:p>
+              <a:r>
+                <a:rPr lang="en-US" sz="1600" dirty="0">
+                  <a:latin typeface="Courier"/>
+                  <a:cs typeface="Courier"/>
+                </a:rPr>
+                <a:t>    title: ‘</a:t>
+              </a:r>
+              <a:r>
+                <a:rPr lang="en-US" sz="1600" dirty="0" smtClean="0">
+                  <a:latin typeface="Courier"/>
+                  <a:cs typeface="Courier"/>
+                </a:rPr>
+                <a:t>Alonzo’</a:t>
+              </a:r>
+              <a:r>
+                <a:rPr lang="en-US" sz="1600" dirty="0">
+                  <a:latin typeface="Courier"/>
+                  <a:cs typeface="Courier"/>
+                </a:rPr>
+                <a:t>,</a:t>
+              </a:r>
+            </a:p>
+            <a:p>
+              <a:r>
+                <a:rPr lang="en-US" sz="1600" dirty="0">
+                  <a:latin typeface="Courier"/>
+                  <a:cs typeface="Courier"/>
+                </a:rPr>
+                <a:t>	</a:t>
+              </a:r>
+              <a:r>
+                <a:rPr lang="en-US" sz="1600" dirty="0" smtClean="0">
+                  <a:latin typeface="Courier"/>
+                  <a:cs typeface="Courier"/>
+                </a:rPr>
+                <a:t>footer: ‘footer’</a:t>
+              </a:r>
+              <a:endParaRPr lang="en-US" sz="1600" dirty="0">
+                <a:latin typeface="Courier"/>
+                <a:cs typeface="Courier"/>
+              </a:endParaRPr>
+            </a:p>
+            <a:p>
+              <a:r>
+                <a:rPr lang="en-US" sz="1600" dirty="0">
+                  <a:latin typeface="Courier"/>
+                  <a:cs typeface="Courier"/>
+                </a:rPr>
+                <a:t>})</a:t>
+              </a:r>
+              <a:r>
+                <a:rPr lang="en-US" sz="1600" dirty="0" smtClean="0">
+                  <a:latin typeface="Courier"/>
+                  <a:cs typeface="Courier"/>
+                </a:rPr>
+                <a:t>;</a:t>
+              </a:r>
+              <a:endParaRPr lang="en-US" sz="1600" dirty="0">
+                <a:latin typeface="Courier"/>
+                <a:cs typeface="Courier"/>
+              </a:endParaRPr>
+            </a:p>
+          </p:txBody>
+        </p:sp>
+      </p:grpSp>
+      <p:grpSp>
+        <p:nvGrpSpPr>
+          <p:cNvPr id="17" name="Group 16"/>
+          <p:cNvGrpSpPr/>
+          <p:nvPr/>
+        </p:nvGrpSpPr>
+        <p:grpSpPr>
+          <a:xfrm>
+            <a:off x="396140" y="1332376"/>
+            <a:ext cx="8124369" cy="4381500"/>
+            <a:chOff x="396140" y="1332376"/>
+            <a:chExt cx="8124369" cy="4381500"/>
+          </a:xfrm>
+        </p:grpSpPr>
+        <p:pic>
+          <p:nvPicPr>
+            <p:cNvPr id="9" name="Picture 8" descr="Screenshot_9.png"/>
+            <p:cNvPicPr>
+              <a:picLocks noChangeAspect="1"/>
+            </p:cNvPicPr>
+            <p:nvPr/>
+          </p:nvPicPr>
+          <p:blipFill>
+            <a:blip r:embed="rId4">
+              <a:extLst>
+                <a:ext uri="{28A0092B-C50C-407E-A947-70E740481C1C}">
+                  <a14:useLocalDpi xmlns:a14="http://schemas.microsoft.com/office/drawing/2010/main" val="0"/>
+                </a:ext>
+              </a:extLst>
+            </a:blip>
+            <a:stretch>
+              <a:fillRect/>
+            </a:stretch>
+          </p:blipFill>
+          <p:spPr>
+            <a:xfrm>
+              <a:off x="5472509" y="1332376"/>
+              <a:ext cx="3048000" cy="4381500"/>
+            </a:xfrm>
+            <a:prstGeom prst="rect">
+              <a:avLst/>
+            </a:prstGeom>
+          </p:spPr>
+        </p:pic>
+        <p:sp>
+          <p:nvSpPr>
+            <p:cNvPr id="10" name="TextBox 9"/>
+            <p:cNvSpPr txBox="1"/>
+            <p:nvPr/>
+          </p:nvSpPr>
+          <p:spPr>
+            <a:xfrm>
+              <a:off x="396140" y="2976818"/>
+              <a:ext cx="6788320" cy="1323439"/>
+            </a:xfrm>
+            <a:prstGeom prst="rect">
+              <a:avLst/>
+            </a:prstGeom>
+            <a:solidFill>
+              <a:schemeClr val="bg1"/>
+            </a:solidFill>
+            <a:effectLst>
+              <a:outerShdw blurRad="50800" dist="38100" dir="2700000" algn="tl" rotWithShape="0">
+                <a:prstClr val="black">
+                  <a:alpha val="40000"/>
+                </a:prstClr>
+              </a:outerShdw>
+            </a:effectLst>
+          </p:spPr>
+          <p:style>
+            <a:lnRef idx="2">
+              <a:schemeClr val="accent2"/>
+            </a:lnRef>
+            <a:fillRef idx="1">
+              <a:schemeClr val="lt1"/>
+            </a:fillRef>
+            <a:effectRef idx="0">
+              <a:schemeClr val="accent2"/>
+            </a:effectRef>
+            <a:fontRef idx="minor">
+              <a:schemeClr val="dk1"/>
+            </a:fontRef>
+          </p:style>
+          <p:txBody>
+            <a:bodyPr wrap="square" rtlCol="0">
+              <a:spAutoFit/>
+            </a:bodyPr>
+            <a:lstStyle/>
+            <a:p>
+              <a:r>
+                <a:rPr lang="en-US" sz="1600" dirty="0" err="1" smtClean="0">
+                  <a:latin typeface="Courier"/>
+                  <a:cs typeface="Courier"/>
+                </a:rPr>
+                <a:t>var</a:t>
+              </a:r>
+              <a:r>
+                <a:rPr lang="en-US" sz="1600" dirty="0" smtClean="0">
+                  <a:latin typeface="Courier"/>
+                  <a:cs typeface="Courier"/>
+                </a:rPr>
+                <a:t> </a:t>
+              </a:r>
+              <a:r>
+                <a:rPr lang="en-US" sz="1600" dirty="0" err="1" smtClean="0">
+                  <a:latin typeface="Courier"/>
+                  <a:cs typeface="Courier"/>
+                </a:rPr>
+                <a:t>tableview</a:t>
+              </a:r>
+              <a:r>
+                <a:rPr lang="en-US" sz="1600" dirty="0" smtClean="0">
+                  <a:latin typeface="Courier"/>
+                  <a:cs typeface="Courier"/>
+                </a:rPr>
+                <a:t> = </a:t>
+              </a:r>
+              <a:r>
+                <a:rPr lang="en-US" sz="1600" dirty="0" err="1" smtClean="0">
+                  <a:latin typeface="Courier"/>
+                  <a:cs typeface="Courier"/>
+                </a:rPr>
+                <a:t>Titanium.UI.createTableView</a:t>
+              </a:r>
+              <a:r>
+                <a:rPr lang="en-US" sz="1600" dirty="0" smtClean="0">
+                  <a:latin typeface="Courier"/>
+                  <a:cs typeface="Courier"/>
+                </a:rPr>
+                <a:t> (</a:t>
+              </a:r>
+              <a:r>
+                <a:rPr lang="en-US" sz="1600" dirty="0">
+                  <a:latin typeface="Courier"/>
+                  <a:cs typeface="Courier"/>
+                </a:rPr>
+                <a:t>{</a:t>
+              </a:r>
+              <a:endParaRPr lang="en-US" sz="1600" dirty="0" smtClean="0">
+                <a:latin typeface="Courier"/>
+                <a:cs typeface="Courier"/>
+              </a:endParaRPr>
+            </a:p>
+            <a:p>
+              <a:r>
+                <a:rPr lang="en-US" sz="1600" dirty="0" smtClean="0">
+                  <a:latin typeface="Courier"/>
+                  <a:cs typeface="Courier"/>
+                </a:rPr>
+                <a:t>	</a:t>
+              </a:r>
+              <a:r>
+                <a:rPr lang="en-US" sz="1600" dirty="0" err="1" smtClean="0">
+                  <a:latin typeface="Courier"/>
+                  <a:cs typeface="Courier"/>
+                </a:rPr>
+                <a:t>data:data</a:t>
+              </a:r>
+              <a:r>
+                <a:rPr lang="en-US" sz="1600" dirty="0">
+                  <a:latin typeface="Courier"/>
+                  <a:cs typeface="Courier"/>
+                </a:rPr>
+                <a:t>,</a:t>
+              </a:r>
+            </a:p>
+            <a:p>
+              <a:r>
+                <a:rPr lang="en-US" sz="1600" dirty="0" smtClean="0">
+                  <a:latin typeface="Courier"/>
+                  <a:cs typeface="Courier"/>
+                </a:rPr>
+                <a:t>	</a:t>
+              </a:r>
+              <a:r>
+                <a:rPr lang="en-US" sz="1600" dirty="0" err="1" smtClean="0">
+                  <a:latin typeface="Courier"/>
+                  <a:cs typeface="Courier"/>
+                </a:rPr>
+                <a:t>headerTitle</a:t>
+              </a:r>
+              <a:r>
+                <a:rPr lang="en-US" sz="1600" dirty="0">
+                  <a:latin typeface="Courier"/>
+                  <a:cs typeface="Courier"/>
+                </a:rPr>
+                <a:t>:'</a:t>
+              </a:r>
+              <a:r>
+                <a:rPr lang="en-US" sz="1600" dirty="0" err="1">
+                  <a:latin typeface="Courier"/>
+                  <a:cs typeface="Courier"/>
+                </a:rPr>
+                <a:t>TableView</a:t>
+              </a:r>
+              <a:r>
+                <a:rPr lang="en-US" sz="1600" dirty="0">
+                  <a:latin typeface="Courier"/>
+                  <a:cs typeface="Courier"/>
+                </a:rPr>
+                <a:t> examples and test cases',</a:t>
+              </a:r>
+            </a:p>
+            <a:p>
+              <a:r>
+                <a:rPr lang="en-US" sz="1600" dirty="0" smtClean="0">
+                  <a:latin typeface="Courier"/>
+                  <a:cs typeface="Courier"/>
+                </a:rPr>
+                <a:t>	</a:t>
+              </a:r>
+              <a:r>
+                <a:rPr lang="en-US" sz="1600" dirty="0" err="1" smtClean="0">
+                  <a:latin typeface="Courier"/>
+                  <a:cs typeface="Courier"/>
+                </a:rPr>
+                <a:t>footerTitle</a:t>
+              </a:r>
+              <a:r>
+                <a:rPr lang="en-US" sz="1600" dirty="0">
+                  <a:latin typeface="Courier"/>
+                  <a:cs typeface="Courier"/>
+                </a:rPr>
+                <a:t>:"Wow. That was cool!",</a:t>
+              </a:r>
+            </a:p>
+            <a:p>
+              <a:r>
+                <a:rPr lang="en-US" sz="1600" dirty="0" smtClean="0">
+                  <a:latin typeface="Courier"/>
+                  <a:cs typeface="Courier"/>
+                </a:rPr>
+                <a:t>}</a:t>
+              </a:r>
+              <a:r>
+                <a:rPr lang="en-US" sz="1600" dirty="0">
+                  <a:latin typeface="Courier"/>
+                  <a:cs typeface="Courier"/>
+                </a:rPr>
+                <a:t>)</a:t>
+              </a:r>
+              <a:r>
+                <a:rPr lang="en-US" sz="1600" dirty="0" smtClean="0">
+                  <a:latin typeface="Courier"/>
+                  <a:cs typeface="Courier"/>
+                </a:rPr>
+                <a:t>;</a:t>
+              </a:r>
+              <a:endParaRPr lang="en-US" sz="1600" dirty="0">
+                <a:latin typeface="Courier"/>
+                <a:cs typeface="Courier"/>
+              </a:endParaRPr>
+            </a:p>
+          </p:txBody>
+        </p:sp>
+        <p:sp>
+          <p:nvSpPr>
+            <p:cNvPr id="12" name="Line 8"/>
+            <p:cNvSpPr>
+              <a:spLocks noChangeShapeType="1"/>
+            </p:cNvSpPr>
+            <p:nvPr/>
+          </p:nvSpPr>
+          <p:spPr bwMode="auto">
+            <a:xfrm flipH="1" flipV="1">
+              <a:off x="5164666" y="3955143"/>
+              <a:ext cx="774095" cy="1003905"/>
+            </a:xfrm>
+            <a:prstGeom prst="line">
+              <a:avLst/>
+            </a:prstGeom>
+            <a:noFill/>
+            <a:ln w="76200">
+              <a:solidFill>
+                <a:srgbClr val="9C030B"/>
+              </a:solidFill>
+              <a:round/>
+              <a:headEnd type="stealth" w="med" len="med"/>
+              <a:tailEnd/>
+            </a:ln>
+            <a:extLst>
+              <a:ext uri="{909E8E84-426E-40dd-AFC4-6F175D3DCCD1}">
+                <a14:hiddenFill xmlns:a14="http://schemas.microsoft.com/office/drawing/2010/main">
+                  <a:noFill/>
+                </a14:hiddenFill>
+              </a:ext>
+            </a:extLst>
+          </p:spPr>
+          <p:txBody>
+            <a:bodyPr lIns="0" tIns="0" rIns="0" bIns="0"/>
+            <a:lstStyle/>
+            <a:p>
+              <a:endParaRPr lang="en-US"/>
+            </a:p>
+          </p:txBody>
+        </p:sp>
+      </p:grpSp>
+      <p:pic>
+        <p:nvPicPr>
+          <p:cNvPr id="19" name="Picture 36" descr="tv_advert.png"/>
+          <p:cNvPicPr>
+            <a:picLocks noChangeAspect="1"/>
+          </p:cNvPicPr>
+          <p:nvPr/>
+        </p:nvPicPr>
+        <p:blipFill>
+          <a:blip r:embed="rId5">
+            <a:extLst>
+              <a:ext uri="{28A0092B-C50C-407E-A947-70E740481C1C}">
+                <a14:useLocalDpi xmlns:a14="http://schemas.microsoft.com/office/drawing/2010/main" val="0"/>
+              </a:ext>
+            </a:extLst>
+          </a:blip>
+          <a:srcRect/>
+          <a:stretch>
+            <a:fillRect/>
+          </a:stretch>
+        </p:blipFill>
+        <p:spPr bwMode="auto">
+          <a:xfrm>
+            <a:off x="8543606" y="0"/>
+            <a:ext cx="480315" cy="481263"/>
+          </a:xfrm>
+          <a:prstGeom prst="rect">
+            <a:avLst/>
+          </a:prstGeom>
+          <a:noFill/>
+          <a:ln>
+            <a:noFill/>
+          </a:ln>
+          <a:extLst>
+            <a:ext uri="{909E8E84-426E-40dd-AFC4-6F175D3DCCD1}">
+              <a14:hiddenFill xmlns:a14="http://schemas.microsoft.com/office/drawing/2010/main">
+                <a:solidFill>
+                  <a:srgbClr val="FFFFFF"/>
+                </a:solidFill>
+              </a14:hiddenFill>
+            </a:ext>
+            <a:ext uri="{91240B29-F687-4f45-9708-019B960494DF}">
+              <a14:hiddenLine xmlns:a14="http://schemas.microsoft.com/office/drawing/2010/main" w="9525">
+                <a:solidFill>
+                  <a:srgbClr val="000000"/>
+                </a:solidFill>
+                <a:miter lim="800000"/>
+                <a:headEnd/>
+                <a:tailEnd/>
+              </a14:hiddenLine>
+            </a:ext>
+          </a:extLst>
+        </p:spPr>
+      </p:pic>
     </p:spTree>
     <p:extLst>
       <p:ext uri="{BB962C8B-B14F-4D97-AF65-F5344CB8AC3E}">
@@ -6929,6 +7989,385 @@
   <p:clrMapOvr>
     <a:masterClrMapping/>
   </p:clrMapOvr>
+  <p:timing>
+    <p:tnLst>
+      <p:par>
+        <p:cTn xmlns:p14="http://schemas.microsoft.com/office/powerpoint/2010/main" id="1" dur="indefinite" restart="never" nodeType="tmRoot">
+          <p:childTnLst>
+            <p:seq concurrent="1" nextAc="seek">
+              <p:cTn id="2" dur="indefinite" nodeType="mainSeq">
+                <p:childTnLst>
+                  <p:par>
+                    <p:cTn id="3" fill="hold">
+                      <p:stCondLst>
+                        <p:cond delay="indefinite"/>
+                      </p:stCondLst>
+                      <p:childTnLst>
+                        <p:par>
+                          <p:cTn id="4" fill="hold">
+                            <p:stCondLst>
+                              <p:cond delay="0"/>
+                            </p:stCondLst>
+                            <p:childTnLst>
+                              <p:par>
+                                <p:cTn id="5" presetID="2" presetClass="entr" presetSubtype="4" fill="hold" grpId="0" nodeType="clickEffect">
+                                  <p:stCondLst>
+                                    <p:cond delay="0"/>
+                                  </p:stCondLst>
+                                  <p:childTnLst>
+                                    <p:set>
+                                      <p:cBhvr>
+                                        <p:cTn id="6" dur="1" fill="hold">
+                                          <p:stCondLst>
+                                            <p:cond delay="0"/>
+                                          </p:stCondLst>
+                                        </p:cTn>
+                                        <p:tgtEl>
+                                          <p:spTgt spid="3">
+                                            <p:txEl>
+                                              <p:pRg st="0" end="0"/>
+                                            </p:txEl>
+                                          </p:spTgt>
+                                        </p:tgtEl>
+                                        <p:attrNameLst>
+                                          <p:attrName>style.visibility</p:attrName>
+                                        </p:attrNameLst>
+                                      </p:cBhvr>
+                                      <p:to>
+                                        <p:strVal val="visible"/>
+                                      </p:to>
+                                    </p:set>
+                                    <p:anim calcmode="lin" valueType="num">
+                                      <p:cBhvr additive="base">
+                                        <p:cTn id="7" dur="500" fill="hold"/>
+                                        <p:tgtEl>
+                                          <p:spTgt spid="3">
+                                            <p:txEl>
+                                              <p:pRg st="0" end="0"/>
+                                            </p:txEl>
+                                          </p:spTgt>
+                                        </p:tgtEl>
+                                        <p:attrNameLst>
+                                          <p:attrName>ppt_x</p:attrName>
+                                        </p:attrNameLst>
+                                      </p:cBhvr>
+                                      <p:tavLst>
+                                        <p:tav tm="0">
+                                          <p:val>
+                                            <p:strVal val="#ppt_x"/>
+                                          </p:val>
+                                        </p:tav>
+                                        <p:tav tm="100000">
+                                          <p:val>
+                                            <p:strVal val="#ppt_x"/>
+                                          </p:val>
+                                        </p:tav>
+                                      </p:tavLst>
+                                    </p:anim>
+                                    <p:anim calcmode="lin" valueType="num">
+                                      <p:cBhvr additive="base">
+                                        <p:cTn id="8" dur="500" fill="hold"/>
+                                        <p:tgtEl>
+                                          <p:spTgt spid="3">
+                                            <p:txEl>
+                                              <p:pRg st="0" end="0"/>
+                                            </p:txEl>
+                                          </p:spTgt>
+                                        </p:tgtEl>
+                                        <p:attrNameLst>
+                                          <p:attrName>ppt_y</p:attrName>
+                                        </p:attrNameLst>
+                                      </p:cBhvr>
+                                      <p:tavLst>
+                                        <p:tav tm="0">
+                                          <p:val>
+                                            <p:strVal val="1+#ppt_h/2"/>
+                                          </p:val>
+                                        </p:tav>
+                                        <p:tav tm="100000">
+                                          <p:val>
+                                            <p:strVal val="#ppt_y"/>
+                                          </p:val>
+                                        </p:tav>
+                                      </p:tavLst>
+                                    </p:anim>
+                                  </p:childTnLst>
+                                </p:cTn>
+                              </p:par>
+                              <p:par>
+                                <p:cTn id="9" presetID="9" presetClass="entr" presetSubtype="0" fill="hold" nodeType="withEffect">
+                                  <p:stCondLst>
+                                    <p:cond delay="0"/>
+                                  </p:stCondLst>
+                                  <p:childTnLst>
+                                    <p:set>
+                                      <p:cBhvr>
+                                        <p:cTn id="10" dur="1" fill="hold">
+                                          <p:stCondLst>
+                                            <p:cond delay="0"/>
+                                          </p:stCondLst>
+                                        </p:cTn>
+                                        <p:tgtEl>
+                                          <p:spTgt spid="11"/>
+                                        </p:tgtEl>
+                                        <p:attrNameLst>
+                                          <p:attrName>style.visibility</p:attrName>
+                                        </p:attrNameLst>
+                                      </p:cBhvr>
+                                      <p:to>
+                                        <p:strVal val="visible"/>
+                                      </p:to>
+                                    </p:set>
+                                    <p:animEffect transition="in" filter="dissolve">
+                                      <p:cBhvr>
+                                        <p:cTn id="11" dur="500"/>
+                                        <p:tgtEl>
+                                          <p:spTgt spid="11"/>
+                                        </p:tgtEl>
+                                      </p:cBhvr>
+                                    </p:animEffect>
+                                  </p:childTnLst>
+                                </p:cTn>
+                              </p:par>
+                            </p:childTnLst>
+                          </p:cTn>
+                        </p:par>
+                      </p:childTnLst>
+                    </p:cTn>
+                  </p:par>
+                  <p:par>
+                    <p:cTn id="12" fill="hold">
+                      <p:stCondLst>
+                        <p:cond delay="indefinite"/>
+                      </p:stCondLst>
+                      <p:childTnLst>
+                        <p:par>
+                          <p:cTn id="13" fill="hold">
+                            <p:stCondLst>
+                              <p:cond delay="0"/>
+                            </p:stCondLst>
+                            <p:childTnLst>
+                              <p:par>
+                                <p:cTn id="14" presetID="2" presetClass="entr" presetSubtype="4" fill="hold" grpId="0" nodeType="clickEffect">
+                                  <p:stCondLst>
+                                    <p:cond delay="0"/>
+                                  </p:stCondLst>
+                                  <p:childTnLst>
+                                    <p:set>
+                                      <p:cBhvr>
+                                        <p:cTn id="15" dur="1" fill="hold">
+                                          <p:stCondLst>
+                                            <p:cond delay="0"/>
+                                          </p:stCondLst>
+                                        </p:cTn>
+                                        <p:tgtEl>
+                                          <p:spTgt spid="3">
+                                            <p:txEl>
+                                              <p:pRg st="2" end="2"/>
+                                            </p:txEl>
+                                          </p:spTgt>
+                                        </p:tgtEl>
+                                        <p:attrNameLst>
+                                          <p:attrName>style.visibility</p:attrName>
+                                        </p:attrNameLst>
+                                      </p:cBhvr>
+                                      <p:to>
+                                        <p:strVal val="visible"/>
+                                      </p:to>
+                                    </p:set>
+                                    <p:anim calcmode="lin" valueType="num">
+                                      <p:cBhvr additive="base">
+                                        <p:cTn id="16" dur="500" fill="hold"/>
+                                        <p:tgtEl>
+                                          <p:spTgt spid="3">
+                                            <p:txEl>
+                                              <p:pRg st="2" end="2"/>
+                                            </p:txEl>
+                                          </p:spTgt>
+                                        </p:tgtEl>
+                                        <p:attrNameLst>
+                                          <p:attrName>ppt_x</p:attrName>
+                                        </p:attrNameLst>
+                                      </p:cBhvr>
+                                      <p:tavLst>
+                                        <p:tav tm="0">
+                                          <p:val>
+                                            <p:strVal val="#ppt_x"/>
+                                          </p:val>
+                                        </p:tav>
+                                        <p:tav tm="100000">
+                                          <p:val>
+                                            <p:strVal val="#ppt_x"/>
+                                          </p:val>
+                                        </p:tav>
+                                      </p:tavLst>
+                                    </p:anim>
+                                    <p:anim calcmode="lin" valueType="num">
+                                      <p:cBhvr additive="base">
+                                        <p:cTn id="17" dur="500" fill="hold"/>
+                                        <p:tgtEl>
+                                          <p:spTgt spid="3">
+                                            <p:txEl>
+                                              <p:pRg st="2" end="2"/>
+                                            </p:txEl>
+                                          </p:spTgt>
+                                        </p:tgtEl>
+                                        <p:attrNameLst>
+                                          <p:attrName>ppt_y</p:attrName>
+                                        </p:attrNameLst>
+                                      </p:cBhvr>
+                                      <p:tavLst>
+                                        <p:tav tm="0">
+                                          <p:val>
+                                            <p:strVal val="1+#ppt_h/2"/>
+                                          </p:val>
+                                        </p:tav>
+                                        <p:tav tm="100000">
+                                          <p:val>
+                                            <p:strVal val="#ppt_y"/>
+                                          </p:val>
+                                        </p:tav>
+                                      </p:tavLst>
+                                    </p:anim>
+                                  </p:childTnLst>
+                                </p:cTn>
+                              </p:par>
+                              <p:par>
+                                <p:cTn id="18" presetID="9" presetClass="exit" presetSubtype="0" fill="hold" nodeType="withEffect">
+                                  <p:stCondLst>
+                                    <p:cond delay="0"/>
+                                  </p:stCondLst>
+                                  <p:childTnLst>
+                                    <p:animEffect transition="out" filter="dissolve">
+                                      <p:cBhvr>
+                                        <p:cTn id="19" dur="500"/>
+                                        <p:tgtEl>
+                                          <p:spTgt spid="11"/>
+                                        </p:tgtEl>
+                                      </p:cBhvr>
+                                    </p:animEffect>
+                                    <p:set>
+                                      <p:cBhvr>
+                                        <p:cTn id="20" dur="1" fill="hold">
+                                          <p:stCondLst>
+                                            <p:cond delay="499"/>
+                                          </p:stCondLst>
+                                        </p:cTn>
+                                        <p:tgtEl>
+                                          <p:spTgt spid="11"/>
+                                        </p:tgtEl>
+                                        <p:attrNameLst>
+                                          <p:attrName>style.visibility</p:attrName>
+                                        </p:attrNameLst>
+                                      </p:cBhvr>
+                                      <p:to>
+                                        <p:strVal val="hidden"/>
+                                      </p:to>
+                                    </p:set>
+                                  </p:childTnLst>
+                                </p:cTn>
+                              </p:par>
+                              <p:par>
+                                <p:cTn id="21" presetID="9" presetClass="entr" presetSubtype="0" fill="hold" nodeType="withEffect">
+                                  <p:stCondLst>
+                                    <p:cond delay="0"/>
+                                  </p:stCondLst>
+                                  <p:childTnLst>
+                                    <p:set>
+                                      <p:cBhvr>
+                                        <p:cTn id="22" dur="1" fill="hold">
+                                          <p:stCondLst>
+                                            <p:cond delay="0"/>
+                                          </p:stCondLst>
+                                        </p:cTn>
+                                        <p:tgtEl>
+                                          <p:spTgt spid="17"/>
+                                        </p:tgtEl>
+                                        <p:attrNameLst>
+                                          <p:attrName>style.visibility</p:attrName>
+                                        </p:attrNameLst>
+                                      </p:cBhvr>
+                                      <p:to>
+                                        <p:strVal val="visible"/>
+                                      </p:to>
+                                    </p:set>
+                                    <p:animEffect transition="in" filter="dissolve">
+                                      <p:cBhvr>
+                                        <p:cTn id="23" dur="500"/>
+                                        <p:tgtEl>
+                                          <p:spTgt spid="17"/>
+                                        </p:tgtEl>
+                                      </p:cBhvr>
+                                    </p:animEffect>
+                                  </p:childTnLst>
+                                </p:cTn>
+                              </p:par>
+                              <p:par>
+                                <p:cTn id="24" presetID="9" presetClass="exit" presetSubtype="0" fill="hold" nodeType="withEffect">
+                                  <p:stCondLst>
+                                    <p:cond delay="0"/>
+                                  </p:stCondLst>
+                                  <p:childTnLst>
+                                    <p:animEffect transition="out" filter="dissolve">
+                                      <p:cBhvr>
+                                        <p:cTn id="25" dur="500"/>
+                                        <p:tgtEl>
+                                          <p:spTgt spid="19"/>
+                                        </p:tgtEl>
+                                      </p:cBhvr>
+                                    </p:animEffect>
+                                    <p:set>
+                                      <p:cBhvr>
+                                        <p:cTn id="26" dur="1" fill="hold">
+                                          <p:stCondLst>
+                                            <p:cond delay="499"/>
+                                          </p:stCondLst>
+                                        </p:cTn>
+                                        <p:tgtEl>
+                                          <p:spTgt spid="19"/>
+                                        </p:tgtEl>
+                                        <p:attrNameLst>
+                                          <p:attrName>style.visibility</p:attrName>
+                                        </p:attrNameLst>
+                                      </p:cBhvr>
+                                      <p:to>
+                                        <p:strVal val="hidden"/>
+                                      </p:to>
+                                    </p:set>
+                                  </p:childTnLst>
+                                </p:cTn>
+                              </p:par>
+                            </p:childTnLst>
+                          </p:cTn>
+                        </p:par>
+                      </p:childTnLst>
+                    </p:cTn>
+                  </p:par>
+                </p:childTnLst>
+              </p:cTn>
+              <p:prevCondLst>
+                <p:cond evt="onPrev" delay="0">
+                  <p:tgtEl>
+                    <p:sldTgt/>
+                  </p:tgtEl>
+                </p:cond>
+              </p:prevCondLst>
+              <p:nextCondLst>
+                <p:cond evt="onNext" delay="0">
+                  <p:tgtEl>
+                    <p:sldTgt/>
+                  </p:tgtEl>
+                </p:cond>
+              </p:nextCondLst>
+            </p:seq>
+          </p:childTnLst>
+        </p:cTn>
+      </p:par>
+    </p:tnLst>
+    <p:bldLst>
+      <p:bldP spid="3" grpId="0" uiExpand="1" build="p"/>
+    </p:bldLst>
+  </p:timing>
 </p:sld>
 </file>
 
@@ -6989,9 +8428,370 @@
           <a:p>
             <a:r>
               <a:rPr lang="en-US" dirty="0" smtClean="0"/>
-              <a:t>Creating table sections</a:t>
-            </a:r>
-            <a:endParaRPr lang="en-US" dirty="0"/>
+              <a:t>Creating table </a:t>
+            </a:r>
+            <a:r>
+              <a:rPr lang="en-US" dirty="0" smtClean="0"/>
+              <a:t>sections</a:t>
+            </a:r>
+          </a:p>
+        </p:txBody>
+      </p:sp>
+      <p:pic>
+        <p:nvPicPr>
+          <p:cNvPr id="7" name="Picture 6" descr="Screenshot_11.png"/>
+          <p:cNvPicPr>
+            <a:picLocks noChangeAspect="1"/>
+          </p:cNvPicPr>
+          <p:nvPr/>
+        </p:nvPicPr>
+        <p:blipFill>
+          <a:blip r:embed="rId3">
+            <a:extLst>
+              <a:ext uri="{28A0092B-C50C-407E-A947-70E740481C1C}">
+                <a14:useLocalDpi xmlns:a14="http://schemas.microsoft.com/office/drawing/2010/main" val="0"/>
+              </a:ext>
+            </a:extLst>
+          </a:blip>
+          <a:stretch>
+            <a:fillRect/>
+          </a:stretch>
+        </p:blipFill>
+        <p:spPr>
+          <a:xfrm>
+            <a:off x="5844415" y="1346200"/>
+            <a:ext cx="3048000" cy="4381500"/>
+          </a:xfrm>
+          <a:prstGeom prst="rect">
+            <a:avLst/>
+          </a:prstGeom>
+          <a:ln>
+            <a:noFill/>
+          </a:ln>
+          <a:effectLst>
+            <a:outerShdw blurRad="292100" dist="139700" dir="2700000" algn="tl" rotWithShape="0">
+              <a:srgbClr val="333333">
+                <a:alpha val="65000"/>
+              </a:srgbClr>
+            </a:outerShdw>
+          </a:effectLst>
+        </p:spPr>
+      </p:pic>
+      <p:sp>
+        <p:nvSpPr>
+          <p:cNvPr id="6" name="TextBox 5"/>
+          <p:cNvSpPr txBox="1"/>
+          <p:nvPr/>
+        </p:nvSpPr>
+        <p:spPr>
+          <a:xfrm>
+            <a:off x="169329" y="3229314"/>
+            <a:ext cx="5675086" cy="2800766"/>
+          </a:xfrm>
+          <a:prstGeom prst="rect">
+            <a:avLst/>
+          </a:prstGeom>
+          <a:solidFill>
+            <a:schemeClr val="bg1"/>
+          </a:solidFill>
+          <a:effectLst>
+            <a:outerShdw blurRad="50800" dist="38100" dir="2700000" algn="tl" rotWithShape="0">
+              <a:prstClr val="black">
+                <a:alpha val="40000"/>
+              </a:prstClr>
+            </a:outerShdw>
+          </a:effectLst>
+        </p:spPr>
+        <p:style>
+          <a:lnRef idx="2">
+            <a:schemeClr val="accent2"/>
+          </a:lnRef>
+          <a:fillRef idx="1">
+            <a:schemeClr val="lt1"/>
+          </a:fillRef>
+          <a:effectRef idx="0">
+            <a:schemeClr val="accent2"/>
+          </a:effectRef>
+          <a:fontRef idx="minor">
+            <a:schemeClr val="dk1"/>
+          </a:fontRef>
+        </p:style>
+        <p:txBody>
+          <a:bodyPr wrap="square" rtlCol="0">
+            <a:spAutoFit/>
+          </a:bodyPr>
+          <a:lstStyle/>
+          <a:p>
+            <a:r>
+              <a:rPr lang="en-US" sz="1600" dirty="0" err="1">
+                <a:latin typeface="Courier"/>
+                <a:cs typeface="Courier"/>
+              </a:rPr>
+              <a:t>var</a:t>
+            </a:r>
+            <a:r>
+              <a:rPr lang="en-US" sz="1600" dirty="0">
+                <a:latin typeface="Courier"/>
+                <a:cs typeface="Courier"/>
+              </a:rPr>
+              <a:t> section1 = </a:t>
+            </a:r>
+            <a:r>
+              <a:rPr lang="en-US" sz="1600" dirty="0" err="1">
+                <a:latin typeface="Courier"/>
+                <a:cs typeface="Courier"/>
+              </a:rPr>
+              <a:t>Ti.UI.createTableViewSection</a:t>
+            </a:r>
+            <a:r>
+              <a:rPr lang="en-US" sz="1600" dirty="0">
+                <a:latin typeface="Courier"/>
+                <a:cs typeface="Courier"/>
+              </a:rPr>
+              <a:t>(</a:t>
+            </a:r>
+            <a:r>
+              <a:rPr lang="en-US" sz="1600" dirty="0" smtClean="0">
+                <a:latin typeface="Courier"/>
+                <a:cs typeface="Courier"/>
+              </a:rPr>
+              <a:t>{</a:t>
+            </a:r>
+            <a:br>
+              <a:rPr lang="en-US" sz="1600" dirty="0" smtClean="0">
+                <a:latin typeface="Courier"/>
+                <a:cs typeface="Courier"/>
+              </a:rPr>
+            </a:br>
+            <a:r>
+              <a:rPr lang="en-US" sz="1600" dirty="0" smtClean="0">
+                <a:latin typeface="Courier"/>
+                <a:cs typeface="Courier"/>
+              </a:rPr>
+              <a:t>	</a:t>
+            </a:r>
+            <a:r>
+              <a:rPr lang="en-US" sz="1600" dirty="0" err="1" smtClean="0">
+                <a:latin typeface="Courier"/>
+                <a:cs typeface="Courier"/>
+              </a:rPr>
+              <a:t>headerTitle</a:t>
+            </a:r>
+            <a:r>
+              <a:rPr lang="en-US" sz="1600" dirty="0">
+                <a:latin typeface="Courier"/>
+                <a:cs typeface="Courier"/>
+              </a:rPr>
+              <a:t>:'Section </a:t>
+            </a:r>
+            <a:r>
+              <a:rPr lang="en-US" sz="1600" dirty="0" smtClean="0">
+                <a:latin typeface="Courier"/>
+                <a:cs typeface="Courier"/>
+              </a:rPr>
+              <a:t>1’</a:t>
+            </a:r>
+          </a:p>
+          <a:p>
+            <a:r>
+              <a:rPr lang="en-US" sz="1600" dirty="0" smtClean="0">
+                <a:latin typeface="Courier"/>
+                <a:cs typeface="Courier"/>
+              </a:rPr>
+              <a:t>}</a:t>
+            </a:r>
+            <a:r>
+              <a:rPr lang="en-US" sz="1600" dirty="0">
+                <a:latin typeface="Courier"/>
+                <a:cs typeface="Courier"/>
+              </a:rPr>
+              <a:t>);</a:t>
+            </a:r>
+          </a:p>
+          <a:p>
+            <a:r>
+              <a:rPr lang="en-US" sz="1600" dirty="0" err="1">
+                <a:latin typeface="Courier"/>
+                <a:cs typeface="Courier"/>
+              </a:rPr>
+              <a:t>var</a:t>
+            </a:r>
+            <a:r>
+              <a:rPr lang="en-US" sz="1600" dirty="0">
+                <a:latin typeface="Courier"/>
+                <a:cs typeface="Courier"/>
+              </a:rPr>
+              <a:t> section2 = </a:t>
+            </a:r>
+            <a:r>
+              <a:rPr lang="en-US" sz="1600" dirty="0" err="1">
+                <a:latin typeface="Courier"/>
+                <a:cs typeface="Courier"/>
+              </a:rPr>
+              <a:t>Ti.UI.createTableViewSection</a:t>
+            </a:r>
+            <a:r>
+              <a:rPr lang="en-US" sz="1600" dirty="0">
+                <a:latin typeface="Courier"/>
+                <a:cs typeface="Courier"/>
+              </a:rPr>
+              <a:t>(</a:t>
+            </a:r>
+            <a:r>
+              <a:rPr lang="en-US" sz="1600" dirty="0" smtClean="0">
+                <a:latin typeface="Courier"/>
+                <a:cs typeface="Courier"/>
+              </a:rPr>
+              <a:t>{</a:t>
+            </a:r>
+            <a:br>
+              <a:rPr lang="en-US" sz="1600" dirty="0" smtClean="0">
+                <a:latin typeface="Courier"/>
+                <a:cs typeface="Courier"/>
+              </a:rPr>
+            </a:br>
+            <a:r>
+              <a:rPr lang="en-US" sz="1600" dirty="0" smtClean="0">
+                <a:latin typeface="Courier"/>
+                <a:cs typeface="Courier"/>
+              </a:rPr>
+              <a:t>	</a:t>
+            </a:r>
+            <a:r>
+              <a:rPr lang="en-US" sz="1600" dirty="0" err="1" smtClean="0">
+                <a:latin typeface="Courier"/>
+                <a:cs typeface="Courier"/>
+              </a:rPr>
+              <a:t>headerTitle</a:t>
+            </a:r>
+            <a:r>
+              <a:rPr lang="en-US" sz="1600" dirty="0">
+                <a:latin typeface="Courier"/>
+                <a:cs typeface="Courier"/>
+              </a:rPr>
+              <a:t>: 'Section </a:t>
+            </a:r>
+            <a:r>
+              <a:rPr lang="en-US" sz="1600" dirty="0" smtClean="0">
+                <a:latin typeface="Courier"/>
+                <a:cs typeface="Courier"/>
+              </a:rPr>
+              <a:t>2’</a:t>
+            </a:r>
+            <a:br>
+              <a:rPr lang="en-US" sz="1600" dirty="0" smtClean="0">
+                <a:latin typeface="Courier"/>
+                <a:cs typeface="Courier"/>
+              </a:rPr>
+            </a:br>
+            <a:r>
+              <a:rPr lang="en-US" sz="1600" dirty="0" smtClean="0">
+                <a:latin typeface="Courier"/>
+                <a:cs typeface="Courier"/>
+              </a:rPr>
+              <a:t>}</a:t>
+            </a:r>
+            <a:r>
+              <a:rPr lang="en-US" sz="1600" dirty="0">
+                <a:latin typeface="Courier"/>
+                <a:cs typeface="Courier"/>
+              </a:rPr>
+              <a:t>);</a:t>
+            </a:r>
+          </a:p>
+          <a:p>
+            <a:r>
+              <a:rPr lang="en-US" sz="1600" dirty="0">
+                <a:latin typeface="Courier"/>
+                <a:cs typeface="Courier"/>
+              </a:rPr>
+              <a:t>section1.add({</a:t>
+            </a:r>
+            <a:r>
+              <a:rPr lang="en-US" sz="1600" dirty="0" err="1">
+                <a:latin typeface="Courier"/>
+                <a:cs typeface="Courier"/>
+              </a:rPr>
+              <a:t>title:'Row</a:t>
+            </a:r>
+            <a:r>
+              <a:rPr lang="en-US" sz="1600" dirty="0">
+                <a:latin typeface="Courier"/>
+                <a:cs typeface="Courier"/>
+              </a:rPr>
+              <a:t> 0'});</a:t>
+            </a:r>
+          </a:p>
+          <a:p>
+            <a:r>
+              <a:rPr lang="en-US" sz="1600" dirty="0">
+                <a:latin typeface="Courier"/>
+                <a:cs typeface="Courier"/>
+              </a:rPr>
+              <a:t>...</a:t>
+            </a:r>
+          </a:p>
+          <a:p>
+            <a:r>
+              <a:rPr lang="en-US" sz="1600" dirty="0" err="1">
+                <a:latin typeface="Courier"/>
+                <a:cs typeface="Courier"/>
+              </a:rPr>
+              <a:t>var</a:t>
+            </a:r>
+            <a:r>
+              <a:rPr lang="en-US" sz="1600" dirty="0">
+                <a:latin typeface="Courier"/>
+                <a:cs typeface="Courier"/>
+              </a:rPr>
+              <a:t> </a:t>
+            </a:r>
+            <a:r>
+              <a:rPr lang="en-US" sz="1600" dirty="0" err="1">
+                <a:latin typeface="Courier"/>
+                <a:cs typeface="Courier"/>
+              </a:rPr>
+              <a:t>tv</a:t>
+            </a:r>
+            <a:r>
+              <a:rPr lang="en-US" sz="1600" dirty="0">
+                <a:latin typeface="Courier"/>
+                <a:cs typeface="Courier"/>
+              </a:rPr>
+              <a:t> = </a:t>
+            </a:r>
+            <a:r>
+              <a:rPr lang="en-US" sz="1600" dirty="0" err="1">
+                <a:latin typeface="Courier"/>
+                <a:cs typeface="Courier"/>
+              </a:rPr>
+              <a:t>Ti.UI.createTableView</a:t>
+            </a:r>
+            <a:r>
+              <a:rPr lang="en-US" sz="1600" dirty="0">
+                <a:latin typeface="Courier"/>
+                <a:cs typeface="Courier"/>
+              </a:rPr>
+              <a:t>({</a:t>
+            </a:r>
+          </a:p>
+          <a:p>
+            <a:r>
+              <a:rPr lang="en-US" sz="1600" dirty="0">
+                <a:latin typeface="Courier"/>
+                <a:cs typeface="Courier"/>
+              </a:rPr>
+              <a:t>	data:[section1,section2]</a:t>
+            </a:r>
+          </a:p>
+          <a:p>
+            <a:r>
+              <a:rPr lang="en-US" sz="1600" dirty="0">
+                <a:latin typeface="Courier"/>
+                <a:cs typeface="Courier"/>
+              </a:rPr>
+              <a:t>});</a:t>
+            </a:r>
           </a:p>
         </p:txBody>
       </p:sp>
@@ -7005,6 +8805,13 @@
   <p:clrMapOvr>
     <a:masterClrMapping/>
   </p:clrMapOvr>
+  <p:timing>
+    <p:tnLst>
+      <p:par>
+        <p:cTn xmlns:p14="http://schemas.microsoft.com/office/powerpoint/2010/main" id="1" dur="indefinite" restart="never" nodeType="tmRoot"/>
+      </p:par>
+    </p:tnLst>
+  </p:timing>
 </p:sld>
 </file>
 
@@ -7067,23 +8874,348 @@
               <a:rPr lang="en-US" dirty="0" err="1" smtClean="0"/>
               <a:t>iOS</a:t>
             </a:r>
+            <a:endParaRPr lang="en-US" dirty="0" smtClean="0"/>
+          </a:p>
+          <a:p>
+            <a:endParaRPr lang="en-US" dirty="0"/>
+          </a:p>
+          <a:p>
             <a:r>
               <a:rPr lang="en-US" dirty="0" smtClean="0"/>
-              <a:t> specifics</a:t>
-            </a:r>
-          </a:p>
-          <a:p>
-            <a:endParaRPr lang="en-US" dirty="0"/>
-          </a:p>
-          <a:p>
-            <a:r>
-              <a:rPr lang="en-US" dirty="0" smtClean="0"/>
-              <a:t>Android specifics</a:t>
+              <a:t>Android</a:t>
             </a:r>
             <a:endParaRPr lang="en-US" dirty="0"/>
           </a:p>
         </p:txBody>
       </p:sp>
+      <p:grpSp>
+        <p:nvGrpSpPr>
+          <p:cNvPr id="8" name="Group 7"/>
+          <p:cNvGrpSpPr/>
+          <p:nvPr/>
+        </p:nvGrpSpPr>
+        <p:grpSpPr>
+          <a:xfrm>
+            <a:off x="396140" y="1346200"/>
+            <a:ext cx="8290660" cy="5016160"/>
+            <a:chOff x="396140" y="1346200"/>
+            <a:chExt cx="8290660" cy="5016160"/>
+          </a:xfrm>
+        </p:grpSpPr>
+        <p:pic>
+          <p:nvPicPr>
+            <p:cNvPr id="4" name="Picture 3" descr="Screenshot_5.png"/>
+            <p:cNvPicPr>
+              <a:picLocks noChangeAspect="1"/>
+            </p:cNvPicPr>
+            <p:nvPr/>
+          </p:nvPicPr>
+          <p:blipFill>
+            <a:blip r:embed="rId3">
+              <a:extLst>
+                <a:ext uri="{28A0092B-C50C-407E-A947-70E740481C1C}">
+                  <a14:useLocalDpi xmlns:a14="http://schemas.microsoft.com/office/drawing/2010/main" val="0"/>
+                </a:ext>
+              </a:extLst>
+            </a:blip>
+            <a:stretch>
+              <a:fillRect/>
+            </a:stretch>
+          </p:blipFill>
+          <p:spPr>
+            <a:xfrm>
+              <a:off x="5638800" y="1346200"/>
+              <a:ext cx="3048000" cy="4381500"/>
+            </a:xfrm>
+            <a:prstGeom prst="rect">
+              <a:avLst/>
+            </a:prstGeom>
+            <a:ln>
+              <a:noFill/>
+            </a:ln>
+            <a:effectLst>
+              <a:outerShdw blurRad="292100" dist="139700" dir="2700000" algn="tl" rotWithShape="0">
+                <a:srgbClr val="333333">
+                  <a:alpha val="65000"/>
+                </a:srgbClr>
+              </a:outerShdw>
+            </a:effectLst>
+          </p:spPr>
+        </p:pic>
+        <p:sp>
+          <p:nvSpPr>
+            <p:cNvPr id="5" name="TextBox 4"/>
+            <p:cNvSpPr txBox="1"/>
+            <p:nvPr/>
+          </p:nvSpPr>
+          <p:spPr>
+            <a:xfrm>
+              <a:off x="396140" y="4546478"/>
+              <a:ext cx="6435911" cy="1815882"/>
+            </a:xfrm>
+            <a:prstGeom prst="rect">
+              <a:avLst/>
+            </a:prstGeom>
+            <a:solidFill>
+              <a:schemeClr val="bg1"/>
+            </a:solidFill>
+            <a:effectLst>
+              <a:outerShdw blurRad="50800" dist="38100" dir="2700000" algn="tl" rotWithShape="0">
+                <a:prstClr val="black">
+                  <a:alpha val="40000"/>
+                </a:prstClr>
+              </a:outerShdw>
+            </a:effectLst>
+          </p:spPr>
+          <p:style>
+            <a:lnRef idx="2">
+              <a:schemeClr val="accent2"/>
+            </a:lnRef>
+            <a:fillRef idx="1">
+              <a:schemeClr val="lt1"/>
+            </a:fillRef>
+            <a:effectRef idx="0">
+              <a:schemeClr val="accent2"/>
+            </a:effectRef>
+            <a:fontRef idx="minor">
+              <a:schemeClr val="dk1"/>
+            </a:fontRef>
+          </p:style>
+          <p:txBody>
+            <a:bodyPr wrap="square" rtlCol="0">
+              <a:spAutoFit/>
+            </a:bodyPr>
+            <a:lstStyle/>
+            <a:p>
+              <a:r>
+                <a:rPr lang="en-US" sz="1600" dirty="0" err="1">
+                  <a:latin typeface="Courier"/>
+                  <a:cs typeface="Courier"/>
+                </a:rPr>
+                <a:t>var</a:t>
+              </a:r>
+              <a:r>
+                <a:rPr lang="en-US" sz="1600" dirty="0">
+                  <a:latin typeface="Courier"/>
+                  <a:cs typeface="Courier"/>
+                </a:rPr>
+                <a:t> </a:t>
+              </a:r>
+              <a:r>
+                <a:rPr lang="en-US" sz="1600" dirty="0" err="1" smtClean="0">
+                  <a:latin typeface="Courier"/>
+                  <a:cs typeface="Courier"/>
+                </a:rPr>
+                <a:t>searchbar</a:t>
+              </a:r>
+              <a:r>
+                <a:rPr lang="en-US" sz="1600" dirty="0" smtClean="0">
+                  <a:latin typeface="Courier"/>
+                  <a:cs typeface="Courier"/>
+                </a:rPr>
+                <a:t> </a:t>
+              </a:r>
+              <a:r>
+                <a:rPr lang="en-US" sz="1600" dirty="0">
+                  <a:latin typeface="Courier"/>
+                  <a:cs typeface="Courier"/>
+                </a:rPr>
+                <a:t>= </a:t>
+              </a:r>
+              <a:r>
+                <a:rPr lang="en-US" sz="1600" dirty="0" err="1">
+                  <a:latin typeface="Courier"/>
+                  <a:cs typeface="Courier"/>
+                </a:rPr>
+                <a:t>Titanium.UI.createSearchBar</a:t>
+              </a:r>
+              <a:r>
+                <a:rPr lang="en-US" sz="1600" dirty="0">
+                  <a:latin typeface="Courier"/>
+                  <a:cs typeface="Courier"/>
+                </a:rPr>
+                <a:t>({</a:t>
+              </a:r>
+            </a:p>
+            <a:p>
+              <a:r>
+                <a:rPr lang="en-US" sz="1600" dirty="0">
+                  <a:latin typeface="Courier"/>
+                  <a:cs typeface="Courier"/>
+                </a:rPr>
+                <a:t>	</a:t>
+              </a:r>
+              <a:r>
+                <a:rPr lang="en-US" sz="1600" dirty="0" err="1">
+                  <a:latin typeface="Courier"/>
+                  <a:cs typeface="Courier"/>
+                </a:rPr>
+                <a:t>barColor</a:t>
+              </a:r>
+              <a:r>
+                <a:rPr lang="en-US" sz="1600" dirty="0">
+                  <a:latin typeface="Courier"/>
+                  <a:cs typeface="Courier"/>
+                </a:rPr>
+                <a:t>:'#385292',</a:t>
+              </a:r>
+            </a:p>
+            <a:p>
+              <a:r>
+                <a:rPr lang="en-US" sz="1600" dirty="0">
+                  <a:latin typeface="Courier"/>
+                  <a:cs typeface="Courier"/>
+                </a:rPr>
+                <a:t>	</a:t>
+              </a:r>
+              <a:r>
+                <a:rPr lang="en-US" sz="1600" dirty="0" err="1">
+                  <a:latin typeface="Courier"/>
+                  <a:cs typeface="Courier"/>
+                </a:rPr>
+                <a:t>showCancel:false</a:t>
+              </a:r>
+              <a:endParaRPr lang="en-US" sz="1600" dirty="0">
+                <a:latin typeface="Courier"/>
+                <a:cs typeface="Courier"/>
+              </a:endParaRPr>
+            </a:p>
+            <a:p>
+              <a:r>
+                <a:rPr lang="en-US" sz="1600" dirty="0">
+                  <a:latin typeface="Courier"/>
+                  <a:cs typeface="Courier"/>
+                </a:rPr>
+                <a:t>});</a:t>
+              </a:r>
+            </a:p>
+            <a:p>
+              <a:r>
+                <a:rPr lang="en-US" sz="1600" dirty="0" err="1" smtClean="0">
+                  <a:latin typeface="Courier"/>
+                  <a:cs typeface="Courier"/>
+                </a:rPr>
+                <a:t>var</a:t>
+              </a:r>
+              <a:r>
+                <a:rPr lang="en-US" sz="1600" dirty="0" smtClean="0">
+                  <a:latin typeface="Courier"/>
+                  <a:cs typeface="Courier"/>
+                </a:rPr>
+                <a:t> </a:t>
+              </a:r>
+              <a:r>
+                <a:rPr lang="en-US" sz="1600" dirty="0" err="1">
+                  <a:latin typeface="Courier"/>
+                  <a:cs typeface="Courier"/>
+                </a:rPr>
+                <a:t>tableView</a:t>
+              </a:r>
+              <a:r>
+                <a:rPr lang="en-US" sz="1600" dirty="0">
+                  <a:latin typeface="Courier"/>
+                  <a:cs typeface="Courier"/>
+                </a:rPr>
+                <a:t> = </a:t>
+              </a:r>
+              <a:r>
+                <a:rPr lang="en-US" sz="1600" dirty="0" err="1">
+                  <a:latin typeface="Courier"/>
+                  <a:cs typeface="Courier"/>
+                </a:rPr>
+                <a:t>Titanium.UI.createTableView</a:t>
+              </a:r>
+              <a:r>
+                <a:rPr lang="en-US" sz="1600" dirty="0">
+                  <a:latin typeface="Courier"/>
+                  <a:cs typeface="Courier"/>
+                </a:rPr>
+                <a:t>({</a:t>
+              </a:r>
+              <a:endParaRPr lang="en-US" sz="1600" dirty="0" smtClean="0">
+                <a:latin typeface="Courier"/>
+                <a:cs typeface="Courier"/>
+              </a:endParaRPr>
+            </a:p>
+            <a:p>
+              <a:r>
+                <a:rPr lang="en-US" sz="1600" dirty="0" smtClean="0">
+                  <a:latin typeface="Courier"/>
+                  <a:cs typeface="Courier"/>
+                </a:rPr>
+                <a:t>   </a:t>
+              </a:r>
+              <a:r>
+                <a:rPr lang="en-US" sz="1600" dirty="0">
+                  <a:latin typeface="Courier"/>
+                  <a:cs typeface="Courier"/>
+                </a:rPr>
+                <a:t> </a:t>
+              </a:r>
+              <a:r>
+                <a:rPr lang="en-US" sz="1600" dirty="0" err="1" smtClean="0">
+                  <a:latin typeface="Courier"/>
+                  <a:cs typeface="Courier"/>
+                </a:rPr>
+                <a:t>search:searchbar</a:t>
+              </a:r>
+              <a:endParaRPr lang="en-US" sz="1600" dirty="0" smtClean="0">
+                <a:latin typeface="Courier"/>
+                <a:cs typeface="Courier"/>
+              </a:endParaRPr>
+            </a:p>
+            <a:p>
+              <a:r>
+                <a:rPr lang="en-US" sz="1600" dirty="0" smtClean="0">
+                  <a:latin typeface="Courier"/>
+                  <a:cs typeface="Courier"/>
+                </a:rPr>
+                <a:t>});</a:t>
+              </a:r>
+            </a:p>
+          </p:txBody>
+        </p:sp>
+      </p:grpSp>
+      <p:pic>
+        <p:nvPicPr>
+          <p:cNvPr id="7" name="Picture 6" descr="Screen shot 2011-06-09 at 12.23.19 PM.png"/>
+          <p:cNvPicPr>
+            <a:picLocks noChangeAspect="1"/>
+          </p:cNvPicPr>
+          <p:nvPr/>
+        </p:nvPicPr>
+        <p:blipFill>
+          <a:blip r:embed="rId4">
+            <a:extLst>
+              <a:ext uri="{28A0092B-C50C-407E-A947-70E740481C1C}">
+                <a14:useLocalDpi xmlns:a14="http://schemas.microsoft.com/office/drawing/2010/main" val="0"/>
+              </a:ext>
+            </a:extLst>
+          </a:blip>
+          <a:stretch>
+            <a:fillRect/>
+          </a:stretch>
+        </p:blipFill>
+        <p:spPr>
+          <a:xfrm>
+            <a:off x="5610225" y="1136650"/>
+            <a:ext cx="3076575" cy="4591050"/>
+          </a:xfrm>
+          <a:prstGeom prst="rect">
+            <a:avLst/>
+          </a:prstGeom>
+          <a:ln>
+            <a:noFill/>
+          </a:ln>
+          <a:effectLst>
+            <a:outerShdw blurRad="292100" dist="139700" dir="2700000" algn="tl" rotWithShape="0">
+              <a:srgbClr val="333333">
+                <a:alpha val="65000"/>
+              </a:srgbClr>
+            </a:outerShdw>
+          </a:effectLst>
+        </p:spPr>
+      </p:pic>
     </p:spTree>
     <p:extLst>
       <p:ext uri="{BB962C8B-B14F-4D97-AF65-F5344CB8AC3E}">
@@ -7097,9 +9229,311 @@
   <p:timing>
     <p:tnLst>
       <p:par>
-        <p:cTn xmlns:p14="http://schemas.microsoft.com/office/powerpoint/2010/main" id="1" dur="indefinite" restart="never" nodeType="tmRoot"/>
+        <p:cTn xmlns:p14="http://schemas.microsoft.com/office/powerpoint/2010/main" id="1" dur="indefinite" restart="never" nodeType="tmRoot">
+          <p:childTnLst>
+            <p:seq concurrent="1" nextAc="seek">
+              <p:cTn id="2" dur="indefinite" nodeType="mainSeq">
+                <p:childTnLst>
+                  <p:par>
+                    <p:cTn id="3" fill="hold">
+                      <p:stCondLst>
+                        <p:cond delay="indefinite"/>
+                      </p:stCondLst>
+                      <p:childTnLst>
+                        <p:par>
+                          <p:cTn id="4" fill="hold">
+                            <p:stCondLst>
+                              <p:cond delay="0"/>
+                            </p:stCondLst>
+                            <p:childTnLst>
+                              <p:par>
+                                <p:cTn id="5" presetID="2" presetClass="entr" presetSubtype="4" fill="hold" grpId="0" nodeType="clickEffect">
+                                  <p:stCondLst>
+                                    <p:cond delay="0"/>
+                                  </p:stCondLst>
+                                  <p:childTnLst>
+                                    <p:set>
+                                      <p:cBhvr>
+                                        <p:cTn id="6" dur="1" fill="hold">
+                                          <p:stCondLst>
+                                            <p:cond delay="0"/>
+                                          </p:stCondLst>
+                                        </p:cTn>
+                                        <p:tgtEl>
+                                          <p:spTgt spid="3">
+                                            <p:txEl>
+                                              <p:pRg st="0" end="0"/>
+                                            </p:txEl>
+                                          </p:spTgt>
+                                        </p:tgtEl>
+                                        <p:attrNameLst>
+                                          <p:attrName>style.visibility</p:attrName>
+                                        </p:attrNameLst>
+                                      </p:cBhvr>
+                                      <p:to>
+                                        <p:strVal val="visible"/>
+                                      </p:to>
+                                    </p:set>
+                                    <p:anim calcmode="lin" valueType="num">
+                                      <p:cBhvr additive="base">
+                                        <p:cTn id="7" dur="500" fill="hold"/>
+                                        <p:tgtEl>
+                                          <p:spTgt spid="3">
+                                            <p:txEl>
+                                              <p:pRg st="0" end="0"/>
+                                            </p:txEl>
+                                          </p:spTgt>
+                                        </p:tgtEl>
+                                        <p:attrNameLst>
+                                          <p:attrName>ppt_x</p:attrName>
+                                        </p:attrNameLst>
+                                      </p:cBhvr>
+                                      <p:tavLst>
+                                        <p:tav tm="0">
+                                          <p:val>
+                                            <p:strVal val="#ppt_x"/>
+                                          </p:val>
+                                        </p:tav>
+                                        <p:tav tm="100000">
+                                          <p:val>
+                                            <p:strVal val="#ppt_x"/>
+                                          </p:val>
+                                        </p:tav>
+                                      </p:tavLst>
+                                    </p:anim>
+                                    <p:anim calcmode="lin" valueType="num">
+                                      <p:cBhvr additive="base">
+                                        <p:cTn id="8" dur="500" fill="hold"/>
+                                        <p:tgtEl>
+                                          <p:spTgt spid="3">
+                                            <p:txEl>
+                                              <p:pRg st="0" end="0"/>
+                                            </p:txEl>
+                                          </p:spTgt>
+                                        </p:tgtEl>
+                                        <p:attrNameLst>
+                                          <p:attrName>ppt_y</p:attrName>
+                                        </p:attrNameLst>
+                                      </p:cBhvr>
+                                      <p:tavLst>
+                                        <p:tav tm="0">
+                                          <p:val>
+                                            <p:strVal val="1+#ppt_h/2"/>
+                                          </p:val>
+                                        </p:tav>
+                                        <p:tav tm="100000">
+                                          <p:val>
+                                            <p:strVal val="#ppt_y"/>
+                                          </p:val>
+                                        </p:tav>
+                                      </p:tavLst>
+                                    </p:anim>
+                                  </p:childTnLst>
+                                </p:cTn>
+                              </p:par>
+                              <p:par>
+                                <p:cTn id="9" presetID="9" presetClass="entr" presetSubtype="0" fill="hold" nodeType="withEffect">
+                                  <p:stCondLst>
+                                    <p:cond delay="0"/>
+                                  </p:stCondLst>
+                                  <p:childTnLst>
+                                    <p:set>
+                                      <p:cBhvr>
+                                        <p:cTn id="10" dur="1" fill="hold">
+                                          <p:stCondLst>
+                                            <p:cond delay="0"/>
+                                          </p:stCondLst>
+                                        </p:cTn>
+                                        <p:tgtEl>
+                                          <p:spTgt spid="8"/>
+                                        </p:tgtEl>
+                                        <p:attrNameLst>
+                                          <p:attrName>style.visibility</p:attrName>
+                                        </p:attrNameLst>
+                                      </p:cBhvr>
+                                      <p:to>
+                                        <p:strVal val="visible"/>
+                                      </p:to>
+                                    </p:set>
+                                    <p:animEffect transition="in" filter="dissolve">
+                                      <p:cBhvr>
+                                        <p:cTn id="11" dur="500"/>
+                                        <p:tgtEl>
+                                          <p:spTgt spid="8"/>
+                                        </p:tgtEl>
+                                      </p:cBhvr>
+                                    </p:animEffect>
+                                  </p:childTnLst>
+                                </p:cTn>
+                              </p:par>
+                            </p:childTnLst>
+                          </p:cTn>
+                        </p:par>
+                      </p:childTnLst>
+                    </p:cTn>
+                  </p:par>
+                  <p:par>
+                    <p:cTn id="12" fill="hold">
+                      <p:stCondLst>
+                        <p:cond delay="indefinite"/>
+                      </p:stCondLst>
+                      <p:childTnLst>
+                        <p:par>
+                          <p:cTn id="13" fill="hold">
+                            <p:stCondLst>
+                              <p:cond delay="0"/>
+                            </p:stCondLst>
+                            <p:childTnLst>
+                              <p:par>
+                                <p:cTn id="14" presetID="2" presetClass="entr" presetSubtype="4" fill="hold" grpId="0" nodeType="clickEffect">
+                                  <p:stCondLst>
+                                    <p:cond delay="0"/>
+                                  </p:stCondLst>
+                                  <p:childTnLst>
+                                    <p:set>
+                                      <p:cBhvr>
+                                        <p:cTn id="15" dur="1" fill="hold">
+                                          <p:stCondLst>
+                                            <p:cond delay="0"/>
+                                          </p:stCondLst>
+                                        </p:cTn>
+                                        <p:tgtEl>
+                                          <p:spTgt spid="3">
+                                            <p:txEl>
+                                              <p:pRg st="2" end="2"/>
+                                            </p:txEl>
+                                          </p:spTgt>
+                                        </p:tgtEl>
+                                        <p:attrNameLst>
+                                          <p:attrName>style.visibility</p:attrName>
+                                        </p:attrNameLst>
+                                      </p:cBhvr>
+                                      <p:to>
+                                        <p:strVal val="visible"/>
+                                      </p:to>
+                                    </p:set>
+                                    <p:anim calcmode="lin" valueType="num">
+                                      <p:cBhvr additive="base">
+                                        <p:cTn id="16" dur="500" fill="hold"/>
+                                        <p:tgtEl>
+                                          <p:spTgt spid="3">
+                                            <p:txEl>
+                                              <p:pRg st="2" end="2"/>
+                                            </p:txEl>
+                                          </p:spTgt>
+                                        </p:tgtEl>
+                                        <p:attrNameLst>
+                                          <p:attrName>ppt_x</p:attrName>
+                                        </p:attrNameLst>
+                                      </p:cBhvr>
+                                      <p:tavLst>
+                                        <p:tav tm="0">
+                                          <p:val>
+                                            <p:strVal val="#ppt_x"/>
+                                          </p:val>
+                                        </p:tav>
+                                        <p:tav tm="100000">
+                                          <p:val>
+                                            <p:strVal val="#ppt_x"/>
+                                          </p:val>
+                                        </p:tav>
+                                      </p:tavLst>
+                                    </p:anim>
+                                    <p:anim calcmode="lin" valueType="num">
+                                      <p:cBhvr additive="base">
+                                        <p:cTn id="17" dur="500" fill="hold"/>
+                                        <p:tgtEl>
+                                          <p:spTgt spid="3">
+                                            <p:txEl>
+                                              <p:pRg st="2" end="2"/>
+                                            </p:txEl>
+                                          </p:spTgt>
+                                        </p:tgtEl>
+                                        <p:attrNameLst>
+                                          <p:attrName>ppt_y</p:attrName>
+                                        </p:attrNameLst>
+                                      </p:cBhvr>
+                                      <p:tavLst>
+                                        <p:tav tm="0">
+                                          <p:val>
+                                            <p:strVal val="1+#ppt_h/2"/>
+                                          </p:val>
+                                        </p:tav>
+                                        <p:tav tm="100000">
+                                          <p:val>
+                                            <p:strVal val="#ppt_y"/>
+                                          </p:val>
+                                        </p:tav>
+                                      </p:tavLst>
+                                    </p:anim>
+                                  </p:childTnLst>
+                                </p:cTn>
+                              </p:par>
+                              <p:par>
+                                <p:cTn id="18" presetID="9" presetClass="entr" presetSubtype="0" fill="hold" nodeType="withEffect">
+                                  <p:stCondLst>
+                                    <p:cond delay="0"/>
+                                  </p:stCondLst>
+                                  <p:childTnLst>
+                                    <p:set>
+                                      <p:cBhvr>
+                                        <p:cTn id="19" dur="1" fill="hold">
+                                          <p:stCondLst>
+                                            <p:cond delay="0"/>
+                                          </p:stCondLst>
+                                        </p:cTn>
+                                        <p:tgtEl>
+                                          <p:spTgt spid="7"/>
+                                        </p:tgtEl>
+                                        <p:attrNameLst>
+                                          <p:attrName>style.visibility</p:attrName>
+                                        </p:attrNameLst>
+                                      </p:cBhvr>
+                                      <p:to>
+                                        <p:strVal val="visible"/>
+                                      </p:to>
+                                    </p:set>
+                                    <p:animEffect transition="in" filter="dissolve">
+                                      <p:cBhvr>
+                                        <p:cTn id="20" dur="500"/>
+                                        <p:tgtEl>
+                                          <p:spTgt spid="7"/>
+                                        </p:tgtEl>
+                                      </p:cBhvr>
+                                    </p:animEffect>
+                                  </p:childTnLst>
+                                </p:cTn>
+                              </p:par>
+                            </p:childTnLst>
+                          </p:cTn>
+                        </p:par>
+                      </p:childTnLst>
+                    </p:cTn>
+                  </p:par>
+                </p:childTnLst>
+              </p:cTn>
+              <p:prevCondLst>
+                <p:cond evt="onPrev" delay="0">
+                  <p:tgtEl>
+                    <p:sldTgt/>
+                  </p:tgtEl>
+                </p:cond>
+              </p:prevCondLst>
+              <p:nextCondLst>
+                <p:cond evt="onNext" delay="0">
+                  <p:tgtEl>
+                    <p:sldTgt/>
+                  </p:tgtEl>
+                </p:cond>
+              </p:nextCondLst>
+            </p:seq>
+          </p:childTnLst>
+        </p:cTn>
       </p:par>
     </p:tnLst>
+    <p:bldLst>
+      <p:bldP spid="3" grpId="0" uiExpand="1" build="p"/>
+    </p:bldLst>
   </p:timing>
 </p:sld>
 </file>
@@ -7165,7 +9599,7 @@
           <a:p>
             <a:r>
               <a:rPr lang="en-US" dirty="0" smtClean="0"/>
-              <a:t>Edit mode</a:t>
+              <a:t>Edit / Delete mode</a:t>
             </a:r>
           </a:p>
           <a:p>
@@ -7174,11 +9608,7 @@
           <a:p>
             <a:r>
               <a:rPr lang="en-US" dirty="0" smtClean="0"/>
-              <a:t>Moving </a:t>
-            </a:r>
-            <a:r>
-              <a:rPr lang="en-US" dirty="0" smtClean="0"/>
-              <a:t>rows</a:t>
+              <a:t>Moving rows</a:t>
             </a:r>
           </a:p>
           <a:p>
@@ -7188,6 +9618,15 @@
             <a:r>
               <a:rPr lang="en-US" dirty="0" smtClean="0"/>
               <a:t>Grouped sections</a:t>
+            </a:r>
+          </a:p>
+          <a:p>
+            <a:endParaRPr lang="en-US" dirty="0"/>
+          </a:p>
+          <a:p>
+            <a:r>
+              <a:rPr lang="en-US" dirty="0" smtClean="0"/>
+              <a:t>Filters</a:t>
             </a:r>
           </a:p>
           <a:p>
@@ -7203,16 +9642,16 @@
       </p:sp>
       <p:grpSp>
         <p:nvGrpSpPr>
-          <p:cNvPr id="13" name="Group 12"/>
+          <p:cNvPr id="16" name="Group 15"/>
           <p:cNvGrpSpPr/>
           <p:nvPr/>
         </p:nvGrpSpPr>
         <p:grpSpPr>
           <a:xfrm>
-            <a:off x="396140" y="1419466"/>
-            <a:ext cx="8430576" cy="4520043"/>
-            <a:chOff x="1749825" y="2170257"/>
-            <a:chExt cx="8430576" cy="4520043"/>
+            <a:off x="457200" y="1329672"/>
+            <a:ext cx="7607271" cy="4518597"/>
+            <a:chOff x="396140" y="1420912"/>
+            <a:chExt cx="7607271" cy="4518597"/>
           </a:xfrm>
         </p:grpSpPr>
         <p:pic>
@@ -7237,7 +9676,7 @@
           </p:blipFill>
           <p:spPr>
             <a:xfrm>
-              <a:off x="7132401" y="2170257"/>
+              <a:off x="4955411" y="1420912"/>
               <a:ext cx="3048000" cy="4381500"/>
             </a:xfrm>
             <a:prstGeom prst="rect">
@@ -7253,7 +9692,7 @@
           </p:nvSpPr>
           <p:spPr>
             <a:xfrm>
-              <a:off x="1749825" y="5859303"/>
+              <a:off x="396140" y="5108512"/>
               <a:ext cx="6435911" cy="830997"/>
             </a:xfrm>
             <a:prstGeom prst="rect">
@@ -7371,16 +9810,16 @@
       </p:grpSp>
       <p:grpSp>
         <p:nvGrpSpPr>
-          <p:cNvPr id="12" name="Group 11"/>
+          <p:cNvPr id="17" name="Group 16"/>
           <p:cNvGrpSpPr/>
           <p:nvPr/>
         </p:nvGrpSpPr>
         <p:grpSpPr>
           <a:xfrm>
-            <a:off x="396140" y="1419466"/>
-            <a:ext cx="7755589" cy="4381500"/>
-            <a:chOff x="900812" y="1346200"/>
-            <a:chExt cx="7755589" cy="4381500"/>
+            <a:off x="458294" y="1346200"/>
+            <a:ext cx="7606177" cy="4381500"/>
+            <a:chOff x="396140" y="1419466"/>
+            <a:chExt cx="7606177" cy="4381500"/>
           </a:xfrm>
         </p:grpSpPr>
         <p:pic>
@@ -7405,7 +9844,7 @@
           </p:blipFill>
           <p:spPr>
             <a:xfrm>
-              <a:off x="5608401" y="1346200"/>
+              <a:off x="4954317" y="1419466"/>
               <a:ext cx="3048000" cy="4381500"/>
             </a:xfrm>
             <a:prstGeom prst="rect">
@@ -7421,7 +9860,7 @@
           </p:nvSpPr>
           <p:spPr>
             <a:xfrm>
-              <a:off x="900812" y="4094577"/>
+              <a:off x="396140" y="4167843"/>
               <a:ext cx="6435911" cy="1569660"/>
             </a:xfrm>
             <a:prstGeom prst="rect">
@@ -7562,15 +10001,15 @@
       </p:grpSp>
       <p:grpSp>
         <p:nvGrpSpPr>
-          <p:cNvPr id="9" name="Group 8"/>
+          <p:cNvPr id="6" name="Group 5"/>
           <p:cNvGrpSpPr/>
           <p:nvPr/>
         </p:nvGrpSpPr>
         <p:grpSpPr>
           <a:xfrm>
-            <a:off x="396140" y="1419466"/>
+            <a:off x="457200" y="1329672"/>
             <a:ext cx="7605328" cy="4696672"/>
-            <a:chOff x="457200" y="0"/>
+            <a:chOff x="396140" y="1419466"/>
             <a:chExt cx="7605328" cy="4696672"/>
           </a:xfrm>
         </p:grpSpPr>
@@ -7596,7 +10035,7 @@
           </p:blipFill>
           <p:spPr>
             <a:xfrm>
-              <a:off x="5014528" y="0"/>
+              <a:off x="4953468" y="1419466"/>
               <a:ext cx="3048000" cy="4381500"/>
             </a:xfrm>
             <a:prstGeom prst="rect">
@@ -7612,7 +10051,7 @@
           </p:nvSpPr>
           <p:spPr>
             <a:xfrm>
-              <a:off x="457200" y="3127012"/>
+              <a:off x="396140" y="4546478"/>
               <a:ext cx="6435911" cy="1569660"/>
             </a:xfrm>
             <a:prstGeom prst="rect">
@@ -7855,6 +10294,193 @@
           </a:extLst>
         </p:spPr>
       </p:pic>
+      <p:grpSp>
+        <p:nvGrpSpPr>
+          <p:cNvPr id="19" name="Group 18"/>
+          <p:cNvGrpSpPr/>
+          <p:nvPr/>
+        </p:nvGrpSpPr>
+        <p:grpSpPr>
+          <a:xfrm>
+            <a:off x="455257" y="1346200"/>
+            <a:ext cx="7607271" cy="4381500"/>
+            <a:chOff x="396140" y="1419466"/>
+            <a:chExt cx="7607271" cy="4381500"/>
+          </a:xfrm>
+        </p:grpSpPr>
+        <p:pic>
+          <p:nvPicPr>
+            <p:cNvPr id="15" name="Picture 14" descr="Screenshot_7.png"/>
+            <p:cNvPicPr>
+              <a:picLocks noChangeAspect="1"/>
+            </p:cNvPicPr>
+            <p:nvPr/>
+          </p:nvPicPr>
+          <p:blipFill>
+            <a:blip r:embed="rId6">
+              <a:extLst>
+                <a:ext uri="{28A0092B-C50C-407E-A947-70E740481C1C}">
+                  <a14:useLocalDpi xmlns:a14="http://schemas.microsoft.com/office/drawing/2010/main" val="0"/>
+                </a:ext>
+              </a:extLst>
+            </a:blip>
+            <a:stretch>
+              <a:fillRect/>
+            </a:stretch>
+          </p:blipFill>
+          <p:spPr>
+            <a:xfrm>
+              <a:off x="4955411" y="1419466"/>
+              <a:ext cx="3048000" cy="4381500"/>
+            </a:xfrm>
+            <a:prstGeom prst="rect">
+              <a:avLst/>
+            </a:prstGeom>
+          </p:spPr>
+        </p:pic>
+        <p:sp>
+          <p:nvSpPr>
+            <p:cNvPr id="18" name="TextBox 17"/>
+            <p:cNvSpPr txBox="1"/>
+            <p:nvPr/>
+          </p:nvSpPr>
+          <p:spPr>
+            <a:xfrm>
+              <a:off x="396140" y="4167843"/>
+              <a:ext cx="6435911" cy="1569660"/>
+            </a:xfrm>
+            <a:prstGeom prst="rect">
+              <a:avLst/>
+            </a:prstGeom>
+            <a:solidFill>
+              <a:schemeClr val="bg1"/>
+            </a:solidFill>
+            <a:effectLst>
+              <a:outerShdw blurRad="50800" dist="38100" dir="2700000" algn="tl" rotWithShape="0">
+                <a:prstClr val="black">
+                  <a:alpha val="40000"/>
+                </a:prstClr>
+              </a:outerShdw>
+            </a:effectLst>
+          </p:spPr>
+          <p:style>
+            <a:lnRef idx="2">
+              <a:schemeClr val="accent2"/>
+            </a:lnRef>
+            <a:fillRef idx="1">
+              <a:schemeClr val="lt1"/>
+            </a:fillRef>
+            <a:effectRef idx="0">
+              <a:schemeClr val="accent2"/>
+            </a:effectRef>
+            <a:fontRef idx="minor">
+              <a:schemeClr val="dk1"/>
+            </a:fontRef>
+          </p:style>
+          <p:txBody>
+            <a:bodyPr wrap="square" rtlCol="0">
+              <a:spAutoFit/>
+            </a:bodyPr>
+            <a:lstStyle/>
+            <a:p>
+              <a:r>
+                <a:rPr lang="en-US" sz="1600" dirty="0" err="1">
+                  <a:latin typeface="Courier"/>
+                  <a:cs typeface="Courier"/>
+                </a:rPr>
+                <a:t>var</a:t>
+              </a:r>
+              <a:r>
+                <a:rPr lang="en-US" sz="1600" dirty="0">
+                  <a:latin typeface="Courier"/>
+                  <a:cs typeface="Courier"/>
+                </a:rPr>
+                <a:t> index = [</a:t>
+              </a:r>
+            </a:p>
+            <a:p>
+              <a:r>
+                <a:rPr lang="en-US" sz="1600" dirty="0">
+                  <a:latin typeface="Courier"/>
+                  <a:cs typeface="Courier"/>
+                </a:rPr>
+                <a:t>	{title:'A',index:0},</a:t>
+              </a:r>
+            </a:p>
+            <a:p>
+              <a:r>
+                <a:rPr lang="en-US" sz="1600" dirty="0">
+                  <a:latin typeface="Courier"/>
+                  <a:cs typeface="Courier"/>
+                </a:rPr>
+                <a:t>...</a:t>
+              </a:r>
+            </a:p>
+            <a:p>
+              <a:r>
+                <a:rPr lang="en-US" sz="1600" dirty="0">
+                  <a:latin typeface="Courier"/>
+                  <a:cs typeface="Courier"/>
+                </a:rPr>
+                <a:t>	{</a:t>
+              </a:r>
+              <a:r>
+                <a:rPr lang="en-US" sz="1600" dirty="0" err="1">
+                  <a:latin typeface="Courier"/>
+                  <a:cs typeface="Courier"/>
+                </a:rPr>
+                <a:t>title:'P',index</a:t>
+              </a:r>
+              <a:r>
+                <a:rPr lang="en-US" sz="1600" dirty="0">
+                  <a:latin typeface="Courier"/>
+                  <a:cs typeface="Courier"/>
+                </a:rPr>
+                <a:t>:(</a:t>
+              </a:r>
+              <a:r>
+                <a:rPr lang="en-US" sz="1600" dirty="0" err="1">
+                  <a:latin typeface="Courier"/>
+                  <a:cs typeface="Courier"/>
+                </a:rPr>
+                <a:t>data.length</a:t>
+              </a:r>
+              <a:r>
+                <a:rPr lang="en-US" sz="1600" dirty="0">
+                  <a:latin typeface="Courier"/>
+                  <a:cs typeface="Courier"/>
+                </a:rPr>
+                <a:t> -1)}</a:t>
+              </a:r>
+            </a:p>
+            <a:p>
+              <a:r>
+                <a:rPr lang="en-US" sz="1600" dirty="0">
+                  <a:latin typeface="Courier"/>
+                  <a:cs typeface="Courier"/>
+                </a:rPr>
+                <a:t>];</a:t>
+              </a:r>
+            </a:p>
+            <a:p>
+              <a:r>
+                <a:rPr lang="en-US" sz="1600" dirty="0" err="1">
+                  <a:latin typeface="Courier"/>
+                  <a:cs typeface="Courier"/>
+                </a:rPr>
+                <a:t>tableview.index</a:t>
+              </a:r>
+              <a:r>
+                <a:rPr lang="en-US" sz="1600" dirty="0">
+                  <a:latin typeface="Courier"/>
+                  <a:cs typeface="Courier"/>
+                </a:rPr>
+                <a:t> = index;</a:t>
+              </a:r>
+            </a:p>
+          </p:txBody>
+        </p:sp>
+      </p:grpSp>
     </p:spTree>
     <p:extLst>
       <p:ext uri="{BB962C8B-B14F-4D97-AF65-F5344CB8AC3E}">
@@ -7984,7 +10610,7 @@
                                           </p:stCondLst>
                                         </p:cTn>
                                         <p:tgtEl>
-                                          <p:spTgt spid="9"/>
+                                          <p:spTgt spid="6"/>
                                         </p:tgtEl>
                                         <p:attrNameLst>
                                           <p:attrName>style.visibility</p:attrName>
@@ -7998,7 +10624,7 @@
                                       <p:cBhvr>
                                         <p:cTn id="11" dur="500"/>
                                         <p:tgtEl>
-                                          <p:spTgt spid="9"/>
+                                          <p:spTgt spid="6"/>
                                         </p:tgtEl>
                                       </p:cBhvr>
                                     </p:animEffect>
@@ -8118,7 +10744,7 @@
                                       <p:cBhvr>
                                         <p:cTn id="19" dur="500"/>
                                         <p:tgtEl>
-                                          <p:spTgt spid="9"/>
+                                          <p:spTgt spid="6"/>
                                         </p:tgtEl>
                                       </p:cBhvr>
                                     </p:animEffect>
@@ -8130,7 +10756,7 @@
                                           </p:stCondLst>
                                         </p:cTn>
                                         <p:tgtEl>
-                                          <p:spTgt spid="9"/>
+                                          <p:spTgt spid="6"/>
                                         </p:tgtEl>
                                         <p:attrNameLst>
                                           <p:attrName>style.visibility</p:attrName>
@@ -8157,7 +10783,7 @@
                                           </p:stCondLst>
                                         </p:cTn>
                                         <p:tgtEl>
-                                          <p:spTgt spid="12"/>
+                                          <p:spTgt spid="17"/>
                                         </p:tgtEl>
                                         <p:attrNameLst>
                                           <p:attrName>style.visibility</p:attrName>
@@ -8171,7 +10797,7 @@
                                       <p:cBhvr>
                                         <p:cTn id="23" dur="500"/>
                                         <p:tgtEl>
-                                          <p:spTgt spid="12"/>
+                                          <p:spTgt spid="17"/>
                                         </p:tgtEl>
                                       </p:cBhvr>
                                     </p:animEffect>
@@ -8291,7 +10917,7 @@
                                       <p:cBhvr>
                                         <p:cTn id="31" dur="500"/>
                                         <p:tgtEl>
-                                          <p:spTgt spid="12"/>
+                                          <p:spTgt spid="17"/>
                                         </p:tgtEl>
                                       </p:cBhvr>
                                     </p:animEffect>
@@ -8303,7 +10929,7 @@
                                           </p:stCondLst>
                                         </p:cTn>
                                         <p:tgtEl>
-                                          <p:spTgt spid="12"/>
+                                          <p:spTgt spid="17"/>
                                         </p:tgtEl>
                                         <p:attrNameLst>
                                           <p:attrName>style.visibility</p:attrName>
@@ -8330,7 +10956,7 @@
                                           </p:stCondLst>
                                         </p:cTn>
                                         <p:tgtEl>
-                                          <p:spTgt spid="13"/>
+                                          <p:spTgt spid="16"/>
                                         </p:tgtEl>
                                         <p:attrNameLst>
                                           <p:attrName>style.visibility</p:attrName>
@@ -8344,7 +10970,180 @@
                                       <p:cBhvr>
                                         <p:cTn id="35" dur="500"/>
                                         <p:tgtEl>
-                                          <p:spTgt spid="13"/>
+                                          <p:spTgt spid="16"/>
+                                        </p:tgtEl>
+                                      </p:cBhvr>
+                                    </p:animEffect>
+                                  </p:childTnLst>
+                                </p:cTn>
+                              </p:par>
+                            </p:childTnLst>
+                          </p:cTn>
+                        </p:par>
+                      </p:childTnLst>
+                    </p:cTn>
+                  </p:par>
+                  <p:par>
+                    <p:cTn id="36" fill="hold">
+                      <p:stCondLst>
+                        <p:cond delay="indefinite"/>
+                      </p:stCondLst>
+                      <p:childTnLst>
+                        <p:par>
+                          <p:cTn id="37" fill="hold">
+                            <p:stCondLst>
+                              <p:cond delay="0"/>
+                            </p:stCondLst>
+                            <p:childTnLst>
+                              <p:par>
+                                <p:cTn id="38" presetID="2" presetClass="entr" presetSubtype="4" fill="hold" grpId="0" nodeType="clickEffect">
+                                  <p:stCondLst>
+                                    <p:cond delay="0"/>
+                                  </p:stCondLst>
+                                  <p:childTnLst>
+                                    <p:set>
+                                      <p:cBhvr>
+                                        <p:cTn id="39" dur="1" fill="hold">
+                                          <p:stCondLst>
+                                            <p:cond delay="0"/>
+                                          </p:stCondLst>
+                                        </p:cTn>
+                                        <p:tgtEl>
+                                          <p:spTgt spid="3">
+                                            <p:txEl>
+                                              <p:pRg st="6" end="6"/>
+                                            </p:txEl>
+                                          </p:spTgt>
+                                        </p:tgtEl>
+                                        <p:attrNameLst>
+                                          <p:attrName>style.visibility</p:attrName>
+                                        </p:attrNameLst>
+                                      </p:cBhvr>
+                                      <p:to>
+                                        <p:strVal val="visible"/>
+                                      </p:to>
+                                    </p:set>
+                                    <p:anim calcmode="lin" valueType="num">
+                                      <p:cBhvr additive="base">
+                                        <p:cTn id="40" dur="500" fill="hold"/>
+                                        <p:tgtEl>
+                                          <p:spTgt spid="3">
+                                            <p:txEl>
+                                              <p:pRg st="6" end="6"/>
+                                            </p:txEl>
+                                          </p:spTgt>
+                                        </p:tgtEl>
+                                        <p:attrNameLst>
+                                          <p:attrName>ppt_x</p:attrName>
+                                        </p:attrNameLst>
+                                      </p:cBhvr>
+                                      <p:tavLst>
+                                        <p:tav tm="0">
+                                          <p:val>
+                                            <p:strVal val="#ppt_x"/>
+                                          </p:val>
+                                        </p:tav>
+                                        <p:tav tm="100000">
+                                          <p:val>
+                                            <p:strVal val="#ppt_x"/>
+                                          </p:val>
+                                        </p:tav>
+                                      </p:tavLst>
+                                    </p:anim>
+                                    <p:anim calcmode="lin" valueType="num">
+                                      <p:cBhvr additive="base">
+                                        <p:cTn id="41" dur="500" fill="hold"/>
+                                        <p:tgtEl>
+                                          <p:spTgt spid="3">
+                                            <p:txEl>
+                                              <p:pRg st="6" end="6"/>
+                                            </p:txEl>
+                                          </p:spTgt>
+                                        </p:tgtEl>
+                                        <p:attrNameLst>
+                                          <p:attrName>ppt_y</p:attrName>
+                                        </p:attrNameLst>
+                                      </p:cBhvr>
+                                      <p:tavLst>
+                                        <p:tav tm="0">
+                                          <p:val>
+                                            <p:strVal val="1+#ppt_h/2"/>
+                                          </p:val>
+                                        </p:tav>
+                                        <p:tav tm="100000">
+                                          <p:val>
+                                            <p:strVal val="#ppt_y"/>
+                                          </p:val>
+                                        </p:tav>
+                                      </p:tavLst>
+                                    </p:anim>
+                                  </p:childTnLst>
+                                </p:cTn>
+                              </p:par>
+                              <p:par>
+                                <p:cTn id="42" presetID="9" presetClass="exit" presetSubtype="0" fill="hold" nodeType="withEffect">
+                                  <p:stCondLst>
+                                    <p:cond delay="0"/>
+                                  </p:stCondLst>
+                                  <p:childTnLst>
+                                    <p:animEffect transition="out" filter="dissolve">
+                                      <p:cBhvr>
+                                        <p:cTn id="43" dur="500"/>
+                                        <p:tgtEl>
+                                          <p:spTgt spid="16"/>
+                                        </p:tgtEl>
+                                      </p:cBhvr>
+                                    </p:animEffect>
+                                    <p:set>
+                                      <p:cBhvr>
+                                        <p:cTn id="44" dur="1" fill="hold">
+                                          <p:stCondLst>
+                                            <p:cond delay="499"/>
+                                          </p:stCondLst>
+                                        </p:cTn>
+                                        <p:tgtEl>
+                                          <p:spTgt spid="16"/>
+                                        </p:tgtEl>
+                                        <p:attrNameLst>
+                                          <p:attrName>style.visibility</p:attrName>
+                                        </p:attrNameLst>
+                                      </p:cBhvr>
+                                      <p:to>
+                                        <p:strVal val="hidden"/>
+                                      </p:to>
+                                    </p:set>
+                                  </p:childTnLst>
+                                </p:cTn>
+                              </p:par>
+                              <p:par>
+                                <p:cTn id="45" presetID="9" presetClass="entr" presetSubtype="0" fill="hold" nodeType="withEffect">
+                                  <p:stCondLst>
+                                    <p:cond delay="0"/>
+                                  </p:stCondLst>
+                                  <p:childTnLst>
+                                    <p:set>
+                                      <p:cBhvr>
+                                        <p:cTn id="46" dur="1" fill="hold">
+                                          <p:stCondLst>
+                                            <p:cond delay="0"/>
+                                          </p:stCondLst>
+                                        </p:cTn>
+                                        <p:tgtEl>
+                                          <p:spTgt spid="19"/>
+                                        </p:tgtEl>
+                                        <p:attrNameLst>
+                                          <p:attrName>style.visibility</p:attrName>
+                                        </p:attrNameLst>
+                                      </p:cBhvr>
+                                      <p:to>
+                                        <p:strVal val="visible"/>
+                                      </p:to>
+                                    </p:set>
+                                    <p:animEffect transition="in" filter="dissolve">
+                                      <p:cBhvr>
+                                        <p:cTn id="47" dur="500"/>
+                                        <p:tgtEl>
+                                          <p:spTgt spid="19"/>
                                         </p:tgtEl>
                                       </p:cBhvr>
                                     </p:animEffect>
@@ -8352,14 +11151,14 @@
                                 </p:cTn>
                               </p:par>
                               <p:par>
-                                <p:cTn id="36" presetID="9" presetClass="exit" presetSubtype="0" fill="hold" nodeType="withEffect">
+                                <p:cTn id="48" presetID="9" presetClass="exit" presetSubtype="0" fill="hold" nodeType="withEffect">
                                   <p:stCondLst>
                                     <p:cond delay="0"/>
                                   </p:stCondLst>
                                   <p:childTnLst>
                                     <p:animEffect transition="out" filter="dissolve">
                                       <p:cBhvr>
-                                        <p:cTn id="37" dur="500"/>
+                                        <p:cTn id="49" dur="500"/>
                                         <p:tgtEl>
                                           <p:spTgt spid="14"/>
                                         </p:tgtEl>
@@ -8367,7 +11166,7 @@
                                     </p:animEffect>
                                     <p:set>
                                       <p:cBhvr>
-                                        <p:cTn id="38" dur="1" fill="hold">
+                                        <p:cTn id="50" dur="1" fill="hold">
                                           <p:stCondLst>
                                             <p:cond delay="499"/>
                                           </p:stCondLst>
@@ -8453,12 +11252,8 @@
           <a:lstStyle/>
           <a:p>
             <a:r>
-              <a:rPr lang="en-US" dirty="0" err="1" smtClean="0"/>
-              <a:t>TableView</a:t>
-            </a:r>
-            <a:r>
               <a:rPr lang="en-US" dirty="0" smtClean="0"/>
-              <a:t> Methods</a:t>
+              <a:t>Table events</a:t>
             </a:r>
             <a:endParaRPr lang="en-US" dirty="0"/>
           </a:p>
@@ -8474,127 +11269,752 @@
             <p:ph idx="1"/>
           </p:nvPr>
         </p:nvSpPr>
-        <p:spPr/>
+        <p:spPr>
+          <a:xfrm>
+            <a:off x="457200" y="1346201"/>
+            <a:ext cx="8229600" cy="1422400"/>
+          </a:xfrm>
+        </p:spPr>
         <p:txBody>
           <a:bodyPr/>
           <a:lstStyle/>
           <a:p>
+            <a:pPr>
+              <a:spcBef>
+                <a:spcPts val="600"/>
+              </a:spcBef>
+              <a:buClrTx/>
+              <a:buFontTx/>
+              <a:buNone/>
+            </a:pPr>
+            <a:r>
+              <a:rPr lang="en-US" sz="2000" dirty="0" err="1">
+                <a:latin typeface="Monaco" charset="0"/>
+              </a:rPr>
+              <a:t>table.addEventListener</a:t>
+            </a:r>
+            <a:r>
+              <a:rPr lang="en-US" sz="2000" dirty="0">
+                <a:latin typeface="Monaco" charset="0"/>
+              </a:rPr>
+              <a:t>('click', function(e){</a:t>
+            </a:r>
+          </a:p>
+          <a:p>
+            <a:pPr>
+              <a:spcBef>
+                <a:spcPts val="600"/>
+              </a:spcBef>
+              <a:buClrTx/>
+              <a:buFontTx/>
+              <a:buNone/>
+            </a:pPr>
+            <a:r>
+              <a:rPr lang="en-US" sz="2000" dirty="0">
+                <a:latin typeface="Monaco" charset="0"/>
+              </a:rPr>
+              <a:t>	alert('You clicked row '+</a:t>
+            </a:r>
+            <a:r>
+              <a:rPr lang="en-US" sz="2000" dirty="0" err="1">
+                <a:latin typeface="Monaco" charset="0"/>
+              </a:rPr>
+              <a:t>e.index</a:t>
+            </a:r>
+            <a:r>
+              <a:rPr lang="en-US" sz="2000" dirty="0">
+                <a:latin typeface="Monaco" charset="0"/>
+              </a:rPr>
+              <a:t>);</a:t>
+            </a:r>
+          </a:p>
+          <a:p>
+            <a:pPr>
+              <a:spcBef>
+                <a:spcPts val="600"/>
+              </a:spcBef>
+              <a:buClrTx/>
+              <a:buFontTx/>
+              <a:buNone/>
+            </a:pPr>
+            <a:r>
+              <a:rPr lang="en-US" sz="2000" dirty="0">
+                <a:latin typeface="Monaco" charset="0"/>
+              </a:rPr>
+              <a:t>})</a:t>
+            </a:r>
+            <a:r>
+              <a:rPr lang="en-US" sz="2000" dirty="0" smtClean="0">
+                <a:latin typeface="Monaco" charset="0"/>
+              </a:rPr>
+              <a:t>;</a:t>
+            </a:r>
+            <a:endParaRPr lang="en-US" sz="2000" dirty="0">
+              <a:latin typeface="Monaco" charset="0"/>
+            </a:endParaRPr>
+          </a:p>
+        </p:txBody>
+      </p:sp>
+      <p:sp>
+        <p:nvSpPr>
+          <p:cNvPr id="4" name="Content Placeholder 2"/>
+          <p:cNvSpPr txBox="1">
+            <a:spLocks/>
+          </p:cNvSpPr>
+          <p:nvPr/>
+        </p:nvSpPr>
+        <p:spPr bwMode="auto">
+          <a:xfrm>
+            <a:off x="457200" y="2768600"/>
+            <a:ext cx="3957562" cy="4525963"/>
+          </a:xfrm>
+          <a:prstGeom prst="rect">
+            <a:avLst/>
+          </a:prstGeom>
+          <a:noFill/>
+          <a:ln>
+            <a:noFill/>
+          </a:ln>
+          <a:extLst>
+            <a:ext uri="{909E8E84-426E-40dd-AFC4-6F175D3DCCD1}">
+              <a14:hiddenFill xmlns:a14="http://schemas.microsoft.com/office/drawing/2010/main">
+                <a:solidFill>
+                  <a:srgbClr val="FFFFFF"/>
+                </a:solidFill>
+              </a14:hiddenFill>
+            </a:ext>
+            <a:ext uri="{91240B29-F687-4f45-9708-019B960494DF}">
+              <a14:hiddenLine xmlns:a14="http://schemas.microsoft.com/office/drawing/2010/main" w="9525">
+                <a:solidFill>
+                  <a:srgbClr val="000000"/>
+                </a:solidFill>
+                <a:miter lim="800000"/>
+                <a:headEnd/>
+                <a:tailEnd/>
+              </a14:hiddenLine>
+            </a:ext>
+            <a:ext uri="{FAA26D3D-D897-4be2-8F04-BA451C77F1D7}">
+              <ma14:placeholderFlag xmlns:ma14="http://schemas.microsoft.com/office/mac/drawingml/2011/main" val="1"/>
+            </a:ext>
+          </a:extLst>
+        </p:spPr>
+        <p:txBody>
+          <a:bodyPr vert="horz" wrap="square" lIns="91440" tIns="45720" rIns="91440" bIns="45720" numCol="1" anchor="t" anchorCtr="0" compatLnSpc="1">
+            <a:prstTxWarp prst="textNoShape">
+              <a:avLst/>
+            </a:prstTxWarp>
+          </a:bodyPr>
+          <a:lstStyle>
+            <a:lvl1pPr algn="l" defTabSz="457200" rtl="0" eaLnBrk="1" fontAlgn="base" hangingPunct="1">
+              <a:spcBef>
+                <a:spcPct val="20000"/>
+              </a:spcBef>
+              <a:spcAft>
+                <a:spcPct val="0"/>
+              </a:spcAft>
+              <a:buFont typeface="Arial" charset="0"/>
+              <a:defRPr sz="2400" kern="1200">
+                <a:solidFill>
+                  <a:srgbClr val="122956"/>
+                </a:solidFill>
+                <a:latin typeface="+mn-lt"/>
+                <a:ea typeface="ＭＳ Ｐゴシック" charset="0"/>
+                <a:cs typeface="ＭＳ Ｐゴシック" charset="0"/>
+              </a:defRPr>
+            </a:lvl1pPr>
+            <a:lvl2pPr marL="457200" algn="l" defTabSz="457200" rtl="0" eaLnBrk="1" fontAlgn="base" hangingPunct="1">
+              <a:spcBef>
+                <a:spcPct val="20000"/>
+              </a:spcBef>
+              <a:spcAft>
+                <a:spcPct val="0"/>
+              </a:spcAft>
+              <a:buFont typeface="Arial" charset="0"/>
+              <a:defRPr sz="2000" kern="1200">
+                <a:solidFill>
+                  <a:srgbClr val="122956"/>
+                </a:solidFill>
+                <a:latin typeface="+mn-lt"/>
+                <a:ea typeface="ＭＳ Ｐゴシック" charset="0"/>
+                <a:cs typeface="+mn-cs"/>
+              </a:defRPr>
+            </a:lvl2pPr>
+            <a:lvl3pPr marL="914400" algn="l" defTabSz="457200" rtl="0" eaLnBrk="1" fontAlgn="base" hangingPunct="1">
+              <a:spcBef>
+                <a:spcPct val="20000"/>
+              </a:spcBef>
+              <a:spcAft>
+                <a:spcPct val="0"/>
+              </a:spcAft>
+              <a:buFont typeface="Arial" charset="0"/>
+              <a:defRPr kern="1200">
+                <a:solidFill>
+                  <a:srgbClr val="122956"/>
+                </a:solidFill>
+                <a:latin typeface="+mn-lt"/>
+                <a:ea typeface="ＭＳ Ｐゴシック" charset="0"/>
+                <a:cs typeface="+mn-cs"/>
+              </a:defRPr>
+            </a:lvl3pPr>
+            <a:lvl4pPr marL="1371600" algn="l" defTabSz="457200" rtl="0" eaLnBrk="1" fontAlgn="base" hangingPunct="1">
+              <a:spcBef>
+                <a:spcPct val="20000"/>
+              </a:spcBef>
+              <a:spcAft>
+                <a:spcPct val="0"/>
+              </a:spcAft>
+              <a:buFont typeface="Arial" charset="0"/>
+              <a:defRPr sz="2000" kern="1200">
+                <a:solidFill>
+                  <a:schemeClr val="tx1"/>
+                </a:solidFill>
+                <a:latin typeface="+mn-lt"/>
+                <a:ea typeface="ＭＳ Ｐゴシック" charset="0"/>
+                <a:cs typeface="+mn-cs"/>
+              </a:defRPr>
+            </a:lvl4pPr>
+            <a:lvl5pPr marL="2057400" indent="-228600" algn="l" defTabSz="457200" rtl="0" eaLnBrk="1" fontAlgn="base" hangingPunct="1">
+              <a:spcBef>
+                <a:spcPct val="20000"/>
+              </a:spcBef>
+              <a:spcAft>
+                <a:spcPct val="0"/>
+              </a:spcAft>
+              <a:buFont typeface="Arial" charset="0"/>
+              <a:buChar char="»"/>
+              <a:defRPr sz="2000" kern="1200">
+                <a:solidFill>
+                  <a:schemeClr val="tx1"/>
+                </a:solidFill>
+                <a:latin typeface="+mn-lt"/>
+                <a:ea typeface="ＭＳ Ｐゴシック" charset="0"/>
+                <a:cs typeface="+mn-cs"/>
+              </a:defRPr>
+            </a:lvl5pPr>
+            <a:lvl6pPr marL="2514600" indent="-228600" algn="l" defTabSz="457200" rtl="0" eaLnBrk="1" latinLnBrk="0" hangingPunct="1">
+              <a:spcBef>
+                <a:spcPct val="20000"/>
+              </a:spcBef>
+              <a:buFont typeface="Arial"/>
+              <a:buChar char="•"/>
+              <a:defRPr sz="2000" kern="1200">
+                <a:solidFill>
+                  <a:schemeClr val="tx1"/>
+                </a:solidFill>
+                <a:latin typeface="+mn-lt"/>
+                <a:ea typeface="+mn-ea"/>
+                <a:cs typeface="+mn-cs"/>
+              </a:defRPr>
+            </a:lvl6pPr>
+            <a:lvl7pPr marL="2971800" indent="-228600" algn="l" defTabSz="457200" rtl="0" eaLnBrk="1" latinLnBrk="0" hangingPunct="1">
+              <a:spcBef>
+                <a:spcPct val="20000"/>
+              </a:spcBef>
+              <a:buFont typeface="Arial"/>
+              <a:buChar char="•"/>
+              <a:defRPr sz="2000" kern="1200">
+                <a:solidFill>
+                  <a:schemeClr val="tx1"/>
+                </a:solidFill>
+                <a:latin typeface="+mn-lt"/>
+                <a:ea typeface="+mn-ea"/>
+                <a:cs typeface="+mn-cs"/>
+              </a:defRPr>
+            </a:lvl7pPr>
+            <a:lvl8pPr marL="3429000" indent="-228600" algn="l" defTabSz="457200" rtl="0" eaLnBrk="1" latinLnBrk="0" hangingPunct="1">
+              <a:spcBef>
+                <a:spcPct val="20000"/>
+              </a:spcBef>
+              <a:buFont typeface="Arial"/>
+              <a:buChar char="•"/>
+              <a:defRPr sz="2000" kern="1200">
+                <a:solidFill>
+                  <a:schemeClr val="tx1"/>
+                </a:solidFill>
+                <a:latin typeface="+mn-lt"/>
+                <a:ea typeface="+mn-ea"/>
+                <a:cs typeface="+mn-cs"/>
+              </a:defRPr>
+            </a:lvl8pPr>
+            <a:lvl9pPr marL="3886200" indent="-228600" algn="l" defTabSz="457200" rtl="0" eaLnBrk="1" latinLnBrk="0" hangingPunct="1">
+              <a:spcBef>
+                <a:spcPct val="20000"/>
+              </a:spcBef>
+              <a:buFont typeface="Arial"/>
+              <a:buChar char="•"/>
+              <a:defRPr sz="2000" kern="1200">
+                <a:solidFill>
+                  <a:schemeClr val="tx1"/>
+                </a:solidFill>
+                <a:latin typeface="+mn-lt"/>
+                <a:ea typeface="+mn-ea"/>
+                <a:cs typeface="+mn-cs"/>
+              </a:defRPr>
+            </a:lvl9pPr>
+          </a:lstStyle>
+          <a:p>
             <a:r>
               <a:rPr lang="en-US" dirty="0" smtClean="0"/>
-              <a:t>Key methods of tables:</a:t>
-            </a:r>
-            <a:endParaRPr lang="en-US" dirty="0"/>
-          </a:p>
-          <a:p>
-            <a:pPr marL="800100" lvl="1" indent="-342900">
+              <a:t>Key events:</a:t>
+            </a:r>
+          </a:p>
+          <a:p>
+            <a:pPr marL="342900" indent="-342900">
               <a:buFont typeface="Arial"/>
               <a:buChar char="•"/>
             </a:pPr>
             <a:r>
-              <a:rPr lang="en-US" dirty="0" err="1" smtClean="0"/>
-              <a:t>setData</a:t>
-            </a:r>
-            <a:endParaRPr lang="en-US" dirty="0" smtClean="0"/>
-          </a:p>
-          <a:p>
-            <a:pPr marL="800100" lvl="1" indent="-342900">
+              <a:rPr lang="en-US" sz="2000" dirty="0" smtClean="0"/>
+              <a:t>click / </a:t>
+            </a:r>
+            <a:r>
+              <a:rPr lang="en-US" sz="2000" dirty="0" err="1" smtClean="0"/>
+              <a:t>dblclick</a:t>
+            </a:r>
+            <a:endParaRPr lang="en-US" sz="2000" dirty="0" smtClean="0"/>
+          </a:p>
+          <a:p>
+            <a:pPr marL="342900" indent="-342900">
               <a:buFont typeface="Arial"/>
               <a:buChar char="•"/>
             </a:pPr>
             <a:r>
-              <a:rPr lang="en-US" dirty="0" err="1" smtClean="0"/>
-              <a:t>insertRowBefore</a:t>
-            </a:r>
-            <a:r>
-              <a:rPr lang="en-US" dirty="0" smtClean="0"/>
-              <a:t> </a:t>
-            </a:r>
-            <a:r>
-              <a:rPr lang="en-US" dirty="0"/>
-              <a:t>/ </a:t>
-            </a:r>
-            <a:r>
-              <a:rPr lang="en-US" dirty="0" err="1"/>
-              <a:t>insertRowAfter</a:t>
-            </a:r>
-            <a:r>
-              <a:rPr lang="en-US" dirty="0"/>
-              <a:t> / </a:t>
-            </a:r>
-            <a:r>
-              <a:rPr lang="en-US" dirty="0" err="1"/>
-              <a:t>appendRow</a:t>
-            </a:r>
-            <a:endParaRPr lang="en-US" dirty="0"/>
-          </a:p>
-          <a:p>
-            <a:pPr marL="800100" lvl="1" indent="-342900">
+              <a:rPr lang="en-US" sz="2000" dirty="0" smtClean="0"/>
+              <a:t>scroll / </a:t>
+            </a:r>
+            <a:r>
+              <a:rPr lang="en-US" sz="2000" dirty="0" err="1" smtClean="0"/>
+              <a:t>scrollEnd</a:t>
+            </a:r>
+            <a:endParaRPr lang="en-US" sz="2000" dirty="0" smtClean="0"/>
+          </a:p>
+          <a:p>
+            <a:pPr marL="342900" indent="-342900">
               <a:buFont typeface="Arial"/>
               <a:buChar char="•"/>
             </a:pPr>
             <a:r>
-              <a:rPr lang="en-US" dirty="0" err="1"/>
-              <a:t>deleteRow</a:t>
-            </a:r>
-            <a:endParaRPr lang="en-US" dirty="0"/>
-          </a:p>
-          <a:p>
-            <a:pPr marL="800100" lvl="1" indent="-342900">
+              <a:rPr lang="en-US" sz="2000" dirty="0" err="1" smtClean="0"/>
+              <a:t>touchstart</a:t>
+            </a:r>
+            <a:r>
+              <a:rPr lang="en-US" sz="2000" dirty="0" smtClean="0"/>
+              <a:t> / </a:t>
+            </a:r>
+            <a:r>
+              <a:rPr lang="en-US" sz="2000" dirty="0" err="1" smtClean="0"/>
+              <a:t>touchend</a:t>
+            </a:r>
+            <a:r>
+              <a:rPr lang="en-US" sz="2000" dirty="0" smtClean="0"/>
+              <a:t> /</a:t>
+            </a:r>
+            <a:br>
+              <a:rPr lang="en-US" sz="2000" dirty="0" smtClean="0"/>
+            </a:br>
+            <a:r>
+              <a:rPr lang="en-US" sz="2000" dirty="0" smtClean="0"/>
+              <a:t>    </a:t>
+            </a:r>
+            <a:r>
+              <a:rPr lang="en-US" sz="2000" dirty="0" err="1" smtClean="0"/>
+              <a:t>touchmove</a:t>
+            </a:r>
+            <a:r>
+              <a:rPr lang="en-US" sz="2000" dirty="0" smtClean="0"/>
+              <a:t> / </a:t>
+            </a:r>
+            <a:r>
+              <a:rPr lang="en-US" sz="2000" dirty="0" err="1" smtClean="0"/>
+              <a:t>touchcancel</a:t>
+            </a:r>
+            <a:endParaRPr lang="en-US" sz="2000" dirty="0" smtClean="0"/>
+          </a:p>
+          <a:p>
+            <a:pPr marL="342900" indent="-342900">
               <a:buFont typeface="Arial"/>
               <a:buChar char="•"/>
             </a:pPr>
             <a:r>
-              <a:rPr lang="en-US" dirty="0"/>
-              <a:t>show / hide</a:t>
-            </a:r>
-          </a:p>
-          <a:p>
-            <a:pPr marL="800100" lvl="1" indent="-342900">
+              <a:rPr lang="en-US" sz="2000" dirty="0" smtClean="0"/>
+              <a:t>swipe</a:t>
+            </a:r>
+          </a:p>
+          <a:p>
+            <a:pPr marL="342900" indent="-342900">
               <a:buFont typeface="Arial"/>
               <a:buChar char="•"/>
             </a:pPr>
             <a:r>
-              <a:rPr lang="en-US" dirty="0" err="1" smtClean="0"/>
-              <a:t>scrollToIndex</a:t>
-            </a:r>
-            <a:endParaRPr lang="en-US" dirty="0" smtClean="0"/>
-          </a:p>
-          <a:p>
-            <a:pPr marL="800100" lvl="1" indent="-342900">
+              <a:rPr lang="en-US" sz="2000" dirty="0" smtClean="0"/>
+              <a:t>move / delete (</a:t>
+            </a:r>
+            <a:r>
+              <a:rPr lang="en-US" sz="2000" dirty="0" err="1" smtClean="0"/>
+              <a:t>iOS</a:t>
+            </a:r>
+            <a:r>
+              <a:rPr lang="en-US" sz="2000" dirty="0" smtClean="0"/>
+              <a:t>)</a:t>
+            </a:r>
+          </a:p>
+          <a:p>
+            <a:pPr marL="342900" indent="-342900">
               <a:buFont typeface="Arial"/>
               <a:buChar char="•"/>
             </a:pPr>
-            <a:r>
-              <a:rPr lang="en-US" dirty="0" err="1" smtClean="0"/>
-              <a:t>scrollToTop</a:t>
-            </a:r>
-            <a:endParaRPr lang="en-US" dirty="0" smtClean="0"/>
-          </a:p>
-          <a:p>
-            <a:pPr marL="800100" lvl="1" indent="-342900">
+            <a:endParaRPr lang="en-US" sz="2000" dirty="0" smtClean="0"/>
+          </a:p>
+          <a:p>
+            <a:endParaRPr lang="en-US" sz="2000" dirty="0"/>
+          </a:p>
+        </p:txBody>
+      </p:sp>
+      <p:sp>
+        <p:nvSpPr>
+          <p:cNvPr id="5" name="Content Placeholder 2"/>
+          <p:cNvSpPr txBox="1">
+            <a:spLocks/>
+          </p:cNvSpPr>
+          <p:nvPr/>
+        </p:nvSpPr>
+        <p:spPr bwMode="auto">
+          <a:xfrm>
+            <a:off x="4724400" y="2768600"/>
+            <a:ext cx="3957562" cy="4525963"/>
+          </a:xfrm>
+          <a:prstGeom prst="rect">
+            <a:avLst/>
+          </a:prstGeom>
+          <a:noFill/>
+          <a:ln>
+            <a:noFill/>
+          </a:ln>
+          <a:extLst>
+            <a:ext uri="{909E8E84-426E-40dd-AFC4-6F175D3DCCD1}">
+              <a14:hiddenFill xmlns:a14="http://schemas.microsoft.com/office/drawing/2010/main">
+                <a:solidFill>
+                  <a:srgbClr val="FFFFFF"/>
+                </a:solidFill>
+              </a14:hiddenFill>
+            </a:ext>
+            <a:ext uri="{91240B29-F687-4f45-9708-019B960494DF}">
+              <a14:hiddenLine xmlns:a14="http://schemas.microsoft.com/office/drawing/2010/main" w="9525">
+                <a:solidFill>
+                  <a:srgbClr val="000000"/>
+                </a:solidFill>
+                <a:miter lim="800000"/>
+                <a:headEnd/>
+                <a:tailEnd/>
+              </a14:hiddenLine>
+            </a:ext>
+            <a:ext uri="{FAA26D3D-D897-4be2-8F04-BA451C77F1D7}">
+              <ma14:placeholderFlag xmlns:ma14="http://schemas.microsoft.com/office/mac/drawingml/2011/main" val="1"/>
+            </a:ext>
+          </a:extLst>
+        </p:spPr>
+        <p:txBody>
+          <a:bodyPr vert="horz" wrap="square" lIns="91440" tIns="45720" rIns="91440" bIns="45720" numCol="1" anchor="t" anchorCtr="0" compatLnSpc="1">
+            <a:prstTxWarp prst="textNoShape">
+              <a:avLst/>
+            </a:prstTxWarp>
+          </a:bodyPr>
+          <a:lstStyle>
+            <a:lvl1pPr algn="l" defTabSz="457200" rtl="0" eaLnBrk="1" fontAlgn="base" hangingPunct="1">
+              <a:spcBef>
+                <a:spcPct val="20000"/>
+              </a:spcBef>
+              <a:spcAft>
+                <a:spcPct val="0"/>
+              </a:spcAft>
+              <a:buFont typeface="Arial" charset="0"/>
+              <a:defRPr sz="2400" kern="1200">
+                <a:solidFill>
+                  <a:srgbClr val="122956"/>
+                </a:solidFill>
+                <a:latin typeface="+mn-lt"/>
+                <a:ea typeface="ＭＳ Ｐゴシック" charset="0"/>
+                <a:cs typeface="ＭＳ Ｐゴシック" charset="0"/>
+              </a:defRPr>
+            </a:lvl1pPr>
+            <a:lvl2pPr marL="457200" algn="l" defTabSz="457200" rtl="0" eaLnBrk="1" fontAlgn="base" hangingPunct="1">
+              <a:spcBef>
+                <a:spcPct val="20000"/>
+              </a:spcBef>
+              <a:spcAft>
+                <a:spcPct val="0"/>
+              </a:spcAft>
+              <a:buFont typeface="Arial" charset="0"/>
+              <a:defRPr sz="2000" kern="1200">
+                <a:solidFill>
+                  <a:srgbClr val="122956"/>
+                </a:solidFill>
+                <a:latin typeface="+mn-lt"/>
+                <a:ea typeface="ＭＳ Ｐゴシック" charset="0"/>
+                <a:cs typeface="+mn-cs"/>
+              </a:defRPr>
+            </a:lvl2pPr>
+            <a:lvl3pPr marL="914400" algn="l" defTabSz="457200" rtl="0" eaLnBrk="1" fontAlgn="base" hangingPunct="1">
+              <a:spcBef>
+                <a:spcPct val="20000"/>
+              </a:spcBef>
+              <a:spcAft>
+                <a:spcPct val="0"/>
+              </a:spcAft>
+              <a:buFont typeface="Arial" charset="0"/>
+              <a:defRPr kern="1200">
+                <a:solidFill>
+                  <a:srgbClr val="122956"/>
+                </a:solidFill>
+                <a:latin typeface="+mn-lt"/>
+                <a:ea typeface="ＭＳ Ｐゴシック" charset="0"/>
+                <a:cs typeface="+mn-cs"/>
+              </a:defRPr>
+            </a:lvl3pPr>
+            <a:lvl4pPr marL="1371600" algn="l" defTabSz="457200" rtl="0" eaLnBrk="1" fontAlgn="base" hangingPunct="1">
+              <a:spcBef>
+                <a:spcPct val="20000"/>
+              </a:spcBef>
+              <a:spcAft>
+                <a:spcPct val="0"/>
+              </a:spcAft>
+              <a:buFont typeface="Arial" charset="0"/>
+              <a:defRPr sz="2000" kern="1200">
+                <a:solidFill>
+                  <a:schemeClr val="tx1"/>
+                </a:solidFill>
+                <a:latin typeface="+mn-lt"/>
+                <a:ea typeface="ＭＳ Ｐゴシック" charset="0"/>
+                <a:cs typeface="+mn-cs"/>
+              </a:defRPr>
+            </a:lvl4pPr>
+            <a:lvl5pPr marL="2057400" indent="-228600" algn="l" defTabSz="457200" rtl="0" eaLnBrk="1" fontAlgn="base" hangingPunct="1">
+              <a:spcBef>
+                <a:spcPct val="20000"/>
+              </a:spcBef>
+              <a:spcAft>
+                <a:spcPct val="0"/>
+              </a:spcAft>
+              <a:buFont typeface="Arial" charset="0"/>
+              <a:buChar char="»"/>
+              <a:defRPr sz="2000" kern="1200">
+                <a:solidFill>
+                  <a:schemeClr val="tx1"/>
+                </a:solidFill>
+                <a:latin typeface="+mn-lt"/>
+                <a:ea typeface="ＭＳ Ｐゴシック" charset="0"/>
+                <a:cs typeface="+mn-cs"/>
+              </a:defRPr>
+            </a:lvl5pPr>
+            <a:lvl6pPr marL="2514600" indent="-228600" algn="l" defTabSz="457200" rtl="0" eaLnBrk="1" latinLnBrk="0" hangingPunct="1">
+              <a:spcBef>
+                <a:spcPct val="20000"/>
+              </a:spcBef>
+              <a:buFont typeface="Arial"/>
+              <a:buChar char="•"/>
+              <a:defRPr sz="2000" kern="1200">
+                <a:solidFill>
+                  <a:schemeClr val="tx1"/>
+                </a:solidFill>
+                <a:latin typeface="+mn-lt"/>
+                <a:ea typeface="+mn-ea"/>
+                <a:cs typeface="+mn-cs"/>
+              </a:defRPr>
+            </a:lvl6pPr>
+            <a:lvl7pPr marL="2971800" indent="-228600" algn="l" defTabSz="457200" rtl="0" eaLnBrk="1" latinLnBrk="0" hangingPunct="1">
+              <a:spcBef>
+                <a:spcPct val="20000"/>
+              </a:spcBef>
+              <a:buFont typeface="Arial"/>
+              <a:buChar char="•"/>
+              <a:defRPr sz="2000" kern="1200">
+                <a:solidFill>
+                  <a:schemeClr val="tx1"/>
+                </a:solidFill>
+                <a:latin typeface="+mn-lt"/>
+                <a:ea typeface="+mn-ea"/>
+                <a:cs typeface="+mn-cs"/>
+              </a:defRPr>
+            </a:lvl7pPr>
+            <a:lvl8pPr marL="3429000" indent="-228600" algn="l" defTabSz="457200" rtl="0" eaLnBrk="1" latinLnBrk="0" hangingPunct="1">
+              <a:spcBef>
+                <a:spcPct val="20000"/>
+              </a:spcBef>
+              <a:buFont typeface="Arial"/>
+              <a:buChar char="•"/>
+              <a:defRPr sz="2000" kern="1200">
+                <a:solidFill>
+                  <a:schemeClr val="tx1"/>
+                </a:solidFill>
+                <a:latin typeface="+mn-lt"/>
+                <a:ea typeface="+mn-ea"/>
+                <a:cs typeface="+mn-cs"/>
+              </a:defRPr>
+            </a:lvl8pPr>
+            <a:lvl9pPr marL="3886200" indent="-228600" algn="l" defTabSz="457200" rtl="0" eaLnBrk="1" latinLnBrk="0" hangingPunct="1">
+              <a:spcBef>
+                <a:spcPct val="20000"/>
+              </a:spcBef>
+              <a:buFont typeface="Arial"/>
+              <a:buChar char="•"/>
+              <a:defRPr sz="2000" kern="1200">
+                <a:solidFill>
+                  <a:schemeClr val="tx1"/>
+                </a:solidFill>
+                <a:latin typeface="+mn-lt"/>
+                <a:ea typeface="+mn-ea"/>
+                <a:cs typeface="+mn-cs"/>
+              </a:defRPr>
+            </a:lvl9pPr>
+          </a:lstStyle>
+          <a:p>
+            <a:r>
+              <a:rPr lang="en-US" dirty="0" smtClean="0"/>
+              <a:t>Event object properties:</a:t>
+            </a:r>
+          </a:p>
+          <a:p>
+            <a:pPr marL="342900" indent="-342900">
               <a:buFont typeface="Arial"/>
               <a:buChar char="•"/>
             </a:pPr>
             <a:r>
-              <a:rPr lang="en-US" dirty="0" err="1" smtClean="0"/>
-              <a:t>selectRow</a:t>
-            </a:r>
-            <a:r>
-              <a:rPr lang="en-US" dirty="0" smtClean="0"/>
-              <a:t> / </a:t>
-            </a:r>
-            <a:r>
-              <a:rPr lang="en-US" dirty="0" err="1" smtClean="0"/>
-              <a:t>deselectRow</a:t>
-            </a:r>
-            <a:endParaRPr lang="en-US" dirty="0" smtClean="0"/>
+              <a:rPr lang="en-US" sz="2000" dirty="0" smtClean="0"/>
+              <a:t>index</a:t>
+            </a:r>
+          </a:p>
+          <a:p>
+            <a:pPr marL="342900" indent="-342900">
+              <a:buFont typeface="Arial"/>
+              <a:buChar char="•"/>
+            </a:pPr>
+            <a:r>
+              <a:rPr lang="en-US" sz="2000" dirty="0" smtClean="0"/>
+              <a:t>row</a:t>
+            </a:r>
+          </a:p>
+          <a:p>
+            <a:pPr marL="342900" indent="-342900">
+              <a:buFont typeface="Arial"/>
+              <a:buChar char="•"/>
+            </a:pPr>
+            <a:r>
+              <a:rPr lang="en-US" sz="2000" dirty="0" err="1" smtClean="0"/>
+              <a:t>rowData</a:t>
+            </a:r>
+            <a:endParaRPr lang="en-US" sz="2000" dirty="0" smtClean="0"/>
+          </a:p>
+          <a:p>
+            <a:pPr marL="342900" indent="-342900">
+              <a:buFont typeface="Arial"/>
+              <a:buChar char="•"/>
+            </a:pPr>
+            <a:r>
+              <a:rPr lang="en-US" sz="2000" dirty="0" smtClean="0"/>
+              <a:t>source</a:t>
+            </a:r>
+          </a:p>
+          <a:p>
+            <a:pPr marL="342900" indent="-342900">
+              <a:buFont typeface="Arial"/>
+              <a:buChar char="•"/>
+            </a:pPr>
+            <a:r>
+              <a:rPr lang="en-US" sz="2000" dirty="0" smtClean="0"/>
+              <a:t>section</a:t>
+            </a:r>
+          </a:p>
+          <a:p>
+            <a:pPr marL="342900" indent="-342900">
+              <a:buFont typeface="Arial"/>
+              <a:buChar char="•"/>
+            </a:pPr>
+            <a:r>
+              <a:rPr lang="en-US" sz="2000" dirty="0" err="1" smtClean="0"/>
+              <a:t>searchMode</a:t>
+            </a:r>
+            <a:endParaRPr lang="en-US" sz="2000" dirty="0" smtClean="0"/>
+          </a:p>
+          <a:p>
+            <a:endParaRPr lang="en-US" sz="2000" dirty="0"/>
+          </a:p>
+        </p:txBody>
+      </p:sp>
+      <p:sp>
+        <p:nvSpPr>
+          <p:cNvPr id="9" name="TextBox 8"/>
+          <p:cNvSpPr txBox="1"/>
+          <p:nvPr/>
+        </p:nvSpPr>
+        <p:spPr>
+          <a:xfrm>
+            <a:off x="628953" y="5942000"/>
+            <a:ext cx="7765142" cy="369332"/>
+          </a:xfrm>
+          <a:prstGeom prst="rect">
+            <a:avLst/>
+          </a:prstGeom>
+          <a:noFill/>
+        </p:spPr>
+        <p:txBody>
+          <a:bodyPr wrap="square" rtlCol="0">
+            <a:spAutoFit/>
+          </a:bodyPr>
+          <a:lstStyle/>
+          <a:p>
+            <a:pPr algn="ctr"/>
+            <a:r>
+              <a:rPr lang="en-US" sz="1800" dirty="0" smtClean="0">
+                <a:solidFill>
+                  <a:srgbClr val="122956"/>
+                </a:solidFill>
+              </a:rPr>
+              <a:t>Long-press delete for </a:t>
+            </a:r>
+            <a:r>
+              <a:rPr lang="en-US" sz="1800" dirty="0" err="1" smtClean="0">
+                <a:solidFill>
+                  <a:srgbClr val="122956"/>
+                </a:solidFill>
+              </a:rPr>
+              <a:t>iOS</a:t>
+            </a:r>
+            <a:r>
+              <a:rPr lang="en-US" sz="1800" dirty="0" smtClean="0">
+                <a:solidFill>
+                  <a:srgbClr val="122956"/>
+                </a:solidFill>
+              </a:rPr>
+              <a:t> &amp; Android – https://</a:t>
+            </a:r>
+            <a:r>
+              <a:rPr lang="en-US" sz="1800" dirty="0" err="1" smtClean="0">
+                <a:solidFill>
+                  <a:srgbClr val="122956"/>
+                </a:solidFill>
+              </a:rPr>
+              <a:t>gist.github.com</a:t>
+            </a:r>
+            <a:r>
+              <a:rPr lang="en-US" sz="1800" dirty="0" smtClean="0">
+                <a:solidFill>
+                  <a:srgbClr val="122956"/>
+                </a:solidFill>
+              </a:rPr>
+              <a:t>/1018107</a:t>
+            </a:r>
+            <a:endParaRPr lang="en-US" sz="1800" dirty="0">
+              <a:solidFill>
+                <a:srgbClr val="122956"/>
+              </a:solidFill>
+            </a:endParaRPr>
           </a:p>
         </p:txBody>
       </p:sp>
     </p:spTree>
     <p:extLst>
       <p:ext uri="{BB962C8B-B14F-4D97-AF65-F5344CB8AC3E}">
-        <p14:creationId xmlns:p14="http://schemas.microsoft.com/office/powerpoint/2010/main" val="3047661367"/>
+        <p14:creationId xmlns:p14="http://schemas.microsoft.com/office/powerpoint/2010/main" val="2425365866"/>
       </p:ext>
     </p:extLst>
   </p:cSld>
@@ -8644,12 +12064,8 @@
           <a:lstStyle/>
           <a:p>
             <a:r>
-              <a:rPr lang="en-US" dirty="0" err="1" smtClean="0"/>
-              <a:t>TableViewRow</a:t>
-            </a:r>
-            <a:r>
               <a:rPr lang="en-US" dirty="0" smtClean="0"/>
-              <a:t> methods</a:t>
+              <a:t>Event Extras</a:t>
             </a:r>
             <a:endParaRPr lang="en-US" dirty="0"/>
           </a:p>
@@ -8671,45 +12087,110 @@
           <a:lstStyle/>
           <a:p>
             <a:r>
-              <a:rPr lang="en-US" dirty="0"/>
-              <a:t>Key methods of </a:t>
-            </a:r>
-            <a:r>
               <a:rPr lang="en-US" dirty="0" smtClean="0"/>
-              <a:t>table rows</a:t>
-            </a:r>
-            <a:r>
-              <a:rPr lang="en-US" dirty="0"/>
-              <a:t>:</a:t>
-            </a:r>
-          </a:p>
-          <a:p>
-            <a:pPr marL="800100" lvl="1" indent="-342900">
-              <a:buFont typeface="Arial"/>
-              <a:buChar char="•"/>
-            </a:pPr>
+              <a:t>Scroll Events - </a:t>
+            </a:r>
+            <a:r>
+              <a:rPr lang="en-US" dirty="0" err="1" smtClean="0"/>
+              <a:t>contentOffset</a:t>
+            </a:r>
             <a:r>
               <a:rPr lang="en-US" dirty="0" smtClean="0"/>
-              <a:t>method A</a:t>
-            </a:r>
-          </a:p>
-          <a:p>
-            <a:pPr marL="800100" lvl="1" indent="-342900">
-              <a:buFont typeface="Arial"/>
-              <a:buChar char="•"/>
-            </a:pPr>
-            <a:r>
-              <a:rPr lang="en-US" smtClean="0"/>
-              <a:t>method B</a:t>
-            </a:r>
+              <a:t> (</a:t>
+            </a:r>
+            <a:r>
+              <a:rPr lang="en-US" dirty="0" err="1" smtClean="0"/>
+              <a:t>iOS</a:t>
+            </a:r>
+            <a:r>
+              <a:rPr lang="en-US" dirty="0" smtClean="0"/>
+              <a:t> only)</a:t>
+            </a:r>
+          </a:p>
+          <a:p>
             <a:endParaRPr lang="en-US" dirty="0"/>
+          </a:p>
+          <a:p>
+            <a:r>
+              <a:rPr lang="en-US" dirty="0" smtClean="0"/>
+              <a:t>Scroll Events – </a:t>
+            </a:r>
+            <a:r>
+              <a:rPr lang="en-US" dirty="0" err="1" smtClean="0"/>
+              <a:t>firstVisibleItem</a:t>
+            </a:r>
+            <a:r>
+              <a:rPr lang="en-US" dirty="0" smtClean="0"/>
+              <a:t>, </a:t>
+            </a:r>
+            <a:r>
+              <a:rPr lang="en-US" dirty="0" err="1" smtClean="0"/>
+              <a:t>visibleItemCount</a:t>
+            </a:r>
+            <a:r>
+              <a:rPr lang="en-US" dirty="0" smtClean="0"/>
+              <a:t>, </a:t>
+            </a:r>
+            <a:r>
+              <a:rPr lang="en-US" dirty="0" err="1" smtClean="0"/>
+              <a:t>totalItemCount</a:t>
+            </a:r>
+            <a:r>
+              <a:rPr lang="en-US" dirty="0" smtClean="0"/>
+              <a:t> (Android only)</a:t>
+            </a:r>
+          </a:p>
+          <a:p>
+            <a:endParaRPr lang="en-US" dirty="0"/>
+          </a:p>
+          <a:p>
+            <a:r>
+              <a:rPr lang="en-US" dirty="0" smtClean="0"/>
+              <a:t>Dynamic scrolling Android workarounds</a:t>
+            </a:r>
+          </a:p>
+          <a:p>
+            <a:pPr lvl="1"/>
+            <a:r>
+              <a:rPr lang="en-US" dirty="0">
+                <a:hlinkClick r:id="rId3"/>
+              </a:rPr>
+              <a:t>https://gist.github.com/</a:t>
+            </a:r>
+            <a:r>
+              <a:rPr lang="en-US" dirty="0" smtClean="0">
+                <a:hlinkClick r:id="rId3"/>
+              </a:rPr>
+              <a:t>903895</a:t>
+            </a:r>
+            <a:endParaRPr lang="en-US" dirty="0" smtClean="0"/>
+          </a:p>
+          <a:p>
+            <a:pPr lvl="1"/>
+            <a:r>
+              <a:rPr lang="en-US" dirty="0">
+                <a:hlinkClick r:id="rId4"/>
+              </a:rPr>
+              <a:t>https://gist.github.com/</a:t>
+            </a:r>
+            <a:r>
+              <a:rPr lang="en-US" dirty="0" smtClean="0">
+                <a:hlinkClick r:id="rId4"/>
+              </a:rPr>
+              <a:t>810391</a:t>
+            </a:r>
+            <a:endParaRPr lang="en-US" dirty="0"/>
+          </a:p>
+          <a:p>
+            <a:pPr lvl="1"/>
+            <a:endParaRPr lang="en-US" dirty="0" smtClean="0"/>
           </a:p>
         </p:txBody>
       </p:sp>
     </p:spTree>
     <p:extLst>
       <p:ext uri="{BB962C8B-B14F-4D97-AF65-F5344CB8AC3E}">
-        <p14:creationId xmlns:p14="http://schemas.microsoft.com/office/powerpoint/2010/main" val="847416318"/>
+        <p14:creationId xmlns:p14="http://schemas.microsoft.com/office/powerpoint/2010/main" val="3958738375"/>
       </p:ext>
     </p:extLst>
   </p:cSld>
@@ -8743,182 +12224,109 @@
           <a:chExt cx="0" cy="0"/>
         </a:xfrm>
       </p:grpSpPr>
+      <p:pic>
+        <p:nvPicPr>
+          <p:cNvPr id="23553" name="Picture 5" descr="raised_paper.png"/>
+          <p:cNvPicPr>
+            <a:picLocks noChangeAspect="1"/>
+          </p:cNvPicPr>
+          <p:nvPr/>
+        </p:nvPicPr>
+        <p:blipFill>
+          <a:blip r:embed="rId2">
+            <a:extLst>
+              <a:ext uri="{28A0092B-C50C-407E-A947-70E740481C1C}">
+                <a14:useLocalDpi xmlns:a14="http://schemas.microsoft.com/office/drawing/2010/main" val="0"/>
+              </a:ext>
+            </a:extLst>
+          </a:blip>
+          <a:srcRect/>
+          <a:stretch>
+            <a:fillRect/>
+          </a:stretch>
+        </p:blipFill>
+        <p:spPr bwMode="auto">
+          <a:xfrm>
+            <a:off x="1336675" y="2106613"/>
+            <a:ext cx="6456363" cy="2189162"/>
+          </a:xfrm>
+          <a:prstGeom prst="rect">
+            <a:avLst/>
+          </a:prstGeom>
+          <a:noFill/>
+          <a:ln>
+            <a:noFill/>
+          </a:ln>
+          <a:extLst>
+            <a:ext uri="{909E8E84-426E-40dd-AFC4-6F175D3DCCD1}">
+              <a14:hiddenFill xmlns:a14="http://schemas.microsoft.com/office/drawing/2010/main">
+                <a:solidFill>
+                  <a:srgbClr val="FFFFFF"/>
+                </a:solidFill>
+              </a14:hiddenFill>
+            </a:ext>
+            <a:ext uri="{91240B29-F687-4f45-9708-019B960494DF}">
+              <a14:hiddenLine xmlns:a14="http://schemas.microsoft.com/office/drawing/2010/main" w="9525">
+                <a:solidFill>
+                  <a:srgbClr val="000000"/>
+                </a:solidFill>
+                <a:miter lim="800000"/>
+                <a:headEnd/>
+                <a:tailEnd/>
+              </a14:hiddenLine>
+            </a:ext>
+          </a:extLst>
+        </p:spPr>
+      </p:pic>
       <p:sp>
         <p:nvSpPr>
-          <p:cNvPr id="2" name="Title 1"/>
+          <p:cNvPr id="23554" name="Title 1"/>
           <p:cNvSpPr>
             <a:spLocks noGrp="1"/>
           </p:cNvSpPr>
           <p:nvPr>
-            <p:ph type="title"/>
+            <p:ph type="ctrTitle" idx="4294967295"/>
           </p:nvPr>
         </p:nvSpPr>
-        <p:spPr/>
+        <p:spPr>
+          <a:xfrm>
+            <a:off x="766763" y="2330450"/>
+            <a:ext cx="7772400" cy="1470025"/>
+          </a:xfrm>
+        </p:spPr>
         <p:txBody>
           <a:bodyPr/>
           <a:lstStyle/>
           <a:p>
-            <a:r>
-              <a:rPr lang="en-US" dirty="0" smtClean="0"/>
-              <a:t>Table events</a:t>
-            </a:r>
-            <a:endParaRPr lang="en-US" dirty="0"/>
-          </a:p>
-        </p:txBody>
-      </p:sp>
-      <p:sp>
-        <p:nvSpPr>
-          <p:cNvPr id="3" name="Content Placeholder 2"/>
-          <p:cNvSpPr>
-            <a:spLocks noGrp="1"/>
-          </p:cNvSpPr>
-          <p:nvPr>
-            <p:ph idx="1"/>
-          </p:nvPr>
-        </p:nvSpPr>
-        <p:spPr/>
-        <p:txBody>
-          <a:bodyPr/>
-          <a:lstStyle/>
-          <a:p>
-            <a:pPr>
-              <a:spcBef>
-                <a:spcPts val="600"/>
-              </a:spcBef>
-              <a:buClrTx/>
-              <a:buFontTx/>
-              <a:buNone/>
-            </a:pPr>
-            <a:r>
-              <a:rPr lang="en-US" sz="2000" dirty="0" err="1">
-                <a:latin typeface="Monaco" charset="0"/>
+            <a:pPr algn="ctr"/>
+            <a:r>
+              <a:rPr lang="en-US" sz="4800" i="1" dirty="0" smtClean="0">
+                <a:solidFill>
+                  <a:srgbClr val="122956"/>
+                </a:solidFill>
+                <a:latin typeface="Trebuchet MS" charset="0"/>
               </a:rPr>
-              <a:t>table.addEventListener</a:t>
-            </a:r>
-            <a:r>
-              <a:rPr lang="en-US" sz="2000" dirty="0">
-                <a:latin typeface="Monaco" charset="0"/>
-              </a:rPr>
-              <a:t>('click', function(e){</a:t>
-            </a:r>
-          </a:p>
-          <a:p>
-            <a:pPr>
-              <a:spcBef>
-                <a:spcPts val="600"/>
-              </a:spcBef>
-              <a:buClrTx/>
-              <a:buFontTx/>
-              <a:buNone/>
-            </a:pPr>
-            <a:r>
-              <a:rPr lang="en-US" sz="2000" dirty="0">
-                <a:latin typeface="Monaco" charset="0"/>
-              </a:rPr>
-              <a:t>	alert('You clicked row '+</a:t>
-            </a:r>
-            <a:r>
-              <a:rPr lang="en-US" sz="2000" dirty="0" err="1">
-                <a:latin typeface="Monaco" charset="0"/>
-              </a:rPr>
-              <a:t>e.index</a:t>
-            </a:r>
-            <a:r>
-              <a:rPr lang="en-US" sz="2000" dirty="0">
-                <a:latin typeface="Monaco" charset="0"/>
-              </a:rPr>
-              <a:t>);</a:t>
-            </a:r>
-          </a:p>
-          <a:p>
-            <a:pPr>
-              <a:spcBef>
-                <a:spcPts val="600"/>
-              </a:spcBef>
-              <a:buClrTx/>
-              <a:buFontTx/>
-              <a:buNone/>
-            </a:pPr>
-            <a:r>
-              <a:rPr lang="en-US" sz="2000" dirty="0">
-                <a:latin typeface="Monaco" charset="0"/>
-              </a:rPr>
-              <a:t>});</a:t>
-            </a:r>
-          </a:p>
-          <a:p>
-            <a:endParaRPr lang="en-US" dirty="0" smtClean="0"/>
-          </a:p>
-          <a:p>
-            <a:r>
-              <a:rPr lang="en-US" dirty="0" smtClean="0"/>
-              <a:t>Key event object properties:</a:t>
-            </a:r>
-          </a:p>
-          <a:p>
-            <a:pPr marL="342900" indent="-342900">
-              <a:buFont typeface="Arial"/>
-              <a:buChar char="•"/>
-            </a:pPr>
-            <a:r>
-              <a:rPr lang="en-US" sz="2000" dirty="0" smtClean="0"/>
-              <a:t>index</a:t>
-            </a:r>
-          </a:p>
-          <a:p>
-            <a:pPr marL="342900" indent="-342900">
-              <a:buFont typeface="Arial"/>
-              <a:buChar char="•"/>
-            </a:pPr>
-            <a:r>
-              <a:rPr lang="en-US" sz="2000" dirty="0" smtClean="0"/>
-              <a:t>row</a:t>
-            </a:r>
-          </a:p>
-          <a:p>
-            <a:pPr marL="342900" indent="-342900">
-              <a:buFont typeface="Arial"/>
-              <a:buChar char="•"/>
-            </a:pPr>
-            <a:r>
-              <a:rPr lang="en-US" sz="2000" dirty="0" err="1" smtClean="0"/>
-              <a:t>rowData</a:t>
-            </a:r>
-            <a:endParaRPr lang="en-US" sz="2000" dirty="0" smtClean="0"/>
-          </a:p>
-          <a:p>
-            <a:pPr marL="342900" indent="-342900">
-              <a:buFont typeface="Arial"/>
-              <a:buChar char="•"/>
-            </a:pPr>
-            <a:r>
-              <a:rPr lang="en-US" sz="2000" dirty="0" smtClean="0"/>
-              <a:t>source</a:t>
-            </a:r>
-            <a:endParaRPr lang="en-US" sz="2000" dirty="0"/>
-          </a:p>
-          <a:p>
-            <a:endParaRPr lang="en-US" sz="2000" dirty="0"/>
+              <a:t>Q&amp;A</a:t>
+            </a:r>
+            <a:endParaRPr lang="en-US" sz="4800" i="1" dirty="0">
+              <a:solidFill>
+                <a:srgbClr val="122956"/>
+              </a:solidFill>
+              <a:latin typeface="Trebuchet MS" charset="0"/>
+            </a:endParaRPr>
           </a:p>
         </p:txBody>
       </p:sp>
     </p:spTree>
     <p:extLst>
       <p:ext uri="{BB962C8B-B14F-4D97-AF65-F5344CB8AC3E}">
-        <p14:creationId xmlns:p14="http://schemas.microsoft.com/office/powerpoint/2010/main" val="2425365866"/>
+        <p14:creationId xmlns:p14="http://schemas.microsoft.com/office/powerpoint/2010/main" val="4095999683"/>
       </p:ext>
     </p:extLst>
   </p:cSld>
   <p:clrMapOvr>
     <a:masterClrMapping/>
   </p:clrMapOvr>
-  <p:timing>
-    <p:tnLst>
-      <p:par>
-        <p:cTn xmlns:p14="http://schemas.microsoft.com/office/powerpoint/2010/main" id="1" dur="indefinite" restart="never" nodeType="tmRoot"/>
-      </p:par>
-    </p:tnLst>
-  </p:timing>
 </p:sld>
 </file>
 
@@ -8956,60 +12364,134 @@
           <a:p>
             <a:r>
               <a:rPr lang="en-US" dirty="0" smtClean="0"/>
-              <a:t>Table Extras</a:t>
+              <a:t>Lab goals</a:t>
             </a:r>
             <a:endParaRPr lang="en-US" dirty="0"/>
           </a:p>
         </p:txBody>
       </p:sp>
-      <p:sp>
-        <p:nvSpPr>
-          <p:cNvPr id="3" name="Content Placeholder 2"/>
-          <p:cNvSpPr>
-            <a:spLocks noGrp="1"/>
-          </p:cNvSpPr>
+      <p:pic>
+        <p:nvPicPr>
+          <p:cNvPr id="4" name="Picture 2"/>
+          <p:cNvPicPr>
+            <a:picLocks noGrp="1" noChangeAspect="1" noChangeArrowheads="1"/>
+          </p:cNvPicPr>
           <p:nvPr>
             <p:ph idx="1"/>
           </p:nvPr>
+        </p:nvPicPr>
+        <p:blipFill>
+          <a:blip r:embed="rId3">
+            <a:extLst>
+              <a:ext uri="{28A0092B-C50C-407E-A947-70E740481C1C}">
+                <a14:useLocalDpi xmlns:a14="http://schemas.microsoft.com/office/drawing/2010/main" val="0"/>
+              </a:ext>
+            </a:extLst>
+          </a:blip>
+          <a:srcRect l="-79233" r="-79233"/>
+          <a:stretch>
+            <a:fillRect/>
+          </a:stretch>
+        </p:blipFill>
+        <p:spPr bwMode="auto">
+          <a:prstGeom prst="rect">
+            <a:avLst/>
+          </a:prstGeom>
+          <a:noFill/>
+          <a:ln>
+            <a:noFill/>
+          </a:ln>
+          <a:effectLst/>
+          <a:extLst>
+            <a:ext uri="{909E8E84-426E-40dd-AFC4-6F175D3DCCD1}">
+              <a14:hiddenFill xmlns:a14="http://schemas.microsoft.com/office/drawing/2010/main">
+                <a:blipFill dpi="0" rotWithShape="0">
+                  <a:blip/>
+                  <a:srcRect/>
+                  <a:stretch>
+                    <a:fillRect/>
+                  </a:stretch>
+                </a:blipFill>
+              </a14:hiddenFill>
+            </a:ext>
+            <a:ext uri="{91240B29-F687-4f45-9708-019B960494DF}">
+              <a14:hiddenLine xmlns:a14="http://schemas.microsoft.com/office/drawing/2010/main" w="9525">
+                <a:solidFill>
+                  <a:srgbClr val="000000"/>
+                </a:solidFill>
+                <a:round/>
+                <a:headEnd/>
+                <a:tailEnd/>
+              </a14:hiddenLine>
+            </a:ext>
+            <a:ext uri="{AF507438-7753-43e0-B8FC-AC1667EBCBE1}">
+              <a14:hiddenEffects xmlns:a14="http://schemas.microsoft.com/office/drawing/2010/main">
+                <a:effectLst>
+                  <a:outerShdw blurRad="63500" dist="38099" dir="2700000" algn="ctr" rotWithShape="0">
+                    <a:srgbClr val="000000">
+                      <a:alpha val="74998"/>
+                    </a:srgbClr>
+                  </a:outerShdw>
+                </a:effectLst>
+              </a14:hiddenEffects>
+            </a:ext>
+          </a:extLst>
+        </p:spPr>
+      </p:pic>
+      <p:sp>
+        <p:nvSpPr>
+          <p:cNvPr id="3" name="TextBox 2"/>
+          <p:cNvSpPr txBox="1"/>
+          <p:nvPr/>
         </p:nvSpPr>
-        <p:spPr/>
+        <p:spPr>
+          <a:xfrm>
+            <a:off x="4995333" y="1475619"/>
+            <a:ext cx="2987524" cy="2308324"/>
+          </a:xfrm>
+          <a:prstGeom prst="rect">
+            <a:avLst/>
+          </a:prstGeom>
+          <a:solidFill>
+            <a:schemeClr val="bg1"/>
+          </a:solidFill>
+          <a:ln w="28575" cap="flat" cmpd="sng">
+            <a:solidFill>
+              <a:schemeClr val="accent2"/>
+            </a:solidFill>
+          </a:ln>
+          <a:effectLst>
+            <a:outerShdw blurRad="50800" dist="38100" dir="2700000" algn="tl" rotWithShape="0">
+              <a:prstClr val="black">
+                <a:alpha val="40000"/>
+              </a:prstClr>
+            </a:outerShdw>
+          </a:effectLst>
+        </p:spPr>
         <p:txBody>
-          <a:bodyPr/>
+          <a:bodyPr wrap="square" rtlCol="0">
+            <a:spAutoFit/>
+          </a:bodyPr>
           <a:lstStyle/>
           <a:p>
             <a:r>
               <a:rPr lang="en-US" dirty="0" smtClean="0"/>
-              <a:t>Pull to refresh</a:t>
-            </a:r>
-          </a:p>
-          <a:p>
+              <a:t>Create a customized table with some more extended event handling, maybe something from the Lulu app?</a:t>
+            </a:r>
             <a:endParaRPr lang="en-US" dirty="0"/>
-          </a:p>
-          <a:p>
-            <a:r>
-              <a:rPr lang="en-US" dirty="0" smtClean="0"/>
-              <a:t>Dynamic scrolling</a:t>
-            </a:r>
           </a:p>
         </p:txBody>
       </p:sp>
     </p:spTree>
     <p:extLst>
       <p:ext uri="{BB962C8B-B14F-4D97-AF65-F5344CB8AC3E}">
-        <p14:creationId xmlns:p14="http://schemas.microsoft.com/office/powerpoint/2010/main" val="3958738375"/>
+        <p14:creationId xmlns:p14="http://schemas.microsoft.com/office/powerpoint/2010/main" val="1237345480"/>
       </p:ext>
     </p:extLst>
   </p:cSld>
   <p:clrMapOvr>
     <a:masterClrMapping/>
   </p:clrMapOvr>
-  <p:timing>
-    <p:tnLst>
-      <p:par>
-        <p:cTn xmlns:p14="http://schemas.microsoft.com/office/powerpoint/2010/main" id="1" dur="indefinite" restart="never" nodeType="tmRoot"/>
-      </p:par>
-    </p:tnLst>
-  </p:timing>
 </p:sld>
 </file>
 
@@ -9112,7 +12594,7 @@
                 </a:solidFill>
                 <a:latin typeface="Trebuchet MS" charset="0"/>
               </a:rPr>
-              <a:t>Q&amp;A</a:t>
+              <a:t>Lab Exercise</a:t>
             </a:r>
             <a:endParaRPr lang="en-US" sz="4800" i="1" dirty="0">
               <a:solidFill>
@@ -9126,128 +12608,7 @@
     </p:spTree>
     <p:extLst>
       <p:ext uri="{BB962C8B-B14F-4D97-AF65-F5344CB8AC3E}">
-        <p14:creationId xmlns:p14="http://schemas.microsoft.com/office/powerpoint/2010/main" val="4095999683"/>
-      </p:ext>
-    </p:extLst>
-  </p:cSld>
-  <p:clrMapOvr>
-    <a:masterClrMapping/>
-  </p:clrMapOvr>
-</p:sld>
-</file>
-
-<file path=ppt/slides/slide19.xml><?xml version="1.0" encoding="utf-8"?>
-<p:sld xmlns:a="http://schemas.openxmlformats.org/drawingml/2006/main" xmlns:r="http://schemas.openxmlformats.org/officeDocument/2006/relationships" xmlns:p="http://schemas.openxmlformats.org/presentationml/2006/main">
-  <p:cSld>
-    <p:spTree>
-      <p:nvGrpSpPr>
-        <p:cNvPr id="1" name=""/>
-        <p:cNvGrpSpPr/>
-        <p:nvPr/>
-      </p:nvGrpSpPr>
-      <p:grpSpPr>
-        <a:xfrm>
-          <a:off x="0" y="0"/>
-          <a:ext cx="0" cy="0"/>
-          <a:chOff x="0" y="0"/>
-          <a:chExt cx="0" cy="0"/>
-        </a:xfrm>
-      </p:grpSpPr>
-      <p:sp>
-        <p:nvSpPr>
-          <p:cNvPr id="2" name="Title 1"/>
-          <p:cNvSpPr>
-            <a:spLocks noGrp="1"/>
-          </p:cNvSpPr>
-          <p:nvPr>
-            <p:ph type="title"/>
-          </p:nvPr>
-        </p:nvSpPr>
-        <p:spPr/>
-        <p:txBody>
-          <a:bodyPr/>
-          <a:lstStyle/>
-          <a:p>
-            <a:r>
-              <a:rPr lang="en-US" dirty="0" smtClean="0"/>
-              <a:t>Lab goals</a:t>
-            </a:r>
-            <a:endParaRPr lang="en-US" dirty="0"/>
-          </a:p>
-        </p:txBody>
-      </p:sp>
-      <p:pic>
-        <p:nvPicPr>
-          <p:cNvPr id="4" name="Picture 2"/>
-          <p:cNvPicPr>
-            <a:picLocks noGrp="1" noChangeAspect="1" noChangeArrowheads="1"/>
-          </p:cNvPicPr>
-          <p:nvPr>
-            <p:ph idx="1"/>
-          </p:nvPr>
-        </p:nvPicPr>
-        <p:blipFill>
-          <a:blip r:embed="rId3">
-            <a:extLst>
-              <a:ext uri="{28A0092B-C50C-407E-A947-70E740481C1C}">
-                <a14:useLocalDpi xmlns:a14="http://schemas.microsoft.com/office/drawing/2010/main" val="0"/>
-              </a:ext>
-            </a:extLst>
-          </a:blip>
-          <a:srcRect l="-79233" r="-79233"/>
-          <a:stretch>
-            <a:fillRect/>
-          </a:stretch>
-        </p:blipFill>
-        <p:spPr bwMode="auto">
-          <a:prstGeom prst="rect">
-            <a:avLst/>
-          </a:prstGeom>
-          <a:noFill/>
-          <a:ln>
-            <a:noFill/>
-          </a:ln>
-          <a:effectLst/>
-          <a:extLst>
-            <a:ext uri="{909E8E84-426E-40dd-AFC4-6F175D3DCCD1}">
-              <a14:hiddenFill xmlns:a14="http://schemas.microsoft.com/office/drawing/2010/main">
-                <a:blipFill dpi="0" rotWithShape="0">
-                  <a:blip/>
-                  <a:srcRect/>
-                  <a:stretch>
-                    <a:fillRect/>
-                  </a:stretch>
-                </a:blipFill>
-              </a14:hiddenFill>
-            </a:ext>
-            <a:ext uri="{91240B29-F687-4f45-9708-019B960494DF}">
-              <a14:hiddenLine xmlns:a14="http://schemas.microsoft.com/office/drawing/2010/main" w="9525">
-                <a:solidFill>
-                  <a:srgbClr val="000000"/>
-                </a:solidFill>
-                <a:round/>
-                <a:headEnd/>
-                <a:tailEnd/>
-              </a14:hiddenLine>
-            </a:ext>
-            <a:ext uri="{AF507438-7753-43e0-B8FC-AC1667EBCBE1}">
-              <a14:hiddenEffects xmlns:a14="http://schemas.microsoft.com/office/drawing/2010/main">
-                <a:effectLst>
-                  <a:outerShdw blurRad="63500" dist="38099" dir="2700000" algn="ctr" rotWithShape="0">
-                    <a:srgbClr val="000000">
-                      <a:alpha val="74998"/>
-                    </a:srgbClr>
-                  </a:outerShdw>
-                </a:effectLst>
-              </a14:hiddenEffects>
-            </a:ext>
-          </a:extLst>
-        </p:spPr>
-      </p:pic>
-    </p:spTree>
-    <p:extLst>
-      <p:ext uri="{BB962C8B-B14F-4D97-AF65-F5344CB8AC3E}">
-        <p14:creationId xmlns:p14="http://schemas.microsoft.com/office/powerpoint/2010/main" val="1237345480"/>
+        <p14:creationId xmlns:p14="http://schemas.microsoft.com/office/powerpoint/2010/main" val="3085404215"/>
       </p:ext>
     </p:extLst>
   </p:cSld>
@@ -9335,7 +12696,11 @@
             </a:r>
             <a:r>
               <a:rPr lang="en-US" dirty="0" smtClean="0"/>
-              <a:t>Basics and Beyond</a:t>
+              <a:t>Basics and </a:t>
+            </a:r>
+            <a:r>
+              <a:rPr lang="en-US" dirty="0" smtClean="0"/>
+              <a:t>Beyond</a:t>
             </a:r>
           </a:p>
           <a:p>
@@ -9344,8 +12709,9 @@
           <a:p>
             <a:r>
               <a:rPr lang="en-US" dirty="0" smtClean="0"/>
-              <a:t>Event Handling</a:t>
-            </a:r>
+              <a:t>Headers, Footers, and Sections</a:t>
+            </a:r>
+            <a:endParaRPr lang="en-US" dirty="0" smtClean="0"/>
           </a:p>
           <a:p>
             <a:endParaRPr lang="en-US" dirty="0"/>
@@ -9353,8 +12719,9 @@
           <a:p>
             <a:r>
               <a:rPr lang="en-US" dirty="0" smtClean="0"/>
-              <a:t>Special Features (?)</a:t>
-            </a:r>
+              <a:t>Events and Extras</a:t>
+            </a:r>
+            <a:endParaRPr lang="en-US" dirty="0" smtClean="0"/>
           </a:p>
         </p:txBody>
       </p:sp>
@@ -9396,129 +12763,6 @@
       </p:par>
     </p:tnLst>
   </p:timing>
-</p:sld>
-</file>
-
-<file path=ppt/slides/slide20.xml><?xml version="1.0" encoding="utf-8"?>
-<p:sld xmlns:a="http://schemas.openxmlformats.org/drawingml/2006/main" xmlns:r="http://schemas.openxmlformats.org/officeDocument/2006/relationships" xmlns:p="http://schemas.openxmlformats.org/presentationml/2006/main">
-  <p:cSld>
-    <p:spTree>
-      <p:nvGrpSpPr>
-        <p:cNvPr id="1" name=""/>
-        <p:cNvGrpSpPr/>
-        <p:nvPr/>
-      </p:nvGrpSpPr>
-      <p:grpSpPr>
-        <a:xfrm>
-          <a:off x="0" y="0"/>
-          <a:ext cx="0" cy="0"/>
-          <a:chOff x="0" y="0"/>
-          <a:chExt cx="0" cy="0"/>
-        </a:xfrm>
-      </p:grpSpPr>
-      <p:pic>
-        <p:nvPicPr>
-          <p:cNvPr id="23553" name="Picture 5" descr="raised_paper.png"/>
-          <p:cNvPicPr>
-            <a:picLocks noChangeAspect="1"/>
-          </p:cNvPicPr>
-          <p:nvPr/>
-        </p:nvPicPr>
-        <p:blipFill>
-          <a:blip r:embed="rId2">
-            <a:extLst>
-              <a:ext uri="{28A0092B-C50C-407E-A947-70E740481C1C}">
-                <a14:useLocalDpi xmlns:a14="http://schemas.microsoft.com/office/drawing/2010/main" val="0"/>
-              </a:ext>
-            </a:extLst>
-          </a:blip>
-          <a:srcRect/>
-          <a:stretch>
-            <a:fillRect/>
-          </a:stretch>
-        </p:blipFill>
-        <p:spPr bwMode="auto">
-          <a:xfrm>
-            <a:off x="1336675" y="2106613"/>
-            <a:ext cx="6456363" cy="2189162"/>
-          </a:xfrm>
-          <a:prstGeom prst="rect">
-            <a:avLst/>
-          </a:prstGeom>
-          <a:noFill/>
-          <a:ln>
-            <a:noFill/>
-          </a:ln>
-          <a:extLst>
-            <a:ext uri="{909E8E84-426E-40dd-AFC4-6F175D3DCCD1}">
-              <a14:hiddenFill xmlns:a14="http://schemas.microsoft.com/office/drawing/2010/main">
-                <a:solidFill>
-                  <a:srgbClr val="FFFFFF"/>
-                </a:solidFill>
-              </a14:hiddenFill>
-            </a:ext>
-            <a:ext uri="{91240B29-F687-4f45-9708-019B960494DF}">
-              <a14:hiddenLine xmlns:a14="http://schemas.microsoft.com/office/drawing/2010/main" w="9525">
-                <a:solidFill>
-                  <a:srgbClr val="000000"/>
-                </a:solidFill>
-                <a:miter lim="800000"/>
-                <a:headEnd/>
-                <a:tailEnd/>
-              </a14:hiddenLine>
-            </a:ext>
-          </a:extLst>
-        </p:spPr>
-      </p:pic>
-      <p:sp>
-        <p:nvSpPr>
-          <p:cNvPr id="23554" name="Title 1"/>
-          <p:cNvSpPr>
-            <a:spLocks noGrp="1"/>
-          </p:cNvSpPr>
-          <p:nvPr>
-            <p:ph type="ctrTitle" idx="4294967295"/>
-          </p:nvPr>
-        </p:nvSpPr>
-        <p:spPr>
-          <a:xfrm>
-            <a:off x="766763" y="2330450"/>
-            <a:ext cx="7772400" cy="1470025"/>
-          </a:xfrm>
-        </p:spPr>
-        <p:txBody>
-          <a:bodyPr/>
-          <a:lstStyle/>
-          <a:p>
-            <a:pPr algn="ctr"/>
-            <a:r>
-              <a:rPr lang="en-US" sz="4800" i="1" dirty="0" smtClean="0">
-                <a:solidFill>
-                  <a:srgbClr val="122956"/>
-                </a:solidFill>
-                <a:latin typeface="Trebuchet MS" charset="0"/>
-              </a:rPr>
-              <a:t>Lab Exercise</a:t>
-            </a:r>
-            <a:endParaRPr lang="en-US" sz="4800" i="1" dirty="0">
-              <a:solidFill>
-                <a:srgbClr val="122956"/>
-              </a:solidFill>
-              <a:latin typeface="Trebuchet MS" charset="0"/>
-            </a:endParaRPr>
-          </a:p>
-        </p:txBody>
-      </p:sp>
-    </p:spTree>
-    <p:extLst>
-      <p:ext uri="{BB962C8B-B14F-4D97-AF65-F5344CB8AC3E}">
-        <p14:creationId xmlns:p14="http://schemas.microsoft.com/office/powerpoint/2010/main" val="3085404215"/>
-      </p:ext>
-    </p:extLst>
-  </p:cSld>
-  <p:clrMapOvr>
-    <a:masterClrMapping/>
-  </p:clrMapOvr>
 </p:sld>
 </file>
 
@@ -10673,7 +13917,72 @@
             </a:pPr>
             <a:r>
               <a:rPr lang="en-US" dirty="0" err="1" smtClean="0"/>
+              <a:t>rowHeight</a:t>
+            </a:r>
+            <a:r>
+              <a:rPr lang="en-US" dirty="0" smtClean="0"/>
+              <a:t> / </a:t>
+            </a:r>
+            <a:r>
+              <a:rPr lang="en-US" dirty="0" err="1" smtClean="0"/>
+              <a:t>minRowHeight</a:t>
+            </a:r>
+            <a:r>
+              <a:rPr lang="en-US" dirty="0" smtClean="0"/>
+              <a:t> / </a:t>
+            </a:r>
+            <a:r>
+              <a:rPr lang="en-US" dirty="0" err="1" smtClean="0"/>
+              <a:t>maxRowHeight</a:t>
+            </a:r>
+            <a:endParaRPr lang="en-US" dirty="0" smtClean="0"/>
+          </a:p>
+          <a:p>
+            <a:pPr marL="800100" lvl="1" indent="-342900">
+              <a:buFont typeface="Arial"/>
+              <a:buChar char="•"/>
+            </a:pPr>
+            <a:r>
+              <a:rPr lang="en-US" dirty="0" err="1" smtClean="0"/>
               <a:t>headerTitle</a:t>
+            </a:r>
+            <a:r>
+              <a:rPr lang="en-US" dirty="0" smtClean="0"/>
+              <a:t> / </a:t>
+            </a:r>
+            <a:r>
+              <a:rPr lang="en-US" dirty="0" err="1" smtClean="0"/>
+              <a:t>headerView</a:t>
+            </a:r>
+            <a:endParaRPr lang="en-US" dirty="0" smtClean="0"/>
+          </a:p>
+          <a:p>
+            <a:pPr marL="800100" lvl="1" indent="-342900">
+              <a:buFont typeface="Arial"/>
+              <a:buChar char="•"/>
+            </a:pPr>
+            <a:r>
+              <a:rPr lang="en-US" dirty="0" err="1" smtClean="0"/>
+              <a:t>footerTitle</a:t>
+            </a:r>
+            <a:r>
+              <a:rPr lang="en-US" dirty="0" smtClean="0"/>
+              <a:t> / </a:t>
+            </a:r>
+            <a:r>
+              <a:rPr lang="en-US" dirty="0" err="1" smtClean="0"/>
+              <a:t>footerView</a:t>
+            </a:r>
+            <a:endParaRPr lang="en-US" dirty="0" smtClean="0"/>
+          </a:p>
+          <a:p>
+            <a:pPr marL="800100" lvl="1" indent="-342900">
+              <a:buFont typeface="Arial"/>
+              <a:buChar char="•"/>
+            </a:pPr>
+            <a:r>
+              <a:rPr lang="en-US" dirty="0" smtClean="0"/>
+              <a:t>scrollable</a:t>
             </a:r>
             <a:endParaRPr lang="en-US" dirty="0"/>
           </a:p>

--- a/345/345.pptx
+++ b/345/345.pptx
@@ -251,7 +251,7 @@
               <a:pPr>
                 <a:defRPr/>
               </a:pPr>
-              <a:t>6/10/11</a:t>
+              <a:t>6/14/11</a:t>
             </a:fld>
             <a:endParaRPr lang="en-US"/>
           </a:p>
@@ -434,7 +434,7 @@
               <a:pPr>
                 <a:defRPr/>
               </a:pPr>
-              <a:t>6/10/11</a:t>
+              <a:t>6/14/11</a:t>
             </a:fld>
             <a:endParaRPr lang="en-US"/>
           </a:p>
@@ -1563,7 +1563,44 @@
           <a:bodyPr/>
           <a:lstStyle/>
           <a:p>
-            <a:endParaRPr lang="en-US" dirty="0"/>
+            <a:r>
+              <a:rPr lang="en-US" b="1" dirty="0" smtClean="0"/>
+              <a:t>Goals: </a:t>
+            </a:r>
+          </a:p>
+          <a:p>
+            <a:r>
+              <a:rPr lang="en-US" dirty="0" smtClean="0"/>
+              <a:t>Gradient background, table that doesn’t fill viewport</a:t>
+            </a:r>
+          </a:p>
+          <a:p>
+            <a:r>
+              <a:rPr lang="en-US" dirty="0" smtClean="0"/>
+              <a:t>Table row backgrounds differ for first, middle, and last rows</a:t>
+            </a:r>
+          </a:p>
+          <a:p>
+            <a:r>
+              <a:rPr lang="en-US" dirty="0" smtClean="0"/>
+              <a:t>Two</a:t>
+            </a:r>
+            <a:r>
+              <a:rPr lang="en-US" baseline="0" dirty="0" smtClean="0"/>
+              <a:t> images and two labels per row</a:t>
+            </a:r>
+          </a:p>
+          <a:p>
+            <a:r>
+              <a:rPr lang="en-US" baseline="0" dirty="0" smtClean="0"/>
+              <a:t>Tap A, B, C and they switch to next “higher”</a:t>
+            </a:r>
+          </a:p>
+          <a:p>
+            <a:r>
+              <a:rPr lang="en-US" baseline="0" dirty="0" smtClean="0"/>
+              <a:t>Tap speech bubble and it swaps blue/red</a:t>
+            </a:r>
           </a:p>
         </p:txBody>
       </p:sp>
@@ -3737,7 +3774,7 @@
               <a:pPr>
                 <a:defRPr/>
               </a:pPr>
-              <a:t>6/10/11</a:t>
+              <a:t>6/14/11</a:t>
             </a:fld>
             <a:endParaRPr lang="en-US"/>
           </a:p>
@@ -4225,7 +4262,7 @@
               <a:pPr>
                 <a:defRPr/>
               </a:pPr>
-              <a:t>6/10/11</a:t>
+              <a:t>6/14/11</a:t>
             </a:fld>
             <a:endParaRPr lang="en-US"/>
           </a:p>
@@ -4787,7 +4824,7 @@
               <a:pPr>
                 <a:defRPr/>
               </a:pPr>
-              <a:t>6/10/11</a:t>
+              <a:t>6/14/11</a:t>
             </a:fld>
             <a:endParaRPr lang="en-US"/>
           </a:p>
@@ -5397,7 +5434,7 @@
               <a:pPr>
                 <a:defRPr/>
               </a:pPr>
-              <a:t>6/10/11</a:t>
+              <a:t>6/14/11</a:t>
             </a:fld>
             <a:endParaRPr lang="en-US"/>
           </a:p>
@@ -5519,7 +5556,7 @@
               <a:pPr>
                 <a:defRPr/>
               </a:pPr>
-              <a:t>6/10/11</a:t>
+              <a:t>6/14/11</a:t>
             </a:fld>
             <a:endParaRPr lang="en-US"/>
           </a:p>
@@ -5806,7 +5843,7 @@
               <a:pPr>
                 <a:defRPr/>
               </a:pPr>
-              <a:t>6/10/11</a:t>
+              <a:t>6/14/11</a:t>
             </a:fld>
             <a:endParaRPr lang="en-US"/>
           </a:p>
@@ -7290,11 +7327,7 @@
           <a:p>
             <a:r>
               <a:rPr lang="en-US" dirty="0" smtClean="0"/>
-              <a:t>Table headers and </a:t>
-            </a:r>
-            <a:r>
-              <a:rPr lang="en-US" dirty="0" smtClean="0"/>
-              <a:t>footers</a:t>
+              <a:t>Table headers and footers</a:t>
             </a:r>
           </a:p>
         </p:txBody>
@@ -7490,10 +7523,6 @@
                 </a:rPr>
                 <a:t>header: ‘header’</a:t>
               </a:r>
-              <a:endParaRPr lang="en-US" sz="1600" dirty="0" smtClean="0">
-                <a:latin typeface="Courier"/>
-                <a:cs typeface="Courier"/>
-              </a:endParaRPr>
             </a:p>
             <a:p>
               <a:r>
@@ -7501,14 +7530,7 @@
                   <a:latin typeface="Courier"/>
                   <a:cs typeface="Courier"/>
                 </a:rPr>
-                <a:t>})</a:t>
-              </a:r>
-              <a:r>
-                <a:rPr lang="en-US" sz="1600" dirty="0" smtClean="0">
-                  <a:latin typeface="Courier"/>
-                  <a:cs typeface="Courier"/>
-                </a:rPr>
-                <a:t>;</a:t>
+                <a:t>});</a:t>
               </a:r>
             </a:p>
             <a:p>
@@ -8428,11 +8450,7 @@
           <a:p>
             <a:r>
               <a:rPr lang="en-US" dirty="0" smtClean="0"/>
-              <a:t>Creating table </a:t>
-            </a:r>
-            <a:r>
-              <a:rPr lang="en-US" dirty="0" smtClean="0"/>
-              <a:t>sections</a:t>
+              <a:t>Creating table sections</a:t>
             </a:r>
           </a:p>
         </p:txBody>
@@ -12372,13 +12390,11 @@
       </p:sp>
       <p:pic>
         <p:nvPicPr>
-          <p:cNvPr id="4" name="Picture 2"/>
+          <p:cNvPr id="7" name="Picture 6" descr="Screenshot_13.png"/>
           <p:cNvPicPr>
-            <a:picLocks noGrp="1" noChangeAspect="1" noChangeArrowheads="1"/>
+            <a:picLocks noChangeAspect="1"/>
           </p:cNvPicPr>
-          <p:nvPr>
-            <p:ph idx="1"/>
-          </p:nvPr>
+          <p:nvPr/>
         </p:nvPicPr>
         <p:blipFill>
           <a:blip r:embed="rId3">
@@ -12388,100 +12404,91 @@
               </a:ext>
             </a:extLst>
           </a:blip>
-          <a:srcRect l="-79233" r="-79233"/>
           <a:stretch>
             <a:fillRect/>
           </a:stretch>
         </p:blipFill>
-        <p:spPr bwMode="auto">
-          <a:prstGeom prst="rect">
-            <a:avLst/>
-          </a:prstGeom>
-          <a:noFill/>
-          <a:ln>
-            <a:noFill/>
-          </a:ln>
-          <a:effectLst/>
-          <a:extLst>
-            <a:ext uri="{909E8E84-426E-40dd-AFC4-6F175D3DCCD1}">
-              <a14:hiddenFill xmlns:a14="http://schemas.microsoft.com/office/drawing/2010/main">
-                <a:blipFill dpi="0" rotWithShape="0">
-                  <a:blip/>
-                  <a:srcRect/>
-                  <a:stretch>
-                    <a:fillRect/>
-                  </a:stretch>
-                </a:blipFill>
-              </a14:hiddenFill>
-            </a:ext>
-            <a:ext uri="{91240B29-F687-4f45-9708-019B960494DF}">
-              <a14:hiddenLine xmlns:a14="http://schemas.microsoft.com/office/drawing/2010/main" w="9525">
-                <a:solidFill>
-                  <a:srgbClr val="000000"/>
-                </a:solidFill>
-                <a:round/>
-                <a:headEnd/>
-                <a:tailEnd/>
-              </a14:hiddenLine>
-            </a:ext>
-            <a:ext uri="{AF507438-7753-43e0-B8FC-AC1667EBCBE1}">
-              <a14:hiddenEffects xmlns:a14="http://schemas.microsoft.com/office/drawing/2010/main">
-                <a:effectLst>
-                  <a:outerShdw blurRad="63500" dist="38099" dir="2700000" algn="ctr" rotWithShape="0">
-                    <a:srgbClr val="000000">
-                      <a:alpha val="74998"/>
-                    </a:srgbClr>
-                  </a:outerShdw>
-                </a:effectLst>
-              </a14:hiddenEffects>
-            </a:ext>
-          </a:extLst>
-        </p:spPr>
-      </p:pic>
-      <p:sp>
-        <p:nvSpPr>
-          <p:cNvPr id="3" name="TextBox 2"/>
-          <p:cNvSpPr txBox="1"/>
-          <p:nvPr/>
-        </p:nvSpPr>
         <p:spPr>
           <a:xfrm>
-            <a:off x="4995333" y="1475619"/>
-            <a:ext cx="2987524" cy="2308324"/>
+            <a:off x="3168952" y="1856619"/>
+            <a:ext cx="3048000" cy="4381500"/>
           </a:xfrm>
           <a:prstGeom prst="rect">
             <a:avLst/>
           </a:prstGeom>
-          <a:solidFill>
-            <a:schemeClr val="bg1"/>
-          </a:solidFill>
-          <a:ln w="28575" cap="flat" cmpd="sng">
+        </p:spPr>
+      </p:pic>
+      <p:pic>
+        <p:nvPicPr>
+          <p:cNvPr id="9" name="Picture 8" descr="Screenshot_12.png"/>
+          <p:cNvPicPr>
+            <a:picLocks noChangeAspect="1"/>
+          </p:cNvPicPr>
+          <p:nvPr/>
+        </p:nvPicPr>
+        <p:blipFill rotWithShape="1">
+          <a:blip r:embed="rId4">
+            <a:extLst>
+              <a:ext uri="{28A0092B-C50C-407E-A947-70E740481C1C}">
+                <a14:useLocalDpi xmlns:a14="http://schemas.microsoft.com/office/drawing/2010/main" val="0"/>
+              </a:ext>
+            </a:extLst>
+          </a:blip>
+          <a:srcRect t="1" b="35403"/>
+          <a:stretch/>
+        </p:blipFill>
+        <p:spPr>
+          <a:xfrm>
+            <a:off x="3168952" y="1342572"/>
+            <a:ext cx="3048000" cy="2830286"/>
+          </a:xfrm>
+          <a:prstGeom prst="rect">
+            <a:avLst/>
+          </a:prstGeom>
+        </p:spPr>
+      </p:pic>
+      <p:cxnSp>
+        <p:nvCxnSpPr>
+          <p:cNvPr id="11" name="Curved Connector 10"/>
+          <p:cNvCxnSpPr/>
+          <p:nvPr/>
+        </p:nvCxnSpPr>
+        <p:spPr>
+          <a:xfrm flipV="1">
+            <a:off x="2890761" y="3979328"/>
+            <a:ext cx="3657600" cy="241905"/>
+          </a:xfrm>
+          <a:prstGeom prst="curvedConnector3">
+            <a:avLst/>
+          </a:prstGeom>
+          <a:ln w="254000" cmpd="sng">
             <a:solidFill>
-              <a:schemeClr val="accent2"/>
+              <a:schemeClr val="bg1"/>
             </a:solidFill>
           </a:ln>
           <a:effectLst>
-            <a:outerShdw blurRad="50800" dist="38100" dir="2700000" algn="tl" rotWithShape="0">
-              <a:prstClr val="black">
-                <a:alpha val="40000"/>
-              </a:prstClr>
+            <a:outerShdw blurRad="40005" dist="19939" dir="5400000" algn="tl" rotWithShape="0">
+              <a:srgbClr val="000000">
+                <a:alpha val="38000"/>
+              </a:srgbClr>
             </a:outerShdw>
           </a:effectLst>
         </p:spPr>
-        <p:txBody>
-          <a:bodyPr wrap="square" rtlCol="0">
-            <a:spAutoFit/>
-          </a:bodyPr>
-          <a:lstStyle/>
-          <a:p>
-            <a:r>
-              <a:rPr lang="en-US" dirty="0" smtClean="0"/>
-              <a:t>Create a customized table with some more extended event handling, maybe something from the Lulu app?</a:t>
-            </a:r>
-            <a:endParaRPr lang="en-US" dirty="0"/>
-          </a:p>
-        </p:txBody>
-      </p:sp>
+        <p:style>
+          <a:lnRef idx="2">
+            <a:schemeClr val="accent1"/>
+          </a:lnRef>
+          <a:fillRef idx="0">
+            <a:schemeClr val="accent1"/>
+          </a:fillRef>
+          <a:effectRef idx="1">
+            <a:schemeClr val="accent1"/>
+          </a:effectRef>
+          <a:fontRef idx="minor">
+            <a:schemeClr val="tx1"/>
+          </a:fontRef>
+        </p:style>
+      </p:cxnSp>
     </p:spTree>
     <p:extLst>
       <p:ext uri="{BB962C8B-B14F-4D97-AF65-F5344CB8AC3E}">
@@ -12696,11 +12703,7 @@
             </a:r>
             <a:r>
               <a:rPr lang="en-US" dirty="0" smtClean="0"/>
-              <a:t>Basics and </a:t>
-            </a:r>
-            <a:r>
-              <a:rPr lang="en-US" dirty="0" smtClean="0"/>
-              <a:t>Beyond</a:t>
+              <a:t>Basics and Beyond</a:t>
             </a:r>
           </a:p>
           <a:p>
@@ -12711,7 +12714,6 @@
               <a:rPr lang="en-US" dirty="0" smtClean="0"/>
               <a:t>Headers, Footers, and Sections</a:t>
             </a:r>
-            <a:endParaRPr lang="en-US" dirty="0" smtClean="0"/>
           </a:p>
           <a:p>
             <a:endParaRPr lang="en-US" dirty="0"/>
@@ -12721,7 +12723,6 @@
               <a:rPr lang="en-US" dirty="0" smtClean="0"/>
               <a:t>Events and Extras</a:t>
             </a:r>
-            <a:endParaRPr lang="en-US" dirty="0" smtClean="0"/>
           </a:p>
         </p:txBody>
       </p:sp>
